--- a/docs/Presentacion Final/Tempore – Manejá tus tiempos.pptx
+++ b/docs/Presentacion Final/Tempore – Manejá tus tiempos.pptx
@@ -113,6 +113,2718 @@
 </p:presentation>
 </file>
 
+<file path=ppt/diagrams/colors1.xml><?xml version="1.0" encoding="utf-8"?>
+<dgm:colorsDef xmlns:dgm="http://schemas.openxmlformats.org/drawingml/2006/diagram" xmlns:a="http://schemas.openxmlformats.org/drawingml/2006/main" uniqueId="urn:microsoft.com/office/officeart/2005/8/colors/accent3_4">
+  <dgm:title val=""/>
+  <dgm:desc val=""/>
+  <dgm:catLst>
+    <dgm:cat type="accent3" pri="11400"/>
+  </dgm:catLst>
+  <dgm:styleLbl name="node0">
+    <dgm:fillClrLst meth="cycle">
+      <a:schemeClr val="accent3">
+        <a:shade val="60000"/>
+      </a:schemeClr>
+    </dgm:fillClrLst>
+    <dgm:linClrLst meth="repeat">
+      <a:schemeClr val="lt1"/>
+    </dgm:linClrLst>
+    <dgm:effectClrLst/>
+    <dgm:txLinClrLst/>
+    <dgm:txFillClrLst/>
+    <dgm:txEffectClrLst/>
+  </dgm:styleLbl>
+  <dgm:styleLbl name="node1">
+    <dgm:fillClrLst meth="cycle">
+      <a:schemeClr val="accent3">
+        <a:shade val="50000"/>
+      </a:schemeClr>
+      <a:schemeClr val="accent3">
+        <a:tint val="55000"/>
+      </a:schemeClr>
+    </dgm:fillClrLst>
+    <dgm:linClrLst meth="repeat">
+      <a:schemeClr val="lt1"/>
+    </dgm:linClrLst>
+    <dgm:effectClrLst/>
+    <dgm:txLinClrLst/>
+    <dgm:txFillClrLst/>
+    <dgm:txEffectClrLst/>
+  </dgm:styleLbl>
+  <dgm:styleLbl name="alignNode1">
+    <dgm:fillClrLst meth="cycle">
+      <a:schemeClr val="accent3">
+        <a:shade val="50000"/>
+      </a:schemeClr>
+      <a:schemeClr val="accent3">
+        <a:tint val="55000"/>
+      </a:schemeClr>
+    </dgm:fillClrLst>
+    <dgm:linClrLst meth="cycle">
+      <a:schemeClr val="accent3">
+        <a:shade val="50000"/>
+      </a:schemeClr>
+      <a:schemeClr val="accent3">
+        <a:tint val="55000"/>
+      </a:schemeClr>
+    </dgm:linClrLst>
+    <dgm:effectClrLst/>
+    <dgm:txLinClrLst/>
+    <dgm:txFillClrLst/>
+    <dgm:txEffectClrLst/>
+  </dgm:styleLbl>
+  <dgm:styleLbl name="lnNode1">
+    <dgm:fillClrLst meth="cycle">
+      <a:schemeClr val="accent3">
+        <a:shade val="50000"/>
+      </a:schemeClr>
+      <a:schemeClr val="accent3">
+        <a:tint val="55000"/>
+      </a:schemeClr>
+    </dgm:fillClrLst>
+    <dgm:linClrLst meth="repeat">
+      <a:schemeClr val="lt1"/>
+    </dgm:linClrLst>
+    <dgm:effectClrLst/>
+    <dgm:txLinClrLst/>
+    <dgm:txFillClrLst/>
+    <dgm:txEffectClrLst/>
+  </dgm:styleLbl>
+  <dgm:styleLbl name="vennNode1">
+    <dgm:fillClrLst meth="cycle">
+      <a:schemeClr val="accent3">
+        <a:shade val="80000"/>
+        <a:alpha val="50000"/>
+      </a:schemeClr>
+      <a:schemeClr val="accent3">
+        <a:tint val="50000"/>
+        <a:alpha val="50000"/>
+      </a:schemeClr>
+    </dgm:fillClrLst>
+    <dgm:linClrLst meth="repeat">
+      <a:schemeClr val="lt1"/>
+    </dgm:linClrLst>
+    <dgm:effectClrLst/>
+    <dgm:txLinClrLst/>
+    <dgm:txFillClrLst/>
+    <dgm:txEffectClrLst/>
+  </dgm:styleLbl>
+  <dgm:styleLbl name="node2">
+    <dgm:fillClrLst>
+      <a:schemeClr val="accent3">
+        <a:shade val="80000"/>
+      </a:schemeClr>
+    </dgm:fillClrLst>
+    <dgm:linClrLst meth="repeat">
+      <a:schemeClr val="lt1"/>
+    </dgm:linClrLst>
+    <dgm:effectClrLst/>
+    <dgm:txLinClrLst/>
+    <dgm:txFillClrLst/>
+    <dgm:txEffectClrLst/>
+  </dgm:styleLbl>
+  <dgm:styleLbl name="node3">
+    <dgm:fillClrLst>
+      <a:schemeClr val="accent3">
+        <a:tint val="99000"/>
+      </a:schemeClr>
+    </dgm:fillClrLst>
+    <dgm:linClrLst meth="repeat">
+      <a:schemeClr val="lt1"/>
+    </dgm:linClrLst>
+    <dgm:effectClrLst/>
+    <dgm:txLinClrLst/>
+    <dgm:txFillClrLst/>
+    <dgm:txEffectClrLst/>
+  </dgm:styleLbl>
+  <dgm:styleLbl name="node4">
+    <dgm:fillClrLst>
+      <a:schemeClr val="accent3">
+        <a:tint val="70000"/>
+      </a:schemeClr>
+    </dgm:fillClrLst>
+    <dgm:linClrLst meth="repeat">
+      <a:schemeClr val="lt1"/>
+    </dgm:linClrLst>
+    <dgm:effectClrLst/>
+    <dgm:txLinClrLst/>
+    <dgm:txFillClrLst/>
+    <dgm:txEffectClrLst/>
+  </dgm:styleLbl>
+  <dgm:styleLbl name="fgImgPlace1">
+    <dgm:fillClrLst>
+      <a:schemeClr val="accent3">
+        <a:tint val="50000"/>
+      </a:schemeClr>
+      <a:schemeClr val="accent3">
+        <a:tint val="55000"/>
+      </a:schemeClr>
+    </dgm:fillClrLst>
+    <dgm:linClrLst meth="repeat">
+      <a:schemeClr val="lt1"/>
+    </dgm:linClrLst>
+    <dgm:effectClrLst/>
+    <dgm:txLinClrLst/>
+    <dgm:txFillClrLst meth="repeat">
+      <a:schemeClr val="lt1"/>
+    </dgm:txFillClrLst>
+    <dgm:txEffectClrLst/>
+  </dgm:styleLbl>
+  <dgm:styleLbl name="alignImgPlace1">
+    <dgm:fillClrLst>
+      <a:schemeClr val="accent3">
+        <a:tint val="50000"/>
+      </a:schemeClr>
+      <a:schemeClr val="accent3">
+        <a:tint val="55000"/>
+      </a:schemeClr>
+    </dgm:fillClrLst>
+    <dgm:linClrLst meth="repeat">
+      <a:schemeClr val="lt1"/>
+    </dgm:linClrLst>
+    <dgm:effectClrLst/>
+    <dgm:txLinClrLst/>
+    <dgm:txFillClrLst meth="repeat">
+      <a:schemeClr val="lt1"/>
+    </dgm:txFillClrLst>
+    <dgm:txEffectClrLst/>
+  </dgm:styleLbl>
+  <dgm:styleLbl name="bgImgPlace1">
+    <dgm:fillClrLst>
+      <a:schemeClr val="accent3">
+        <a:tint val="50000"/>
+      </a:schemeClr>
+      <a:schemeClr val="accent3">
+        <a:tint val="55000"/>
+      </a:schemeClr>
+    </dgm:fillClrLst>
+    <dgm:linClrLst meth="repeat">
+      <a:schemeClr val="lt1"/>
+    </dgm:linClrLst>
+    <dgm:effectClrLst/>
+    <dgm:txLinClrLst/>
+    <dgm:txFillClrLst meth="repeat">
+      <a:schemeClr val="lt1"/>
+    </dgm:txFillClrLst>
+    <dgm:txEffectClrLst/>
+  </dgm:styleLbl>
+  <dgm:styleLbl name="sibTrans2D1">
+    <dgm:fillClrLst meth="cycle">
+      <a:schemeClr val="accent3">
+        <a:shade val="90000"/>
+      </a:schemeClr>
+      <a:schemeClr val="accent3">
+        <a:tint val="50000"/>
+      </a:schemeClr>
+    </dgm:fillClrLst>
+    <dgm:linClrLst meth="cycle">
+      <a:schemeClr val="accent3">
+        <a:shade val="90000"/>
+      </a:schemeClr>
+      <a:schemeClr val="accent3">
+        <a:tint val="50000"/>
+      </a:schemeClr>
+    </dgm:linClrLst>
+    <dgm:effectClrLst/>
+    <dgm:txLinClrLst/>
+    <dgm:txFillClrLst/>
+    <dgm:txEffectClrLst/>
+  </dgm:styleLbl>
+  <dgm:styleLbl name="fgSibTrans2D1">
+    <dgm:fillClrLst meth="cycle">
+      <a:schemeClr val="accent3">
+        <a:shade val="90000"/>
+      </a:schemeClr>
+      <a:schemeClr val="accent3">
+        <a:tint val="50000"/>
+      </a:schemeClr>
+    </dgm:fillClrLst>
+    <dgm:linClrLst meth="cycle">
+      <a:schemeClr val="accent3">
+        <a:shade val="90000"/>
+      </a:schemeClr>
+      <a:schemeClr val="accent3">
+        <a:tint val="50000"/>
+      </a:schemeClr>
+    </dgm:linClrLst>
+    <dgm:effectClrLst/>
+    <dgm:txLinClrLst/>
+    <dgm:txFillClrLst/>
+    <dgm:txEffectClrLst/>
+  </dgm:styleLbl>
+  <dgm:styleLbl name="bgSibTrans2D1">
+    <dgm:fillClrLst meth="cycle">
+      <a:schemeClr val="accent3">
+        <a:shade val="90000"/>
+      </a:schemeClr>
+      <a:schemeClr val="accent3">
+        <a:tint val="50000"/>
+      </a:schemeClr>
+    </dgm:fillClrLst>
+    <dgm:linClrLst meth="cycle">
+      <a:schemeClr val="accent3">
+        <a:shade val="90000"/>
+      </a:schemeClr>
+      <a:schemeClr val="accent3">
+        <a:tint val="50000"/>
+      </a:schemeClr>
+    </dgm:linClrLst>
+    <dgm:effectClrLst/>
+    <dgm:txLinClrLst/>
+    <dgm:txFillClrLst/>
+    <dgm:txEffectClrLst/>
+  </dgm:styleLbl>
+  <dgm:styleLbl name="sibTrans1D1">
+    <dgm:fillClrLst meth="cycle">
+      <a:schemeClr val="accent3">
+        <a:shade val="90000"/>
+      </a:schemeClr>
+      <a:schemeClr val="accent3">
+        <a:tint val="50000"/>
+      </a:schemeClr>
+    </dgm:fillClrLst>
+    <dgm:linClrLst meth="cycle">
+      <a:schemeClr val="accent3">
+        <a:shade val="90000"/>
+      </a:schemeClr>
+      <a:schemeClr val="accent3">
+        <a:tint val="50000"/>
+      </a:schemeClr>
+    </dgm:linClrLst>
+    <dgm:effectClrLst/>
+    <dgm:txLinClrLst/>
+    <dgm:txFillClrLst meth="repeat">
+      <a:schemeClr val="tx1"/>
+    </dgm:txFillClrLst>
+    <dgm:txEffectClrLst/>
+  </dgm:styleLbl>
+  <dgm:styleLbl name="callout">
+    <dgm:fillClrLst meth="repeat">
+      <a:schemeClr val="accent3"/>
+    </dgm:fillClrLst>
+    <dgm:linClrLst meth="repeat">
+      <a:schemeClr val="accent3"/>
+    </dgm:linClrLst>
+    <dgm:effectClrLst/>
+    <dgm:txLinClrLst/>
+    <dgm:txFillClrLst meth="repeat">
+      <a:schemeClr val="tx1"/>
+    </dgm:txFillClrLst>
+    <dgm:txEffectClrLst/>
+  </dgm:styleLbl>
+  <dgm:styleLbl name="asst0">
+    <dgm:fillClrLst meth="repeat">
+      <a:schemeClr val="accent3">
+        <a:shade val="80000"/>
+      </a:schemeClr>
+    </dgm:fillClrLst>
+    <dgm:linClrLst meth="repeat">
+      <a:schemeClr val="lt1"/>
+    </dgm:linClrLst>
+    <dgm:effectClrLst/>
+    <dgm:txLinClrLst/>
+    <dgm:txFillClrLst/>
+    <dgm:txEffectClrLst/>
+  </dgm:styleLbl>
+  <dgm:styleLbl name="asst1">
+    <dgm:fillClrLst meth="repeat">
+      <a:schemeClr val="accent3">
+        <a:shade val="80000"/>
+      </a:schemeClr>
+    </dgm:fillClrLst>
+    <dgm:linClrLst meth="repeat">
+      <a:schemeClr val="lt1"/>
+    </dgm:linClrLst>
+    <dgm:effectClrLst/>
+    <dgm:txLinClrLst/>
+    <dgm:txFillClrLst/>
+    <dgm:txEffectClrLst/>
+  </dgm:styleLbl>
+  <dgm:styleLbl name="asst2">
+    <dgm:fillClrLst>
+      <a:schemeClr val="accent3">
+        <a:tint val="90000"/>
+      </a:schemeClr>
+    </dgm:fillClrLst>
+    <dgm:linClrLst meth="repeat">
+      <a:schemeClr val="lt1"/>
+    </dgm:linClrLst>
+    <dgm:effectClrLst/>
+    <dgm:txLinClrLst/>
+    <dgm:txFillClrLst/>
+    <dgm:txEffectClrLst/>
+  </dgm:styleLbl>
+  <dgm:styleLbl name="asst3">
+    <dgm:fillClrLst>
+      <a:schemeClr val="accent3">
+        <a:tint val="70000"/>
+      </a:schemeClr>
+    </dgm:fillClrLst>
+    <dgm:linClrLst meth="repeat">
+      <a:schemeClr val="lt1"/>
+    </dgm:linClrLst>
+    <dgm:effectClrLst/>
+    <dgm:txLinClrLst/>
+    <dgm:txFillClrLst/>
+    <dgm:txEffectClrLst/>
+  </dgm:styleLbl>
+  <dgm:styleLbl name="asst4">
+    <dgm:fillClrLst>
+      <a:schemeClr val="accent3">
+        <a:tint val="50000"/>
+      </a:schemeClr>
+    </dgm:fillClrLst>
+    <dgm:linClrLst meth="repeat">
+      <a:schemeClr val="lt1"/>
+    </dgm:linClrLst>
+    <dgm:effectClrLst/>
+    <dgm:txLinClrLst/>
+    <dgm:txFillClrLst/>
+    <dgm:txEffectClrLst/>
+  </dgm:styleLbl>
+  <dgm:styleLbl name="parChTrans2D1">
+    <dgm:fillClrLst meth="repeat">
+      <a:schemeClr val="accent3">
+        <a:tint val="60000"/>
+      </a:schemeClr>
+    </dgm:fillClrLst>
+    <dgm:linClrLst meth="repeat">
+      <a:schemeClr val="accent3">
+        <a:shade val="80000"/>
+      </a:schemeClr>
+    </dgm:linClrLst>
+    <dgm:effectClrLst/>
+    <dgm:txLinClrLst/>
+    <dgm:txFillClrLst/>
+    <dgm:txEffectClrLst/>
+  </dgm:styleLbl>
+  <dgm:styleLbl name="parChTrans2D2">
+    <dgm:fillClrLst meth="repeat">
+      <a:schemeClr val="accent3">
+        <a:tint val="90000"/>
+      </a:schemeClr>
+    </dgm:fillClrLst>
+    <dgm:linClrLst meth="repeat">
+      <a:schemeClr val="accent3">
+        <a:tint val="90000"/>
+      </a:schemeClr>
+    </dgm:linClrLst>
+    <dgm:effectClrLst/>
+    <dgm:txLinClrLst/>
+    <dgm:txFillClrLst/>
+    <dgm:txEffectClrLst/>
+  </dgm:styleLbl>
+  <dgm:styleLbl name="parChTrans2D3">
+    <dgm:fillClrLst meth="repeat">
+      <a:schemeClr val="accent3">
+        <a:tint val="70000"/>
+      </a:schemeClr>
+    </dgm:fillClrLst>
+    <dgm:linClrLst meth="repeat">
+      <a:schemeClr val="accent3">
+        <a:tint val="70000"/>
+      </a:schemeClr>
+    </dgm:linClrLst>
+    <dgm:effectClrLst/>
+    <dgm:txLinClrLst/>
+    <dgm:txFillClrLst/>
+    <dgm:txEffectClrLst/>
+  </dgm:styleLbl>
+  <dgm:styleLbl name="parChTrans2D4">
+    <dgm:fillClrLst meth="repeat">
+      <a:schemeClr val="accent3">
+        <a:tint val="50000"/>
+      </a:schemeClr>
+    </dgm:fillClrLst>
+    <dgm:linClrLst meth="repeat">
+      <a:schemeClr val="accent3">
+        <a:tint val="50000"/>
+      </a:schemeClr>
+    </dgm:linClrLst>
+    <dgm:effectClrLst/>
+    <dgm:txLinClrLst/>
+    <dgm:txFillClrLst meth="repeat">
+      <a:schemeClr val="dk1"/>
+    </dgm:txFillClrLst>
+    <dgm:txEffectClrLst/>
+  </dgm:styleLbl>
+  <dgm:styleLbl name="parChTrans1D1">
+    <dgm:fillClrLst meth="repeat">
+      <a:schemeClr val="accent3">
+        <a:shade val="80000"/>
+      </a:schemeClr>
+    </dgm:fillClrLst>
+    <dgm:linClrLst meth="repeat">
+      <a:schemeClr val="accent3">
+        <a:shade val="80000"/>
+      </a:schemeClr>
+    </dgm:linClrLst>
+    <dgm:effectClrLst/>
+    <dgm:txLinClrLst/>
+    <dgm:txFillClrLst meth="repeat">
+      <a:schemeClr val="tx1"/>
+    </dgm:txFillClrLst>
+    <dgm:txEffectClrLst/>
+  </dgm:styleLbl>
+  <dgm:styleLbl name="parChTrans1D2">
+    <dgm:fillClrLst meth="repeat">
+      <a:schemeClr val="accent3">
+        <a:tint val="90000"/>
+      </a:schemeClr>
+    </dgm:fillClrLst>
+    <dgm:linClrLst meth="repeat">
+      <a:schemeClr val="accent3">
+        <a:tint val="90000"/>
+      </a:schemeClr>
+    </dgm:linClrLst>
+    <dgm:effectClrLst/>
+    <dgm:txLinClrLst/>
+    <dgm:txFillClrLst meth="repeat">
+      <a:schemeClr val="tx1"/>
+    </dgm:txFillClrLst>
+    <dgm:txEffectClrLst/>
+  </dgm:styleLbl>
+  <dgm:styleLbl name="parChTrans1D3">
+    <dgm:fillClrLst meth="repeat">
+      <a:schemeClr val="accent3">
+        <a:tint val="70000"/>
+      </a:schemeClr>
+    </dgm:fillClrLst>
+    <dgm:linClrLst meth="repeat">
+      <a:schemeClr val="accent3">
+        <a:tint val="70000"/>
+      </a:schemeClr>
+    </dgm:linClrLst>
+    <dgm:effectClrLst/>
+    <dgm:txLinClrLst/>
+    <dgm:txFillClrLst meth="repeat">
+      <a:schemeClr val="tx1"/>
+    </dgm:txFillClrLst>
+    <dgm:txEffectClrLst/>
+  </dgm:styleLbl>
+  <dgm:styleLbl name="parChTrans1D4">
+    <dgm:fillClrLst meth="repeat">
+      <a:schemeClr val="accent3">
+        <a:tint val="50000"/>
+      </a:schemeClr>
+    </dgm:fillClrLst>
+    <dgm:linClrLst meth="repeat">
+      <a:schemeClr val="accent3">
+        <a:tint val="50000"/>
+      </a:schemeClr>
+    </dgm:linClrLst>
+    <dgm:effectClrLst/>
+    <dgm:txLinClrLst/>
+    <dgm:txFillClrLst meth="repeat">
+      <a:schemeClr val="tx1"/>
+    </dgm:txFillClrLst>
+    <dgm:txEffectClrLst/>
+  </dgm:styleLbl>
+  <dgm:styleLbl name="fgAcc1">
+    <dgm:fillClrLst meth="repeat">
+      <a:schemeClr val="lt1">
+        <a:alpha val="90000"/>
+      </a:schemeClr>
+    </dgm:fillClrLst>
+    <dgm:linClrLst meth="cycle">
+      <a:schemeClr val="accent3">
+        <a:shade val="50000"/>
+      </a:schemeClr>
+      <a:schemeClr val="accent3">
+        <a:tint val="55000"/>
+      </a:schemeClr>
+    </dgm:linClrLst>
+    <dgm:effectClrLst/>
+    <dgm:txLinClrLst/>
+    <dgm:txFillClrLst meth="repeat">
+      <a:schemeClr val="dk1"/>
+    </dgm:txFillClrLst>
+    <dgm:txEffectClrLst/>
+  </dgm:styleLbl>
+  <dgm:styleLbl name="conFgAcc1">
+    <dgm:fillClrLst meth="repeat">
+      <a:schemeClr val="lt1">
+        <a:alpha val="90000"/>
+      </a:schemeClr>
+    </dgm:fillClrLst>
+    <dgm:linClrLst meth="cycle">
+      <a:schemeClr val="accent3">
+        <a:shade val="50000"/>
+      </a:schemeClr>
+      <a:schemeClr val="accent3">
+        <a:tint val="55000"/>
+      </a:schemeClr>
+    </dgm:linClrLst>
+    <dgm:effectClrLst/>
+    <dgm:txLinClrLst/>
+    <dgm:txFillClrLst meth="repeat">
+      <a:schemeClr val="dk1"/>
+    </dgm:txFillClrLst>
+    <dgm:txEffectClrLst/>
+  </dgm:styleLbl>
+  <dgm:styleLbl name="alignAcc1">
+    <dgm:fillClrLst meth="repeat">
+      <a:schemeClr val="lt1">
+        <a:alpha val="90000"/>
+      </a:schemeClr>
+    </dgm:fillClrLst>
+    <dgm:linClrLst meth="cycle">
+      <a:schemeClr val="accent3">
+        <a:shade val="50000"/>
+      </a:schemeClr>
+      <a:schemeClr val="accent3">
+        <a:tint val="55000"/>
+      </a:schemeClr>
+    </dgm:linClrLst>
+    <dgm:effectClrLst/>
+    <dgm:txLinClrLst/>
+    <dgm:txFillClrLst meth="repeat">
+      <a:schemeClr val="dk1"/>
+    </dgm:txFillClrLst>
+    <dgm:txEffectClrLst/>
+  </dgm:styleLbl>
+  <dgm:styleLbl name="trAlignAcc1">
+    <dgm:fillClrLst meth="repeat">
+      <a:schemeClr val="lt1">
+        <a:alpha val="55000"/>
+      </a:schemeClr>
+    </dgm:fillClrLst>
+    <dgm:linClrLst meth="repeat">
+      <a:schemeClr val="accent3"/>
+    </dgm:linClrLst>
+    <dgm:effectClrLst/>
+    <dgm:txLinClrLst/>
+    <dgm:txFillClrLst meth="repeat">
+      <a:schemeClr val="dk1"/>
+    </dgm:txFillClrLst>
+    <dgm:txEffectClrLst/>
+  </dgm:styleLbl>
+  <dgm:styleLbl name="bgAcc1">
+    <dgm:fillClrLst meth="repeat">
+      <a:schemeClr val="lt1">
+        <a:alpha val="90000"/>
+      </a:schemeClr>
+    </dgm:fillClrLst>
+    <dgm:linClrLst meth="cycle">
+      <a:schemeClr val="accent3">
+        <a:shade val="50000"/>
+      </a:schemeClr>
+      <a:schemeClr val="accent3">
+        <a:tint val="55000"/>
+      </a:schemeClr>
+    </dgm:linClrLst>
+    <dgm:effectClrLst/>
+    <dgm:txLinClrLst/>
+    <dgm:txFillClrLst meth="repeat">
+      <a:schemeClr val="dk1"/>
+    </dgm:txFillClrLst>
+    <dgm:txEffectClrLst/>
+  </dgm:styleLbl>
+  <dgm:styleLbl name="solidFgAcc1">
+    <dgm:fillClrLst meth="repeat">
+      <a:schemeClr val="lt1"/>
+    </dgm:fillClrLst>
+    <dgm:linClrLst meth="cycle">
+      <a:schemeClr val="accent3">
+        <a:shade val="50000"/>
+      </a:schemeClr>
+      <a:schemeClr val="accent3">
+        <a:tint val="55000"/>
+      </a:schemeClr>
+    </dgm:linClrLst>
+    <dgm:effectClrLst/>
+    <dgm:txLinClrLst/>
+    <dgm:txFillClrLst meth="repeat">
+      <a:schemeClr val="dk1"/>
+    </dgm:txFillClrLst>
+    <dgm:txEffectClrLst/>
+  </dgm:styleLbl>
+  <dgm:styleLbl name="solidAlignAcc1">
+    <dgm:fillClrLst meth="repeat">
+      <a:schemeClr val="lt1"/>
+    </dgm:fillClrLst>
+    <dgm:linClrLst meth="repeat">
+      <a:schemeClr val="accent3"/>
+    </dgm:linClrLst>
+    <dgm:effectClrLst/>
+    <dgm:txLinClrLst/>
+    <dgm:txFillClrLst meth="repeat">
+      <a:schemeClr val="dk1"/>
+    </dgm:txFillClrLst>
+    <dgm:txEffectClrLst/>
+  </dgm:styleLbl>
+  <dgm:styleLbl name="solidBgAcc1">
+    <dgm:fillClrLst meth="repeat">
+      <a:schemeClr val="lt1"/>
+    </dgm:fillClrLst>
+    <dgm:linClrLst meth="repeat">
+      <a:schemeClr val="accent3"/>
+    </dgm:linClrLst>
+    <dgm:effectClrLst/>
+    <dgm:txLinClrLst/>
+    <dgm:txFillClrLst meth="repeat">
+      <a:schemeClr val="dk1"/>
+    </dgm:txFillClrLst>
+    <dgm:txEffectClrLst/>
+  </dgm:styleLbl>
+  <dgm:styleLbl name="fgAccFollowNode1">
+    <dgm:fillClrLst meth="repeat">
+      <a:schemeClr val="accent3">
+        <a:alpha val="90000"/>
+        <a:tint val="55000"/>
+      </a:schemeClr>
+    </dgm:fillClrLst>
+    <dgm:linClrLst meth="repeat">
+      <a:schemeClr val="accent3">
+        <a:alpha val="90000"/>
+        <a:tint val="55000"/>
+      </a:schemeClr>
+    </dgm:linClrLst>
+    <dgm:effectClrLst/>
+    <dgm:txLinClrLst/>
+    <dgm:txFillClrLst meth="repeat">
+      <a:schemeClr val="dk1"/>
+    </dgm:txFillClrLst>
+    <dgm:txEffectClrLst/>
+  </dgm:styleLbl>
+  <dgm:styleLbl name="alignAccFollowNode1">
+    <dgm:fillClrLst meth="repeat">
+      <a:schemeClr val="accent3">
+        <a:alpha val="90000"/>
+        <a:tint val="55000"/>
+      </a:schemeClr>
+    </dgm:fillClrLst>
+    <dgm:linClrLst meth="repeat">
+      <a:schemeClr val="accent3">
+        <a:alpha val="90000"/>
+        <a:tint val="55000"/>
+      </a:schemeClr>
+    </dgm:linClrLst>
+    <dgm:effectClrLst/>
+    <dgm:txLinClrLst/>
+    <dgm:txFillClrLst meth="repeat">
+      <a:schemeClr val="dk1"/>
+    </dgm:txFillClrLst>
+    <dgm:txEffectClrLst/>
+  </dgm:styleLbl>
+  <dgm:styleLbl name="bgAccFollowNode1">
+    <dgm:fillClrLst meth="repeat">
+      <a:schemeClr val="accent3">
+        <a:alpha val="90000"/>
+        <a:tint val="55000"/>
+      </a:schemeClr>
+    </dgm:fillClrLst>
+    <dgm:linClrLst meth="repeat">
+      <a:schemeClr val="lt1"/>
+    </dgm:linClrLst>
+    <dgm:effectClrLst/>
+    <dgm:txLinClrLst/>
+    <dgm:txFillClrLst meth="repeat">
+      <a:schemeClr val="dk1"/>
+    </dgm:txFillClrLst>
+    <dgm:txEffectClrLst/>
+  </dgm:styleLbl>
+  <dgm:styleLbl name="fgAcc0">
+    <dgm:fillClrLst meth="repeat">
+      <a:schemeClr val="lt1">
+        <a:alpha val="90000"/>
+      </a:schemeClr>
+    </dgm:fillClrLst>
+    <dgm:linClrLst meth="repeat">
+      <a:schemeClr val="accent3">
+        <a:shade val="80000"/>
+      </a:schemeClr>
+    </dgm:linClrLst>
+    <dgm:effectClrLst/>
+    <dgm:txLinClrLst/>
+    <dgm:txFillClrLst meth="repeat">
+      <a:schemeClr val="dk1"/>
+    </dgm:txFillClrLst>
+    <dgm:txEffectClrLst/>
+  </dgm:styleLbl>
+  <dgm:styleLbl name="fgAcc2">
+    <dgm:fillClrLst meth="repeat">
+      <a:schemeClr val="lt1">
+        <a:alpha val="90000"/>
+      </a:schemeClr>
+    </dgm:fillClrLst>
+    <dgm:linClrLst meth="repeat">
+      <a:schemeClr val="accent3">
+        <a:tint val="90000"/>
+      </a:schemeClr>
+    </dgm:linClrLst>
+    <dgm:effectClrLst/>
+    <dgm:txLinClrLst/>
+    <dgm:txFillClrLst meth="repeat">
+      <a:schemeClr val="dk1"/>
+    </dgm:txFillClrLst>
+    <dgm:txEffectClrLst/>
+  </dgm:styleLbl>
+  <dgm:styleLbl name="fgAcc3">
+    <dgm:fillClrLst meth="repeat">
+      <a:schemeClr val="lt1">
+        <a:alpha val="90000"/>
+      </a:schemeClr>
+    </dgm:fillClrLst>
+    <dgm:linClrLst meth="repeat">
+      <a:schemeClr val="accent3">
+        <a:tint val="70000"/>
+      </a:schemeClr>
+    </dgm:linClrLst>
+    <dgm:effectClrLst/>
+    <dgm:txLinClrLst/>
+    <dgm:txFillClrLst meth="repeat">
+      <a:schemeClr val="dk1"/>
+    </dgm:txFillClrLst>
+    <dgm:txEffectClrLst/>
+  </dgm:styleLbl>
+  <dgm:styleLbl name="fgAcc4">
+    <dgm:fillClrLst meth="repeat">
+      <a:schemeClr val="lt1">
+        <a:alpha val="90000"/>
+      </a:schemeClr>
+    </dgm:fillClrLst>
+    <dgm:linClrLst meth="repeat">
+      <a:schemeClr val="accent3">
+        <a:tint val="50000"/>
+      </a:schemeClr>
+    </dgm:linClrLst>
+    <dgm:effectClrLst/>
+    <dgm:txLinClrLst/>
+    <dgm:txFillClrLst meth="repeat">
+      <a:schemeClr val="dk1"/>
+    </dgm:txFillClrLst>
+    <dgm:txEffectClrLst/>
+  </dgm:styleLbl>
+  <dgm:styleLbl name="bgShp">
+    <dgm:fillClrLst meth="repeat">
+      <a:schemeClr val="accent3">
+        <a:tint val="55000"/>
+      </a:schemeClr>
+    </dgm:fillClrLst>
+    <dgm:linClrLst meth="repeat">
+      <a:schemeClr val="dk1"/>
+    </dgm:linClrLst>
+    <dgm:effectClrLst/>
+    <dgm:txLinClrLst/>
+    <dgm:txFillClrLst meth="repeat">
+      <a:schemeClr val="dk1"/>
+    </dgm:txFillClrLst>
+    <dgm:txEffectClrLst/>
+  </dgm:styleLbl>
+  <dgm:styleLbl name="dkBgShp">
+    <dgm:fillClrLst meth="repeat">
+      <a:schemeClr val="accent3">
+        <a:shade val="90000"/>
+      </a:schemeClr>
+    </dgm:fillClrLst>
+    <dgm:linClrLst meth="repeat">
+      <a:schemeClr val="dk1"/>
+    </dgm:linClrLst>
+    <dgm:effectClrLst/>
+    <dgm:txLinClrLst/>
+    <dgm:txFillClrLst meth="repeat">
+      <a:schemeClr val="lt1"/>
+    </dgm:txFillClrLst>
+    <dgm:txEffectClrLst/>
+  </dgm:styleLbl>
+  <dgm:styleLbl name="trBgShp">
+    <dgm:fillClrLst meth="repeat">
+      <a:schemeClr val="accent3">
+        <a:tint val="50000"/>
+        <a:alpha val="55000"/>
+      </a:schemeClr>
+    </dgm:fillClrLst>
+    <dgm:linClrLst meth="repeat">
+      <a:schemeClr val="accent3"/>
+    </dgm:linClrLst>
+    <dgm:effectClrLst/>
+    <dgm:txLinClrLst/>
+    <dgm:txFillClrLst meth="repeat">
+      <a:schemeClr val="lt1"/>
+    </dgm:txFillClrLst>
+    <dgm:txEffectClrLst/>
+  </dgm:styleLbl>
+  <dgm:styleLbl name="fgShp">
+    <dgm:fillClrLst meth="repeat">
+      <a:schemeClr val="accent3">
+        <a:tint val="55000"/>
+      </a:schemeClr>
+    </dgm:fillClrLst>
+    <dgm:linClrLst meth="repeat">
+      <a:schemeClr val="lt1"/>
+    </dgm:linClrLst>
+    <dgm:effectClrLst/>
+    <dgm:txLinClrLst/>
+    <dgm:txFillClrLst meth="repeat">
+      <a:schemeClr val="dk1"/>
+    </dgm:txFillClrLst>
+    <dgm:txEffectClrLst/>
+  </dgm:styleLbl>
+  <dgm:styleLbl name="revTx">
+    <dgm:fillClrLst meth="repeat">
+      <a:schemeClr val="lt1">
+        <a:alpha val="0"/>
+      </a:schemeClr>
+    </dgm:fillClrLst>
+    <dgm:linClrLst meth="repeat">
+      <a:schemeClr val="dk1">
+        <a:alpha val="0"/>
+      </a:schemeClr>
+    </dgm:linClrLst>
+    <dgm:effectClrLst/>
+    <dgm:txLinClrLst/>
+    <dgm:txFillClrLst meth="repeat">
+      <a:schemeClr val="tx1"/>
+    </dgm:txFillClrLst>
+    <dgm:txEffectClrLst/>
+  </dgm:styleLbl>
+</dgm:colorsDef>
+</file>
+
+<file path=ppt/diagrams/data1.xml><?xml version="1.0" encoding="utf-8"?>
+<dgm:dataModel xmlns:dgm="http://schemas.openxmlformats.org/drawingml/2006/diagram" xmlns:a="http://schemas.openxmlformats.org/drawingml/2006/main">
+  <dgm:ptLst>
+    <dgm:pt modelId="{5D3F1B1F-8882-40C2-8A2D-F35C5D2DE244}" type="doc">
+      <dgm:prSet loTypeId="urn:microsoft.com/office/officeart/2005/8/layout/vList4" loCatId="list" qsTypeId="urn:microsoft.com/office/officeart/2005/8/quickstyle/simple3" qsCatId="simple" csTypeId="urn:microsoft.com/office/officeart/2005/8/colors/accent3_4" csCatId="accent3" phldr="1"/>
+      <dgm:spPr/>
+      <dgm:t>
+        <a:bodyPr/>
+        <a:lstStyle/>
+        <a:p>
+          <a:endParaRPr lang="es-ES"/>
+        </a:p>
+      </dgm:t>
+    </dgm:pt>
+    <dgm:pt modelId="{E04A945A-6049-4891-9E14-7CDB6DAB0BC6}">
+      <dgm:prSet phldrT="[Texto]"/>
+      <dgm:spPr/>
+      <dgm:t>
+        <a:bodyPr/>
+        <a:lstStyle/>
+        <a:p>
+          <a:r>
+            <a:rPr lang="es-ES" dirty="0" smtClean="0"/>
+            <a:t>Buscamos cumplir expectativas y…</a:t>
+          </a:r>
+          <a:endParaRPr lang="es-ES" dirty="0"/>
+        </a:p>
+      </dgm:t>
+    </dgm:pt>
+    <dgm:pt modelId="{9601B9C0-F29E-4B75-8DC4-9CF7B537A66F}" type="parTrans" cxnId="{2D94902C-5308-4AA9-B029-4D3C338F79FE}">
+      <dgm:prSet/>
+      <dgm:spPr/>
+      <dgm:t>
+        <a:bodyPr/>
+        <a:lstStyle/>
+        <a:p>
+          <a:endParaRPr lang="es-ES"/>
+        </a:p>
+      </dgm:t>
+    </dgm:pt>
+    <dgm:pt modelId="{55AE2466-DEE7-44B2-9DF1-15F3E5B5978A}" type="sibTrans" cxnId="{2D94902C-5308-4AA9-B029-4D3C338F79FE}">
+      <dgm:prSet/>
+      <dgm:spPr/>
+      <dgm:t>
+        <a:bodyPr/>
+        <a:lstStyle/>
+        <a:p>
+          <a:endParaRPr lang="es-ES"/>
+        </a:p>
+      </dgm:t>
+    </dgm:pt>
+    <dgm:pt modelId="{AFD36104-1D44-4289-9932-D47F79CFC7EF}">
+      <dgm:prSet phldrT="[Texto]"/>
+      <dgm:spPr/>
+      <dgm:t>
+        <a:bodyPr/>
+        <a:lstStyle/>
+        <a:p>
+          <a:r>
+            <a:rPr lang="es-ES" dirty="0" smtClean="0"/>
+            <a:t>No encontramos una herramienta amigable</a:t>
+          </a:r>
+          <a:endParaRPr lang="es-ES" dirty="0"/>
+        </a:p>
+      </dgm:t>
+    </dgm:pt>
+    <dgm:pt modelId="{6A5B042A-D458-4E02-826F-BEAE53DEFE29}" type="parTrans" cxnId="{3A63B726-2CA7-461B-9048-DD1E99D2AF94}">
+      <dgm:prSet/>
+      <dgm:spPr/>
+      <dgm:t>
+        <a:bodyPr/>
+        <a:lstStyle/>
+        <a:p>
+          <a:endParaRPr lang="es-ES"/>
+        </a:p>
+      </dgm:t>
+    </dgm:pt>
+    <dgm:pt modelId="{02855DD9-D7E9-49EB-ACDE-AF95AADAABCF}" type="sibTrans" cxnId="{3A63B726-2CA7-461B-9048-DD1E99D2AF94}">
+      <dgm:prSet/>
+      <dgm:spPr/>
+      <dgm:t>
+        <a:bodyPr/>
+        <a:lstStyle/>
+        <a:p>
+          <a:endParaRPr lang="es-ES"/>
+        </a:p>
+      </dgm:t>
+    </dgm:pt>
+    <dgm:pt modelId="{A8089130-C6AF-4C59-91BA-D491F90FD224}">
+      <dgm:prSet phldrT="[Texto]" phldr="1"/>
+      <dgm:spPr/>
+      <dgm:t>
+        <a:bodyPr/>
+        <a:lstStyle/>
+        <a:p>
+          <a:endParaRPr lang="es-ES" dirty="0"/>
+        </a:p>
+      </dgm:t>
+    </dgm:pt>
+    <dgm:pt modelId="{40E3F085-901B-4AF5-BE42-4B363A9A389B}" type="parTrans" cxnId="{3BB231F2-BA78-4C74-8837-63E8AA3A9961}">
+      <dgm:prSet/>
+      <dgm:spPr/>
+      <dgm:t>
+        <a:bodyPr/>
+        <a:lstStyle/>
+        <a:p>
+          <a:endParaRPr lang="es-ES"/>
+        </a:p>
+      </dgm:t>
+    </dgm:pt>
+    <dgm:pt modelId="{375E4F1F-9010-4AFB-80F5-7D8253F558B7}" type="sibTrans" cxnId="{3BB231F2-BA78-4C74-8837-63E8AA3A9961}">
+      <dgm:prSet/>
+      <dgm:spPr/>
+      <dgm:t>
+        <a:bodyPr/>
+        <a:lstStyle/>
+        <a:p>
+          <a:endParaRPr lang="es-ES"/>
+        </a:p>
+      </dgm:t>
+    </dgm:pt>
+    <dgm:pt modelId="{9EA8F649-A822-4005-92B6-E4F626377926}">
+      <dgm:prSet phldrT="[Texto]"/>
+      <dgm:spPr/>
+      <dgm:t>
+        <a:bodyPr/>
+        <a:lstStyle/>
+        <a:p>
+          <a:r>
+            <a:rPr lang="es-ES" dirty="0" smtClean="0"/>
+            <a:t>Nuestra motivación fue…</a:t>
+          </a:r>
+          <a:endParaRPr lang="es-ES" dirty="0"/>
+        </a:p>
+      </dgm:t>
+    </dgm:pt>
+    <dgm:pt modelId="{A19D1006-3E40-46BC-8708-098A042146AC}" type="parTrans" cxnId="{F9D6D550-F35A-45F3-8895-5F55D417D1B8}">
+      <dgm:prSet/>
+      <dgm:spPr/>
+      <dgm:t>
+        <a:bodyPr/>
+        <a:lstStyle/>
+        <a:p>
+          <a:endParaRPr lang="es-ES"/>
+        </a:p>
+      </dgm:t>
+    </dgm:pt>
+    <dgm:pt modelId="{9F6D6AA6-5462-48C4-A8CB-98B534BFC05E}" type="sibTrans" cxnId="{F9D6D550-F35A-45F3-8895-5F55D417D1B8}">
+      <dgm:prSet/>
+      <dgm:spPr/>
+      <dgm:t>
+        <a:bodyPr/>
+        <a:lstStyle/>
+        <a:p>
+          <a:endParaRPr lang="es-ES"/>
+        </a:p>
+      </dgm:t>
+    </dgm:pt>
+    <dgm:pt modelId="{523707FD-C98E-42E7-A7AE-6024BB02137F}">
+      <dgm:prSet phldrT="[Texto]"/>
+      <dgm:spPr/>
+      <dgm:t>
+        <a:bodyPr/>
+        <a:lstStyle/>
+        <a:p>
+          <a:r>
+            <a:rPr lang="es-ES" dirty="0" smtClean="0"/>
+            <a:t>Cubrir necesidades en cualquier ámbito</a:t>
+          </a:r>
+          <a:endParaRPr lang="es-ES" dirty="0"/>
+        </a:p>
+      </dgm:t>
+    </dgm:pt>
+    <dgm:pt modelId="{29DF2575-5A28-43B5-B596-DCB9A96A7257}" type="parTrans" cxnId="{56B94490-EB4C-4E09-96D4-7C72AEC9539A}">
+      <dgm:prSet/>
+      <dgm:spPr/>
+      <dgm:t>
+        <a:bodyPr/>
+        <a:lstStyle/>
+        <a:p>
+          <a:endParaRPr lang="es-ES"/>
+        </a:p>
+      </dgm:t>
+    </dgm:pt>
+    <dgm:pt modelId="{17EC8F48-6683-4752-A2D3-3D4F24E78418}" type="sibTrans" cxnId="{56B94490-EB4C-4E09-96D4-7C72AEC9539A}">
+      <dgm:prSet/>
+      <dgm:spPr/>
+      <dgm:t>
+        <a:bodyPr/>
+        <a:lstStyle/>
+        <a:p>
+          <a:endParaRPr lang="es-ES"/>
+        </a:p>
+      </dgm:t>
+    </dgm:pt>
+    <dgm:pt modelId="{62CFA7F4-8DDA-4B43-A88D-C9B164593647}">
+      <dgm:prSet phldrT="[Texto]" phldr="1"/>
+      <dgm:spPr/>
+      <dgm:t>
+        <a:bodyPr/>
+        <a:lstStyle/>
+        <a:p>
+          <a:endParaRPr lang="es-ES" dirty="0"/>
+        </a:p>
+      </dgm:t>
+    </dgm:pt>
+    <dgm:pt modelId="{675CA5E5-297F-48F4-90BD-F79188D26E6A}" type="parTrans" cxnId="{B835D342-3EFE-486E-AA93-3B67114FAE95}">
+      <dgm:prSet/>
+      <dgm:spPr/>
+      <dgm:t>
+        <a:bodyPr/>
+        <a:lstStyle/>
+        <a:p>
+          <a:endParaRPr lang="es-ES"/>
+        </a:p>
+      </dgm:t>
+    </dgm:pt>
+    <dgm:pt modelId="{27D65F72-00EF-4987-820D-7395A34B75B7}" type="sibTrans" cxnId="{B835D342-3EFE-486E-AA93-3B67114FAE95}">
+      <dgm:prSet/>
+      <dgm:spPr/>
+      <dgm:t>
+        <a:bodyPr/>
+        <a:lstStyle/>
+        <a:p>
+          <a:endParaRPr lang="es-ES"/>
+        </a:p>
+      </dgm:t>
+    </dgm:pt>
+    <dgm:pt modelId="{9C7D0373-CC3E-413C-81C8-B470E8B263C6}">
+      <dgm:prSet phldrT="[Texto]"/>
+      <dgm:spPr/>
+      <dgm:t>
+        <a:bodyPr/>
+        <a:lstStyle/>
+        <a:p>
+          <a:r>
+            <a:rPr lang="es-ES" dirty="0" smtClean="0"/>
+            <a:t>Logramos…</a:t>
+          </a:r>
+          <a:endParaRPr lang="es-ES" dirty="0"/>
+        </a:p>
+      </dgm:t>
+    </dgm:pt>
+    <dgm:pt modelId="{29C80087-19E2-4639-9040-BAEEF3E1B19B}" type="parTrans" cxnId="{CA20D5AE-B006-40E3-96B1-4270A4F7BCD3}">
+      <dgm:prSet/>
+      <dgm:spPr/>
+      <dgm:t>
+        <a:bodyPr/>
+        <a:lstStyle/>
+        <a:p>
+          <a:endParaRPr lang="es-ES"/>
+        </a:p>
+      </dgm:t>
+    </dgm:pt>
+    <dgm:pt modelId="{8812AA20-70EC-4FAC-95B8-BDEB02C25A71}" type="sibTrans" cxnId="{CA20D5AE-B006-40E3-96B1-4270A4F7BCD3}">
+      <dgm:prSet/>
+      <dgm:spPr/>
+      <dgm:t>
+        <a:bodyPr/>
+        <a:lstStyle/>
+        <a:p>
+          <a:endParaRPr lang="es-ES"/>
+        </a:p>
+      </dgm:t>
+    </dgm:pt>
+    <dgm:pt modelId="{55B3E391-62DF-4A47-92F9-C53D3C08219F}">
+      <dgm:prSet phldrT="[Texto]"/>
+      <dgm:spPr/>
+      <dgm:t>
+        <a:bodyPr/>
+        <a:lstStyle/>
+        <a:p>
+          <a:r>
+            <a:rPr lang="es-ES" dirty="0" smtClean="0"/>
+            <a:t>Unir lo mejor de todas las herramientas</a:t>
+          </a:r>
+          <a:endParaRPr lang="es-ES" dirty="0"/>
+        </a:p>
+      </dgm:t>
+    </dgm:pt>
+    <dgm:pt modelId="{CEC9D703-93DD-4F38-9A82-EE57C5B106C8}" type="parTrans" cxnId="{721FCB95-DC08-402A-B5C1-6EEBD8EB7EA0}">
+      <dgm:prSet/>
+      <dgm:spPr/>
+      <dgm:t>
+        <a:bodyPr/>
+        <a:lstStyle/>
+        <a:p>
+          <a:endParaRPr lang="es-ES"/>
+        </a:p>
+      </dgm:t>
+    </dgm:pt>
+    <dgm:pt modelId="{3C2C6712-7873-46F6-8B4C-83CEAA13A170}" type="sibTrans" cxnId="{721FCB95-DC08-402A-B5C1-6EEBD8EB7EA0}">
+      <dgm:prSet/>
+      <dgm:spPr/>
+      <dgm:t>
+        <a:bodyPr/>
+        <a:lstStyle/>
+        <a:p>
+          <a:endParaRPr lang="es-ES"/>
+        </a:p>
+      </dgm:t>
+    </dgm:pt>
+    <dgm:pt modelId="{7B2DF067-6CFB-46CD-8FE8-6966F9650109}">
+      <dgm:prSet phldrT="[Texto]"/>
+      <dgm:spPr/>
+      <dgm:t>
+        <a:bodyPr/>
+        <a:lstStyle/>
+        <a:p>
+          <a:r>
+            <a:rPr lang="es-ES" dirty="0" smtClean="0"/>
+            <a:t>Incorporamos lo que ninguna brindaba</a:t>
+          </a:r>
+          <a:endParaRPr lang="es-ES" dirty="0"/>
+        </a:p>
+      </dgm:t>
+    </dgm:pt>
+    <dgm:pt modelId="{4F7DEAEC-12EE-4C7E-8C51-AEAE1AD8EAC5}" type="parTrans" cxnId="{A7588252-539D-48DE-8F55-B728E7DFD8D0}">
+      <dgm:prSet/>
+      <dgm:spPr/>
+      <dgm:t>
+        <a:bodyPr/>
+        <a:lstStyle/>
+        <a:p>
+          <a:endParaRPr lang="es-ES"/>
+        </a:p>
+      </dgm:t>
+    </dgm:pt>
+    <dgm:pt modelId="{585E7396-80D2-4ED2-A8C7-CE92550E47FE}" type="sibTrans" cxnId="{A7588252-539D-48DE-8F55-B728E7DFD8D0}">
+      <dgm:prSet/>
+      <dgm:spPr/>
+      <dgm:t>
+        <a:bodyPr/>
+        <a:lstStyle/>
+        <a:p>
+          <a:endParaRPr lang="es-ES"/>
+        </a:p>
+      </dgm:t>
+    </dgm:pt>
+    <dgm:pt modelId="{B271351A-9057-4106-A219-F345F75608E9}">
+      <dgm:prSet phldrT="[Texto]"/>
+      <dgm:spPr/>
+      <dgm:t>
+        <a:bodyPr/>
+        <a:lstStyle/>
+        <a:p>
+          <a:r>
+            <a:rPr lang="es-ES" dirty="0" smtClean="0"/>
+            <a:t>Otra</a:t>
+          </a:r>
+          <a:endParaRPr lang="es-ES" dirty="0"/>
+        </a:p>
+      </dgm:t>
+    </dgm:pt>
+    <dgm:pt modelId="{BDE80354-1D0A-46D6-94B3-530496A8F090}" type="parTrans" cxnId="{BE0408AF-66FB-4F81-BA5F-31E9D5181735}">
+      <dgm:prSet/>
+      <dgm:spPr/>
+      <dgm:t>
+        <a:bodyPr/>
+        <a:lstStyle/>
+        <a:p>
+          <a:endParaRPr lang="es-ES"/>
+        </a:p>
+      </dgm:t>
+    </dgm:pt>
+    <dgm:pt modelId="{8416442F-43A3-4930-80B3-779D6B35B3AE}" type="sibTrans" cxnId="{BE0408AF-66FB-4F81-BA5F-31E9D5181735}">
+      <dgm:prSet/>
+      <dgm:spPr/>
+      <dgm:t>
+        <a:bodyPr/>
+        <a:lstStyle/>
+        <a:p>
+          <a:endParaRPr lang="es-ES"/>
+        </a:p>
+      </dgm:t>
+    </dgm:pt>
+    <dgm:pt modelId="{F446C351-F58B-4738-9428-E884505F1A0B}" type="pres">
+      <dgm:prSet presAssocID="{5D3F1B1F-8882-40C2-8A2D-F35C5D2DE244}" presName="linear" presStyleCnt="0">
+        <dgm:presLayoutVars>
+          <dgm:dir/>
+          <dgm:resizeHandles val="exact"/>
+        </dgm:presLayoutVars>
+      </dgm:prSet>
+      <dgm:spPr/>
+    </dgm:pt>
+    <dgm:pt modelId="{1FA9C2F7-BE0B-4AB3-AAF0-493785047944}" type="pres">
+      <dgm:prSet presAssocID="{E04A945A-6049-4891-9E14-7CDB6DAB0BC6}" presName="comp" presStyleCnt="0"/>
+      <dgm:spPr/>
+    </dgm:pt>
+    <dgm:pt modelId="{E111763A-36DB-44D3-89AB-AABCFF6EC761}" type="pres">
+      <dgm:prSet presAssocID="{E04A945A-6049-4891-9E14-7CDB6DAB0BC6}" presName="box" presStyleLbl="node1" presStyleIdx="0" presStyleCnt="3"/>
+      <dgm:spPr/>
+      <dgm:t>
+        <a:bodyPr/>
+        <a:lstStyle/>
+        <a:p>
+          <a:endParaRPr lang="es-ES"/>
+        </a:p>
+      </dgm:t>
+    </dgm:pt>
+    <dgm:pt modelId="{8DF6E289-6357-4247-B7FA-6D641D528C75}" type="pres">
+      <dgm:prSet presAssocID="{E04A945A-6049-4891-9E14-7CDB6DAB0BC6}" presName="img" presStyleLbl="fgImgPlace1" presStyleIdx="0" presStyleCnt="3" custScaleX="85823" custScaleY="82333"/>
+      <dgm:spPr>
+        <a:blipFill rotWithShape="0">
+          <a:blip xmlns:r="http://schemas.openxmlformats.org/officeDocument/2006/relationships" r:embed="rId1"/>
+          <a:stretch>
+            <a:fillRect/>
+          </a:stretch>
+        </a:blipFill>
+        <a:ln>
+          <a:noFill/>
+        </a:ln>
+      </dgm:spPr>
+    </dgm:pt>
+    <dgm:pt modelId="{982B79BF-FC76-4A30-9196-2F905D07E9DB}" type="pres">
+      <dgm:prSet presAssocID="{E04A945A-6049-4891-9E14-7CDB6DAB0BC6}" presName="text" presStyleLbl="node1" presStyleIdx="0" presStyleCnt="3">
+        <dgm:presLayoutVars>
+          <dgm:bulletEnabled val="1"/>
+        </dgm:presLayoutVars>
+      </dgm:prSet>
+      <dgm:spPr/>
+      <dgm:t>
+        <a:bodyPr/>
+        <a:lstStyle/>
+        <a:p>
+          <a:endParaRPr lang="es-ES"/>
+        </a:p>
+      </dgm:t>
+    </dgm:pt>
+    <dgm:pt modelId="{77832C77-14B2-4FA9-BF21-E5B8CE10A854}" type="pres">
+      <dgm:prSet presAssocID="{55AE2466-DEE7-44B2-9DF1-15F3E5B5978A}" presName="spacer" presStyleCnt="0"/>
+      <dgm:spPr/>
+    </dgm:pt>
+    <dgm:pt modelId="{6223937F-5A85-42F8-89F1-A31EAABD77FB}" type="pres">
+      <dgm:prSet presAssocID="{9EA8F649-A822-4005-92B6-E4F626377926}" presName="comp" presStyleCnt="0"/>
+      <dgm:spPr/>
+    </dgm:pt>
+    <dgm:pt modelId="{0E4A279F-13FD-4DEA-B856-60483CE9001C}" type="pres">
+      <dgm:prSet presAssocID="{9EA8F649-A822-4005-92B6-E4F626377926}" presName="box" presStyleLbl="node1" presStyleIdx="1" presStyleCnt="3"/>
+      <dgm:spPr/>
+      <dgm:t>
+        <a:bodyPr/>
+        <a:lstStyle/>
+        <a:p>
+          <a:endParaRPr lang="es-ES"/>
+        </a:p>
+      </dgm:t>
+    </dgm:pt>
+    <dgm:pt modelId="{A1973E30-7BF9-46DB-80DD-3126B6415776}" type="pres">
+      <dgm:prSet presAssocID="{9EA8F649-A822-4005-92B6-E4F626377926}" presName="img" presStyleLbl="fgImgPlace1" presStyleIdx="1" presStyleCnt="3" custScaleX="68922"/>
+      <dgm:spPr>
+        <a:blipFill rotWithShape="0">
+          <a:blip xmlns:r="http://schemas.openxmlformats.org/officeDocument/2006/relationships" r:embed="rId2"/>
+          <a:stretch>
+            <a:fillRect/>
+          </a:stretch>
+        </a:blipFill>
+        <a:ln>
+          <a:noFill/>
+        </a:ln>
+      </dgm:spPr>
+    </dgm:pt>
+    <dgm:pt modelId="{B3EC1D43-DC87-4EF5-AA46-116C98B82BF8}" type="pres">
+      <dgm:prSet presAssocID="{9EA8F649-A822-4005-92B6-E4F626377926}" presName="text" presStyleLbl="node1" presStyleIdx="1" presStyleCnt="3">
+        <dgm:presLayoutVars>
+          <dgm:bulletEnabled val="1"/>
+        </dgm:presLayoutVars>
+      </dgm:prSet>
+      <dgm:spPr/>
+      <dgm:t>
+        <a:bodyPr/>
+        <a:lstStyle/>
+        <a:p>
+          <a:endParaRPr lang="es-ES"/>
+        </a:p>
+      </dgm:t>
+    </dgm:pt>
+    <dgm:pt modelId="{581D0F87-422B-4456-A25F-F42D90AD08B1}" type="pres">
+      <dgm:prSet presAssocID="{9F6D6AA6-5462-48C4-A8CB-98B534BFC05E}" presName="spacer" presStyleCnt="0"/>
+      <dgm:spPr/>
+    </dgm:pt>
+    <dgm:pt modelId="{D1231C8A-4CA1-46F3-A786-B8CECC9F40E3}" type="pres">
+      <dgm:prSet presAssocID="{9C7D0373-CC3E-413C-81C8-B470E8B263C6}" presName="comp" presStyleCnt="0"/>
+      <dgm:spPr/>
+    </dgm:pt>
+    <dgm:pt modelId="{73C7E5FF-CFDC-4108-A7FA-62EC1733F221}" type="pres">
+      <dgm:prSet presAssocID="{9C7D0373-CC3E-413C-81C8-B470E8B263C6}" presName="box" presStyleLbl="node1" presStyleIdx="2" presStyleCnt="3"/>
+      <dgm:spPr/>
+      <dgm:t>
+        <a:bodyPr/>
+        <a:lstStyle/>
+        <a:p>
+          <a:endParaRPr lang="es-ES"/>
+        </a:p>
+      </dgm:t>
+    </dgm:pt>
+    <dgm:pt modelId="{37789156-0F31-4798-86F2-2815929A8BF2}" type="pres">
+      <dgm:prSet presAssocID="{9C7D0373-CC3E-413C-81C8-B470E8B263C6}" presName="img" presStyleLbl="fgImgPlace1" presStyleIdx="2" presStyleCnt="3" custScaleX="77373"/>
+      <dgm:spPr>
+        <a:blipFill rotWithShape="0">
+          <a:blip xmlns:r="http://schemas.openxmlformats.org/officeDocument/2006/relationships" r:embed="rId3"/>
+          <a:stretch>
+            <a:fillRect/>
+          </a:stretch>
+        </a:blipFill>
+        <a:ln>
+          <a:noFill/>
+        </a:ln>
+      </dgm:spPr>
+    </dgm:pt>
+    <dgm:pt modelId="{7A92DA65-B0D7-4054-A1D7-876157F55F30}" type="pres">
+      <dgm:prSet presAssocID="{9C7D0373-CC3E-413C-81C8-B470E8B263C6}" presName="text" presStyleLbl="node1" presStyleIdx="2" presStyleCnt="3">
+        <dgm:presLayoutVars>
+          <dgm:bulletEnabled val="1"/>
+        </dgm:presLayoutVars>
+      </dgm:prSet>
+      <dgm:spPr/>
+      <dgm:t>
+        <a:bodyPr/>
+        <a:lstStyle/>
+        <a:p>
+          <a:endParaRPr lang="es-ES"/>
+        </a:p>
+      </dgm:t>
+    </dgm:pt>
+  </dgm:ptLst>
+  <dgm:cxnLst>
+    <dgm:cxn modelId="{19E72D11-A267-4B39-8E0A-E47D1E74CA30}" type="presOf" srcId="{7B2DF067-6CFB-46CD-8FE8-6966F9650109}" destId="{73C7E5FF-CFDC-4108-A7FA-62EC1733F221}" srcOrd="0" destOrd="2" presId="urn:microsoft.com/office/officeart/2005/8/layout/vList4"/>
+    <dgm:cxn modelId="{073371DF-0988-4595-99BB-6126A4E2C0CE}" type="presOf" srcId="{62CFA7F4-8DDA-4B43-A88D-C9B164593647}" destId="{B3EC1D43-DC87-4EF5-AA46-116C98B82BF8}" srcOrd="1" destOrd="2" presId="urn:microsoft.com/office/officeart/2005/8/layout/vList4"/>
+    <dgm:cxn modelId="{08A5BDC1-F692-4FE5-A749-197EE9CDA7F5}" type="presOf" srcId="{9C7D0373-CC3E-413C-81C8-B470E8B263C6}" destId="{73C7E5FF-CFDC-4108-A7FA-62EC1733F221}" srcOrd="0" destOrd="0" presId="urn:microsoft.com/office/officeart/2005/8/layout/vList4"/>
+    <dgm:cxn modelId="{B372D7B6-A555-4F1E-90DA-AC4D2BED8B5E}" type="presOf" srcId="{7B2DF067-6CFB-46CD-8FE8-6966F9650109}" destId="{7A92DA65-B0D7-4054-A1D7-876157F55F30}" srcOrd="1" destOrd="2" presId="urn:microsoft.com/office/officeart/2005/8/layout/vList4"/>
+    <dgm:cxn modelId="{388B7D83-4823-4425-96C7-96C59E89E417}" type="presOf" srcId="{A8089130-C6AF-4C59-91BA-D491F90FD224}" destId="{982B79BF-FC76-4A30-9196-2F905D07E9DB}" srcOrd="1" destOrd="2" presId="urn:microsoft.com/office/officeart/2005/8/layout/vList4"/>
+    <dgm:cxn modelId="{E571E475-729F-4BF6-8C71-403D478EF8A7}" type="presOf" srcId="{E04A945A-6049-4891-9E14-7CDB6DAB0BC6}" destId="{982B79BF-FC76-4A30-9196-2F905D07E9DB}" srcOrd="1" destOrd="0" presId="urn:microsoft.com/office/officeart/2005/8/layout/vList4"/>
+    <dgm:cxn modelId="{7F244251-33A8-463E-AD53-21F80DBCD7C7}" type="presOf" srcId="{55B3E391-62DF-4A47-92F9-C53D3C08219F}" destId="{7A92DA65-B0D7-4054-A1D7-876157F55F30}" srcOrd="1" destOrd="1" presId="urn:microsoft.com/office/officeart/2005/8/layout/vList4"/>
+    <dgm:cxn modelId="{F9D6D550-F35A-45F3-8895-5F55D417D1B8}" srcId="{5D3F1B1F-8882-40C2-8A2D-F35C5D2DE244}" destId="{9EA8F649-A822-4005-92B6-E4F626377926}" srcOrd="1" destOrd="0" parTransId="{A19D1006-3E40-46BC-8708-098A042146AC}" sibTransId="{9F6D6AA6-5462-48C4-A8CB-98B534BFC05E}"/>
+    <dgm:cxn modelId="{BB254E46-DBAF-4F26-8E1C-7957B70831D0}" type="presOf" srcId="{523707FD-C98E-42E7-A7AE-6024BB02137F}" destId="{0E4A279F-13FD-4DEA-B856-60483CE9001C}" srcOrd="0" destOrd="1" presId="urn:microsoft.com/office/officeart/2005/8/layout/vList4"/>
+    <dgm:cxn modelId="{79BFD155-3836-4A3A-9938-3A962613F92C}" type="presOf" srcId="{B271351A-9057-4106-A219-F345F75608E9}" destId="{E111763A-36DB-44D3-89AB-AABCFF6EC761}" srcOrd="0" destOrd="3" presId="urn:microsoft.com/office/officeart/2005/8/layout/vList4"/>
+    <dgm:cxn modelId="{15F1A143-85CE-458C-851D-D8C09753A037}" type="presOf" srcId="{55B3E391-62DF-4A47-92F9-C53D3C08219F}" destId="{73C7E5FF-CFDC-4108-A7FA-62EC1733F221}" srcOrd="0" destOrd="1" presId="urn:microsoft.com/office/officeart/2005/8/layout/vList4"/>
+    <dgm:cxn modelId="{4858CB34-749E-49CC-A727-AE16C0F965E8}" type="presOf" srcId="{E04A945A-6049-4891-9E14-7CDB6DAB0BC6}" destId="{E111763A-36DB-44D3-89AB-AABCFF6EC761}" srcOrd="0" destOrd="0" presId="urn:microsoft.com/office/officeart/2005/8/layout/vList4"/>
+    <dgm:cxn modelId="{0F1B1278-F190-4AF1-9DFC-3EA6391CC97A}" type="presOf" srcId="{62CFA7F4-8DDA-4B43-A88D-C9B164593647}" destId="{0E4A279F-13FD-4DEA-B856-60483CE9001C}" srcOrd="0" destOrd="2" presId="urn:microsoft.com/office/officeart/2005/8/layout/vList4"/>
+    <dgm:cxn modelId="{721FCB95-DC08-402A-B5C1-6EEBD8EB7EA0}" srcId="{9C7D0373-CC3E-413C-81C8-B470E8B263C6}" destId="{55B3E391-62DF-4A47-92F9-C53D3C08219F}" srcOrd="0" destOrd="0" parTransId="{CEC9D703-93DD-4F38-9A82-EE57C5B106C8}" sibTransId="{3C2C6712-7873-46F6-8B4C-83CEAA13A170}"/>
+    <dgm:cxn modelId="{C03D4074-0129-4A6A-867C-EC828ED916C8}" type="presOf" srcId="{B271351A-9057-4106-A219-F345F75608E9}" destId="{982B79BF-FC76-4A30-9196-2F905D07E9DB}" srcOrd="1" destOrd="3" presId="urn:microsoft.com/office/officeart/2005/8/layout/vList4"/>
+    <dgm:cxn modelId="{A7588252-539D-48DE-8F55-B728E7DFD8D0}" srcId="{9C7D0373-CC3E-413C-81C8-B470E8B263C6}" destId="{7B2DF067-6CFB-46CD-8FE8-6966F9650109}" srcOrd="1" destOrd="0" parTransId="{4F7DEAEC-12EE-4C7E-8C51-AEAE1AD8EAC5}" sibTransId="{585E7396-80D2-4ED2-A8C7-CE92550E47FE}"/>
+    <dgm:cxn modelId="{0ABF7F12-0904-473E-8BC0-D738C3AAA5C3}" type="presOf" srcId="{9EA8F649-A822-4005-92B6-E4F626377926}" destId="{B3EC1D43-DC87-4EF5-AA46-116C98B82BF8}" srcOrd="1" destOrd="0" presId="urn:microsoft.com/office/officeart/2005/8/layout/vList4"/>
+    <dgm:cxn modelId="{0D6C9568-8568-4514-B530-B598D50B4BBF}" type="presOf" srcId="{5D3F1B1F-8882-40C2-8A2D-F35C5D2DE244}" destId="{F446C351-F58B-4738-9428-E884505F1A0B}" srcOrd="0" destOrd="0" presId="urn:microsoft.com/office/officeart/2005/8/layout/vList4"/>
+    <dgm:cxn modelId="{3BB231F2-BA78-4C74-8837-63E8AA3A9961}" srcId="{E04A945A-6049-4891-9E14-7CDB6DAB0BC6}" destId="{A8089130-C6AF-4C59-91BA-D491F90FD224}" srcOrd="1" destOrd="0" parTransId="{40E3F085-901B-4AF5-BE42-4B363A9A389B}" sibTransId="{375E4F1F-9010-4AFB-80F5-7D8253F558B7}"/>
+    <dgm:cxn modelId="{CA20D5AE-B006-40E3-96B1-4270A4F7BCD3}" srcId="{5D3F1B1F-8882-40C2-8A2D-F35C5D2DE244}" destId="{9C7D0373-CC3E-413C-81C8-B470E8B263C6}" srcOrd="2" destOrd="0" parTransId="{29C80087-19E2-4639-9040-BAEEF3E1B19B}" sibTransId="{8812AA20-70EC-4FAC-95B8-BDEB02C25A71}"/>
+    <dgm:cxn modelId="{500AEA8B-C70E-4F69-81D8-76E07B67B6CB}" type="presOf" srcId="{AFD36104-1D44-4289-9932-D47F79CFC7EF}" destId="{982B79BF-FC76-4A30-9196-2F905D07E9DB}" srcOrd="1" destOrd="1" presId="urn:microsoft.com/office/officeart/2005/8/layout/vList4"/>
+    <dgm:cxn modelId="{B835D342-3EFE-486E-AA93-3B67114FAE95}" srcId="{9EA8F649-A822-4005-92B6-E4F626377926}" destId="{62CFA7F4-8DDA-4B43-A88D-C9B164593647}" srcOrd="1" destOrd="0" parTransId="{675CA5E5-297F-48F4-90BD-F79188D26E6A}" sibTransId="{27D65F72-00EF-4987-820D-7395A34B75B7}"/>
+    <dgm:cxn modelId="{3B43F41E-C320-4B7A-8543-919D9CF855BB}" type="presOf" srcId="{9EA8F649-A822-4005-92B6-E4F626377926}" destId="{0E4A279F-13FD-4DEA-B856-60483CE9001C}" srcOrd="0" destOrd="0" presId="urn:microsoft.com/office/officeart/2005/8/layout/vList4"/>
+    <dgm:cxn modelId="{2D94902C-5308-4AA9-B029-4D3C338F79FE}" srcId="{5D3F1B1F-8882-40C2-8A2D-F35C5D2DE244}" destId="{E04A945A-6049-4891-9E14-7CDB6DAB0BC6}" srcOrd="0" destOrd="0" parTransId="{9601B9C0-F29E-4B75-8DC4-9CF7B537A66F}" sibTransId="{55AE2466-DEE7-44B2-9DF1-15F3E5B5978A}"/>
+    <dgm:cxn modelId="{20669006-2D53-4334-A2DC-B9FF4C65EE51}" type="presOf" srcId="{AFD36104-1D44-4289-9932-D47F79CFC7EF}" destId="{E111763A-36DB-44D3-89AB-AABCFF6EC761}" srcOrd="0" destOrd="1" presId="urn:microsoft.com/office/officeart/2005/8/layout/vList4"/>
+    <dgm:cxn modelId="{B75C4E30-06BF-41A4-BA49-D263017EC4C9}" type="presOf" srcId="{523707FD-C98E-42E7-A7AE-6024BB02137F}" destId="{B3EC1D43-DC87-4EF5-AA46-116C98B82BF8}" srcOrd="1" destOrd="1" presId="urn:microsoft.com/office/officeart/2005/8/layout/vList4"/>
+    <dgm:cxn modelId="{59DFA00A-B11A-44EC-9EBC-AF10C27B4C38}" type="presOf" srcId="{A8089130-C6AF-4C59-91BA-D491F90FD224}" destId="{E111763A-36DB-44D3-89AB-AABCFF6EC761}" srcOrd="0" destOrd="2" presId="urn:microsoft.com/office/officeart/2005/8/layout/vList4"/>
+    <dgm:cxn modelId="{BE0408AF-66FB-4F81-BA5F-31E9D5181735}" srcId="{E04A945A-6049-4891-9E14-7CDB6DAB0BC6}" destId="{B271351A-9057-4106-A219-F345F75608E9}" srcOrd="2" destOrd="0" parTransId="{BDE80354-1D0A-46D6-94B3-530496A8F090}" sibTransId="{8416442F-43A3-4930-80B3-779D6B35B3AE}"/>
+    <dgm:cxn modelId="{A91A00E1-DD3A-424B-BA32-985878B7652F}" type="presOf" srcId="{9C7D0373-CC3E-413C-81C8-B470E8B263C6}" destId="{7A92DA65-B0D7-4054-A1D7-876157F55F30}" srcOrd="1" destOrd="0" presId="urn:microsoft.com/office/officeart/2005/8/layout/vList4"/>
+    <dgm:cxn modelId="{56B94490-EB4C-4E09-96D4-7C72AEC9539A}" srcId="{9EA8F649-A822-4005-92B6-E4F626377926}" destId="{523707FD-C98E-42E7-A7AE-6024BB02137F}" srcOrd="0" destOrd="0" parTransId="{29DF2575-5A28-43B5-B596-DCB9A96A7257}" sibTransId="{17EC8F48-6683-4752-A2D3-3D4F24E78418}"/>
+    <dgm:cxn modelId="{3A63B726-2CA7-461B-9048-DD1E99D2AF94}" srcId="{E04A945A-6049-4891-9E14-7CDB6DAB0BC6}" destId="{AFD36104-1D44-4289-9932-D47F79CFC7EF}" srcOrd="0" destOrd="0" parTransId="{6A5B042A-D458-4E02-826F-BEAE53DEFE29}" sibTransId="{02855DD9-D7E9-49EB-ACDE-AF95AADAABCF}"/>
+    <dgm:cxn modelId="{4D2A52A7-692A-4BEC-95AD-3F90E6D468D6}" type="presParOf" srcId="{F446C351-F58B-4738-9428-E884505F1A0B}" destId="{1FA9C2F7-BE0B-4AB3-AAF0-493785047944}" srcOrd="0" destOrd="0" presId="urn:microsoft.com/office/officeart/2005/8/layout/vList4"/>
+    <dgm:cxn modelId="{504B2594-031D-41EE-8B6C-D0BE4A7A5A6B}" type="presParOf" srcId="{1FA9C2F7-BE0B-4AB3-AAF0-493785047944}" destId="{E111763A-36DB-44D3-89AB-AABCFF6EC761}" srcOrd="0" destOrd="0" presId="urn:microsoft.com/office/officeart/2005/8/layout/vList4"/>
+    <dgm:cxn modelId="{F4366A00-F32A-43D9-9E60-4AB579332983}" type="presParOf" srcId="{1FA9C2F7-BE0B-4AB3-AAF0-493785047944}" destId="{8DF6E289-6357-4247-B7FA-6D641D528C75}" srcOrd="1" destOrd="0" presId="urn:microsoft.com/office/officeart/2005/8/layout/vList4"/>
+    <dgm:cxn modelId="{24B7E99D-3E09-4715-A0B7-63C009C47AB3}" type="presParOf" srcId="{1FA9C2F7-BE0B-4AB3-AAF0-493785047944}" destId="{982B79BF-FC76-4A30-9196-2F905D07E9DB}" srcOrd="2" destOrd="0" presId="urn:microsoft.com/office/officeart/2005/8/layout/vList4"/>
+    <dgm:cxn modelId="{13120C9F-9DE2-4D34-8B74-21E20F2D8FA8}" type="presParOf" srcId="{F446C351-F58B-4738-9428-E884505F1A0B}" destId="{77832C77-14B2-4FA9-BF21-E5B8CE10A854}" srcOrd="1" destOrd="0" presId="urn:microsoft.com/office/officeart/2005/8/layout/vList4"/>
+    <dgm:cxn modelId="{EEA49E93-66B6-4B65-A4BD-C446BDD4A73E}" type="presParOf" srcId="{F446C351-F58B-4738-9428-E884505F1A0B}" destId="{6223937F-5A85-42F8-89F1-A31EAABD77FB}" srcOrd="2" destOrd="0" presId="urn:microsoft.com/office/officeart/2005/8/layout/vList4"/>
+    <dgm:cxn modelId="{08B84FC7-BA20-4FB1-9C2B-4E876F216C5C}" type="presParOf" srcId="{6223937F-5A85-42F8-89F1-A31EAABD77FB}" destId="{0E4A279F-13FD-4DEA-B856-60483CE9001C}" srcOrd="0" destOrd="0" presId="urn:microsoft.com/office/officeart/2005/8/layout/vList4"/>
+    <dgm:cxn modelId="{04623A72-100D-44CB-BEAD-5D8809D06170}" type="presParOf" srcId="{6223937F-5A85-42F8-89F1-A31EAABD77FB}" destId="{A1973E30-7BF9-46DB-80DD-3126B6415776}" srcOrd="1" destOrd="0" presId="urn:microsoft.com/office/officeart/2005/8/layout/vList4"/>
+    <dgm:cxn modelId="{BC446E9A-9274-40AE-9037-ECEC41DE92D4}" type="presParOf" srcId="{6223937F-5A85-42F8-89F1-A31EAABD77FB}" destId="{B3EC1D43-DC87-4EF5-AA46-116C98B82BF8}" srcOrd="2" destOrd="0" presId="urn:microsoft.com/office/officeart/2005/8/layout/vList4"/>
+    <dgm:cxn modelId="{0344E29B-15A3-4BF2-AEC8-9CC98176F4E9}" type="presParOf" srcId="{F446C351-F58B-4738-9428-E884505F1A0B}" destId="{581D0F87-422B-4456-A25F-F42D90AD08B1}" srcOrd="3" destOrd="0" presId="urn:microsoft.com/office/officeart/2005/8/layout/vList4"/>
+    <dgm:cxn modelId="{419BC69A-750C-46B7-8E22-873A5678CCAF}" type="presParOf" srcId="{F446C351-F58B-4738-9428-E884505F1A0B}" destId="{D1231C8A-4CA1-46F3-A786-B8CECC9F40E3}" srcOrd="4" destOrd="0" presId="urn:microsoft.com/office/officeart/2005/8/layout/vList4"/>
+    <dgm:cxn modelId="{B011D334-8A0A-4A2F-A9E7-49978D14F73A}" type="presParOf" srcId="{D1231C8A-4CA1-46F3-A786-B8CECC9F40E3}" destId="{73C7E5FF-CFDC-4108-A7FA-62EC1733F221}" srcOrd="0" destOrd="0" presId="urn:microsoft.com/office/officeart/2005/8/layout/vList4"/>
+    <dgm:cxn modelId="{1235F144-8431-4021-B285-6C9425AF996E}" type="presParOf" srcId="{D1231C8A-4CA1-46F3-A786-B8CECC9F40E3}" destId="{37789156-0F31-4798-86F2-2815929A8BF2}" srcOrd="1" destOrd="0" presId="urn:microsoft.com/office/officeart/2005/8/layout/vList4"/>
+    <dgm:cxn modelId="{D3FAFBB5-4B94-47A9-9A80-6EE76742C487}" type="presParOf" srcId="{D1231C8A-4CA1-46F3-A786-B8CECC9F40E3}" destId="{7A92DA65-B0D7-4054-A1D7-876157F55F30}" srcOrd="2" destOrd="0" presId="urn:microsoft.com/office/officeart/2005/8/layout/vList4"/>
+  </dgm:cxnLst>
+  <dgm:bg/>
+  <dgm:whole/>
+</dgm:dataModel>
+</file>
+
+<file path=ppt/diagrams/layout1.xml><?xml version="1.0" encoding="utf-8"?>
+<dgm:layoutDef xmlns:dgm="http://schemas.openxmlformats.org/drawingml/2006/diagram" xmlns:a="http://schemas.openxmlformats.org/drawingml/2006/main" uniqueId="urn:microsoft.com/office/officeart/2005/8/layout/vList4">
+  <dgm:title val=""/>
+  <dgm:desc val=""/>
+  <dgm:catLst>
+    <dgm:cat type="list" pri="13000"/>
+  </dgm:catLst>
+  <dgm:sampData>
+    <dgm:dataModel>
+      <dgm:ptLst>
+        <dgm:pt modelId="0" type="doc"/>
+        <dgm:pt modelId="1">
+          <dgm:prSet phldr="1"/>
+        </dgm:pt>
+        <dgm:pt modelId="11">
+          <dgm:prSet phldr="1"/>
+        </dgm:pt>
+        <dgm:pt modelId="12">
+          <dgm:prSet phldr="1"/>
+        </dgm:pt>
+        <dgm:pt modelId="2">
+          <dgm:prSet phldr="1"/>
+        </dgm:pt>
+        <dgm:pt modelId="21">
+          <dgm:prSet phldr="1"/>
+        </dgm:pt>
+        <dgm:pt modelId="22">
+          <dgm:prSet phldr="1"/>
+        </dgm:pt>
+        <dgm:pt modelId="3">
+          <dgm:prSet phldr="1"/>
+        </dgm:pt>
+        <dgm:pt modelId="31">
+          <dgm:prSet phldr="1"/>
+        </dgm:pt>
+        <dgm:pt modelId="32">
+          <dgm:prSet phldr="1"/>
+        </dgm:pt>
+      </dgm:ptLst>
+      <dgm:cxnLst>
+        <dgm:cxn modelId="4" srcId="0" destId="1" srcOrd="0" destOrd="0"/>
+        <dgm:cxn modelId="5" srcId="0" destId="2" srcOrd="1" destOrd="0"/>
+        <dgm:cxn modelId="13" srcId="1" destId="11" srcOrd="0" destOrd="0"/>
+        <dgm:cxn modelId="14" srcId="1" destId="12" srcOrd="0" destOrd="0"/>
+        <dgm:cxn modelId="23" srcId="2" destId="21" srcOrd="0" destOrd="0"/>
+        <dgm:cxn modelId="24" srcId="2" destId="22" srcOrd="0" destOrd="0"/>
+        <dgm:cxn modelId="33" srcId="3" destId="31" srcOrd="0" destOrd="0"/>
+        <dgm:cxn modelId="34" srcId="3" destId="32" srcOrd="0" destOrd="0"/>
+      </dgm:cxnLst>
+      <dgm:bg/>
+      <dgm:whole/>
+    </dgm:dataModel>
+  </dgm:sampData>
+  <dgm:styleData>
+    <dgm:dataModel>
+      <dgm:ptLst>
+        <dgm:pt modelId="0" type="doc"/>
+        <dgm:pt modelId="1"/>
+        <dgm:pt modelId="2"/>
+      </dgm:ptLst>
+      <dgm:cxnLst>
+        <dgm:cxn modelId="3" srcId="0" destId="1" srcOrd="0" destOrd="0"/>
+        <dgm:cxn modelId="4" srcId="0" destId="2" srcOrd="1" destOrd="0"/>
+      </dgm:cxnLst>
+      <dgm:bg/>
+      <dgm:whole/>
+    </dgm:dataModel>
+  </dgm:styleData>
+  <dgm:clrData>
+    <dgm:dataModel>
+      <dgm:ptLst>
+        <dgm:pt modelId="0" type="doc"/>
+        <dgm:pt modelId="1"/>
+        <dgm:pt modelId="2"/>
+        <dgm:pt modelId="3"/>
+        <dgm:pt modelId="4"/>
+      </dgm:ptLst>
+      <dgm:cxnLst>
+        <dgm:cxn modelId="5" srcId="0" destId="1" srcOrd="0" destOrd="0"/>
+        <dgm:cxn modelId="6" srcId="0" destId="2" srcOrd="1" destOrd="0"/>
+        <dgm:cxn modelId="7" srcId="0" destId="3" srcOrd="2" destOrd="0"/>
+        <dgm:cxn modelId="8" srcId="0" destId="4" srcOrd="3" destOrd="0"/>
+      </dgm:cxnLst>
+      <dgm:bg/>
+      <dgm:whole/>
+    </dgm:dataModel>
+  </dgm:clrData>
+  <dgm:layoutNode name="linear">
+    <dgm:varLst>
+      <dgm:dir/>
+      <dgm:resizeHandles val="exact"/>
+    </dgm:varLst>
+    <dgm:alg type="lin">
+      <dgm:param type="linDir" val="fromT"/>
+      <dgm:param type="vertAlign" val="t"/>
+    </dgm:alg>
+    <dgm:shape xmlns:r="http://schemas.openxmlformats.org/officeDocument/2006/relationships" r:blip="">
+      <dgm:adjLst/>
+    </dgm:shape>
+    <dgm:presOf/>
+    <dgm:constrLst>
+      <dgm:constr type="w" for="ch" forName="comp" refType="w"/>
+      <dgm:constr type="h" for="ch" forName="comp" refType="h"/>
+      <dgm:constr type="h" for="ch" forName="spacer" refType="h" refFor="ch" refForName="comp" op="equ" fact="0.1"/>
+      <dgm:constr type="primFontSz" for="des" forName="text" op="equ" val="65"/>
+    </dgm:constrLst>
+    <dgm:ruleLst/>
+    <dgm:forEach name="Name0" axis="ch" ptType="node">
+      <dgm:layoutNode name="comp" styleLbl="node1">
+        <dgm:alg type="composite"/>
+        <dgm:shape xmlns:r="http://schemas.openxmlformats.org/officeDocument/2006/relationships" r:blip="">
+          <dgm:adjLst/>
+        </dgm:shape>
+        <dgm:presOf/>
+        <dgm:choose name="Name1">
+          <dgm:if name="Name2" func="var" arg="dir" op="equ" val="norm">
+            <dgm:constrLst>
+              <dgm:constr type="h" for="ch" forName="box" refType="h"/>
+              <dgm:constr type="w" for="ch" forName="box" refType="w"/>
+              <dgm:constr type="w" for="ch" forName="img" refType="w" refFor="ch" refForName="box" fact="0.2"/>
+              <dgm:constr type="h" for="ch" forName="img" refType="h" refFor="ch" refForName="box" fact="0.8"/>
+              <dgm:constr type="t" for="ch" forName="img" refType="h" refFor="ch" refForName="box" fact="0.1"/>
+              <dgm:constr type="l" for="ch" forName="img" refType="h" refFor="ch" refForName="box" fact="0.1"/>
+              <dgm:constr type="h" for="ch" forName="text" refType="h"/>
+              <dgm:constr type="l" for="ch" forName="text" refType="r" refFor="ch" refForName="img"/>
+              <dgm:constr type="r" for="ch" forName="text" refType="w"/>
+            </dgm:constrLst>
+          </dgm:if>
+          <dgm:else name="Name3">
+            <dgm:constrLst>
+              <dgm:constr type="h" for="ch" forName="box" refType="h"/>
+              <dgm:constr type="w" for="ch" forName="box" refType="w"/>
+              <dgm:constr type="w" for="ch" forName="img" refType="w" refFor="ch" refForName="box" fact="0.2"/>
+              <dgm:constr type="h" for="ch" forName="img" refType="h" refFor="ch" refForName="box" fact="0.8"/>
+              <dgm:constr type="t" for="ch" forName="img" refType="h" refFor="ch" refForName="box" fact="0.1"/>
+              <dgm:constr type="r" for="ch" forName="img" refType="w" refFor="ch" refForName="box"/>
+              <dgm:constr type="rOff" for="ch" forName="img" refType="h" refFor="ch" refForName="box" fact="-0.1"/>
+              <dgm:constr type="h" for="ch" forName="text" refType="h"/>
+              <dgm:constr type="r" for="ch" forName="text" refType="l" refFor="ch" refForName="img"/>
+              <dgm:constr type="l" for="ch" forName="text"/>
+            </dgm:constrLst>
+          </dgm:else>
+        </dgm:choose>
+        <dgm:ruleLst/>
+        <dgm:layoutNode name="box" styleLbl="node1">
+          <dgm:alg type="sp"/>
+          <dgm:shape xmlns:r="http://schemas.openxmlformats.org/officeDocument/2006/relationships" type="roundRect" r:blip="">
+            <dgm:adjLst>
+              <dgm:adj idx="1" val="0.1"/>
+            </dgm:adjLst>
+          </dgm:shape>
+          <dgm:presOf axis="desOrSelf" ptType="node"/>
+          <dgm:constrLst/>
+          <dgm:ruleLst/>
+        </dgm:layoutNode>
+        <dgm:layoutNode name="img" styleLbl="fgImgPlace1">
+          <dgm:alg type="sp"/>
+          <dgm:shape xmlns:r="http://schemas.openxmlformats.org/officeDocument/2006/relationships" type="roundRect" r:blip="" blipPhldr="1">
+            <dgm:adjLst>
+              <dgm:adj idx="1" val="0.1"/>
+            </dgm:adjLst>
+          </dgm:shape>
+          <dgm:presOf/>
+          <dgm:constrLst/>
+          <dgm:ruleLst/>
+        </dgm:layoutNode>
+        <dgm:layoutNode name="text">
+          <dgm:varLst>
+            <dgm:bulletEnabled val="1"/>
+          </dgm:varLst>
+          <dgm:alg type="tx">
+            <dgm:param type="parTxLTRAlign" val="l"/>
+            <dgm:param type="parTxRTLAlign" val="r"/>
+          </dgm:alg>
+          <dgm:shape xmlns:r="http://schemas.openxmlformats.org/officeDocument/2006/relationships" type="rect" r:blip="" hideGeom="1">
+            <dgm:adjLst/>
+          </dgm:shape>
+          <dgm:presOf axis="desOrSelf" ptType="node"/>
+          <dgm:constrLst>
+            <dgm:constr type="tMarg" refType="primFontSz" fact="0.3"/>
+            <dgm:constr type="bMarg" refType="primFontSz" fact="0.3"/>
+            <dgm:constr type="lMarg" refType="primFontSz" fact="0.3"/>
+            <dgm:constr type="rMarg" refType="primFontSz" fact="0.3"/>
+          </dgm:constrLst>
+          <dgm:ruleLst>
+            <dgm:rule type="primFontSz" val="5" fact="NaN" max="NaN"/>
+          </dgm:ruleLst>
+        </dgm:layoutNode>
+      </dgm:layoutNode>
+      <dgm:forEach name="Name4" axis="followSib" ptType="sibTrans" cnt="1">
+        <dgm:layoutNode name="spacer">
+          <dgm:alg type="sp"/>
+          <dgm:shape xmlns:r="http://schemas.openxmlformats.org/officeDocument/2006/relationships" r:blip="">
+            <dgm:adjLst/>
+          </dgm:shape>
+          <dgm:presOf axis="self"/>
+          <dgm:constrLst/>
+          <dgm:ruleLst/>
+        </dgm:layoutNode>
+      </dgm:forEach>
+    </dgm:forEach>
+  </dgm:layoutNode>
+</dgm:layoutDef>
+</file>
+
+<file path=ppt/diagrams/quickStyle1.xml><?xml version="1.0" encoding="utf-8"?>
+<dgm:styleDef xmlns:dgm="http://schemas.openxmlformats.org/drawingml/2006/diagram" xmlns:a="http://schemas.openxmlformats.org/drawingml/2006/main" uniqueId="urn:microsoft.com/office/officeart/2005/8/quickstyle/simple3">
+  <dgm:title val=""/>
+  <dgm:desc val=""/>
+  <dgm:catLst>
+    <dgm:cat type="simple" pri="10300"/>
+  </dgm:catLst>
+  <dgm:scene3d>
+    <a:camera prst="orthographicFront"/>
+    <a:lightRig rig="threePt" dir="t"/>
+  </dgm:scene3d>
+  <dgm:styleLbl name="node0">
+    <dgm:scene3d>
+      <a:camera prst="orthographicFront"/>
+      <a:lightRig rig="flat" dir="t"/>
+    </dgm:scene3d>
+    <dgm:sp3d prstMaterial="dkEdge">
+      <a:bevelT w="8200" h="38100"/>
+    </dgm:sp3d>
+    <dgm:txPr/>
+    <dgm:style>
+      <a:lnRef idx="0">
+        <a:scrgbClr r="0" g="0" b="0"/>
+      </a:lnRef>
+      <a:fillRef idx="2">
+        <a:scrgbClr r="0" g="0" b="0"/>
+      </a:fillRef>
+      <a:effectRef idx="1">
+        <a:scrgbClr r="0" g="0" b="0"/>
+      </a:effectRef>
+      <a:fontRef idx="minor">
+        <a:schemeClr val="dk1"/>
+      </a:fontRef>
+    </dgm:style>
+  </dgm:styleLbl>
+  <dgm:styleLbl name="lnNode1">
+    <dgm:scene3d>
+      <a:camera prst="orthographicFront"/>
+      <a:lightRig rig="flat" dir="t"/>
+    </dgm:scene3d>
+    <dgm:sp3d prstMaterial="dkEdge">
+      <a:bevelT w="8200" h="38100"/>
+    </dgm:sp3d>
+    <dgm:txPr/>
+    <dgm:style>
+      <a:lnRef idx="1">
+        <a:scrgbClr r="0" g="0" b="0"/>
+      </a:lnRef>
+      <a:fillRef idx="2">
+        <a:scrgbClr r="0" g="0" b="0"/>
+      </a:fillRef>
+      <a:effectRef idx="0">
+        <a:scrgbClr r="0" g="0" b="0"/>
+      </a:effectRef>
+      <a:fontRef idx="minor">
+        <a:schemeClr val="dk1"/>
+      </a:fontRef>
+    </dgm:style>
+  </dgm:styleLbl>
+  <dgm:styleLbl name="vennNode1">
+    <dgm:scene3d>
+      <a:camera prst="orthographicFront"/>
+      <a:lightRig rig="flat" dir="t"/>
+    </dgm:scene3d>
+    <dgm:sp3d prstMaterial="dkEdge">
+      <a:bevelT w="8200" h="38100"/>
+    </dgm:sp3d>
+    <dgm:txPr/>
+    <dgm:style>
+      <a:lnRef idx="0">
+        <a:scrgbClr r="0" g="0" b="0"/>
+      </a:lnRef>
+      <a:fillRef idx="2">
+        <a:scrgbClr r="0" g="0" b="0"/>
+      </a:fillRef>
+      <a:effectRef idx="0">
+        <a:scrgbClr r="0" g="0" b="0"/>
+      </a:effectRef>
+      <a:fontRef idx="minor">
+        <a:schemeClr val="tx1"/>
+      </a:fontRef>
+    </dgm:style>
+  </dgm:styleLbl>
+  <dgm:styleLbl name="alignNode1">
+    <dgm:scene3d>
+      <a:camera prst="orthographicFront"/>
+      <a:lightRig rig="threePt" dir="t"/>
+    </dgm:scene3d>
+    <dgm:sp3d/>
+    <dgm:txPr/>
+    <dgm:style>
+      <a:lnRef idx="1">
+        <a:scrgbClr r="0" g="0" b="0"/>
+      </a:lnRef>
+      <a:fillRef idx="2">
+        <a:scrgbClr r="0" g="0" b="0"/>
+      </a:fillRef>
+      <a:effectRef idx="1">
+        <a:scrgbClr r="0" g="0" b="0"/>
+      </a:effectRef>
+      <a:fontRef idx="minor">
+        <a:schemeClr val="dk1"/>
+      </a:fontRef>
+    </dgm:style>
+  </dgm:styleLbl>
+  <dgm:styleLbl name="node1">
+    <dgm:scene3d>
+      <a:camera prst="orthographicFront"/>
+      <a:lightRig rig="flat" dir="t"/>
+    </dgm:scene3d>
+    <dgm:sp3d prstMaterial="dkEdge">
+      <a:bevelT w="8200" h="38100"/>
+    </dgm:sp3d>
+    <dgm:txPr/>
+    <dgm:style>
+      <a:lnRef idx="0">
+        <a:scrgbClr r="0" g="0" b="0"/>
+      </a:lnRef>
+      <a:fillRef idx="2">
+        <a:scrgbClr r="0" g="0" b="0"/>
+      </a:fillRef>
+      <a:effectRef idx="1">
+        <a:scrgbClr r="0" g="0" b="0"/>
+      </a:effectRef>
+      <a:fontRef idx="minor">
+        <a:schemeClr val="dk1"/>
+      </a:fontRef>
+    </dgm:style>
+  </dgm:styleLbl>
+  <dgm:styleLbl name="node2">
+    <dgm:scene3d>
+      <a:camera prst="orthographicFront"/>
+      <a:lightRig rig="flat" dir="t"/>
+    </dgm:scene3d>
+    <dgm:sp3d prstMaterial="dkEdge">
+      <a:bevelT w="8200" h="38100"/>
+    </dgm:sp3d>
+    <dgm:txPr/>
+    <dgm:style>
+      <a:lnRef idx="0">
+        <a:scrgbClr r="0" g="0" b="0"/>
+      </a:lnRef>
+      <a:fillRef idx="2">
+        <a:scrgbClr r="0" g="0" b="0"/>
+      </a:fillRef>
+      <a:effectRef idx="1">
+        <a:scrgbClr r="0" g="0" b="0"/>
+      </a:effectRef>
+      <a:fontRef idx="minor">
+        <a:schemeClr val="dk1"/>
+      </a:fontRef>
+    </dgm:style>
+  </dgm:styleLbl>
+  <dgm:styleLbl name="node3">
+    <dgm:scene3d>
+      <a:camera prst="orthographicFront"/>
+      <a:lightRig rig="flat" dir="t"/>
+    </dgm:scene3d>
+    <dgm:sp3d prstMaterial="dkEdge">
+      <a:bevelT w="8200" h="38100"/>
+    </dgm:sp3d>
+    <dgm:txPr/>
+    <dgm:style>
+      <a:lnRef idx="0">
+        <a:scrgbClr r="0" g="0" b="0"/>
+      </a:lnRef>
+      <a:fillRef idx="2">
+        <a:scrgbClr r="0" g="0" b="0"/>
+      </a:fillRef>
+      <a:effectRef idx="1">
+        <a:scrgbClr r="0" g="0" b="0"/>
+      </a:effectRef>
+      <a:fontRef idx="minor">
+        <a:schemeClr val="dk1"/>
+      </a:fontRef>
+    </dgm:style>
+  </dgm:styleLbl>
+  <dgm:styleLbl name="node4">
+    <dgm:scene3d>
+      <a:camera prst="orthographicFront"/>
+      <a:lightRig rig="flat" dir="t"/>
+    </dgm:scene3d>
+    <dgm:sp3d prstMaterial="dkEdge">
+      <a:bevelT w="8200" h="38100"/>
+    </dgm:sp3d>
+    <dgm:txPr/>
+    <dgm:style>
+      <a:lnRef idx="0">
+        <a:scrgbClr r="0" g="0" b="0"/>
+      </a:lnRef>
+      <a:fillRef idx="2">
+        <a:scrgbClr r="0" g="0" b="0"/>
+      </a:fillRef>
+      <a:effectRef idx="1">
+        <a:scrgbClr r="0" g="0" b="0"/>
+      </a:effectRef>
+      <a:fontRef idx="minor">
+        <a:schemeClr val="dk1"/>
+      </a:fontRef>
+    </dgm:style>
+  </dgm:styleLbl>
+  <dgm:styleLbl name="fgImgPlace1">
+    <dgm:scene3d>
+      <a:camera prst="orthographicFront"/>
+      <a:lightRig rig="threePt" dir="t"/>
+    </dgm:scene3d>
+    <dgm:sp3d/>
+    <dgm:txPr/>
+    <dgm:style>
+      <a:lnRef idx="1">
+        <a:scrgbClr r="0" g="0" b="0"/>
+      </a:lnRef>
+      <a:fillRef idx="1">
+        <a:scrgbClr r="0" g="0" b="0"/>
+      </a:fillRef>
+      <a:effectRef idx="1">
+        <a:scrgbClr r="0" g="0" b="0"/>
+      </a:effectRef>
+      <a:fontRef idx="minor"/>
+    </dgm:style>
+  </dgm:styleLbl>
+  <dgm:styleLbl name="alignImgPlace1">
+    <dgm:scene3d>
+      <a:camera prst="orthographicFront"/>
+      <a:lightRig rig="threePt" dir="t"/>
+    </dgm:scene3d>
+    <dgm:sp3d/>
+    <dgm:txPr/>
+    <dgm:style>
+      <a:lnRef idx="1">
+        <a:scrgbClr r="0" g="0" b="0"/>
+      </a:lnRef>
+      <a:fillRef idx="1">
+        <a:scrgbClr r="0" g="0" b="0"/>
+      </a:fillRef>
+      <a:effectRef idx="1">
+        <a:scrgbClr r="0" g="0" b="0"/>
+      </a:effectRef>
+      <a:fontRef idx="minor"/>
+    </dgm:style>
+  </dgm:styleLbl>
+  <dgm:styleLbl name="bgImgPlace1">
+    <dgm:scene3d>
+      <a:camera prst="orthographicFront"/>
+      <a:lightRig rig="threePt" dir="t"/>
+    </dgm:scene3d>
+    <dgm:sp3d/>
+    <dgm:txPr/>
+    <dgm:style>
+      <a:lnRef idx="1">
+        <a:scrgbClr r="0" g="0" b="0"/>
+      </a:lnRef>
+      <a:fillRef idx="1">
+        <a:scrgbClr r="0" g="0" b="0"/>
+      </a:fillRef>
+      <a:effectRef idx="1">
+        <a:scrgbClr r="0" g="0" b="0"/>
+      </a:effectRef>
+      <a:fontRef idx="minor"/>
+    </dgm:style>
+  </dgm:styleLbl>
+  <dgm:styleLbl name="sibTrans2D1">
+    <dgm:scene3d>
+      <a:camera prst="orthographicFront"/>
+      <a:lightRig rig="threePt" dir="t"/>
+    </dgm:scene3d>
+    <dgm:sp3d/>
+    <dgm:txPr/>
+    <dgm:style>
+      <a:lnRef idx="0">
+        <a:scrgbClr r="0" g="0" b="0"/>
+      </a:lnRef>
+      <a:fillRef idx="2">
+        <a:scrgbClr r="0" g="0" b="0"/>
+      </a:fillRef>
+      <a:effectRef idx="1">
+        <a:scrgbClr r="0" g="0" b="0"/>
+      </a:effectRef>
+      <a:fontRef idx="minor">
+        <a:schemeClr val="dk1"/>
+      </a:fontRef>
+    </dgm:style>
+  </dgm:styleLbl>
+  <dgm:styleLbl name="fgSibTrans2D1">
+    <dgm:scene3d>
+      <a:camera prst="orthographicFront"/>
+      <a:lightRig rig="threePt" dir="t"/>
+    </dgm:scene3d>
+    <dgm:sp3d/>
+    <dgm:txPr/>
+    <dgm:style>
+      <a:lnRef idx="0">
+        <a:scrgbClr r="0" g="0" b="0"/>
+      </a:lnRef>
+      <a:fillRef idx="2">
+        <a:scrgbClr r="0" g="0" b="0"/>
+      </a:fillRef>
+      <a:effectRef idx="1">
+        <a:scrgbClr r="0" g="0" b="0"/>
+      </a:effectRef>
+      <a:fontRef idx="minor">
+        <a:schemeClr val="dk1"/>
+      </a:fontRef>
+    </dgm:style>
+  </dgm:styleLbl>
+  <dgm:styleLbl name="bgSibTrans2D1">
+    <dgm:scene3d>
+      <a:camera prst="orthographicFront"/>
+      <a:lightRig rig="threePt" dir="t"/>
+    </dgm:scene3d>
+    <dgm:sp3d/>
+    <dgm:txPr/>
+    <dgm:style>
+      <a:lnRef idx="0">
+        <a:scrgbClr r="0" g="0" b="0"/>
+      </a:lnRef>
+      <a:fillRef idx="2">
+        <a:scrgbClr r="0" g="0" b="0"/>
+      </a:fillRef>
+      <a:effectRef idx="1">
+        <a:scrgbClr r="0" g="0" b="0"/>
+      </a:effectRef>
+      <a:fontRef idx="minor">
+        <a:schemeClr val="dk1"/>
+      </a:fontRef>
+    </dgm:style>
+  </dgm:styleLbl>
+  <dgm:styleLbl name="sibTrans1D1">
+    <dgm:scene3d>
+      <a:camera prst="orthographicFront"/>
+      <a:lightRig rig="threePt" dir="t"/>
+    </dgm:scene3d>
+    <dgm:sp3d/>
+    <dgm:txPr/>
+    <dgm:style>
+      <a:lnRef idx="1">
+        <a:scrgbClr r="0" g="0" b="0"/>
+      </a:lnRef>
+      <a:fillRef idx="0">
+        <a:scrgbClr r="0" g="0" b="0"/>
+      </a:fillRef>
+      <a:effectRef idx="0">
+        <a:scrgbClr r="0" g="0" b="0"/>
+      </a:effectRef>
+      <a:fontRef idx="minor"/>
+    </dgm:style>
+  </dgm:styleLbl>
+  <dgm:styleLbl name="callout">
+    <dgm:scene3d>
+      <a:camera prst="orthographicFront"/>
+      <a:lightRig rig="threePt" dir="t"/>
+    </dgm:scene3d>
+    <dgm:sp3d/>
+    <dgm:txPr/>
+    <dgm:style>
+      <a:lnRef idx="1">
+        <a:scrgbClr r="0" g="0" b="0"/>
+      </a:lnRef>
+      <a:fillRef idx="2">
+        <a:scrgbClr r="0" g="0" b="0"/>
+      </a:fillRef>
+      <a:effectRef idx="1">
+        <a:scrgbClr r="0" g="0" b="0"/>
+      </a:effectRef>
+      <a:fontRef idx="minor"/>
+    </dgm:style>
+  </dgm:styleLbl>
+  <dgm:styleLbl name="asst0">
+    <dgm:scene3d>
+      <a:camera prst="orthographicFront"/>
+      <a:lightRig rig="flat" dir="t"/>
+    </dgm:scene3d>
+    <dgm:sp3d prstMaterial="dkEdge">
+      <a:bevelT w="8200" h="38100"/>
+    </dgm:sp3d>
+    <dgm:txPr/>
+    <dgm:style>
+      <a:lnRef idx="0">
+        <a:scrgbClr r="0" g="0" b="0"/>
+      </a:lnRef>
+      <a:fillRef idx="2">
+        <a:scrgbClr r="0" g="0" b="0"/>
+      </a:fillRef>
+      <a:effectRef idx="1">
+        <a:scrgbClr r="0" g="0" b="0"/>
+      </a:effectRef>
+      <a:fontRef idx="minor">
+        <a:schemeClr val="dk1"/>
+      </a:fontRef>
+    </dgm:style>
+  </dgm:styleLbl>
+  <dgm:styleLbl name="asst1">
+    <dgm:scene3d>
+      <a:camera prst="orthographicFront"/>
+      <a:lightRig rig="flat" dir="t"/>
+    </dgm:scene3d>
+    <dgm:sp3d prstMaterial="dkEdge">
+      <a:bevelT w="8200" h="38100"/>
+    </dgm:sp3d>
+    <dgm:txPr/>
+    <dgm:style>
+      <a:lnRef idx="0">
+        <a:scrgbClr r="0" g="0" b="0"/>
+      </a:lnRef>
+      <a:fillRef idx="2">
+        <a:scrgbClr r="0" g="0" b="0"/>
+      </a:fillRef>
+      <a:effectRef idx="1">
+        <a:scrgbClr r="0" g="0" b="0"/>
+      </a:effectRef>
+      <a:fontRef idx="minor">
+        <a:schemeClr val="dk1"/>
+      </a:fontRef>
+    </dgm:style>
+  </dgm:styleLbl>
+  <dgm:styleLbl name="asst2">
+    <dgm:scene3d>
+      <a:camera prst="orthographicFront"/>
+      <a:lightRig rig="flat" dir="t"/>
+    </dgm:scene3d>
+    <dgm:sp3d prstMaterial="dkEdge">
+      <a:bevelT w="8200" h="38100"/>
+    </dgm:sp3d>
+    <dgm:txPr/>
+    <dgm:style>
+      <a:lnRef idx="0">
+        <a:scrgbClr r="0" g="0" b="0"/>
+      </a:lnRef>
+      <a:fillRef idx="2">
+        <a:scrgbClr r="0" g="0" b="0"/>
+      </a:fillRef>
+      <a:effectRef idx="1">
+        <a:scrgbClr r="0" g="0" b="0"/>
+      </a:effectRef>
+      <a:fontRef idx="minor">
+        <a:schemeClr val="dk1"/>
+      </a:fontRef>
+    </dgm:style>
+  </dgm:styleLbl>
+  <dgm:styleLbl name="asst3">
+    <dgm:scene3d>
+      <a:camera prst="orthographicFront"/>
+      <a:lightRig rig="flat" dir="t"/>
+    </dgm:scene3d>
+    <dgm:sp3d prstMaterial="dkEdge">
+      <a:bevelT w="8200" h="38100"/>
+    </dgm:sp3d>
+    <dgm:txPr/>
+    <dgm:style>
+      <a:lnRef idx="0">
+        <a:scrgbClr r="0" g="0" b="0"/>
+      </a:lnRef>
+      <a:fillRef idx="2">
+        <a:scrgbClr r="0" g="0" b="0"/>
+      </a:fillRef>
+      <a:effectRef idx="1">
+        <a:scrgbClr r="0" g="0" b="0"/>
+      </a:effectRef>
+      <a:fontRef idx="minor">
+        <a:schemeClr val="dk1"/>
+      </a:fontRef>
+    </dgm:style>
+  </dgm:styleLbl>
+  <dgm:styleLbl name="asst4">
+    <dgm:scene3d>
+      <a:camera prst="orthographicFront"/>
+      <a:lightRig rig="flat" dir="t"/>
+    </dgm:scene3d>
+    <dgm:sp3d prstMaterial="dkEdge">
+      <a:bevelT w="8200" h="38100"/>
+    </dgm:sp3d>
+    <dgm:txPr/>
+    <dgm:style>
+      <a:lnRef idx="0">
+        <a:scrgbClr r="0" g="0" b="0"/>
+      </a:lnRef>
+      <a:fillRef idx="2">
+        <a:scrgbClr r="0" g="0" b="0"/>
+      </a:fillRef>
+      <a:effectRef idx="1">
+        <a:scrgbClr r="0" g="0" b="0"/>
+      </a:effectRef>
+      <a:fontRef idx="minor">
+        <a:schemeClr val="dk1"/>
+      </a:fontRef>
+    </dgm:style>
+  </dgm:styleLbl>
+  <dgm:styleLbl name="parChTrans2D1">
+    <dgm:scene3d>
+      <a:camera prst="orthographicFront"/>
+      <a:lightRig rig="threePt" dir="t"/>
+    </dgm:scene3d>
+    <dgm:sp3d/>
+    <dgm:txPr/>
+    <dgm:style>
+      <a:lnRef idx="1">
+        <a:scrgbClr r="0" g="0" b="0"/>
+      </a:lnRef>
+      <a:fillRef idx="2">
+        <a:scrgbClr r="0" g="0" b="0"/>
+      </a:fillRef>
+      <a:effectRef idx="1">
+        <a:scrgbClr r="0" g="0" b="0"/>
+      </a:effectRef>
+      <a:fontRef idx="minor">
+        <a:schemeClr val="dk1"/>
+      </a:fontRef>
+    </dgm:style>
+  </dgm:styleLbl>
+  <dgm:styleLbl name="parChTrans2D2">
+    <dgm:scene3d>
+      <a:camera prst="orthographicFront"/>
+      <a:lightRig rig="threePt" dir="t"/>
+    </dgm:scene3d>
+    <dgm:sp3d/>
+    <dgm:txPr/>
+    <dgm:style>
+      <a:lnRef idx="1">
+        <a:scrgbClr r="0" g="0" b="0"/>
+      </a:lnRef>
+      <a:fillRef idx="2">
+        <a:scrgbClr r="0" g="0" b="0"/>
+      </a:fillRef>
+      <a:effectRef idx="1">
+        <a:scrgbClr r="0" g="0" b="0"/>
+      </a:effectRef>
+      <a:fontRef idx="minor">
+        <a:schemeClr val="dk1"/>
+      </a:fontRef>
+    </dgm:style>
+  </dgm:styleLbl>
+  <dgm:styleLbl name="parChTrans2D3">
+    <dgm:scene3d>
+      <a:camera prst="orthographicFront"/>
+      <a:lightRig rig="threePt" dir="t"/>
+    </dgm:scene3d>
+    <dgm:sp3d/>
+    <dgm:txPr/>
+    <dgm:style>
+      <a:lnRef idx="1">
+        <a:scrgbClr r="0" g="0" b="0"/>
+      </a:lnRef>
+      <a:fillRef idx="2">
+        <a:scrgbClr r="0" g="0" b="0"/>
+      </a:fillRef>
+      <a:effectRef idx="1">
+        <a:scrgbClr r="0" g="0" b="0"/>
+      </a:effectRef>
+      <a:fontRef idx="minor">
+        <a:schemeClr val="dk1"/>
+      </a:fontRef>
+    </dgm:style>
+  </dgm:styleLbl>
+  <dgm:styleLbl name="parChTrans2D4">
+    <dgm:scene3d>
+      <a:camera prst="orthographicFront"/>
+      <a:lightRig rig="threePt" dir="t"/>
+    </dgm:scene3d>
+    <dgm:sp3d/>
+    <dgm:txPr/>
+    <dgm:style>
+      <a:lnRef idx="1">
+        <a:scrgbClr r="0" g="0" b="0"/>
+      </a:lnRef>
+      <a:fillRef idx="2">
+        <a:scrgbClr r="0" g="0" b="0"/>
+      </a:fillRef>
+      <a:effectRef idx="1">
+        <a:scrgbClr r="0" g="0" b="0"/>
+      </a:effectRef>
+      <a:fontRef idx="minor">
+        <a:schemeClr val="dk1"/>
+      </a:fontRef>
+    </dgm:style>
+  </dgm:styleLbl>
+  <dgm:styleLbl name="parChTrans1D1">
+    <dgm:scene3d>
+      <a:camera prst="orthographicFront"/>
+      <a:lightRig rig="threePt" dir="t"/>
+    </dgm:scene3d>
+    <dgm:sp3d/>
+    <dgm:txPr/>
+    <dgm:style>
+      <a:lnRef idx="2">
+        <a:scrgbClr r="0" g="0" b="0"/>
+      </a:lnRef>
+      <a:fillRef idx="0">
+        <a:scrgbClr r="0" g="0" b="0"/>
+      </a:fillRef>
+      <a:effectRef idx="0">
+        <a:scrgbClr r="0" g="0" b="0"/>
+      </a:effectRef>
+      <a:fontRef idx="minor"/>
+    </dgm:style>
+  </dgm:styleLbl>
+  <dgm:styleLbl name="parChTrans1D2">
+    <dgm:scene3d>
+      <a:camera prst="orthographicFront"/>
+      <a:lightRig rig="threePt" dir="t"/>
+    </dgm:scene3d>
+    <dgm:sp3d/>
+    <dgm:txPr/>
+    <dgm:style>
+      <a:lnRef idx="2">
+        <a:scrgbClr r="0" g="0" b="0"/>
+      </a:lnRef>
+      <a:fillRef idx="0">
+        <a:scrgbClr r="0" g="0" b="0"/>
+      </a:fillRef>
+      <a:effectRef idx="0">
+        <a:scrgbClr r="0" g="0" b="0"/>
+      </a:effectRef>
+      <a:fontRef idx="minor"/>
+    </dgm:style>
+  </dgm:styleLbl>
+  <dgm:styleLbl name="parChTrans1D3">
+    <dgm:scene3d>
+      <a:camera prst="orthographicFront"/>
+      <a:lightRig rig="threePt" dir="t"/>
+    </dgm:scene3d>
+    <dgm:sp3d/>
+    <dgm:txPr/>
+    <dgm:style>
+      <a:lnRef idx="2">
+        <a:scrgbClr r="0" g="0" b="0"/>
+      </a:lnRef>
+      <a:fillRef idx="0">
+        <a:scrgbClr r="0" g="0" b="0"/>
+      </a:fillRef>
+      <a:effectRef idx="0">
+        <a:scrgbClr r="0" g="0" b="0"/>
+      </a:effectRef>
+      <a:fontRef idx="minor"/>
+    </dgm:style>
+  </dgm:styleLbl>
+  <dgm:styleLbl name="parChTrans1D4">
+    <dgm:scene3d>
+      <a:camera prst="orthographicFront"/>
+      <a:lightRig rig="threePt" dir="t"/>
+    </dgm:scene3d>
+    <dgm:sp3d/>
+    <dgm:txPr/>
+    <dgm:style>
+      <a:lnRef idx="2">
+        <a:scrgbClr r="0" g="0" b="0"/>
+      </a:lnRef>
+      <a:fillRef idx="0">
+        <a:scrgbClr r="0" g="0" b="0"/>
+      </a:fillRef>
+      <a:effectRef idx="0">
+        <a:scrgbClr r="0" g="0" b="0"/>
+      </a:effectRef>
+      <a:fontRef idx="minor"/>
+    </dgm:style>
+  </dgm:styleLbl>
+  <dgm:styleLbl name="fgAcc1">
+    <dgm:scene3d>
+      <a:camera prst="orthographicFront"/>
+      <a:lightRig rig="threePt" dir="t"/>
+    </dgm:scene3d>
+    <dgm:sp3d/>
+    <dgm:txPr/>
+    <dgm:style>
+      <a:lnRef idx="1">
+        <a:scrgbClr r="0" g="0" b="0"/>
+      </a:lnRef>
+      <a:fillRef idx="1">
+        <a:scrgbClr r="0" g="0" b="0"/>
+      </a:fillRef>
+      <a:effectRef idx="0">
+        <a:scrgbClr r="0" g="0" b="0"/>
+      </a:effectRef>
+      <a:fontRef idx="minor"/>
+    </dgm:style>
+  </dgm:styleLbl>
+  <dgm:styleLbl name="conFgAcc1">
+    <dgm:scene3d>
+      <a:camera prst="orthographicFront"/>
+      <a:lightRig rig="threePt" dir="t"/>
+    </dgm:scene3d>
+    <dgm:sp3d/>
+    <dgm:txPr/>
+    <dgm:style>
+      <a:lnRef idx="1">
+        <a:scrgbClr r="0" g="0" b="0"/>
+      </a:lnRef>
+      <a:fillRef idx="1">
+        <a:scrgbClr r="0" g="0" b="0"/>
+      </a:fillRef>
+      <a:effectRef idx="0">
+        <a:scrgbClr r="0" g="0" b="0"/>
+      </a:effectRef>
+      <a:fontRef idx="minor"/>
+    </dgm:style>
+  </dgm:styleLbl>
+  <dgm:styleLbl name="alignAcc1">
+    <dgm:scene3d>
+      <a:camera prst="orthographicFront"/>
+      <a:lightRig rig="threePt" dir="t"/>
+    </dgm:scene3d>
+    <dgm:sp3d/>
+    <dgm:txPr/>
+    <dgm:style>
+      <a:lnRef idx="1">
+        <a:scrgbClr r="0" g="0" b="0"/>
+      </a:lnRef>
+      <a:fillRef idx="1">
+        <a:scrgbClr r="0" g="0" b="0"/>
+      </a:fillRef>
+      <a:effectRef idx="0">
+        <a:scrgbClr r="0" g="0" b="0"/>
+      </a:effectRef>
+      <a:fontRef idx="minor"/>
+    </dgm:style>
+  </dgm:styleLbl>
+  <dgm:styleLbl name="trAlignAcc1">
+    <dgm:scene3d>
+      <a:camera prst="orthographicFront"/>
+      <a:lightRig rig="threePt" dir="t"/>
+    </dgm:scene3d>
+    <dgm:sp3d/>
+    <dgm:txPr/>
+    <dgm:style>
+      <a:lnRef idx="1">
+        <a:scrgbClr r="0" g="0" b="0"/>
+      </a:lnRef>
+      <a:fillRef idx="1">
+        <a:scrgbClr r="0" g="0" b="0"/>
+      </a:fillRef>
+      <a:effectRef idx="0">
+        <a:scrgbClr r="0" g="0" b="0"/>
+      </a:effectRef>
+      <a:fontRef idx="minor"/>
+    </dgm:style>
+  </dgm:styleLbl>
+  <dgm:styleLbl name="bgAcc1">
+    <dgm:scene3d>
+      <a:camera prst="orthographicFront"/>
+      <a:lightRig rig="threePt" dir="t"/>
+    </dgm:scene3d>
+    <dgm:sp3d/>
+    <dgm:txPr/>
+    <dgm:style>
+      <a:lnRef idx="1">
+        <a:scrgbClr r="0" g="0" b="0"/>
+      </a:lnRef>
+      <a:fillRef idx="1">
+        <a:scrgbClr r="0" g="0" b="0"/>
+      </a:fillRef>
+      <a:effectRef idx="0">
+        <a:scrgbClr r="0" g="0" b="0"/>
+      </a:effectRef>
+      <a:fontRef idx="minor"/>
+    </dgm:style>
+  </dgm:styleLbl>
+  <dgm:styleLbl name="solidFgAcc1">
+    <dgm:scene3d>
+      <a:camera prst="orthographicFront"/>
+      <a:lightRig rig="threePt" dir="t"/>
+    </dgm:scene3d>
+    <dgm:sp3d/>
+    <dgm:txPr/>
+    <dgm:style>
+      <a:lnRef idx="1">
+        <a:scrgbClr r="0" g="0" b="0"/>
+      </a:lnRef>
+      <a:fillRef idx="2">
+        <a:scrgbClr r="0" g="0" b="0"/>
+      </a:fillRef>
+      <a:effectRef idx="0">
+        <a:scrgbClr r="0" g="0" b="0"/>
+      </a:effectRef>
+      <a:fontRef idx="minor"/>
+    </dgm:style>
+  </dgm:styleLbl>
+  <dgm:styleLbl name="solidAlignAcc1">
+    <dgm:scene3d>
+      <a:camera prst="orthographicFront"/>
+      <a:lightRig rig="threePt" dir="t"/>
+    </dgm:scene3d>
+    <dgm:sp3d/>
+    <dgm:txPr/>
+    <dgm:style>
+      <a:lnRef idx="1">
+        <a:scrgbClr r="0" g="0" b="0"/>
+      </a:lnRef>
+      <a:fillRef idx="1">
+        <a:scrgbClr r="0" g="0" b="0"/>
+      </a:fillRef>
+      <a:effectRef idx="0">
+        <a:scrgbClr r="0" g="0" b="0"/>
+      </a:effectRef>
+      <a:fontRef idx="minor"/>
+    </dgm:style>
+  </dgm:styleLbl>
+  <dgm:styleLbl name="solidBgAcc1">
+    <dgm:scene3d>
+      <a:camera prst="orthographicFront"/>
+      <a:lightRig rig="threePt" dir="t"/>
+    </dgm:scene3d>
+    <dgm:sp3d/>
+    <dgm:txPr/>
+    <dgm:style>
+      <a:lnRef idx="1">
+        <a:scrgbClr r="0" g="0" b="0"/>
+      </a:lnRef>
+      <a:fillRef idx="1">
+        <a:scrgbClr r="0" g="0" b="0"/>
+      </a:fillRef>
+      <a:effectRef idx="0">
+        <a:scrgbClr r="0" g="0" b="0"/>
+      </a:effectRef>
+      <a:fontRef idx="minor"/>
+    </dgm:style>
+  </dgm:styleLbl>
+  <dgm:styleLbl name="fgAccFollowNode1">
+    <dgm:scene3d>
+      <a:camera prst="orthographicFront"/>
+      <a:lightRig rig="threePt" dir="t"/>
+    </dgm:scene3d>
+    <dgm:sp3d/>
+    <dgm:txPr/>
+    <dgm:style>
+      <a:lnRef idx="1">
+        <a:scrgbClr r="0" g="0" b="0"/>
+      </a:lnRef>
+      <a:fillRef idx="1">
+        <a:scrgbClr r="0" g="0" b="0"/>
+      </a:fillRef>
+      <a:effectRef idx="0">
+        <a:scrgbClr r="0" g="0" b="0"/>
+      </a:effectRef>
+      <a:fontRef idx="minor"/>
+    </dgm:style>
+  </dgm:styleLbl>
+  <dgm:styleLbl name="alignAccFollowNode1">
+    <dgm:scene3d>
+      <a:camera prst="orthographicFront"/>
+      <a:lightRig rig="threePt" dir="t"/>
+    </dgm:scene3d>
+    <dgm:sp3d/>
+    <dgm:txPr/>
+    <dgm:style>
+      <a:lnRef idx="1">
+        <a:scrgbClr r="0" g="0" b="0"/>
+      </a:lnRef>
+      <a:fillRef idx="1">
+        <a:scrgbClr r="0" g="0" b="0"/>
+      </a:fillRef>
+      <a:effectRef idx="0">
+        <a:scrgbClr r="0" g="0" b="0"/>
+      </a:effectRef>
+      <a:fontRef idx="minor"/>
+    </dgm:style>
+  </dgm:styleLbl>
+  <dgm:styleLbl name="bgAccFollowNode1">
+    <dgm:scene3d>
+      <a:camera prst="orthographicFront"/>
+      <a:lightRig rig="threePt" dir="t"/>
+    </dgm:scene3d>
+    <dgm:sp3d/>
+    <dgm:txPr/>
+    <dgm:style>
+      <a:lnRef idx="1">
+        <a:scrgbClr r="0" g="0" b="0"/>
+      </a:lnRef>
+      <a:fillRef idx="1">
+        <a:scrgbClr r="0" g="0" b="0"/>
+      </a:fillRef>
+      <a:effectRef idx="0">
+        <a:scrgbClr r="0" g="0" b="0"/>
+      </a:effectRef>
+      <a:fontRef idx="minor"/>
+    </dgm:style>
+  </dgm:styleLbl>
+  <dgm:styleLbl name="fgAcc0">
+    <dgm:scene3d>
+      <a:camera prst="orthographicFront"/>
+      <a:lightRig rig="threePt" dir="t"/>
+    </dgm:scene3d>
+    <dgm:sp3d/>
+    <dgm:txPr/>
+    <dgm:style>
+      <a:lnRef idx="1">
+        <a:scrgbClr r="0" g="0" b="0"/>
+      </a:lnRef>
+      <a:fillRef idx="1">
+        <a:scrgbClr r="0" g="0" b="0"/>
+      </a:fillRef>
+      <a:effectRef idx="0">
+        <a:scrgbClr r="0" g="0" b="0"/>
+      </a:effectRef>
+      <a:fontRef idx="minor"/>
+    </dgm:style>
+  </dgm:styleLbl>
+  <dgm:styleLbl name="fgAcc2">
+    <dgm:scene3d>
+      <a:camera prst="orthographicFront"/>
+      <a:lightRig rig="threePt" dir="t"/>
+    </dgm:scene3d>
+    <dgm:sp3d/>
+    <dgm:txPr/>
+    <dgm:style>
+      <a:lnRef idx="1">
+        <a:scrgbClr r="0" g="0" b="0"/>
+      </a:lnRef>
+      <a:fillRef idx="1">
+        <a:scrgbClr r="0" g="0" b="0"/>
+      </a:fillRef>
+      <a:effectRef idx="0">
+        <a:scrgbClr r="0" g="0" b="0"/>
+      </a:effectRef>
+      <a:fontRef idx="minor"/>
+    </dgm:style>
+  </dgm:styleLbl>
+  <dgm:styleLbl name="fgAcc3">
+    <dgm:scene3d>
+      <a:camera prst="orthographicFront"/>
+      <a:lightRig rig="threePt" dir="t"/>
+    </dgm:scene3d>
+    <dgm:sp3d/>
+    <dgm:txPr/>
+    <dgm:style>
+      <a:lnRef idx="1">
+        <a:scrgbClr r="0" g="0" b="0"/>
+      </a:lnRef>
+      <a:fillRef idx="1">
+        <a:scrgbClr r="0" g="0" b="0"/>
+      </a:fillRef>
+      <a:effectRef idx="0">
+        <a:scrgbClr r="0" g="0" b="0"/>
+      </a:effectRef>
+      <a:fontRef idx="minor"/>
+    </dgm:style>
+  </dgm:styleLbl>
+  <dgm:styleLbl name="fgAcc4">
+    <dgm:scene3d>
+      <a:camera prst="orthographicFront"/>
+      <a:lightRig rig="threePt" dir="t"/>
+    </dgm:scene3d>
+    <dgm:sp3d/>
+    <dgm:txPr/>
+    <dgm:style>
+      <a:lnRef idx="1">
+        <a:scrgbClr r="0" g="0" b="0"/>
+      </a:lnRef>
+      <a:fillRef idx="1">
+        <a:scrgbClr r="0" g="0" b="0"/>
+      </a:fillRef>
+      <a:effectRef idx="0">
+        <a:scrgbClr r="0" g="0" b="0"/>
+      </a:effectRef>
+      <a:fontRef idx="minor"/>
+    </dgm:style>
+  </dgm:styleLbl>
+  <dgm:styleLbl name="bgShp">
+    <dgm:scene3d>
+      <a:camera prst="orthographicFront"/>
+      <a:lightRig rig="threePt" dir="t"/>
+    </dgm:scene3d>
+    <dgm:sp3d/>
+    <dgm:txPr/>
+    <dgm:style>
+      <a:lnRef idx="0">
+        <a:scrgbClr r="0" g="0" b="0"/>
+      </a:lnRef>
+      <a:fillRef idx="1">
+        <a:scrgbClr r="0" g="0" b="0"/>
+      </a:fillRef>
+      <a:effectRef idx="1">
+        <a:scrgbClr r="0" g="0" b="0"/>
+      </a:effectRef>
+      <a:fontRef idx="minor"/>
+    </dgm:style>
+  </dgm:styleLbl>
+  <dgm:styleLbl name="dkBgShp">
+    <dgm:scene3d>
+      <a:camera prst="orthographicFront"/>
+      <a:lightRig rig="threePt" dir="t"/>
+    </dgm:scene3d>
+    <dgm:sp3d/>
+    <dgm:txPr/>
+    <dgm:style>
+      <a:lnRef idx="0">
+        <a:scrgbClr r="0" g="0" b="0"/>
+      </a:lnRef>
+      <a:fillRef idx="1">
+        <a:scrgbClr r="0" g="0" b="0"/>
+      </a:fillRef>
+      <a:effectRef idx="1">
+        <a:scrgbClr r="0" g="0" b="0"/>
+      </a:effectRef>
+      <a:fontRef idx="minor"/>
+    </dgm:style>
+  </dgm:styleLbl>
+  <dgm:styleLbl name="trBgShp">
+    <dgm:scene3d>
+      <a:camera prst="orthographicFront"/>
+      <a:lightRig rig="threePt" dir="t"/>
+    </dgm:scene3d>
+    <dgm:sp3d/>
+    <dgm:txPr/>
+    <dgm:style>
+      <a:lnRef idx="0">
+        <a:scrgbClr r="0" g="0" b="0"/>
+      </a:lnRef>
+      <a:fillRef idx="1">
+        <a:scrgbClr r="0" g="0" b="0"/>
+      </a:fillRef>
+      <a:effectRef idx="0">
+        <a:scrgbClr r="0" g="0" b="0"/>
+      </a:effectRef>
+      <a:fontRef idx="minor"/>
+    </dgm:style>
+  </dgm:styleLbl>
+  <dgm:styleLbl name="fgShp">
+    <dgm:scene3d>
+      <a:camera prst="orthographicFront"/>
+      <a:lightRig rig="flat" dir="t"/>
+    </dgm:scene3d>
+    <dgm:sp3d prstMaterial="dkEdge">
+      <a:bevelT w="8200" h="38100"/>
+    </dgm:sp3d>
+    <dgm:txPr/>
+    <dgm:style>
+      <a:lnRef idx="1">
+        <a:scrgbClr r="0" g="0" b="0"/>
+      </a:lnRef>
+      <a:fillRef idx="2">
+        <a:scrgbClr r="0" g="0" b="0"/>
+      </a:fillRef>
+      <a:effectRef idx="1">
+        <a:scrgbClr r="0" g="0" b="0"/>
+      </a:effectRef>
+      <a:fontRef idx="minor"/>
+    </dgm:style>
+  </dgm:styleLbl>
+  <dgm:styleLbl name="revTx">
+    <dgm:scene3d>
+      <a:camera prst="orthographicFront"/>
+      <a:lightRig rig="threePt" dir="t"/>
+    </dgm:scene3d>
+    <dgm:sp3d/>
+    <dgm:txPr/>
+    <dgm:style>
+      <a:lnRef idx="0">
+        <a:scrgbClr r="0" g="0" b="0"/>
+      </a:lnRef>
+      <a:fillRef idx="0">
+        <a:scrgbClr r="0" g="0" b="0"/>
+      </a:fillRef>
+      <a:effectRef idx="0">
+        <a:scrgbClr r="0" g="0" b="0"/>
+      </a:effectRef>
+      <a:fontRef idx="minor"/>
+    </dgm:style>
+  </dgm:styleLbl>
+</dgm:styleDef>
+</file>
+
 <file path=ppt/notesMasters/notesMaster1.xml><?xml version="1.0" encoding="utf-8"?>
 <p:notesMaster xmlns:a="http://schemas.openxmlformats.org/drawingml/2006/main" xmlns:r="http://schemas.openxmlformats.org/officeDocument/2006/relationships" xmlns:p="http://schemas.openxmlformats.org/presentationml/2006/main">
   <p:cSld>
@@ -196,7 +2908,7 @@
             <a:fld id="{2FBAE1C2-D3E0-4A06-AE46-BC7829D6E43E}" type="datetimeFigureOut">
               <a:rPr lang="es-ES" smtClean="0"/>
               <a:pPr/>
-              <a:t>03/02/2012</a:t>
+              <a:t>05/02/2012</a:t>
             </a:fld>
             <a:endParaRPr lang="es-ES"/>
           </a:p>
@@ -638,7 +3350,7 @@
             <a:fld id="{B12BA059-C9C5-49C0-B95E-15A1FD6656E7}" type="datetime1">
               <a:rPr lang="es-ES" smtClean="0"/>
               <a:pPr/>
-              <a:t>03/02/2012</a:t>
+              <a:t>05/02/2012</a:t>
             </a:fld>
             <a:endParaRPr lang="es-ES"/>
           </a:p>
@@ -814,7 +3526,7 @@
             <a:fld id="{F66B3F2E-F273-48DA-A853-C827A446222C}" type="datetime1">
               <a:rPr lang="es-ES" smtClean="0"/>
               <a:pPr/>
-              <a:t>03/02/2012</a:t>
+              <a:t>05/02/2012</a:t>
             </a:fld>
             <a:endParaRPr lang="es-ES"/>
           </a:p>
@@ -995,7 +3707,7 @@
             <a:fld id="{F9132306-7FA0-487D-A67C-4AC15A56F446}" type="datetime1">
               <a:rPr lang="es-ES" smtClean="0"/>
               <a:pPr/>
-              <a:t>03/02/2012</a:t>
+              <a:t>05/02/2012</a:t>
             </a:fld>
             <a:endParaRPr lang="es-ES"/>
           </a:p>
@@ -1166,7 +3878,7 @@
             <a:fld id="{7298B21C-393E-4C47-9113-EFEE1C4A91D4}" type="datetime1">
               <a:rPr lang="es-ES" smtClean="0"/>
               <a:pPr/>
-              <a:t>03/02/2012</a:t>
+              <a:t>05/02/2012</a:t>
             </a:fld>
             <a:endParaRPr lang="es-ES"/>
           </a:p>
@@ -1401,7 +4113,7 @@
             <a:fld id="{F16F3A02-17DE-460B-9528-DEDB53C5C492}" type="datetime1">
               <a:rPr lang="es-ES" smtClean="0"/>
               <a:pPr/>
-              <a:t>03/02/2012</a:t>
+              <a:t>05/02/2012</a:t>
             </a:fld>
             <a:endParaRPr lang="es-ES"/>
           </a:p>
@@ -1703,7 +4415,7 @@
             <a:fld id="{CF7F621F-3BF0-4C98-99D3-66083E527164}" type="datetime1">
               <a:rPr lang="es-ES" smtClean="0"/>
               <a:pPr/>
-              <a:t>03/02/2012</a:t>
+              <a:t>05/02/2012</a:t>
             </a:fld>
             <a:endParaRPr lang="es-ES"/>
           </a:p>
@@ -2093,7 +4805,7 @@
             <a:fld id="{B2F76907-A98E-4A03-89F9-DB9D3D403201}" type="datetime1">
               <a:rPr lang="es-ES" smtClean="0"/>
               <a:pPr/>
-              <a:t>03/02/2012</a:t>
+              <a:t>05/02/2012</a:t>
             </a:fld>
             <a:endParaRPr lang="es-ES"/>
           </a:p>
@@ -2272,7 +4984,7 @@
             <a:fld id="{6B920CCD-0694-42BF-B37B-C04ED4AF7F03}" type="datetime1">
               <a:rPr lang="es-ES" smtClean="0"/>
               <a:pPr/>
-              <a:t>03/02/2012</a:t>
+              <a:t>05/02/2012</a:t>
             </a:fld>
             <a:endParaRPr lang="es-ES"/>
           </a:p>
@@ -2368,7 +5080,7 @@
             <a:fld id="{16DDDB6B-EADA-4FDD-AF1B-8E0F759D72C3}" type="datetime1">
               <a:rPr lang="es-ES" smtClean="0"/>
               <a:pPr/>
-              <a:t>03/02/2012</a:t>
+              <a:t>05/02/2012</a:t>
             </a:fld>
             <a:endParaRPr lang="es-ES"/>
           </a:p>
@@ -2669,7 +5381,7 @@
             <a:fld id="{3A08DC6B-BFB8-4212-AF2A-BEF860AFEC4E}" type="datetime1">
               <a:rPr lang="es-ES" smtClean="0"/>
               <a:pPr/>
-              <a:t>03/02/2012</a:t>
+              <a:t>05/02/2012</a:t>
             </a:fld>
             <a:endParaRPr lang="es-ES"/>
           </a:p>
@@ -2809,7 +5521,7 @@
             <a:fld id="{C6C53101-DE07-4BF3-BF74-15B04C45CF34}" type="datetime1">
               <a:rPr lang="es-ES" smtClean="0"/>
               <a:pPr/>
-              <a:t>03/02/2012</a:t>
+              <a:t>05/02/2012</a:t>
             </a:fld>
             <a:endParaRPr lang="es-ES"/>
           </a:p>
@@ -3118,7 +5830,7 @@
             <a:fld id="{E6D529E8-7BCA-46B2-85F7-C338DD86C724}" type="datetime1">
               <a:rPr lang="es-ES" smtClean="0"/>
               <a:pPr/>
-              <a:t>03/02/2012</a:t>
+              <a:t>05/02/2012</a:t>
             </a:fld>
             <a:endParaRPr lang="es-ES"/>
           </a:p>
@@ -3988,7 +6700,12 @@
             <p:ph type="title"/>
           </p:nvPr>
         </p:nvSpPr>
-        <p:spPr/>
+        <p:spPr>
+          <a:xfrm>
+            <a:off x="304800" y="447660"/>
+            <a:ext cx="8686800" cy="838200"/>
+          </a:xfrm>
+        </p:spPr>
         <p:txBody>
           <a:bodyPr/>
           <a:lstStyle/>
@@ -4047,138 +6764,22 @@
           </a:p>
         </p:txBody>
       </p:sp>
-      <p:sp>
-        <p:nvSpPr>
-          <p:cNvPr id="5" name="4 CuadroTexto"/>
-          <p:cNvSpPr txBox="1"/>
+      <p:graphicFrame>
+        <p:nvGraphicFramePr>
+          <p:cNvPr id="8" name="7 Diagrama"/>
+          <p:cNvGraphicFramePr/>
           <p:nvPr/>
-        </p:nvSpPr>
-        <p:spPr>
-          <a:xfrm>
-            <a:off x="357158" y="1345156"/>
-            <a:ext cx="1300356" cy="369332"/>
-          </a:xfrm>
-          <a:prstGeom prst="rect">
-            <a:avLst/>
-          </a:prstGeom>
-          <a:noFill/>
-        </p:spPr>
-        <p:txBody>
-          <a:bodyPr wrap="none" rtlCol="0">
-            <a:spAutoFit/>
-          </a:bodyPr>
-          <a:lstStyle/>
-          <a:p>
-            <a:r>
-              <a:rPr lang="es-ES" b="1" dirty="0" smtClean="0">
-                <a:solidFill>
-                  <a:schemeClr val="accent2">
-                    <a:lumMod val="50000"/>
-                  </a:schemeClr>
-                </a:solidFill>
-                <a:latin typeface="+mj-lt"/>
-                <a:ea typeface="Verdana" pitchFamily="34" charset="0"/>
-                <a:cs typeface="Times New Roman" pitchFamily="18" charset="0"/>
-              </a:rPr>
-              <a:t>Motivación</a:t>
-            </a:r>
-            <a:endParaRPr lang="es-ES" b="1" dirty="0">
-              <a:solidFill>
-                <a:schemeClr val="accent2">
-                  <a:lumMod val="50000"/>
-                </a:schemeClr>
-              </a:solidFill>
-              <a:latin typeface="+mj-lt"/>
-              <a:ea typeface="Verdana" pitchFamily="34" charset="0"/>
-              <a:cs typeface="Times New Roman" pitchFamily="18" charset="0"/>
-            </a:endParaRPr>
-          </a:p>
-        </p:txBody>
-      </p:sp>
-      <p:sp>
-        <p:nvSpPr>
-          <p:cNvPr id="6" name="5 CuadroTexto"/>
-          <p:cNvSpPr txBox="1"/>
-          <p:nvPr/>
-        </p:nvSpPr>
-        <p:spPr>
-          <a:xfrm>
-            <a:off x="357158" y="1714488"/>
-            <a:ext cx="5857916" cy="584775"/>
-          </a:xfrm>
-          <a:prstGeom prst="rect">
-            <a:avLst/>
-          </a:prstGeom>
-          <a:noFill/>
-        </p:spPr>
-        <p:txBody>
-          <a:bodyPr wrap="square" rtlCol="0">
-            <a:spAutoFit/>
-          </a:bodyPr>
-          <a:lstStyle/>
-          <a:p>
-            <a:pPr>
-              <a:buFont typeface="Arial" pitchFamily="34" charset="0"/>
-              <a:buChar char="•"/>
-            </a:pPr>
-            <a:r>
-              <a:rPr lang="es-ES" sz="1600" dirty="0" smtClean="0">
-                <a:solidFill>
-                  <a:schemeClr val="accent2">
-                    <a:lumMod val="50000"/>
-                  </a:schemeClr>
-                </a:solidFill>
-                <a:latin typeface="+mj-lt"/>
-                <a:ea typeface="Verdana" pitchFamily="34" charset="0"/>
-                <a:cs typeface="Times New Roman" pitchFamily="18" charset="0"/>
-              </a:rPr>
-              <a:t> No existe una herramienta amigable</a:t>
-            </a:r>
-          </a:p>
-          <a:p>
-            <a:pPr>
-              <a:buFont typeface="Arial" pitchFamily="34" charset="0"/>
-              <a:buChar char="•"/>
-            </a:pPr>
-            <a:r>
-              <a:rPr lang="es-ES" sz="1600" dirty="0">
-                <a:solidFill>
-                  <a:schemeClr val="accent2">
-                    <a:lumMod val="50000"/>
-                  </a:schemeClr>
-                </a:solidFill>
-                <a:latin typeface="+mj-lt"/>
-                <a:ea typeface="Verdana" pitchFamily="34" charset="0"/>
-                <a:cs typeface="Times New Roman" pitchFamily="18" charset="0"/>
-              </a:rPr>
-              <a:t> </a:t>
-            </a:r>
-            <a:r>
-              <a:rPr lang="es-ES" sz="1600" dirty="0" err="1" smtClean="0">
-                <a:solidFill>
-                  <a:schemeClr val="accent2">
-                    <a:lumMod val="50000"/>
-                  </a:schemeClr>
-                </a:solidFill>
-                <a:latin typeface="+mj-lt"/>
-                <a:ea typeface="Verdana" pitchFamily="34" charset="0"/>
-                <a:cs typeface="Times New Roman" pitchFamily="18" charset="0"/>
-              </a:rPr>
-              <a:t>vv</a:t>
-            </a:r>
-            <a:endParaRPr lang="es-ES" sz="1600" dirty="0">
-              <a:solidFill>
-                <a:schemeClr val="accent2">
-                  <a:lumMod val="50000"/>
-                </a:schemeClr>
-              </a:solidFill>
-              <a:latin typeface="+mj-lt"/>
-              <a:ea typeface="Verdana" pitchFamily="34" charset="0"/>
-              <a:cs typeface="Times New Roman" pitchFamily="18" charset="0"/>
-            </a:endParaRPr>
-          </a:p>
-        </p:txBody>
-      </p:sp>
+        </p:nvGraphicFramePr>
+        <p:xfrm>
+          <a:off x="476264" y="1285860"/>
+          <a:ext cx="8453454" cy="5357850"/>
+        </p:xfrm>
+        <a:graphic>
+          <a:graphicData uri="http://schemas.openxmlformats.org/drawingml/2006/diagram">
+            <dgm:relIds xmlns:dgm="http://schemas.openxmlformats.org/drawingml/2006/diagram" xmlns:r="http://schemas.openxmlformats.org/officeDocument/2006/relationships" r:dm="rId2" r:lo="rId3" r:qs="rId4" r:cs="rId5"/>
+          </a:graphicData>
+        </a:graphic>
+      </p:graphicFrame>
     </p:spTree>
   </p:cSld>
   <p:clrMapOvr>
@@ -4187,9 +6788,291 @@
   <p:timing>
     <p:tnLst>
       <p:par>
-        <p:cTn id="1" dur="indefinite" restart="never" nodeType="tmRoot"/>
+        <p:cTn id="1" dur="indefinite" restart="never" nodeType="tmRoot">
+          <p:childTnLst>
+            <p:seq concurrent="1" nextAc="seek">
+              <p:cTn id="2" dur="indefinite" nodeType="mainSeq">
+                <p:childTnLst>
+                  <p:par>
+                    <p:cTn id="3" fill="hold">
+                      <p:stCondLst>
+                        <p:cond delay="indefinite"/>
+                        <p:cond evt="onBegin" delay="0">
+                          <p:tn val="2"/>
+                        </p:cond>
+                      </p:stCondLst>
+                      <p:childTnLst>
+                        <p:par>
+                          <p:cTn id="4" fill="hold">
+                            <p:stCondLst>
+                              <p:cond delay="0"/>
+                            </p:stCondLst>
+                            <p:childTnLst>
+                              <p:par>
+                                <p:cTn id="5" presetID="1" presetClass="entr" presetSubtype="0" fill="hold" grpId="0" nodeType="afterEffect">
+                                  <p:stCondLst>
+                                    <p:cond delay="0"/>
+                                  </p:stCondLst>
+                                  <p:childTnLst>
+                                    <p:set>
+                                      <p:cBhvr>
+                                        <p:cTn id="6" dur="1" fill="hold">
+                                          <p:stCondLst>
+                                            <p:cond delay="0"/>
+                                          </p:stCondLst>
+                                        </p:cTn>
+                                        <p:tgtEl>
+                                          <p:spTgt spid="8">
+                                            <p:graphicEl>
+                                              <a:dgm id="{8DF6E289-6357-4247-B7FA-6D641D528C75}"/>
+                                            </p:graphicEl>
+                                          </p:spTgt>
+                                        </p:tgtEl>
+                                        <p:attrNameLst>
+                                          <p:attrName>style.visibility</p:attrName>
+                                        </p:attrNameLst>
+                                      </p:cBhvr>
+                                      <p:to>
+                                        <p:strVal val="visible"/>
+                                      </p:to>
+                                    </p:set>
+                                  </p:childTnLst>
+                                </p:cTn>
+                              </p:par>
+                            </p:childTnLst>
+                          </p:cTn>
+                        </p:par>
+                        <p:par>
+                          <p:cTn id="7" fill="hold">
+                            <p:stCondLst>
+                              <p:cond delay="0"/>
+                            </p:stCondLst>
+                            <p:childTnLst>
+                              <p:par>
+                                <p:cTn id="8" presetID="1" presetClass="entr" presetSubtype="0" fill="hold" grpId="0" nodeType="afterEffect">
+                                  <p:stCondLst>
+                                    <p:cond delay="0"/>
+                                  </p:stCondLst>
+                                  <p:childTnLst>
+                                    <p:set>
+                                      <p:cBhvr>
+                                        <p:cTn id="9" dur="1" fill="hold">
+                                          <p:stCondLst>
+                                            <p:cond delay="0"/>
+                                          </p:stCondLst>
+                                        </p:cTn>
+                                        <p:tgtEl>
+                                          <p:spTgt spid="8">
+                                            <p:graphicEl>
+                                              <a:dgm id="{E111763A-36DB-44D3-89AB-AABCFF6EC761}"/>
+                                            </p:graphicEl>
+                                          </p:spTgt>
+                                        </p:tgtEl>
+                                        <p:attrNameLst>
+                                          <p:attrName>style.visibility</p:attrName>
+                                        </p:attrNameLst>
+                                      </p:cBhvr>
+                                      <p:to>
+                                        <p:strVal val="visible"/>
+                                      </p:to>
+                                    </p:set>
+                                  </p:childTnLst>
+                                </p:cTn>
+                              </p:par>
+                            </p:childTnLst>
+                          </p:cTn>
+                        </p:par>
+                      </p:childTnLst>
+                    </p:cTn>
+                  </p:par>
+                  <p:par>
+                    <p:cTn id="10" fill="hold">
+                      <p:stCondLst>
+                        <p:cond delay="indefinite"/>
+                      </p:stCondLst>
+                      <p:childTnLst>
+                        <p:par>
+                          <p:cTn id="11" fill="hold">
+                            <p:stCondLst>
+                              <p:cond delay="0"/>
+                            </p:stCondLst>
+                            <p:childTnLst>
+                              <p:par>
+                                <p:cTn id="12" presetID="1" presetClass="entr" presetSubtype="0" fill="hold" grpId="0" nodeType="clickEffect">
+                                  <p:stCondLst>
+                                    <p:cond delay="0"/>
+                                  </p:stCondLst>
+                                  <p:childTnLst>
+                                    <p:set>
+                                      <p:cBhvr>
+                                        <p:cTn id="13" dur="1" fill="hold">
+                                          <p:stCondLst>
+                                            <p:cond delay="0"/>
+                                          </p:stCondLst>
+                                        </p:cTn>
+                                        <p:tgtEl>
+                                          <p:spTgt spid="8">
+                                            <p:graphicEl>
+                                              <a:dgm id="{A1973E30-7BF9-46DB-80DD-3126B6415776}"/>
+                                            </p:graphicEl>
+                                          </p:spTgt>
+                                        </p:tgtEl>
+                                        <p:attrNameLst>
+                                          <p:attrName>style.visibility</p:attrName>
+                                        </p:attrNameLst>
+                                      </p:cBhvr>
+                                      <p:to>
+                                        <p:strVal val="visible"/>
+                                      </p:to>
+                                    </p:set>
+                                  </p:childTnLst>
+                                </p:cTn>
+                              </p:par>
+                              <p:par>
+                                <p:cTn id="14" presetID="1" presetClass="entr" presetSubtype="0" fill="hold" grpId="0" nodeType="withEffect">
+                                  <p:stCondLst>
+                                    <p:cond delay="0"/>
+                                  </p:stCondLst>
+                                  <p:childTnLst>
+                                    <p:set>
+                                      <p:cBhvr>
+                                        <p:cTn id="15" dur="1" fill="hold">
+                                          <p:stCondLst>
+                                            <p:cond delay="0"/>
+                                          </p:stCondLst>
+                                        </p:cTn>
+                                        <p:tgtEl>
+                                          <p:spTgt spid="8">
+                                            <p:graphicEl>
+                                              <a:dgm id="{0E4A279F-13FD-4DEA-B856-60483CE9001C}"/>
+                                            </p:graphicEl>
+                                          </p:spTgt>
+                                        </p:tgtEl>
+                                        <p:attrNameLst>
+                                          <p:attrName>style.visibility</p:attrName>
+                                        </p:attrNameLst>
+                                      </p:cBhvr>
+                                      <p:to>
+                                        <p:strVal val="visible"/>
+                                      </p:to>
+                                    </p:set>
+                                  </p:childTnLst>
+                                </p:cTn>
+                              </p:par>
+                            </p:childTnLst>
+                          </p:cTn>
+                        </p:par>
+                      </p:childTnLst>
+                    </p:cTn>
+                  </p:par>
+                  <p:par>
+                    <p:cTn id="16" fill="hold">
+                      <p:stCondLst>
+                        <p:cond delay="indefinite"/>
+                      </p:stCondLst>
+                      <p:childTnLst>
+                        <p:par>
+                          <p:cTn id="17" fill="hold">
+                            <p:stCondLst>
+                              <p:cond delay="0"/>
+                            </p:stCondLst>
+                            <p:childTnLst>
+                              <p:par>
+                                <p:cTn id="18" presetID="1" presetClass="entr" presetSubtype="0" fill="hold" grpId="0" nodeType="clickEffect">
+                                  <p:stCondLst>
+                                    <p:cond delay="0"/>
+                                  </p:stCondLst>
+                                  <p:childTnLst>
+                                    <p:set>
+                                      <p:cBhvr>
+                                        <p:cTn id="19" dur="1" fill="hold">
+                                          <p:stCondLst>
+                                            <p:cond delay="0"/>
+                                          </p:stCondLst>
+                                        </p:cTn>
+                                        <p:tgtEl>
+                                          <p:spTgt spid="8">
+                                            <p:graphicEl>
+                                              <a:dgm id="{37789156-0F31-4798-86F2-2815929A8BF2}"/>
+                                            </p:graphicEl>
+                                          </p:spTgt>
+                                        </p:tgtEl>
+                                        <p:attrNameLst>
+                                          <p:attrName>style.visibility</p:attrName>
+                                        </p:attrNameLst>
+                                      </p:cBhvr>
+                                      <p:to>
+                                        <p:strVal val="visible"/>
+                                      </p:to>
+                                    </p:set>
+                                  </p:childTnLst>
+                                </p:cTn>
+                              </p:par>
+                              <p:par>
+                                <p:cTn id="20" presetID="1" presetClass="entr" presetSubtype="0" fill="hold" grpId="0" nodeType="withEffect">
+                                  <p:stCondLst>
+                                    <p:cond delay="0"/>
+                                  </p:stCondLst>
+                                  <p:childTnLst>
+                                    <p:set>
+                                      <p:cBhvr>
+                                        <p:cTn id="21" dur="1" fill="hold">
+                                          <p:stCondLst>
+                                            <p:cond delay="0"/>
+                                          </p:stCondLst>
+                                        </p:cTn>
+                                        <p:tgtEl>
+                                          <p:spTgt spid="8">
+                                            <p:graphicEl>
+                                              <a:dgm id="{73C7E5FF-CFDC-4108-A7FA-62EC1733F221}"/>
+                                            </p:graphicEl>
+                                          </p:spTgt>
+                                        </p:tgtEl>
+                                        <p:attrNameLst>
+                                          <p:attrName>style.visibility</p:attrName>
+                                        </p:attrNameLst>
+                                      </p:cBhvr>
+                                      <p:to>
+                                        <p:strVal val="visible"/>
+                                      </p:to>
+                                    </p:set>
+                                  </p:childTnLst>
+                                </p:cTn>
+                              </p:par>
+                            </p:childTnLst>
+                          </p:cTn>
+                        </p:par>
+                      </p:childTnLst>
+                    </p:cTn>
+                  </p:par>
+                </p:childTnLst>
+              </p:cTn>
+              <p:prevCondLst>
+                <p:cond evt="onPrev" delay="0">
+                  <p:tgtEl>
+                    <p:sldTgt/>
+                  </p:tgtEl>
+                </p:cond>
+              </p:prevCondLst>
+              <p:nextCondLst>
+                <p:cond evt="onNext" delay="0">
+                  <p:tgtEl>
+                    <p:sldTgt/>
+                  </p:tgtEl>
+                </p:cond>
+              </p:nextCondLst>
+            </p:seq>
+          </p:childTnLst>
+        </p:cTn>
       </p:par>
     </p:tnLst>
+    <p:bldLst>
+      <p:bldGraphic spid="8" grpId="0" uiExpand="1">
+        <p:bldSub>
+          <a:bldDgm bld="one"/>
+        </p:bldSub>
+      </p:bldGraphic>
+    </p:bldLst>
   </p:timing>
 </p:sld>
 </file>
@@ -4221,7 +7104,12 @@
             <p:ph type="title"/>
           </p:nvPr>
         </p:nvSpPr>
-        <p:spPr/>
+        <p:spPr>
+          <a:xfrm>
+            <a:off x="304800" y="447660"/>
+            <a:ext cx="8686800" cy="838200"/>
+          </a:xfrm>
+        </p:spPr>
         <p:txBody>
           <a:bodyPr/>
           <a:lstStyle/>
@@ -4256,6 +7144,11 @@
           <a:p>
             <a:r>
               <a:rPr lang="es-ES" sz="1000" dirty="0" smtClean="0">
+                <a:solidFill>
+                  <a:schemeClr val="accent1">
+                    <a:lumMod val="50000"/>
+                  </a:schemeClr>
+                </a:solidFill>
                 <a:latin typeface="Verdana" pitchFamily="34" charset="0"/>
                 <a:ea typeface="Verdana" pitchFamily="34" charset="0"/>
                 <a:cs typeface="Verdana" pitchFamily="34" charset="0"/>
@@ -4263,10 +7156,45 @@
               <a:t>Facultad de Ingeniería de la Universidad de Buenos Aires – Marzo 2012</a:t>
             </a:r>
             <a:endParaRPr lang="es-ES" sz="1000" dirty="0">
+              <a:solidFill>
+                <a:schemeClr val="accent1">
+                  <a:lumMod val="50000"/>
+                </a:schemeClr>
+              </a:solidFill>
               <a:latin typeface="Verdana" pitchFamily="34" charset="0"/>
               <a:ea typeface="Verdana" pitchFamily="34" charset="0"/>
               <a:cs typeface="Verdana" pitchFamily="34" charset="0"/>
             </a:endParaRPr>
+          </a:p>
+        </p:txBody>
+      </p:sp>
+      <p:sp>
+        <p:nvSpPr>
+          <p:cNvPr id="7" name="6 CuadroTexto"/>
+          <p:cNvSpPr txBox="1"/>
+          <p:nvPr/>
+        </p:nvSpPr>
+        <p:spPr>
+          <a:xfrm>
+            <a:off x="785786" y="1857364"/>
+            <a:ext cx="877163" cy="369332"/>
+          </a:xfrm>
+          <a:prstGeom prst="rect">
+            <a:avLst/>
+          </a:prstGeom>
+          <a:noFill/>
+        </p:spPr>
+        <p:txBody>
+          <a:bodyPr wrap="none" rtlCol="0">
+            <a:spAutoFit/>
+          </a:bodyPr>
+          <a:lstStyle/>
+          <a:p>
+            <a:r>
+              <a:rPr lang="es-ES" dirty="0" err="1" smtClean="0"/>
+              <a:t>kkkkkk</a:t>
+            </a:r>
+            <a:endParaRPr lang="es-ES" dirty="0"/>
           </a:p>
         </p:txBody>
       </p:sp>
@@ -4312,7 +7240,12 @@
             <p:ph type="title"/>
           </p:nvPr>
         </p:nvSpPr>
-        <p:spPr/>
+        <p:spPr>
+          <a:xfrm>
+            <a:off x="304800" y="447660"/>
+            <a:ext cx="8686800" cy="838200"/>
+          </a:xfrm>
+        </p:spPr>
         <p:txBody>
           <a:bodyPr/>
           <a:lstStyle/>
@@ -4347,6 +7280,11 @@
           <a:p>
             <a:r>
               <a:rPr lang="es-ES" sz="1000" dirty="0" smtClean="0">
+                <a:solidFill>
+                  <a:schemeClr val="accent1">
+                    <a:lumMod val="50000"/>
+                  </a:schemeClr>
+                </a:solidFill>
                 <a:latin typeface="Verdana" pitchFamily="34" charset="0"/>
                 <a:ea typeface="Verdana" pitchFamily="34" charset="0"/>
                 <a:cs typeface="Verdana" pitchFamily="34" charset="0"/>
@@ -4354,6 +7292,11 @@
               <a:t>Facultad de Ingeniería de la Universidad de Buenos Aires – Marzo 2012</a:t>
             </a:r>
             <a:endParaRPr lang="es-ES" sz="1000" dirty="0">
+              <a:solidFill>
+                <a:schemeClr val="accent1">
+                  <a:lumMod val="50000"/>
+                </a:schemeClr>
+              </a:solidFill>
               <a:latin typeface="Verdana" pitchFamily="34" charset="0"/>
               <a:ea typeface="Verdana" pitchFamily="34" charset="0"/>
               <a:cs typeface="Verdana" pitchFamily="34" charset="0"/>

--- a/docs/Presentacion Final/Tempore – Manejá tus tiempos.pptx
+++ b/docs/Presentacion Final/Tempore – Manejá tus tiempos.pptx
@@ -5,13 +5,14 @@
     <p:sldMasterId id="2147483840" r:id="rId1"/>
   </p:sldMasterIdLst>
   <p:notesMasterIdLst>
-    <p:notesMasterId r:id="rId6"/>
+    <p:notesMasterId r:id="rId7"/>
   </p:notesMasterIdLst>
   <p:sldIdLst>
     <p:sldId id="256" r:id="rId2"/>
     <p:sldId id="257" r:id="rId3"/>
     <p:sldId id="258" r:id="rId4"/>
     <p:sldId id="259" r:id="rId5"/>
+    <p:sldId id="260" r:id="rId6"/>
   </p:sldIdLst>
   <p:sldSz cx="9144000" cy="6858000" type="screen4x3"/>
   <p:notesSz cx="6858000" cy="9144000"/>
@@ -982,6 +983,1622 @@
 </dgm:colorsDef>
 </file>
 
+<file path=ppt/diagrams/colors2.xml><?xml version="1.0" encoding="utf-8"?>
+<dgm:colorsDef xmlns:dgm="http://schemas.openxmlformats.org/drawingml/2006/diagram" xmlns:a="http://schemas.openxmlformats.org/drawingml/2006/main" uniqueId="urn:microsoft.com/office/officeart/2005/8/colors/accent1_2">
+  <dgm:title val=""/>
+  <dgm:desc val=""/>
+  <dgm:catLst>
+    <dgm:cat type="accent1" pri="11200"/>
+  </dgm:catLst>
+  <dgm:styleLbl name="node0">
+    <dgm:fillClrLst meth="repeat">
+      <a:schemeClr val="accent1"/>
+    </dgm:fillClrLst>
+    <dgm:linClrLst meth="repeat">
+      <a:schemeClr val="lt1"/>
+    </dgm:linClrLst>
+    <dgm:effectClrLst/>
+    <dgm:txLinClrLst/>
+    <dgm:txFillClrLst/>
+    <dgm:txEffectClrLst/>
+  </dgm:styleLbl>
+  <dgm:styleLbl name="alignNode1">
+    <dgm:fillClrLst meth="repeat">
+      <a:schemeClr val="accent1"/>
+    </dgm:fillClrLst>
+    <dgm:linClrLst meth="repeat">
+      <a:schemeClr val="accent1"/>
+    </dgm:linClrLst>
+    <dgm:effectClrLst/>
+    <dgm:txLinClrLst/>
+    <dgm:txFillClrLst/>
+    <dgm:txEffectClrLst/>
+  </dgm:styleLbl>
+  <dgm:styleLbl name="node1">
+    <dgm:fillClrLst meth="repeat">
+      <a:schemeClr val="accent1"/>
+    </dgm:fillClrLst>
+    <dgm:linClrLst meth="repeat">
+      <a:schemeClr val="lt1"/>
+    </dgm:linClrLst>
+    <dgm:effectClrLst/>
+    <dgm:txLinClrLst/>
+    <dgm:txFillClrLst/>
+    <dgm:txEffectClrLst/>
+  </dgm:styleLbl>
+  <dgm:styleLbl name="lnNode1">
+    <dgm:fillClrLst meth="repeat">
+      <a:schemeClr val="accent1"/>
+    </dgm:fillClrLst>
+    <dgm:linClrLst meth="repeat">
+      <a:schemeClr val="lt1"/>
+    </dgm:linClrLst>
+    <dgm:effectClrLst/>
+    <dgm:txLinClrLst/>
+    <dgm:txFillClrLst/>
+    <dgm:txEffectClrLst/>
+  </dgm:styleLbl>
+  <dgm:styleLbl name="vennNode1">
+    <dgm:fillClrLst meth="repeat">
+      <a:schemeClr val="accent1">
+        <a:alpha val="50000"/>
+      </a:schemeClr>
+    </dgm:fillClrLst>
+    <dgm:linClrLst meth="repeat">
+      <a:schemeClr val="lt1"/>
+    </dgm:linClrLst>
+    <dgm:effectClrLst/>
+    <dgm:txLinClrLst/>
+    <dgm:txFillClrLst/>
+    <dgm:txEffectClrLst/>
+  </dgm:styleLbl>
+  <dgm:styleLbl name="node2">
+    <dgm:fillClrLst meth="repeat">
+      <a:schemeClr val="accent1"/>
+    </dgm:fillClrLst>
+    <dgm:linClrLst meth="repeat">
+      <a:schemeClr val="lt1"/>
+    </dgm:linClrLst>
+    <dgm:effectClrLst/>
+    <dgm:txLinClrLst/>
+    <dgm:txFillClrLst/>
+    <dgm:txEffectClrLst/>
+  </dgm:styleLbl>
+  <dgm:styleLbl name="node3">
+    <dgm:fillClrLst meth="repeat">
+      <a:schemeClr val="accent1"/>
+    </dgm:fillClrLst>
+    <dgm:linClrLst meth="repeat">
+      <a:schemeClr val="lt1"/>
+    </dgm:linClrLst>
+    <dgm:effectClrLst/>
+    <dgm:txLinClrLst/>
+    <dgm:txFillClrLst/>
+    <dgm:txEffectClrLst/>
+  </dgm:styleLbl>
+  <dgm:styleLbl name="node4">
+    <dgm:fillClrLst meth="repeat">
+      <a:schemeClr val="accent1"/>
+    </dgm:fillClrLst>
+    <dgm:linClrLst meth="repeat">
+      <a:schemeClr val="lt1"/>
+    </dgm:linClrLst>
+    <dgm:effectClrLst/>
+    <dgm:txLinClrLst/>
+    <dgm:txFillClrLst/>
+    <dgm:txEffectClrLst/>
+  </dgm:styleLbl>
+  <dgm:styleLbl name="fgImgPlace1">
+    <dgm:fillClrLst meth="repeat">
+      <a:schemeClr val="accent1">
+        <a:tint val="50000"/>
+      </a:schemeClr>
+    </dgm:fillClrLst>
+    <dgm:linClrLst meth="repeat">
+      <a:schemeClr val="lt1"/>
+    </dgm:linClrLst>
+    <dgm:effectClrLst/>
+    <dgm:txLinClrLst/>
+    <dgm:txFillClrLst meth="repeat">
+      <a:schemeClr val="lt1"/>
+    </dgm:txFillClrLst>
+    <dgm:txEffectClrLst/>
+  </dgm:styleLbl>
+  <dgm:styleLbl name="alignImgPlace1">
+    <dgm:fillClrLst meth="repeat">
+      <a:schemeClr val="accent1">
+        <a:tint val="50000"/>
+      </a:schemeClr>
+    </dgm:fillClrLst>
+    <dgm:linClrLst meth="repeat">
+      <a:schemeClr val="lt1"/>
+    </dgm:linClrLst>
+    <dgm:effectClrLst/>
+    <dgm:txLinClrLst/>
+    <dgm:txFillClrLst meth="repeat">
+      <a:schemeClr val="lt1"/>
+    </dgm:txFillClrLst>
+    <dgm:txEffectClrLst/>
+  </dgm:styleLbl>
+  <dgm:styleLbl name="bgImgPlace1">
+    <dgm:fillClrLst meth="repeat">
+      <a:schemeClr val="accent1">
+        <a:tint val="50000"/>
+      </a:schemeClr>
+    </dgm:fillClrLst>
+    <dgm:linClrLst meth="repeat">
+      <a:schemeClr val="lt1"/>
+    </dgm:linClrLst>
+    <dgm:effectClrLst/>
+    <dgm:txLinClrLst/>
+    <dgm:txFillClrLst meth="repeat">
+      <a:schemeClr val="lt1"/>
+    </dgm:txFillClrLst>
+    <dgm:txEffectClrLst/>
+  </dgm:styleLbl>
+  <dgm:styleLbl name="sibTrans2D1">
+    <dgm:fillClrLst meth="repeat">
+      <a:schemeClr val="accent1">
+        <a:tint val="60000"/>
+      </a:schemeClr>
+    </dgm:fillClrLst>
+    <dgm:linClrLst meth="repeat">
+      <a:schemeClr val="accent1">
+        <a:tint val="60000"/>
+      </a:schemeClr>
+    </dgm:linClrLst>
+    <dgm:effectClrLst/>
+    <dgm:txLinClrLst/>
+    <dgm:txFillClrLst/>
+    <dgm:txEffectClrLst/>
+  </dgm:styleLbl>
+  <dgm:styleLbl name="fgSibTrans2D1">
+    <dgm:fillClrLst meth="repeat">
+      <a:schemeClr val="accent1">
+        <a:tint val="60000"/>
+      </a:schemeClr>
+    </dgm:fillClrLst>
+    <dgm:linClrLst meth="repeat">
+      <a:schemeClr val="accent1">
+        <a:tint val="60000"/>
+      </a:schemeClr>
+    </dgm:linClrLst>
+    <dgm:effectClrLst/>
+    <dgm:txLinClrLst/>
+    <dgm:txFillClrLst/>
+    <dgm:txEffectClrLst/>
+  </dgm:styleLbl>
+  <dgm:styleLbl name="bgSibTrans2D1">
+    <dgm:fillClrLst meth="repeat">
+      <a:schemeClr val="accent1">
+        <a:tint val="60000"/>
+      </a:schemeClr>
+    </dgm:fillClrLst>
+    <dgm:linClrLst meth="repeat">
+      <a:schemeClr val="accent1">
+        <a:tint val="60000"/>
+      </a:schemeClr>
+    </dgm:linClrLst>
+    <dgm:effectClrLst/>
+    <dgm:txLinClrLst/>
+    <dgm:txFillClrLst/>
+    <dgm:txEffectClrLst/>
+  </dgm:styleLbl>
+  <dgm:styleLbl name="sibTrans1D1">
+    <dgm:fillClrLst meth="repeat">
+      <a:schemeClr val="accent1"/>
+    </dgm:fillClrLst>
+    <dgm:linClrLst meth="repeat">
+      <a:schemeClr val="accent1"/>
+    </dgm:linClrLst>
+    <dgm:effectClrLst/>
+    <dgm:txLinClrLst/>
+    <dgm:txFillClrLst meth="repeat">
+      <a:schemeClr val="tx1"/>
+    </dgm:txFillClrLst>
+    <dgm:txEffectClrLst/>
+  </dgm:styleLbl>
+  <dgm:styleLbl name="callout">
+    <dgm:fillClrLst meth="repeat">
+      <a:schemeClr val="accent1"/>
+    </dgm:fillClrLst>
+    <dgm:linClrLst meth="repeat">
+      <a:schemeClr val="accent1">
+        <a:tint val="50000"/>
+      </a:schemeClr>
+    </dgm:linClrLst>
+    <dgm:effectClrLst/>
+    <dgm:txLinClrLst/>
+    <dgm:txFillClrLst meth="repeat">
+      <a:schemeClr val="tx1"/>
+    </dgm:txFillClrLst>
+    <dgm:txEffectClrLst/>
+  </dgm:styleLbl>
+  <dgm:styleLbl name="asst0">
+    <dgm:fillClrLst meth="repeat">
+      <a:schemeClr val="accent1"/>
+    </dgm:fillClrLst>
+    <dgm:linClrLst meth="repeat">
+      <a:schemeClr val="lt1"/>
+    </dgm:linClrLst>
+    <dgm:effectClrLst/>
+    <dgm:txLinClrLst/>
+    <dgm:txFillClrLst/>
+    <dgm:txEffectClrLst/>
+  </dgm:styleLbl>
+  <dgm:styleLbl name="asst1">
+    <dgm:fillClrLst meth="repeat">
+      <a:schemeClr val="accent1"/>
+    </dgm:fillClrLst>
+    <dgm:linClrLst meth="repeat">
+      <a:schemeClr val="lt1"/>
+    </dgm:linClrLst>
+    <dgm:effectClrLst/>
+    <dgm:txLinClrLst/>
+    <dgm:txFillClrLst/>
+    <dgm:txEffectClrLst/>
+  </dgm:styleLbl>
+  <dgm:styleLbl name="asst2">
+    <dgm:fillClrLst meth="repeat">
+      <a:schemeClr val="accent1"/>
+    </dgm:fillClrLst>
+    <dgm:linClrLst meth="repeat">
+      <a:schemeClr val="lt1"/>
+    </dgm:linClrLst>
+    <dgm:effectClrLst/>
+    <dgm:txLinClrLst/>
+    <dgm:txFillClrLst/>
+    <dgm:txEffectClrLst/>
+  </dgm:styleLbl>
+  <dgm:styleLbl name="asst3">
+    <dgm:fillClrLst meth="repeat">
+      <a:schemeClr val="accent1"/>
+    </dgm:fillClrLst>
+    <dgm:linClrLst meth="repeat">
+      <a:schemeClr val="lt1"/>
+    </dgm:linClrLst>
+    <dgm:effectClrLst/>
+    <dgm:txLinClrLst/>
+    <dgm:txFillClrLst/>
+    <dgm:txEffectClrLst/>
+  </dgm:styleLbl>
+  <dgm:styleLbl name="asst4">
+    <dgm:fillClrLst meth="repeat">
+      <a:schemeClr val="accent1"/>
+    </dgm:fillClrLst>
+    <dgm:linClrLst meth="repeat">
+      <a:schemeClr val="lt1"/>
+    </dgm:linClrLst>
+    <dgm:effectClrLst/>
+    <dgm:txLinClrLst/>
+    <dgm:txFillClrLst/>
+    <dgm:txEffectClrLst/>
+  </dgm:styleLbl>
+  <dgm:styleLbl name="parChTrans2D1">
+    <dgm:fillClrLst meth="repeat">
+      <a:schemeClr val="accent1">
+        <a:tint val="60000"/>
+      </a:schemeClr>
+    </dgm:fillClrLst>
+    <dgm:linClrLst meth="repeat">
+      <a:schemeClr val="accent1">
+        <a:tint val="60000"/>
+      </a:schemeClr>
+    </dgm:linClrLst>
+    <dgm:effectClrLst/>
+    <dgm:txLinClrLst/>
+    <dgm:txFillClrLst meth="repeat">
+      <a:schemeClr val="lt1"/>
+    </dgm:txFillClrLst>
+    <dgm:txEffectClrLst/>
+  </dgm:styleLbl>
+  <dgm:styleLbl name="parChTrans2D2">
+    <dgm:fillClrLst meth="repeat">
+      <a:schemeClr val="accent1"/>
+    </dgm:fillClrLst>
+    <dgm:linClrLst meth="repeat">
+      <a:schemeClr val="accent1"/>
+    </dgm:linClrLst>
+    <dgm:effectClrLst/>
+    <dgm:txLinClrLst/>
+    <dgm:txFillClrLst meth="repeat">
+      <a:schemeClr val="lt1"/>
+    </dgm:txFillClrLst>
+    <dgm:txEffectClrLst/>
+  </dgm:styleLbl>
+  <dgm:styleLbl name="parChTrans2D3">
+    <dgm:fillClrLst meth="repeat">
+      <a:schemeClr val="accent1"/>
+    </dgm:fillClrLst>
+    <dgm:linClrLst meth="repeat">
+      <a:schemeClr val="accent1"/>
+    </dgm:linClrLst>
+    <dgm:effectClrLst/>
+    <dgm:txLinClrLst/>
+    <dgm:txFillClrLst meth="repeat">
+      <a:schemeClr val="lt1"/>
+    </dgm:txFillClrLst>
+    <dgm:txEffectClrLst/>
+  </dgm:styleLbl>
+  <dgm:styleLbl name="parChTrans2D4">
+    <dgm:fillClrLst meth="repeat">
+      <a:schemeClr val="accent1"/>
+    </dgm:fillClrLst>
+    <dgm:linClrLst meth="repeat">
+      <a:schemeClr val="accent1"/>
+    </dgm:linClrLst>
+    <dgm:effectClrLst/>
+    <dgm:txLinClrLst/>
+    <dgm:txFillClrLst meth="repeat">
+      <a:schemeClr val="lt1"/>
+    </dgm:txFillClrLst>
+    <dgm:txEffectClrLst/>
+  </dgm:styleLbl>
+  <dgm:styleLbl name="parChTrans1D1">
+    <dgm:fillClrLst meth="repeat">
+      <a:schemeClr val="accent1"/>
+    </dgm:fillClrLst>
+    <dgm:linClrLst meth="repeat">
+      <a:schemeClr val="accent1">
+        <a:shade val="60000"/>
+      </a:schemeClr>
+    </dgm:linClrLst>
+    <dgm:effectClrLst/>
+    <dgm:txLinClrLst/>
+    <dgm:txFillClrLst meth="repeat">
+      <a:schemeClr val="tx1"/>
+    </dgm:txFillClrLst>
+    <dgm:txEffectClrLst/>
+  </dgm:styleLbl>
+  <dgm:styleLbl name="parChTrans1D2">
+    <dgm:fillClrLst meth="repeat">
+      <a:schemeClr val="accent1"/>
+    </dgm:fillClrLst>
+    <dgm:linClrLst meth="repeat">
+      <a:schemeClr val="accent1">
+        <a:shade val="60000"/>
+      </a:schemeClr>
+    </dgm:linClrLst>
+    <dgm:effectClrLst/>
+    <dgm:txLinClrLst/>
+    <dgm:txFillClrLst meth="repeat">
+      <a:schemeClr val="tx1"/>
+    </dgm:txFillClrLst>
+    <dgm:txEffectClrLst/>
+  </dgm:styleLbl>
+  <dgm:styleLbl name="parChTrans1D3">
+    <dgm:fillClrLst meth="repeat">
+      <a:schemeClr val="accent1"/>
+    </dgm:fillClrLst>
+    <dgm:linClrLst meth="repeat">
+      <a:schemeClr val="accent1">
+        <a:shade val="80000"/>
+      </a:schemeClr>
+    </dgm:linClrLst>
+    <dgm:effectClrLst/>
+    <dgm:txLinClrLst/>
+    <dgm:txFillClrLst meth="repeat">
+      <a:schemeClr val="tx1"/>
+    </dgm:txFillClrLst>
+    <dgm:txEffectClrLst/>
+  </dgm:styleLbl>
+  <dgm:styleLbl name="parChTrans1D4">
+    <dgm:fillClrLst meth="repeat">
+      <a:schemeClr val="accent1"/>
+    </dgm:fillClrLst>
+    <dgm:linClrLst meth="repeat">
+      <a:schemeClr val="accent1">
+        <a:shade val="80000"/>
+      </a:schemeClr>
+    </dgm:linClrLst>
+    <dgm:effectClrLst/>
+    <dgm:txLinClrLst/>
+    <dgm:txFillClrLst meth="repeat">
+      <a:schemeClr val="tx1"/>
+    </dgm:txFillClrLst>
+    <dgm:txEffectClrLst/>
+  </dgm:styleLbl>
+  <dgm:styleLbl name="fgAcc1">
+    <dgm:fillClrLst meth="repeat">
+      <a:schemeClr val="lt1">
+        <a:alpha val="90000"/>
+      </a:schemeClr>
+    </dgm:fillClrLst>
+    <dgm:linClrLst meth="repeat">
+      <a:schemeClr val="accent1"/>
+    </dgm:linClrLst>
+    <dgm:effectClrLst/>
+    <dgm:txLinClrLst/>
+    <dgm:txFillClrLst meth="repeat">
+      <a:schemeClr val="dk1"/>
+    </dgm:txFillClrLst>
+    <dgm:txEffectClrLst/>
+  </dgm:styleLbl>
+  <dgm:styleLbl name="conFgAcc1">
+    <dgm:fillClrLst meth="repeat">
+      <a:schemeClr val="lt1">
+        <a:alpha val="90000"/>
+      </a:schemeClr>
+    </dgm:fillClrLst>
+    <dgm:linClrLst meth="repeat">
+      <a:schemeClr val="accent1"/>
+    </dgm:linClrLst>
+    <dgm:effectClrLst/>
+    <dgm:txLinClrLst/>
+    <dgm:txFillClrLst meth="repeat">
+      <a:schemeClr val="dk1"/>
+    </dgm:txFillClrLst>
+    <dgm:txEffectClrLst/>
+  </dgm:styleLbl>
+  <dgm:styleLbl name="alignAcc1">
+    <dgm:fillClrLst meth="repeat">
+      <a:schemeClr val="lt1">
+        <a:alpha val="90000"/>
+      </a:schemeClr>
+    </dgm:fillClrLst>
+    <dgm:linClrLst meth="repeat">
+      <a:schemeClr val="accent1"/>
+    </dgm:linClrLst>
+    <dgm:effectClrLst/>
+    <dgm:txLinClrLst/>
+    <dgm:txFillClrLst meth="repeat">
+      <a:schemeClr val="dk1"/>
+    </dgm:txFillClrLst>
+    <dgm:txEffectClrLst/>
+  </dgm:styleLbl>
+  <dgm:styleLbl name="trAlignAcc1">
+    <dgm:fillClrLst meth="repeat">
+      <a:schemeClr val="lt1">
+        <a:alpha val="40000"/>
+      </a:schemeClr>
+    </dgm:fillClrLst>
+    <dgm:linClrLst meth="repeat">
+      <a:schemeClr val="accent1"/>
+    </dgm:linClrLst>
+    <dgm:effectClrLst/>
+    <dgm:txLinClrLst/>
+    <dgm:txFillClrLst meth="repeat">
+      <a:schemeClr val="dk1"/>
+    </dgm:txFillClrLst>
+    <dgm:txEffectClrLst/>
+  </dgm:styleLbl>
+  <dgm:styleLbl name="bgAcc1">
+    <dgm:fillClrLst meth="repeat">
+      <a:schemeClr val="lt1">
+        <a:alpha val="90000"/>
+      </a:schemeClr>
+    </dgm:fillClrLst>
+    <dgm:linClrLst meth="repeat">
+      <a:schemeClr val="accent1"/>
+    </dgm:linClrLst>
+    <dgm:effectClrLst/>
+    <dgm:txLinClrLst/>
+    <dgm:txFillClrLst meth="repeat">
+      <a:schemeClr val="dk1"/>
+    </dgm:txFillClrLst>
+    <dgm:txEffectClrLst/>
+  </dgm:styleLbl>
+  <dgm:styleLbl name="solidFgAcc1">
+    <dgm:fillClrLst meth="repeat">
+      <a:schemeClr val="lt1"/>
+    </dgm:fillClrLst>
+    <dgm:linClrLst meth="repeat">
+      <a:schemeClr val="accent1"/>
+    </dgm:linClrLst>
+    <dgm:effectClrLst/>
+    <dgm:txLinClrLst/>
+    <dgm:txFillClrLst meth="repeat">
+      <a:schemeClr val="dk1"/>
+    </dgm:txFillClrLst>
+    <dgm:txEffectClrLst/>
+  </dgm:styleLbl>
+  <dgm:styleLbl name="solidAlignAcc1">
+    <dgm:fillClrLst meth="repeat">
+      <a:schemeClr val="lt1"/>
+    </dgm:fillClrLst>
+    <dgm:linClrLst meth="repeat">
+      <a:schemeClr val="accent1"/>
+    </dgm:linClrLst>
+    <dgm:effectClrLst/>
+    <dgm:txLinClrLst/>
+    <dgm:txFillClrLst meth="repeat">
+      <a:schemeClr val="dk1"/>
+    </dgm:txFillClrLst>
+    <dgm:txEffectClrLst/>
+  </dgm:styleLbl>
+  <dgm:styleLbl name="solidBgAcc1">
+    <dgm:fillClrLst meth="repeat">
+      <a:schemeClr val="lt1"/>
+    </dgm:fillClrLst>
+    <dgm:linClrLst meth="repeat">
+      <a:schemeClr val="accent1"/>
+    </dgm:linClrLst>
+    <dgm:effectClrLst/>
+    <dgm:txLinClrLst/>
+    <dgm:txFillClrLst meth="repeat">
+      <a:schemeClr val="dk1"/>
+    </dgm:txFillClrLst>
+    <dgm:txEffectClrLst/>
+  </dgm:styleLbl>
+  <dgm:styleLbl name="fgAccFollowNode1">
+    <dgm:fillClrLst meth="repeat">
+      <a:schemeClr val="accent1">
+        <a:alpha val="90000"/>
+        <a:tint val="40000"/>
+      </a:schemeClr>
+    </dgm:fillClrLst>
+    <dgm:linClrLst meth="repeat">
+      <a:schemeClr val="accent1">
+        <a:alpha val="90000"/>
+        <a:tint val="40000"/>
+      </a:schemeClr>
+    </dgm:linClrLst>
+    <dgm:effectClrLst/>
+    <dgm:txLinClrLst/>
+    <dgm:txFillClrLst meth="repeat">
+      <a:schemeClr val="dk1"/>
+    </dgm:txFillClrLst>
+    <dgm:txEffectClrLst/>
+  </dgm:styleLbl>
+  <dgm:styleLbl name="alignAccFollowNode1">
+    <dgm:fillClrLst meth="repeat">
+      <a:schemeClr val="accent1">
+        <a:alpha val="90000"/>
+        <a:tint val="40000"/>
+      </a:schemeClr>
+    </dgm:fillClrLst>
+    <dgm:linClrLst meth="repeat">
+      <a:schemeClr val="accent1">
+        <a:alpha val="90000"/>
+        <a:tint val="40000"/>
+      </a:schemeClr>
+    </dgm:linClrLst>
+    <dgm:effectClrLst/>
+    <dgm:txLinClrLst/>
+    <dgm:txFillClrLst meth="repeat">
+      <a:schemeClr val="dk1"/>
+    </dgm:txFillClrLst>
+    <dgm:txEffectClrLst/>
+  </dgm:styleLbl>
+  <dgm:styleLbl name="bgAccFollowNode1">
+    <dgm:fillClrLst meth="repeat">
+      <a:schemeClr val="accent1">
+        <a:alpha val="90000"/>
+        <a:tint val="40000"/>
+      </a:schemeClr>
+    </dgm:fillClrLst>
+    <dgm:linClrLst meth="repeat">
+      <a:schemeClr val="accent1">
+        <a:alpha val="90000"/>
+        <a:tint val="40000"/>
+      </a:schemeClr>
+    </dgm:linClrLst>
+    <dgm:effectClrLst/>
+    <dgm:txLinClrLst/>
+    <dgm:txFillClrLst meth="repeat">
+      <a:schemeClr val="dk1"/>
+    </dgm:txFillClrLst>
+    <dgm:txEffectClrLst/>
+  </dgm:styleLbl>
+  <dgm:styleLbl name="fgAcc0">
+    <dgm:fillClrLst meth="repeat">
+      <a:schemeClr val="lt1">
+        <a:alpha val="90000"/>
+      </a:schemeClr>
+    </dgm:fillClrLst>
+    <dgm:linClrLst meth="repeat">
+      <a:schemeClr val="accent1"/>
+    </dgm:linClrLst>
+    <dgm:effectClrLst/>
+    <dgm:txLinClrLst/>
+    <dgm:txFillClrLst meth="repeat">
+      <a:schemeClr val="dk1"/>
+    </dgm:txFillClrLst>
+    <dgm:txEffectClrLst/>
+  </dgm:styleLbl>
+  <dgm:styleLbl name="fgAcc2">
+    <dgm:fillClrLst meth="repeat">
+      <a:schemeClr val="lt1">
+        <a:alpha val="90000"/>
+      </a:schemeClr>
+    </dgm:fillClrLst>
+    <dgm:linClrLst meth="repeat">
+      <a:schemeClr val="accent1"/>
+    </dgm:linClrLst>
+    <dgm:effectClrLst/>
+    <dgm:txLinClrLst/>
+    <dgm:txFillClrLst meth="repeat">
+      <a:schemeClr val="dk1"/>
+    </dgm:txFillClrLst>
+    <dgm:txEffectClrLst/>
+  </dgm:styleLbl>
+  <dgm:styleLbl name="fgAcc3">
+    <dgm:fillClrLst meth="repeat">
+      <a:schemeClr val="lt1">
+        <a:alpha val="90000"/>
+      </a:schemeClr>
+    </dgm:fillClrLst>
+    <dgm:linClrLst meth="repeat">
+      <a:schemeClr val="accent1"/>
+    </dgm:linClrLst>
+    <dgm:effectClrLst/>
+    <dgm:txLinClrLst/>
+    <dgm:txFillClrLst meth="repeat">
+      <a:schemeClr val="dk1"/>
+    </dgm:txFillClrLst>
+    <dgm:txEffectClrLst/>
+  </dgm:styleLbl>
+  <dgm:styleLbl name="fgAcc4">
+    <dgm:fillClrLst meth="repeat">
+      <a:schemeClr val="lt1">
+        <a:alpha val="90000"/>
+      </a:schemeClr>
+    </dgm:fillClrLst>
+    <dgm:linClrLst meth="repeat">
+      <a:schemeClr val="accent1"/>
+    </dgm:linClrLst>
+    <dgm:effectClrLst/>
+    <dgm:txLinClrLst/>
+    <dgm:txFillClrLst meth="repeat">
+      <a:schemeClr val="dk1"/>
+    </dgm:txFillClrLst>
+    <dgm:txEffectClrLst/>
+  </dgm:styleLbl>
+  <dgm:styleLbl name="bgShp">
+    <dgm:fillClrLst meth="repeat">
+      <a:schemeClr val="accent1">
+        <a:tint val="40000"/>
+      </a:schemeClr>
+    </dgm:fillClrLst>
+    <dgm:linClrLst meth="repeat">
+      <a:schemeClr val="accent1"/>
+    </dgm:linClrLst>
+    <dgm:effectClrLst/>
+    <dgm:txLinClrLst/>
+    <dgm:txFillClrLst meth="repeat">
+      <a:schemeClr val="dk1"/>
+    </dgm:txFillClrLst>
+    <dgm:txEffectClrLst/>
+  </dgm:styleLbl>
+  <dgm:styleLbl name="dkBgShp">
+    <dgm:fillClrLst meth="repeat">
+      <a:schemeClr val="accent1">
+        <a:shade val="80000"/>
+      </a:schemeClr>
+    </dgm:fillClrLst>
+    <dgm:linClrLst meth="repeat">
+      <a:schemeClr val="accent1"/>
+    </dgm:linClrLst>
+    <dgm:effectClrLst/>
+    <dgm:txLinClrLst/>
+    <dgm:txFillClrLst meth="repeat">
+      <a:schemeClr val="lt1"/>
+    </dgm:txFillClrLst>
+    <dgm:txEffectClrLst/>
+  </dgm:styleLbl>
+  <dgm:styleLbl name="trBgShp">
+    <dgm:fillClrLst meth="repeat">
+      <a:schemeClr val="accent1">
+        <a:tint val="50000"/>
+        <a:alpha val="40000"/>
+      </a:schemeClr>
+    </dgm:fillClrLst>
+    <dgm:linClrLst meth="repeat">
+      <a:schemeClr val="accent1"/>
+    </dgm:linClrLst>
+    <dgm:effectClrLst/>
+    <dgm:txLinClrLst/>
+    <dgm:txFillClrLst meth="repeat">
+      <a:schemeClr val="lt1"/>
+    </dgm:txFillClrLst>
+    <dgm:txEffectClrLst/>
+  </dgm:styleLbl>
+  <dgm:styleLbl name="fgShp">
+    <dgm:fillClrLst meth="repeat">
+      <a:schemeClr val="accent1">
+        <a:tint val="60000"/>
+      </a:schemeClr>
+    </dgm:fillClrLst>
+    <dgm:linClrLst meth="repeat">
+      <a:schemeClr val="lt1"/>
+    </dgm:linClrLst>
+    <dgm:effectClrLst/>
+    <dgm:txLinClrLst/>
+    <dgm:txFillClrLst meth="repeat">
+      <a:schemeClr val="dk1"/>
+    </dgm:txFillClrLst>
+    <dgm:txEffectClrLst/>
+  </dgm:styleLbl>
+  <dgm:styleLbl name="revTx">
+    <dgm:fillClrLst meth="repeat">
+      <a:schemeClr val="lt1">
+        <a:alpha val="0"/>
+      </a:schemeClr>
+    </dgm:fillClrLst>
+    <dgm:linClrLst meth="repeat">
+      <a:schemeClr val="dk1">
+        <a:alpha val="0"/>
+      </a:schemeClr>
+    </dgm:linClrLst>
+    <dgm:effectClrLst/>
+    <dgm:txLinClrLst/>
+    <dgm:txFillClrLst meth="repeat">
+      <a:schemeClr val="tx1"/>
+    </dgm:txFillClrLst>
+    <dgm:txEffectClrLst/>
+  </dgm:styleLbl>
+</dgm:colorsDef>
+</file>
+
+<file path=ppt/diagrams/colors3.xml><?xml version="1.0" encoding="utf-8"?>
+<dgm:colorsDef xmlns:dgm="http://schemas.openxmlformats.org/drawingml/2006/diagram" xmlns:a="http://schemas.openxmlformats.org/drawingml/2006/main" uniqueId="urn:microsoft.com/office/officeart/2005/8/colors/accent2_4">
+  <dgm:title val=""/>
+  <dgm:desc val=""/>
+  <dgm:catLst>
+    <dgm:cat type="accent2" pri="11400"/>
+  </dgm:catLst>
+  <dgm:styleLbl name="node0">
+    <dgm:fillClrLst meth="cycle">
+      <a:schemeClr val="accent2">
+        <a:shade val="60000"/>
+      </a:schemeClr>
+    </dgm:fillClrLst>
+    <dgm:linClrLst meth="repeat">
+      <a:schemeClr val="lt1"/>
+    </dgm:linClrLst>
+    <dgm:effectClrLst/>
+    <dgm:txLinClrLst/>
+    <dgm:txFillClrLst/>
+    <dgm:txEffectClrLst/>
+  </dgm:styleLbl>
+  <dgm:styleLbl name="node1">
+    <dgm:fillClrLst meth="cycle">
+      <a:schemeClr val="accent2">
+        <a:shade val="50000"/>
+      </a:schemeClr>
+      <a:schemeClr val="accent2">
+        <a:tint val="45000"/>
+      </a:schemeClr>
+    </dgm:fillClrLst>
+    <dgm:linClrLst meth="repeat">
+      <a:schemeClr val="lt1"/>
+    </dgm:linClrLst>
+    <dgm:effectClrLst/>
+    <dgm:txLinClrLst/>
+    <dgm:txFillClrLst/>
+    <dgm:txEffectClrLst/>
+  </dgm:styleLbl>
+  <dgm:styleLbl name="alignNode1">
+    <dgm:fillClrLst meth="cycle">
+      <a:schemeClr val="accent2">
+        <a:shade val="50000"/>
+      </a:schemeClr>
+      <a:schemeClr val="accent2">
+        <a:tint val="45000"/>
+      </a:schemeClr>
+    </dgm:fillClrLst>
+    <dgm:linClrLst meth="cycle">
+      <a:schemeClr val="accent2">
+        <a:shade val="50000"/>
+      </a:schemeClr>
+      <a:schemeClr val="accent2">
+        <a:tint val="45000"/>
+      </a:schemeClr>
+    </dgm:linClrLst>
+    <dgm:effectClrLst/>
+    <dgm:txLinClrLst/>
+    <dgm:txFillClrLst/>
+    <dgm:txEffectClrLst/>
+  </dgm:styleLbl>
+  <dgm:styleLbl name="lnNode1">
+    <dgm:fillClrLst meth="cycle">
+      <a:schemeClr val="accent2">
+        <a:shade val="50000"/>
+      </a:schemeClr>
+      <a:schemeClr val="accent2">
+        <a:tint val="45000"/>
+      </a:schemeClr>
+    </dgm:fillClrLst>
+    <dgm:linClrLst meth="repeat">
+      <a:schemeClr val="lt1"/>
+    </dgm:linClrLst>
+    <dgm:effectClrLst/>
+    <dgm:txLinClrLst/>
+    <dgm:txFillClrLst/>
+    <dgm:txEffectClrLst/>
+  </dgm:styleLbl>
+  <dgm:styleLbl name="vennNode1">
+    <dgm:fillClrLst meth="cycle">
+      <a:schemeClr val="accent2">
+        <a:shade val="80000"/>
+        <a:alpha val="50000"/>
+      </a:schemeClr>
+      <a:schemeClr val="accent2">
+        <a:tint val="45000"/>
+        <a:alpha val="50000"/>
+      </a:schemeClr>
+    </dgm:fillClrLst>
+    <dgm:linClrLst meth="repeat">
+      <a:schemeClr val="lt1"/>
+    </dgm:linClrLst>
+    <dgm:effectClrLst/>
+    <dgm:txLinClrLst/>
+    <dgm:txFillClrLst/>
+    <dgm:txEffectClrLst/>
+  </dgm:styleLbl>
+  <dgm:styleLbl name="node2">
+    <dgm:fillClrLst>
+      <a:schemeClr val="accent2">
+        <a:shade val="80000"/>
+      </a:schemeClr>
+    </dgm:fillClrLst>
+    <dgm:linClrLst meth="repeat">
+      <a:schemeClr val="lt1"/>
+    </dgm:linClrLst>
+    <dgm:effectClrLst/>
+    <dgm:txLinClrLst/>
+    <dgm:txFillClrLst/>
+    <dgm:txEffectClrLst/>
+  </dgm:styleLbl>
+  <dgm:styleLbl name="node3">
+    <dgm:fillClrLst>
+      <a:schemeClr val="accent2">
+        <a:tint val="99000"/>
+      </a:schemeClr>
+    </dgm:fillClrLst>
+    <dgm:linClrLst meth="repeat">
+      <a:schemeClr val="lt1"/>
+    </dgm:linClrLst>
+    <dgm:effectClrLst/>
+    <dgm:txLinClrLst/>
+    <dgm:txFillClrLst/>
+    <dgm:txEffectClrLst/>
+  </dgm:styleLbl>
+  <dgm:styleLbl name="node4">
+    <dgm:fillClrLst>
+      <a:schemeClr val="accent2">
+        <a:tint val="70000"/>
+      </a:schemeClr>
+    </dgm:fillClrLst>
+    <dgm:linClrLst meth="repeat">
+      <a:schemeClr val="lt1"/>
+    </dgm:linClrLst>
+    <dgm:effectClrLst/>
+    <dgm:txLinClrLst/>
+    <dgm:txFillClrLst/>
+    <dgm:txEffectClrLst/>
+  </dgm:styleLbl>
+  <dgm:styleLbl name="fgImgPlace1">
+    <dgm:fillClrLst>
+      <a:schemeClr val="accent2">
+        <a:tint val="50000"/>
+      </a:schemeClr>
+      <a:schemeClr val="accent2">
+        <a:tint val="55000"/>
+      </a:schemeClr>
+    </dgm:fillClrLst>
+    <dgm:linClrLst meth="repeat">
+      <a:schemeClr val="lt1"/>
+    </dgm:linClrLst>
+    <dgm:effectClrLst/>
+    <dgm:txLinClrLst/>
+    <dgm:txFillClrLst meth="repeat">
+      <a:schemeClr val="lt1"/>
+    </dgm:txFillClrLst>
+    <dgm:txEffectClrLst/>
+  </dgm:styleLbl>
+  <dgm:styleLbl name="alignImgPlace1">
+    <dgm:fillClrLst>
+      <a:schemeClr val="accent2">
+        <a:tint val="50000"/>
+      </a:schemeClr>
+      <a:schemeClr val="accent2">
+        <a:tint val="55000"/>
+      </a:schemeClr>
+    </dgm:fillClrLst>
+    <dgm:linClrLst meth="repeat">
+      <a:schemeClr val="lt1"/>
+    </dgm:linClrLst>
+    <dgm:effectClrLst/>
+    <dgm:txLinClrLst/>
+    <dgm:txFillClrLst meth="repeat">
+      <a:schemeClr val="lt1"/>
+    </dgm:txFillClrLst>
+    <dgm:txEffectClrLst/>
+  </dgm:styleLbl>
+  <dgm:styleLbl name="bgImgPlace1">
+    <dgm:fillClrLst>
+      <a:schemeClr val="accent2">
+        <a:tint val="50000"/>
+      </a:schemeClr>
+      <a:schemeClr val="accent2">
+        <a:tint val="55000"/>
+      </a:schemeClr>
+    </dgm:fillClrLst>
+    <dgm:linClrLst meth="repeat">
+      <a:schemeClr val="lt1"/>
+    </dgm:linClrLst>
+    <dgm:effectClrLst/>
+    <dgm:txLinClrLst/>
+    <dgm:txFillClrLst meth="repeat">
+      <a:schemeClr val="lt1"/>
+    </dgm:txFillClrLst>
+    <dgm:txEffectClrLst/>
+  </dgm:styleLbl>
+  <dgm:styleLbl name="sibTrans2D1">
+    <dgm:fillClrLst meth="cycle">
+      <a:schemeClr val="accent2">
+        <a:shade val="90000"/>
+      </a:schemeClr>
+      <a:schemeClr val="accent2">
+        <a:tint val="50000"/>
+      </a:schemeClr>
+    </dgm:fillClrLst>
+    <dgm:linClrLst meth="cycle">
+      <a:schemeClr val="accent2">
+        <a:shade val="90000"/>
+      </a:schemeClr>
+      <a:schemeClr val="accent2">
+        <a:tint val="50000"/>
+      </a:schemeClr>
+    </dgm:linClrLst>
+    <dgm:effectClrLst/>
+    <dgm:txLinClrLst/>
+    <dgm:txFillClrLst/>
+    <dgm:txEffectClrLst/>
+  </dgm:styleLbl>
+  <dgm:styleLbl name="fgSibTrans2D1">
+    <dgm:fillClrLst meth="cycle">
+      <a:schemeClr val="accent2">
+        <a:shade val="90000"/>
+      </a:schemeClr>
+      <a:schemeClr val="accent2">
+        <a:tint val="50000"/>
+      </a:schemeClr>
+    </dgm:fillClrLst>
+    <dgm:linClrLst meth="cycle">
+      <a:schemeClr val="accent2">
+        <a:shade val="90000"/>
+      </a:schemeClr>
+      <a:schemeClr val="accent2">
+        <a:tint val="50000"/>
+      </a:schemeClr>
+    </dgm:linClrLst>
+    <dgm:effectClrLst/>
+    <dgm:txLinClrLst/>
+    <dgm:txFillClrLst/>
+    <dgm:txEffectClrLst/>
+  </dgm:styleLbl>
+  <dgm:styleLbl name="bgSibTrans2D1">
+    <dgm:fillClrLst meth="cycle">
+      <a:schemeClr val="accent2">
+        <a:shade val="90000"/>
+      </a:schemeClr>
+      <a:schemeClr val="accent2">
+        <a:tint val="50000"/>
+      </a:schemeClr>
+    </dgm:fillClrLst>
+    <dgm:linClrLst meth="cycle">
+      <a:schemeClr val="accent2">
+        <a:shade val="90000"/>
+      </a:schemeClr>
+      <a:schemeClr val="accent2">
+        <a:tint val="50000"/>
+      </a:schemeClr>
+    </dgm:linClrLst>
+    <dgm:effectClrLst/>
+    <dgm:txLinClrLst/>
+    <dgm:txFillClrLst/>
+    <dgm:txEffectClrLst/>
+  </dgm:styleLbl>
+  <dgm:styleLbl name="sibTrans1D1">
+    <dgm:fillClrLst meth="cycle">
+      <a:schemeClr val="accent2">
+        <a:shade val="90000"/>
+      </a:schemeClr>
+      <a:schemeClr val="accent2">
+        <a:tint val="50000"/>
+      </a:schemeClr>
+    </dgm:fillClrLst>
+    <dgm:linClrLst meth="cycle">
+      <a:schemeClr val="accent2">
+        <a:shade val="90000"/>
+      </a:schemeClr>
+      <a:schemeClr val="accent2">
+        <a:tint val="50000"/>
+      </a:schemeClr>
+    </dgm:linClrLst>
+    <dgm:effectClrLst/>
+    <dgm:txLinClrLst/>
+    <dgm:txFillClrLst meth="repeat">
+      <a:schemeClr val="tx1"/>
+    </dgm:txFillClrLst>
+    <dgm:txEffectClrLst/>
+  </dgm:styleLbl>
+  <dgm:styleLbl name="callout">
+    <dgm:fillClrLst meth="repeat">
+      <a:schemeClr val="accent2"/>
+    </dgm:fillClrLst>
+    <dgm:linClrLst meth="repeat">
+      <a:schemeClr val="accent2"/>
+    </dgm:linClrLst>
+    <dgm:effectClrLst/>
+    <dgm:txLinClrLst/>
+    <dgm:txFillClrLst meth="repeat">
+      <a:schemeClr val="tx1"/>
+    </dgm:txFillClrLst>
+    <dgm:txEffectClrLst/>
+  </dgm:styleLbl>
+  <dgm:styleLbl name="asst0">
+    <dgm:fillClrLst meth="repeat">
+      <a:schemeClr val="accent2">
+        <a:shade val="80000"/>
+      </a:schemeClr>
+    </dgm:fillClrLst>
+    <dgm:linClrLst meth="repeat">
+      <a:schemeClr val="lt1"/>
+    </dgm:linClrLst>
+    <dgm:effectClrLst/>
+    <dgm:txLinClrLst/>
+    <dgm:txFillClrLst/>
+    <dgm:txEffectClrLst/>
+  </dgm:styleLbl>
+  <dgm:styleLbl name="asst1">
+    <dgm:fillClrLst meth="repeat">
+      <a:schemeClr val="accent2">
+        <a:shade val="80000"/>
+      </a:schemeClr>
+    </dgm:fillClrLst>
+    <dgm:linClrLst meth="repeat">
+      <a:schemeClr val="lt1"/>
+    </dgm:linClrLst>
+    <dgm:effectClrLst/>
+    <dgm:txLinClrLst/>
+    <dgm:txFillClrLst/>
+    <dgm:txEffectClrLst/>
+  </dgm:styleLbl>
+  <dgm:styleLbl name="asst2">
+    <dgm:fillClrLst>
+      <a:schemeClr val="accent2">
+        <a:tint val="90000"/>
+      </a:schemeClr>
+    </dgm:fillClrLst>
+    <dgm:linClrLst meth="repeat">
+      <a:schemeClr val="lt1"/>
+    </dgm:linClrLst>
+    <dgm:effectClrLst/>
+    <dgm:txLinClrLst/>
+    <dgm:txFillClrLst/>
+    <dgm:txEffectClrLst/>
+  </dgm:styleLbl>
+  <dgm:styleLbl name="asst3">
+    <dgm:fillClrLst>
+      <a:schemeClr val="accent2">
+        <a:tint val="70000"/>
+      </a:schemeClr>
+    </dgm:fillClrLst>
+    <dgm:linClrLst meth="repeat">
+      <a:schemeClr val="lt1"/>
+    </dgm:linClrLst>
+    <dgm:effectClrLst/>
+    <dgm:txLinClrLst/>
+    <dgm:txFillClrLst/>
+    <dgm:txEffectClrLst/>
+  </dgm:styleLbl>
+  <dgm:styleLbl name="asst4">
+    <dgm:fillClrLst>
+      <a:schemeClr val="accent2">
+        <a:tint val="50000"/>
+      </a:schemeClr>
+    </dgm:fillClrLst>
+    <dgm:linClrLst meth="repeat">
+      <a:schemeClr val="lt1"/>
+    </dgm:linClrLst>
+    <dgm:effectClrLst/>
+    <dgm:txLinClrLst/>
+    <dgm:txFillClrLst/>
+    <dgm:txEffectClrLst/>
+  </dgm:styleLbl>
+  <dgm:styleLbl name="parChTrans2D1">
+    <dgm:fillClrLst meth="repeat">
+      <a:schemeClr val="accent2">
+        <a:tint val="60000"/>
+      </a:schemeClr>
+    </dgm:fillClrLst>
+    <dgm:linClrLst meth="repeat">
+      <a:schemeClr val="accent2">
+        <a:shade val="80000"/>
+      </a:schemeClr>
+    </dgm:linClrLst>
+    <dgm:effectClrLst/>
+    <dgm:txLinClrLst/>
+    <dgm:txFillClrLst/>
+    <dgm:txEffectClrLst/>
+  </dgm:styleLbl>
+  <dgm:styleLbl name="parChTrans2D2">
+    <dgm:fillClrLst meth="repeat">
+      <a:schemeClr val="accent2">
+        <a:tint val="90000"/>
+      </a:schemeClr>
+    </dgm:fillClrLst>
+    <dgm:linClrLst meth="repeat">
+      <a:schemeClr val="accent2">
+        <a:tint val="90000"/>
+      </a:schemeClr>
+    </dgm:linClrLst>
+    <dgm:effectClrLst/>
+    <dgm:txLinClrLst/>
+    <dgm:txFillClrLst/>
+    <dgm:txEffectClrLst/>
+  </dgm:styleLbl>
+  <dgm:styleLbl name="parChTrans2D3">
+    <dgm:fillClrLst meth="repeat">
+      <a:schemeClr val="accent2">
+        <a:tint val="70000"/>
+      </a:schemeClr>
+    </dgm:fillClrLst>
+    <dgm:linClrLst meth="repeat">
+      <a:schemeClr val="accent2">
+        <a:tint val="70000"/>
+      </a:schemeClr>
+    </dgm:linClrLst>
+    <dgm:effectClrLst/>
+    <dgm:txLinClrLst/>
+    <dgm:txFillClrLst/>
+    <dgm:txEffectClrLst/>
+  </dgm:styleLbl>
+  <dgm:styleLbl name="parChTrans2D4">
+    <dgm:fillClrLst meth="repeat">
+      <a:schemeClr val="accent2">
+        <a:tint val="50000"/>
+      </a:schemeClr>
+    </dgm:fillClrLst>
+    <dgm:linClrLst meth="repeat">
+      <a:schemeClr val="accent2">
+        <a:tint val="50000"/>
+      </a:schemeClr>
+    </dgm:linClrLst>
+    <dgm:effectClrLst/>
+    <dgm:txLinClrLst/>
+    <dgm:txFillClrLst meth="repeat">
+      <a:schemeClr val="dk1"/>
+    </dgm:txFillClrLst>
+    <dgm:txEffectClrLst/>
+  </dgm:styleLbl>
+  <dgm:styleLbl name="parChTrans1D1">
+    <dgm:fillClrLst meth="repeat">
+      <a:schemeClr val="accent2">
+        <a:shade val="80000"/>
+      </a:schemeClr>
+    </dgm:fillClrLst>
+    <dgm:linClrLst meth="repeat">
+      <a:schemeClr val="accent2">
+        <a:shade val="80000"/>
+      </a:schemeClr>
+    </dgm:linClrLst>
+    <dgm:effectClrLst/>
+    <dgm:txLinClrLst/>
+    <dgm:txFillClrLst meth="repeat">
+      <a:schemeClr val="tx1"/>
+    </dgm:txFillClrLst>
+    <dgm:txEffectClrLst/>
+  </dgm:styleLbl>
+  <dgm:styleLbl name="parChTrans1D2">
+    <dgm:fillClrLst meth="repeat">
+      <a:schemeClr val="accent2">
+        <a:tint val="90000"/>
+      </a:schemeClr>
+    </dgm:fillClrLst>
+    <dgm:linClrLst meth="repeat">
+      <a:schemeClr val="accent2">
+        <a:tint val="90000"/>
+      </a:schemeClr>
+    </dgm:linClrLst>
+    <dgm:effectClrLst/>
+    <dgm:txLinClrLst/>
+    <dgm:txFillClrLst meth="repeat">
+      <a:schemeClr val="tx1"/>
+    </dgm:txFillClrLst>
+    <dgm:txEffectClrLst/>
+  </dgm:styleLbl>
+  <dgm:styleLbl name="parChTrans1D3">
+    <dgm:fillClrLst meth="repeat">
+      <a:schemeClr val="accent2">
+        <a:tint val="70000"/>
+      </a:schemeClr>
+    </dgm:fillClrLst>
+    <dgm:linClrLst meth="repeat">
+      <a:schemeClr val="accent2">
+        <a:tint val="70000"/>
+      </a:schemeClr>
+    </dgm:linClrLst>
+    <dgm:effectClrLst/>
+    <dgm:txLinClrLst/>
+    <dgm:txFillClrLst meth="repeat">
+      <a:schemeClr val="tx1"/>
+    </dgm:txFillClrLst>
+    <dgm:txEffectClrLst/>
+  </dgm:styleLbl>
+  <dgm:styleLbl name="parChTrans1D4">
+    <dgm:fillClrLst meth="repeat">
+      <a:schemeClr val="accent2">
+        <a:tint val="50000"/>
+      </a:schemeClr>
+    </dgm:fillClrLst>
+    <dgm:linClrLst meth="repeat">
+      <a:schemeClr val="accent2">
+        <a:tint val="50000"/>
+      </a:schemeClr>
+    </dgm:linClrLst>
+    <dgm:effectClrLst/>
+    <dgm:txLinClrLst/>
+    <dgm:txFillClrLst meth="repeat">
+      <a:schemeClr val="tx1"/>
+    </dgm:txFillClrLst>
+    <dgm:txEffectClrLst/>
+  </dgm:styleLbl>
+  <dgm:styleLbl name="fgAcc1">
+    <dgm:fillClrLst meth="repeat">
+      <a:schemeClr val="lt1">
+        <a:alpha val="90000"/>
+      </a:schemeClr>
+    </dgm:fillClrLst>
+    <dgm:linClrLst meth="cycle">
+      <a:schemeClr val="accent2">
+        <a:shade val="50000"/>
+      </a:schemeClr>
+      <a:schemeClr val="accent2">
+        <a:tint val="55000"/>
+      </a:schemeClr>
+    </dgm:linClrLst>
+    <dgm:effectClrLst/>
+    <dgm:txLinClrLst/>
+    <dgm:txFillClrLst meth="repeat">
+      <a:schemeClr val="dk1"/>
+    </dgm:txFillClrLst>
+    <dgm:txEffectClrLst/>
+  </dgm:styleLbl>
+  <dgm:styleLbl name="conFgAcc1">
+    <dgm:fillClrLst meth="repeat">
+      <a:schemeClr val="lt1">
+        <a:alpha val="90000"/>
+      </a:schemeClr>
+    </dgm:fillClrLst>
+    <dgm:linClrLst meth="cycle">
+      <a:schemeClr val="accent2">
+        <a:shade val="50000"/>
+      </a:schemeClr>
+      <a:schemeClr val="accent2">
+        <a:tint val="55000"/>
+      </a:schemeClr>
+    </dgm:linClrLst>
+    <dgm:effectClrLst/>
+    <dgm:txLinClrLst/>
+    <dgm:txFillClrLst meth="repeat">
+      <a:schemeClr val="dk1"/>
+    </dgm:txFillClrLst>
+    <dgm:txEffectClrLst/>
+  </dgm:styleLbl>
+  <dgm:styleLbl name="alignAcc1">
+    <dgm:fillClrLst meth="repeat">
+      <a:schemeClr val="lt1">
+        <a:alpha val="90000"/>
+      </a:schemeClr>
+    </dgm:fillClrLst>
+    <dgm:linClrLst meth="cycle">
+      <a:schemeClr val="accent2">
+        <a:shade val="50000"/>
+      </a:schemeClr>
+      <a:schemeClr val="accent2">
+        <a:tint val="55000"/>
+      </a:schemeClr>
+    </dgm:linClrLst>
+    <dgm:effectClrLst/>
+    <dgm:txLinClrLst/>
+    <dgm:txFillClrLst meth="repeat">
+      <a:schemeClr val="dk1"/>
+    </dgm:txFillClrLst>
+    <dgm:txEffectClrLst/>
+  </dgm:styleLbl>
+  <dgm:styleLbl name="trAlignAcc1">
+    <dgm:fillClrLst meth="repeat">
+      <a:schemeClr val="lt1">
+        <a:alpha val="55000"/>
+      </a:schemeClr>
+    </dgm:fillClrLst>
+    <dgm:linClrLst meth="repeat">
+      <a:schemeClr val="accent2"/>
+    </dgm:linClrLst>
+    <dgm:effectClrLst/>
+    <dgm:txLinClrLst/>
+    <dgm:txFillClrLst meth="repeat">
+      <a:schemeClr val="dk1"/>
+    </dgm:txFillClrLst>
+    <dgm:txEffectClrLst/>
+  </dgm:styleLbl>
+  <dgm:styleLbl name="bgAcc1">
+    <dgm:fillClrLst meth="repeat">
+      <a:schemeClr val="lt1">
+        <a:alpha val="90000"/>
+      </a:schemeClr>
+    </dgm:fillClrLst>
+    <dgm:linClrLst meth="cycle">
+      <a:schemeClr val="accent2">
+        <a:shade val="50000"/>
+      </a:schemeClr>
+      <a:schemeClr val="accent2">
+        <a:tint val="55000"/>
+      </a:schemeClr>
+    </dgm:linClrLst>
+    <dgm:effectClrLst/>
+    <dgm:txLinClrLst/>
+    <dgm:txFillClrLst meth="repeat">
+      <a:schemeClr val="dk1"/>
+    </dgm:txFillClrLst>
+    <dgm:txEffectClrLst/>
+  </dgm:styleLbl>
+  <dgm:styleLbl name="solidFgAcc1">
+    <dgm:fillClrLst meth="repeat">
+      <a:schemeClr val="lt1"/>
+    </dgm:fillClrLst>
+    <dgm:linClrLst meth="cycle">
+      <a:schemeClr val="accent2">
+        <a:shade val="50000"/>
+      </a:schemeClr>
+      <a:schemeClr val="accent2">
+        <a:tint val="55000"/>
+      </a:schemeClr>
+    </dgm:linClrLst>
+    <dgm:effectClrLst/>
+    <dgm:txLinClrLst/>
+    <dgm:txFillClrLst meth="repeat">
+      <a:schemeClr val="dk1"/>
+    </dgm:txFillClrLst>
+    <dgm:txEffectClrLst/>
+  </dgm:styleLbl>
+  <dgm:styleLbl name="solidAlignAcc1">
+    <dgm:fillClrLst meth="repeat">
+      <a:schemeClr val="lt1"/>
+    </dgm:fillClrLst>
+    <dgm:linClrLst meth="repeat">
+      <a:schemeClr val="accent2"/>
+    </dgm:linClrLst>
+    <dgm:effectClrLst/>
+    <dgm:txLinClrLst/>
+    <dgm:txFillClrLst meth="repeat">
+      <a:schemeClr val="dk1"/>
+    </dgm:txFillClrLst>
+    <dgm:txEffectClrLst/>
+  </dgm:styleLbl>
+  <dgm:styleLbl name="solidBgAcc1">
+    <dgm:fillClrLst meth="repeat">
+      <a:schemeClr val="lt1"/>
+    </dgm:fillClrLst>
+    <dgm:linClrLst meth="repeat">
+      <a:schemeClr val="accent2"/>
+    </dgm:linClrLst>
+    <dgm:effectClrLst/>
+    <dgm:txLinClrLst/>
+    <dgm:txFillClrLst meth="repeat">
+      <a:schemeClr val="dk1"/>
+    </dgm:txFillClrLst>
+    <dgm:txEffectClrLst/>
+  </dgm:styleLbl>
+  <dgm:styleLbl name="fgAccFollowNode1">
+    <dgm:fillClrLst meth="repeat">
+      <a:schemeClr val="accent2">
+        <a:alpha val="90000"/>
+        <a:tint val="55000"/>
+      </a:schemeClr>
+    </dgm:fillClrLst>
+    <dgm:linClrLst meth="repeat">
+      <a:schemeClr val="accent2">
+        <a:alpha val="90000"/>
+        <a:tint val="55000"/>
+      </a:schemeClr>
+    </dgm:linClrLst>
+    <dgm:effectClrLst/>
+    <dgm:txLinClrLst/>
+    <dgm:txFillClrLst meth="repeat">
+      <a:schemeClr val="dk1"/>
+    </dgm:txFillClrLst>
+    <dgm:txEffectClrLst/>
+  </dgm:styleLbl>
+  <dgm:styleLbl name="alignAccFollowNode1">
+    <dgm:fillClrLst meth="repeat">
+      <a:schemeClr val="accent2">
+        <a:alpha val="90000"/>
+        <a:tint val="55000"/>
+      </a:schemeClr>
+    </dgm:fillClrLst>
+    <dgm:linClrLst meth="repeat">
+      <a:schemeClr val="accent2">
+        <a:alpha val="90000"/>
+        <a:tint val="55000"/>
+      </a:schemeClr>
+    </dgm:linClrLst>
+    <dgm:effectClrLst/>
+    <dgm:txLinClrLst/>
+    <dgm:txFillClrLst meth="repeat">
+      <a:schemeClr val="dk1"/>
+    </dgm:txFillClrLst>
+    <dgm:txEffectClrLst/>
+  </dgm:styleLbl>
+  <dgm:styleLbl name="bgAccFollowNode1">
+    <dgm:fillClrLst meth="repeat">
+      <a:schemeClr val="accent2">
+        <a:alpha val="90000"/>
+        <a:tint val="55000"/>
+      </a:schemeClr>
+    </dgm:fillClrLst>
+    <dgm:linClrLst meth="repeat">
+      <a:schemeClr val="lt1"/>
+    </dgm:linClrLst>
+    <dgm:effectClrLst/>
+    <dgm:txLinClrLst/>
+    <dgm:txFillClrLst meth="repeat">
+      <a:schemeClr val="dk1"/>
+    </dgm:txFillClrLst>
+    <dgm:txEffectClrLst/>
+  </dgm:styleLbl>
+  <dgm:styleLbl name="fgAcc0">
+    <dgm:fillClrLst meth="repeat">
+      <a:schemeClr val="lt1">
+        <a:alpha val="90000"/>
+      </a:schemeClr>
+    </dgm:fillClrLst>
+    <dgm:linClrLst meth="repeat">
+      <a:schemeClr val="accent2">
+        <a:shade val="80000"/>
+      </a:schemeClr>
+    </dgm:linClrLst>
+    <dgm:effectClrLst/>
+    <dgm:txLinClrLst/>
+    <dgm:txFillClrLst meth="repeat">
+      <a:schemeClr val="dk1"/>
+    </dgm:txFillClrLst>
+    <dgm:txEffectClrLst/>
+  </dgm:styleLbl>
+  <dgm:styleLbl name="fgAcc2">
+    <dgm:fillClrLst meth="repeat">
+      <a:schemeClr val="lt1">
+        <a:alpha val="90000"/>
+      </a:schemeClr>
+    </dgm:fillClrLst>
+    <dgm:linClrLst meth="repeat">
+      <a:schemeClr val="accent2">
+        <a:tint val="90000"/>
+      </a:schemeClr>
+    </dgm:linClrLst>
+    <dgm:effectClrLst/>
+    <dgm:txLinClrLst/>
+    <dgm:txFillClrLst meth="repeat">
+      <a:schemeClr val="dk1"/>
+    </dgm:txFillClrLst>
+    <dgm:txEffectClrLst/>
+  </dgm:styleLbl>
+  <dgm:styleLbl name="fgAcc3">
+    <dgm:fillClrLst meth="repeat">
+      <a:schemeClr val="lt1">
+        <a:alpha val="90000"/>
+      </a:schemeClr>
+    </dgm:fillClrLst>
+    <dgm:linClrLst meth="repeat">
+      <a:schemeClr val="accent2">
+        <a:tint val="70000"/>
+      </a:schemeClr>
+    </dgm:linClrLst>
+    <dgm:effectClrLst/>
+    <dgm:txLinClrLst/>
+    <dgm:txFillClrLst meth="repeat">
+      <a:schemeClr val="dk1"/>
+    </dgm:txFillClrLst>
+    <dgm:txEffectClrLst/>
+  </dgm:styleLbl>
+  <dgm:styleLbl name="fgAcc4">
+    <dgm:fillClrLst meth="repeat">
+      <a:schemeClr val="lt1">
+        <a:alpha val="90000"/>
+      </a:schemeClr>
+    </dgm:fillClrLst>
+    <dgm:linClrLst meth="repeat">
+      <a:schemeClr val="accent2">
+        <a:tint val="50000"/>
+      </a:schemeClr>
+    </dgm:linClrLst>
+    <dgm:effectClrLst/>
+    <dgm:txLinClrLst/>
+    <dgm:txFillClrLst meth="repeat">
+      <a:schemeClr val="dk1"/>
+    </dgm:txFillClrLst>
+    <dgm:txEffectClrLst/>
+  </dgm:styleLbl>
+  <dgm:styleLbl name="bgShp">
+    <dgm:fillClrLst meth="repeat">
+      <a:schemeClr val="accent2">
+        <a:tint val="55000"/>
+      </a:schemeClr>
+    </dgm:fillClrLst>
+    <dgm:linClrLst meth="repeat">
+      <a:schemeClr val="dk1"/>
+    </dgm:linClrLst>
+    <dgm:effectClrLst/>
+    <dgm:txLinClrLst/>
+    <dgm:txFillClrLst meth="repeat">
+      <a:schemeClr val="dk1"/>
+    </dgm:txFillClrLst>
+    <dgm:txEffectClrLst/>
+  </dgm:styleLbl>
+  <dgm:styleLbl name="dkBgShp">
+    <dgm:fillClrLst meth="repeat">
+      <a:schemeClr val="accent2">
+        <a:shade val="90000"/>
+      </a:schemeClr>
+    </dgm:fillClrLst>
+    <dgm:linClrLst meth="repeat">
+      <a:schemeClr val="dk1"/>
+    </dgm:linClrLst>
+    <dgm:effectClrLst/>
+    <dgm:txLinClrLst/>
+    <dgm:txFillClrLst meth="repeat">
+      <a:schemeClr val="lt1"/>
+    </dgm:txFillClrLst>
+    <dgm:txEffectClrLst/>
+  </dgm:styleLbl>
+  <dgm:styleLbl name="trBgShp">
+    <dgm:fillClrLst meth="repeat">
+      <a:schemeClr val="accent2">
+        <a:tint val="50000"/>
+        <a:alpha val="55000"/>
+      </a:schemeClr>
+    </dgm:fillClrLst>
+    <dgm:linClrLst meth="repeat">
+      <a:schemeClr val="accent2"/>
+    </dgm:linClrLst>
+    <dgm:effectClrLst/>
+    <dgm:txLinClrLst/>
+    <dgm:txFillClrLst meth="repeat">
+      <a:schemeClr val="lt1"/>
+    </dgm:txFillClrLst>
+    <dgm:txEffectClrLst/>
+  </dgm:styleLbl>
+  <dgm:styleLbl name="fgShp">
+    <dgm:fillClrLst meth="repeat">
+      <a:schemeClr val="accent2">
+        <a:tint val="55000"/>
+      </a:schemeClr>
+    </dgm:fillClrLst>
+    <dgm:linClrLst meth="repeat">
+      <a:schemeClr val="lt1"/>
+    </dgm:linClrLst>
+    <dgm:effectClrLst/>
+    <dgm:txLinClrLst/>
+    <dgm:txFillClrLst meth="repeat">
+      <a:schemeClr val="dk1"/>
+    </dgm:txFillClrLst>
+    <dgm:txEffectClrLst/>
+  </dgm:styleLbl>
+  <dgm:styleLbl name="revTx">
+    <dgm:fillClrLst meth="repeat">
+      <a:schemeClr val="lt1">
+        <a:alpha val="0"/>
+      </a:schemeClr>
+    </dgm:fillClrLst>
+    <dgm:linClrLst meth="repeat">
+      <a:schemeClr val="dk1">
+        <a:alpha val="0"/>
+      </a:schemeClr>
+    </dgm:linClrLst>
+    <dgm:effectClrLst/>
+    <dgm:txLinClrLst/>
+    <dgm:txFillClrLst meth="repeat">
+      <a:schemeClr val="tx1"/>
+    </dgm:txFillClrLst>
+    <dgm:txEffectClrLst/>
+  </dgm:styleLbl>
+</dgm:colorsDef>
+</file>
+
 <file path=ppt/diagrams/data1.xml><?xml version="1.0" encoding="utf-8"?>
 <dgm:dataModel xmlns:dgm="http://schemas.openxmlformats.org/drawingml/2006/diagram" xmlns:a="http://schemas.openxmlformats.org/drawingml/2006/main">
   <dgm:ptLst>
@@ -1004,10 +2621,22 @@
         <a:lstStyle/>
         <a:p>
           <a:r>
-            <a:rPr lang="es-ES" dirty="0" smtClean="0"/>
+            <a:rPr lang="es-ES" b="1" dirty="0" smtClean="0">
+              <a:solidFill>
+                <a:schemeClr val="accent2">
+                  <a:lumMod val="75000"/>
+                </a:schemeClr>
+              </a:solidFill>
+            </a:rPr>
             <a:t>Buscamos cumplir expectativas y…</a:t>
           </a:r>
-          <a:endParaRPr lang="es-ES" dirty="0"/>
+          <a:endParaRPr lang="es-ES" b="1" dirty="0">
+            <a:solidFill>
+              <a:schemeClr val="accent2">
+                <a:lumMod val="75000"/>
+              </a:schemeClr>
+            </a:solidFill>
+          </a:endParaRPr>
         </a:p>
       </dgm:t>
     </dgm:pt>
@@ -1041,10 +2670,22 @@
         <a:lstStyle/>
         <a:p>
           <a:r>
-            <a:rPr lang="es-ES" dirty="0" smtClean="0"/>
+            <a:rPr lang="es-ES" dirty="0" smtClean="0">
+              <a:solidFill>
+                <a:schemeClr val="accent2">
+                  <a:lumMod val="75000"/>
+                </a:schemeClr>
+              </a:solidFill>
+            </a:rPr>
             <a:t>No encontramos una herramienta amigable</a:t>
           </a:r>
-          <a:endParaRPr lang="es-ES" dirty="0"/>
+          <a:endParaRPr lang="es-ES" dirty="0">
+            <a:solidFill>
+              <a:schemeClr val="accent2">
+                <a:lumMod val="75000"/>
+              </a:schemeClr>
+            </a:solidFill>
+          </a:endParaRPr>
         </a:p>
       </dgm:t>
     </dgm:pt>
@@ -1071,13 +2712,29 @@
       </dgm:t>
     </dgm:pt>
     <dgm:pt modelId="{A8089130-C6AF-4C59-91BA-D491F90FD224}">
-      <dgm:prSet phldrT="[Texto]" phldr="1"/>
+      <dgm:prSet phldrT="[Texto]"/>
       <dgm:spPr/>
       <dgm:t>
         <a:bodyPr/>
         <a:lstStyle/>
         <a:p>
-          <a:endParaRPr lang="es-ES" dirty="0"/>
+          <a:r>
+            <a:rPr lang="es-ES" dirty="0" smtClean="0">
+              <a:solidFill>
+                <a:schemeClr val="accent2">
+                  <a:lumMod val="75000"/>
+                </a:schemeClr>
+              </a:solidFill>
+            </a:rPr>
+            <a:t>La mayoría de las herramientas desarrolladas con tecnología obsoleta</a:t>
+          </a:r>
+          <a:endParaRPr lang="es-ES" dirty="0">
+            <a:solidFill>
+              <a:schemeClr val="accent2">
+                <a:lumMod val="75000"/>
+              </a:schemeClr>
+            </a:solidFill>
+          </a:endParaRPr>
         </a:p>
       </dgm:t>
     </dgm:pt>
@@ -1111,10 +2768,22 @@
         <a:lstStyle/>
         <a:p>
           <a:r>
-            <a:rPr lang="es-ES" dirty="0" smtClean="0"/>
+            <a:rPr lang="es-ES" b="1" dirty="0" smtClean="0">
+              <a:solidFill>
+                <a:schemeClr val="accent2">
+                  <a:lumMod val="75000"/>
+                </a:schemeClr>
+              </a:solidFill>
+            </a:rPr>
             <a:t>Nuestra motivación fue…</a:t>
           </a:r>
-          <a:endParaRPr lang="es-ES" dirty="0"/>
+          <a:endParaRPr lang="es-ES" b="1" dirty="0">
+            <a:solidFill>
+              <a:schemeClr val="accent2">
+                <a:lumMod val="75000"/>
+              </a:schemeClr>
+            </a:solidFill>
+          </a:endParaRPr>
         </a:p>
       </dgm:t>
     </dgm:pt>
@@ -1148,10 +2817,22 @@
         <a:lstStyle/>
         <a:p>
           <a:r>
-            <a:rPr lang="es-ES" dirty="0" smtClean="0"/>
+            <a:rPr lang="es-ES" dirty="0" smtClean="0">
+              <a:solidFill>
+                <a:schemeClr val="accent2">
+                  <a:lumMod val="75000"/>
+                </a:schemeClr>
+              </a:solidFill>
+            </a:rPr>
             <a:t>Cubrir necesidades en cualquier ámbito</a:t>
           </a:r>
-          <a:endParaRPr lang="es-ES" dirty="0"/>
+          <a:endParaRPr lang="es-ES" dirty="0">
+            <a:solidFill>
+              <a:schemeClr val="accent2">
+                <a:lumMod val="75000"/>
+              </a:schemeClr>
+            </a:solidFill>
+          </a:endParaRPr>
         </a:p>
       </dgm:t>
     </dgm:pt>
@@ -1178,13 +2859,29 @@
       </dgm:t>
     </dgm:pt>
     <dgm:pt modelId="{62CFA7F4-8DDA-4B43-A88D-C9B164593647}">
-      <dgm:prSet phldrT="[Texto]" phldr="1"/>
+      <dgm:prSet phldrT="[Texto]"/>
       <dgm:spPr/>
       <dgm:t>
         <a:bodyPr/>
         <a:lstStyle/>
         <a:p>
-          <a:endParaRPr lang="es-ES" dirty="0"/>
+          <a:r>
+            <a:rPr lang="es-ES" dirty="0" smtClean="0">
+              <a:solidFill>
+                <a:schemeClr val="accent2">
+                  <a:lumMod val="75000"/>
+                </a:schemeClr>
+              </a:solidFill>
+            </a:rPr>
+            <a:t>Utilizar la última tecnología</a:t>
+          </a:r>
+          <a:endParaRPr lang="es-ES" dirty="0">
+            <a:solidFill>
+              <a:schemeClr val="accent2">
+                <a:lumMod val="75000"/>
+              </a:schemeClr>
+            </a:solidFill>
+          </a:endParaRPr>
         </a:p>
       </dgm:t>
     </dgm:pt>
@@ -1218,10 +2915,22 @@
         <a:lstStyle/>
         <a:p>
           <a:r>
-            <a:rPr lang="es-ES" dirty="0" smtClean="0"/>
+            <a:rPr lang="es-ES" b="1" dirty="0" smtClean="0">
+              <a:solidFill>
+                <a:schemeClr val="accent2">
+                  <a:lumMod val="75000"/>
+                </a:schemeClr>
+              </a:solidFill>
+            </a:rPr>
             <a:t>Logramos…</a:t>
           </a:r>
-          <a:endParaRPr lang="es-ES" dirty="0"/>
+          <a:endParaRPr lang="es-ES" b="1" dirty="0">
+            <a:solidFill>
+              <a:schemeClr val="accent2">
+                <a:lumMod val="75000"/>
+              </a:schemeClr>
+            </a:solidFill>
+          </a:endParaRPr>
         </a:p>
       </dgm:t>
     </dgm:pt>
@@ -1255,10 +2964,22 @@
         <a:lstStyle/>
         <a:p>
           <a:r>
-            <a:rPr lang="es-ES" dirty="0" smtClean="0"/>
+            <a:rPr lang="es-ES" dirty="0" smtClean="0">
+              <a:solidFill>
+                <a:schemeClr val="accent2">
+                  <a:lumMod val="75000"/>
+                </a:schemeClr>
+              </a:solidFill>
+            </a:rPr>
             <a:t>Unir lo mejor de todas las herramientas</a:t>
           </a:r>
-          <a:endParaRPr lang="es-ES" dirty="0"/>
+          <a:endParaRPr lang="es-ES" dirty="0">
+            <a:solidFill>
+              <a:schemeClr val="accent2">
+                <a:lumMod val="75000"/>
+              </a:schemeClr>
+            </a:solidFill>
+          </a:endParaRPr>
         </a:p>
       </dgm:t>
     </dgm:pt>
@@ -1292,10 +3013,32 @@
         <a:lstStyle/>
         <a:p>
           <a:r>
-            <a:rPr lang="es-ES" dirty="0" smtClean="0"/>
-            <a:t>Incorporamos lo que ninguna brindaba</a:t>
+            <a:rPr lang="es-ES" dirty="0" smtClean="0">
+              <a:solidFill>
+                <a:schemeClr val="accent2">
+                  <a:lumMod val="75000"/>
+                </a:schemeClr>
+              </a:solidFill>
+            </a:rPr>
+            <a:t>Incorporamos lo que ninguna </a:t>
           </a:r>
-          <a:endParaRPr lang="es-ES" dirty="0"/>
+          <a:r>
+            <a:rPr lang="es-ES" dirty="0" smtClean="0">
+              <a:solidFill>
+                <a:schemeClr val="accent2">
+                  <a:lumMod val="75000"/>
+                </a:schemeClr>
+              </a:solidFill>
+            </a:rPr>
+            <a:t>brinda</a:t>
+          </a:r>
+          <a:endParaRPr lang="es-ES" dirty="0">
+            <a:solidFill>
+              <a:schemeClr val="accent2">
+                <a:lumMod val="75000"/>
+              </a:schemeClr>
+            </a:solidFill>
+          </a:endParaRPr>
         </a:p>
       </dgm:t>
     </dgm:pt>
@@ -1328,10 +3071,6 @@
         <a:bodyPr/>
         <a:lstStyle/>
         <a:p>
-          <a:r>
-            <a:rPr lang="es-ES" dirty="0" smtClean="0"/>
-            <a:t>Otra</a:t>
-          </a:r>
           <a:endParaRPr lang="es-ES" dirty="0"/>
         </a:p>
       </dgm:t>
@@ -1358,6 +3097,104 @@
         </a:p>
       </dgm:t>
     </dgm:pt>
+    <dgm:pt modelId="{5C6785CB-18E4-4971-AEBB-48A5BB9AB520}">
+      <dgm:prSet phldrT="[Texto]"/>
+      <dgm:spPr/>
+      <dgm:t>
+        <a:bodyPr/>
+        <a:lstStyle/>
+        <a:p>
+          <a:r>
+            <a:rPr lang="es-ES" dirty="0" smtClean="0">
+              <a:solidFill>
+                <a:schemeClr val="accent2">
+                  <a:lumMod val="75000"/>
+                </a:schemeClr>
+              </a:solidFill>
+            </a:rPr>
+            <a:t>Una herramienta amigable para el usuario</a:t>
+          </a:r>
+          <a:endParaRPr lang="es-ES" dirty="0">
+            <a:solidFill>
+              <a:schemeClr val="accent2">
+                <a:lumMod val="75000"/>
+              </a:schemeClr>
+            </a:solidFill>
+          </a:endParaRPr>
+        </a:p>
+      </dgm:t>
+    </dgm:pt>
+    <dgm:pt modelId="{9674B30B-E5B7-48A7-973B-5D5B9BF087E8}" type="parTrans" cxnId="{113A8642-4F68-405F-9FE6-A17E0EA62B8C}">
+      <dgm:prSet/>
+      <dgm:spPr/>
+      <dgm:t>
+        <a:bodyPr/>
+        <a:lstStyle/>
+        <a:p>
+          <a:endParaRPr lang="es-ES"/>
+        </a:p>
+      </dgm:t>
+    </dgm:pt>
+    <dgm:pt modelId="{F58CCB19-B6F4-4D8C-920F-EBF34A579AE9}" type="sibTrans" cxnId="{113A8642-4F68-405F-9FE6-A17E0EA62B8C}">
+      <dgm:prSet/>
+      <dgm:spPr/>
+      <dgm:t>
+        <a:bodyPr/>
+        <a:lstStyle/>
+        <a:p>
+          <a:endParaRPr lang="es-ES"/>
+        </a:p>
+      </dgm:t>
+    </dgm:pt>
+    <dgm:pt modelId="{231F4CB2-16F1-4D83-A982-AA185703EE8D}">
+      <dgm:prSet phldrT="[Texto]"/>
+      <dgm:spPr/>
+      <dgm:t>
+        <a:bodyPr/>
+        <a:lstStyle/>
+        <a:p>
+          <a:r>
+            <a:rPr lang="es-ES" dirty="0" smtClean="0">
+              <a:solidFill>
+                <a:schemeClr val="accent2">
+                  <a:lumMod val="75000"/>
+                </a:schemeClr>
+              </a:solidFill>
+            </a:rPr>
+            <a:t>Encontramos que son difíciles de usar</a:t>
+          </a:r>
+          <a:endParaRPr lang="es-ES" dirty="0">
+            <a:solidFill>
+              <a:schemeClr val="accent2">
+                <a:lumMod val="75000"/>
+              </a:schemeClr>
+            </a:solidFill>
+          </a:endParaRPr>
+        </a:p>
+      </dgm:t>
+    </dgm:pt>
+    <dgm:pt modelId="{84178694-5D54-488E-B029-AB80608A8C35}" type="parTrans" cxnId="{C3F36F93-304C-4143-8991-DD5A16E0CCD5}">
+      <dgm:prSet/>
+      <dgm:spPr/>
+      <dgm:t>
+        <a:bodyPr/>
+        <a:lstStyle/>
+        <a:p>
+          <a:endParaRPr lang="es-ES"/>
+        </a:p>
+      </dgm:t>
+    </dgm:pt>
+    <dgm:pt modelId="{4952947D-81BB-4DB7-939F-EFFE3212E032}" type="sibTrans" cxnId="{C3F36F93-304C-4143-8991-DD5A16E0CCD5}">
+      <dgm:prSet/>
+      <dgm:spPr/>
+      <dgm:t>
+        <a:bodyPr/>
+        <a:lstStyle/>
+        <a:p>
+          <a:endParaRPr lang="es-ES"/>
+        </a:p>
+      </dgm:t>
+    </dgm:pt>
     <dgm:pt modelId="{F446C351-F58B-4738-9428-E884505F1A0B}" type="pres">
       <dgm:prSet presAssocID="{5D3F1B1F-8882-40C2-8A2D-F35C5D2DE244}" presName="linear" presStyleCnt="0">
         <dgm:presLayoutVars>
@@ -1366,6 +3203,13 @@
         </dgm:presLayoutVars>
       </dgm:prSet>
       <dgm:spPr/>
+      <dgm:t>
+        <a:bodyPr/>
+        <a:lstStyle/>
+        <a:p>
+          <a:endParaRPr lang="es-ES"/>
+        </a:p>
+      </dgm:t>
     </dgm:pt>
     <dgm:pt modelId="{1FA9C2F7-BE0B-4AB3-AAF0-493785047944}" type="pres">
       <dgm:prSet presAssocID="{E04A945A-6049-4891-9E14-7CDB6DAB0BC6}" presName="comp" presStyleCnt="0"/>
@@ -1383,7 +3227,7 @@
       </dgm:t>
     </dgm:pt>
     <dgm:pt modelId="{8DF6E289-6357-4247-B7FA-6D641D528C75}" type="pres">
-      <dgm:prSet presAssocID="{E04A945A-6049-4891-9E14-7CDB6DAB0BC6}" presName="img" presStyleLbl="fgImgPlace1" presStyleIdx="0" presStyleCnt="3" custScaleX="85823" custScaleY="82333"/>
+      <dgm:prSet presAssocID="{E04A945A-6049-4891-9E14-7CDB6DAB0BC6}" presName="img" presStyleLbl="fgImgPlace1" presStyleIdx="0" presStyleCnt="3" custScaleX="76208" custScaleY="82333"/>
       <dgm:spPr>
         <a:blipFill rotWithShape="0">
           <a:blip xmlns:r="http://schemas.openxmlformats.org/officeDocument/2006/relationships" r:embed="rId1"/>
@@ -1431,7 +3275,7 @@
       </dgm:t>
     </dgm:pt>
     <dgm:pt modelId="{A1973E30-7BF9-46DB-80DD-3126B6415776}" type="pres">
-      <dgm:prSet presAssocID="{9EA8F649-A822-4005-92B6-E4F626377926}" presName="img" presStyleLbl="fgImgPlace1" presStyleIdx="1" presStyleCnt="3" custScaleX="68922"/>
+      <dgm:prSet presAssocID="{9EA8F649-A822-4005-92B6-E4F626377926}" presName="img" presStyleLbl="fgImgPlace1" presStyleIdx="1" presStyleCnt="3" custScaleX="59401"/>
       <dgm:spPr>
         <a:blipFill rotWithShape="0">
           <a:blip xmlns:r="http://schemas.openxmlformats.org/officeDocument/2006/relationships" r:embed="rId2"/>
@@ -1479,7 +3323,7 @@
       </dgm:t>
     </dgm:pt>
     <dgm:pt modelId="{37789156-0F31-4798-86F2-2815929A8BF2}" type="pres">
-      <dgm:prSet presAssocID="{9C7D0373-CC3E-413C-81C8-B470E8B263C6}" presName="img" presStyleLbl="fgImgPlace1" presStyleIdx="2" presStyleCnt="3" custScaleX="77373"/>
+      <dgm:prSet presAssocID="{9C7D0373-CC3E-413C-81C8-B470E8B263C6}" presName="img" presStyleLbl="fgImgPlace1" presStyleIdx="2" presStyleCnt="3" custScaleX="67805"/>
       <dgm:spPr>
         <a:blipFill rotWithShape="0">
           <a:blip xmlns:r="http://schemas.openxmlformats.org/officeDocument/2006/relationships" r:embed="rId3"/>
@@ -1509,37 +3353,43 @@
     </dgm:pt>
   </dgm:ptLst>
   <dgm:cxnLst>
+    <dgm:cxn modelId="{073371DF-0988-4595-99BB-6126A4E2C0CE}" type="presOf" srcId="{62CFA7F4-8DDA-4B43-A88D-C9B164593647}" destId="{B3EC1D43-DC87-4EF5-AA46-116C98B82BF8}" srcOrd="1" destOrd="2" presId="urn:microsoft.com/office/officeart/2005/8/layout/vList4"/>
+    <dgm:cxn modelId="{4858CB34-749E-49CC-A727-AE16C0F965E8}" type="presOf" srcId="{E04A945A-6049-4891-9E14-7CDB6DAB0BC6}" destId="{E111763A-36DB-44D3-89AB-AABCFF6EC761}" srcOrd="0" destOrd="0" presId="urn:microsoft.com/office/officeart/2005/8/layout/vList4"/>
+    <dgm:cxn modelId="{B372D7B6-A555-4F1E-90DA-AC4D2BED8B5E}" type="presOf" srcId="{7B2DF067-6CFB-46CD-8FE8-6966F9650109}" destId="{7A92DA65-B0D7-4054-A1D7-876157F55F30}" srcOrd="1" destOrd="2" presId="urn:microsoft.com/office/officeart/2005/8/layout/vList4"/>
+    <dgm:cxn modelId="{15F1A143-85CE-458C-851D-D8C09753A037}" type="presOf" srcId="{55B3E391-62DF-4A47-92F9-C53D3C08219F}" destId="{73C7E5FF-CFDC-4108-A7FA-62EC1733F221}" srcOrd="0" destOrd="1" presId="urn:microsoft.com/office/officeart/2005/8/layout/vList4"/>
+    <dgm:cxn modelId="{59DFA00A-B11A-44EC-9EBC-AF10C27B4C38}" type="presOf" srcId="{A8089130-C6AF-4C59-91BA-D491F90FD224}" destId="{E111763A-36DB-44D3-89AB-AABCFF6EC761}" srcOrd="0" destOrd="3" presId="urn:microsoft.com/office/officeart/2005/8/layout/vList4"/>
+    <dgm:cxn modelId="{0F1B1278-F190-4AF1-9DFC-3EA6391CC97A}" type="presOf" srcId="{62CFA7F4-8DDA-4B43-A88D-C9B164593647}" destId="{0E4A279F-13FD-4DEA-B856-60483CE9001C}" srcOrd="0" destOrd="2" presId="urn:microsoft.com/office/officeart/2005/8/layout/vList4"/>
+    <dgm:cxn modelId="{F9D6D550-F35A-45F3-8895-5F55D417D1B8}" srcId="{5D3F1B1F-8882-40C2-8A2D-F35C5D2DE244}" destId="{9EA8F649-A822-4005-92B6-E4F626377926}" srcOrd="1" destOrd="0" parTransId="{A19D1006-3E40-46BC-8708-098A042146AC}" sibTransId="{9F6D6AA6-5462-48C4-A8CB-98B534BFC05E}"/>
+    <dgm:cxn modelId="{C03D4074-0129-4A6A-867C-EC828ED916C8}" type="presOf" srcId="{B271351A-9057-4106-A219-F345F75608E9}" destId="{982B79BF-FC76-4A30-9196-2F905D07E9DB}" srcOrd="1" destOrd="4" presId="urn:microsoft.com/office/officeart/2005/8/layout/vList4"/>
+    <dgm:cxn modelId="{B835D342-3EFE-486E-AA93-3B67114FAE95}" srcId="{9EA8F649-A822-4005-92B6-E4F626377926}" destId="{62CFA7F4-8DDA-4B43-A88D-C9B164593647}" srcOrd="1" destOrd="0" parTransId="{675CA5E5-297F-48F4-90BD-F79188D26E6A}" sibTransId="{27D65F72-00EF-4987-820D-7395A34B75B7}"/>
+    <dgm:cxn modelId="{721FCB95-DC08-402A-B5C1-6EEBD8EB7EA0}" srcId="{9C7D0373-CC3E-413C-81C8-B470E8B263C6}" destId="{55B3E391-62DF-4A47-92F9-C53D3C08219F}" srcOrd="0" destOrd="0" parTransId="{CEC9D703-93DD-4F38-9A82-EE57C5B106C8}" sibTransId="{3C2C6712-7873-46F6-8B4C-83CEAA13A170}"/>
+    <dgm:cxn modelId="{A7588252-539D-48DE-8F55-B728E7DFD8D0}" srcId="{9C7D0373-CC3E-413C-81C8-B470E8B263C6}" destId="{7B2DF067-6CFB-46CD-8FE8-6966F9650109}" srcOrd="1" destOrd="0" parTransId="{4F7DEAEC-12EE-4C7E-8C51-AEAE1AD8EAC5}" sibTransId="{585E7396-80D2-4ED2-A8C7-CE92550E47FE}"/>
+    <dgm:cxn modelId="{7F244251-33A8-463E-AD53-21F80DBCD7C7}" type="presOf" srcId="{55B3E391-62DF-4A47-92F9-C53D3C08219F}" destId="{7A92DA65-B0D7-4054-A1D7-876157F55F30}" srcOrd="1" destOrd="1" presId="urn:microsoft.com/office/officeart/2005/8/layout/vList4"/>
+    <dgm:cxn modelId="{0D6C9568-8568-4514-B530-B598D50B4BBF}" type="presOf" srcId="{5D3F1B1F-8882-40C2-8A2D-F35C5D2DE244}" destId="{F446C351-F58B-4738-9428-E884505F1A0B}" srcOrd="0" destOrd="0" presId="urn:microsoft.com/office/officeart/2005/8/layout/vList4"/>
+    <dgm:cxn modelId="{388B7D83-4823-4425-96C7-96C59E89E417}" type="presOf" srcId="{A8089130-C6AF-4C59-91BA-D491F90FD224}" destId="{982B79BF-FC76-4A30-9196-2F905D07E9DB}" srcOrd="1" destOrd="3" presId="urn:microsoft.com/office/officeart/2005/8/layout/vList4"/>
+    <dgm:cxn modelId="{0ABF7F12-0904-473E-8BC0-D738C3AAA5C3}" type="presOf" srcId="{9EA8F649-A822-4005-92B6-E4F626377926}" destId="{B3EC1D43-DC87-4EF5-AA46-116C98B82BF8}" srcOrd="1" destOrd="0" presId="urn:microsoft.com/office/officeart/2005/8/layout/vList4"/>
+    <dgm:cxn modelId="{E571E475-729F-4BF6-8C71-403D478EF8A7}" type="presOf" srcId="{E04A945A-6049-4891-9E14-7CDB6DAB0BC6}" destId="{982B79BF-FC76-4A30-9196-2F905D07E9DB}" srcOrd="1" destOrd="0" presId="urn:microsoft.com/office/officeart/2005/8/layout/vList4"/>
+    <dgm:cxn modelId="{C3F36F93-304C-4143-8991-DD5A16E0CCD5}" srcId="{E04A945A-6049-4891-9E14-7CDB6DAB0BC6}" destId="{231F4CB2-16F1-4D83-A982-AA185703EE8D}" srcOrd="1" destOrd="0" parTransId="{84178694-5D54-488E-B029-AB80608A8C35}" sibTransId="{4952947D-81BB-4DB7-939F-EFFE3212E032}"/>
+    <dgm:cxn modelId="{3A63B726-2CA7-461B-9048-DD1E99D2AF94}" srcId="{E04A945A-6049-4891-9E14-7CDB6DAB0BC6}" destId="{AFD36104-1D44-4289-9932-D47F79CFC7EF}" srcOrd="0" destOrd="0" parTransId="{6A5B042A-D458-4E02-826F-BEAE53DEFE29}" sibTransId="{02855DD9-D7E9-49EB-ACDE-AF95AADAABCF}"/>
+    <dgm:cxn modelId="{A91A00E1-DD3A-424B-BA32-985878B7652F}" type="presOf" srcId="{9C7D0373-CC3E-413C-81C8-B470E8B263C6}" destId="{7A92DA65-B0D7-4054-A1D7-876157F55F30}" srcOrd="1" destOrd="0" presId="urn:microsoft.com/office/officeart/2005/8/layout/vList4"/>
+    <dgm:cxn modelId="{BB254E46-DBAF-4F26-8E1C-7957B70831D0}" type="presOf" srcId="{523707FD-C98E-42E7-A7AE-6024BB02137F}" destId="{0E4A279F-13FD-4DEA-B856-60483CE9001C}" srcOrd="0" destOrd="1" presId="urn:microsoft.com/office/officeart/2005/8/layout/vList4"/>
+    <dgm:cxn modelId="{20669006-2D53-4334-A2DC-B9FF4C65EE51}" type="presOf" srcId="{AFD36104-1D44-4289-9932-D47F79CFC7EF}" destId="{E111763A-36DB-44D3-89AB-AABCFF6EC761}" srcOrd="0" destOrd="1" presId="urn:microsoft.com/office/officeart/2005/8/layout/vList4"/>
+    <dgm:cxn modelId="{3B43F41E-C320-4B7A-8543-919D9CF855BB}" type="presOf" srcId="{9EA8F649-A822-4005-92B6-E4F626377926}" destId="{0E4A279F-13FD-4DEA-B856-60483CE9001C}" srcOrd="0" destOrd="0" presId="urn:microsoft.com/office/officeart/2005/8/layout/vList4"/>
     <dgm:cxn modelId="{19E72D11-A267-4B39-8E0A-E47D1E74CA30}" type="presOf" srcId="{7B2DF067-6CFB-46CD-8FE8-6966F9650109}" destId="{73C7E5FF-CFDC-4108-A7FA-62EC1733F221}" srcOrd="0" destOrd="2" presId="urn:microsoft.com/office/officeart/2005/8/layout/vList4"/>
-    <dgm:cxn modelId="{073371DF-0988-4595-99BB-6126A4E2C0CE}" type="presOf" srcId="{62CFA7F4-8DDA-4B43-A88D-C9B164593647}" destId="{B3EC1D43-DC87-4EF5-AA46-116C98B82BF8}" srcOrd="1" destOrd="2" presId="urn:microsoft.com/office/officeart/2005/8/layout/vList4"/>
+    <dgm:cxn modelId="{1343156D-AE09-4096-B6A7-AE142431B937}" type="presOf" srcId="{231F4CB2-16F1-4D83-A982-AA185703EE8D}" destId="{982B79BF-FC76-4A30-9196-2F905D07E9DB}" srcOrd="1" destOrd="2" presId="urn:microsoft.com/office/officeart/2005/8/layout/vList4"/>
+    <dgm:cxn modelId="{3BB231F2-BA78-4C74-8837-63E8AA3A9961}" srcId="{E04A945A-6049-4891-9E14-7CDB6DAB0BC6}" destId="{A8089130-C6AF-4C59-91BA-D491F90FD224}" srcOrd="2" destOrd="0" parTransId="{40E3F085-901B-4AF5-BE42-4B363A9A389B}" sibTransId="{375E4F1F-9010-4AFB-80F5-7D8253F558B7}"/>
+    <dgm:cxn modelId="{BE0408AF-66FB-4F81-BA5F-31E9D5181735}" srcId="{E04A945A-6049-4891-9E14-7CDB6DAB0BC6}" destId="{B271351A-9057-4106-A219-F345F75608E9}" srcOrd="3" destOrd="0" parTransId="{BDE80354-1D0A-46D6-94B3-530496A8F090}" sibTransId="{8416442F-43A3-4930-80B3-779D6B35B3AE}"/>
+    <dgm:cxn modelId="{B75C4E30-06BF-41A4-BA49-D263017EC4C9}" type="presOf" srcId="{523707FD-C98E-42E7-A7AE-6024BB02137F}" destId="{B3EC1D43-DC87-4EF5-AA46-116C98B82BF8}" srcOrd="1" destOrd="1" presId="urn:microsoft.com/office/officeart/2005/8/layout/vList4"/>
+    <dgm:cxn modelId="{2D94902C-5308-4AA9-B029-4D3C338F79FE}" srcId="{5D3F1B1F-8882-40C2-8A2D-F35C5D2DE244}" destId="{E04A945A-6049-4891-9E14-7CDB6DAB0BC6}" srcOrd="0" destOrd="0" parTransId="{9601B9C0-F29E-4B75-8DC4-9CF7B537A66F}" sibTransId="{55AE2466-DEE7-44B2-9DF1-15F3E5B5978A}"/>
+    <dgm:cxn modelId="{3F79DA3E-F00F-449E-8E7F-AF78C874B595}" type="presOf" srcId="{231F4CB2-16F1-4D83-A982-AA185703EE8D}" destId="{E111763A-36DB-44D3-89AB-AABCFF6EC761}" srcOrd="0" destOrd="2" presId="urn:microsoft.com/office/officeart/2005/8/layout/vList4"/>
     <dgm:cxn modelId="{08A5BDC1-F692-4FE5-A749-197EE9CDA7F5}" type="presOf" srcId="{9C7D0373-CC3E-413C-81C8-B470E8B263C6}" destId="{73C7E5FF-CFDC-4108-A7FA-62EC1733F221}" srcOrd="0" destOrd="0" presId="urn:microsoft.com/office/officeart/2005/8/layout/vList4"/>
-    <dgm:cxn modelId="{B372D7B6-A555-4F1E-90DA-AC4D2BED8B5E}" type="presOf" srcId="{7B2DF067-6CFB-46CD-8FE8-6966F9650109}" destId="{7A92DA65-B0D7-4054-A1D7-876157F55F30}" srcOrd="1" destOrd="2" presId="urn:microsoft.com/office/officeart/2005/8/layout/vList4"/>
-    <dgm:cxn modelId="{388B7D83-4823-4425-96C7-96C59E89E417}" type="presOf" srcId="{A8089130-C6AF-4C59-91BA-D491F90FD224}" destId="{982B79BF-FC76-4A30-9196-2F905D07E9DB}" srcOrd="1" destOrd="2" presId="urn:microsoft.com/office/officeart/2005/8/layout/vList4"/>
-    <dgm:cxn modelId="{E571E475-729F-4BF6-8C71-403D478EF8A7}" type="presOf" srcId="{E04A945A-6049-4891-9E14-7CDB6DAB0BC6}" destId="{982B79BF-FC76-4A30-9196-2F905D07E9DB}" srcOrd="1" destOrd="0" presId="urn:microsoft.com/office/officeart/2005/8/layout/vList4"/>
-    <dgm:cxn modelId="{7F244251-33A8-463E-AD53-21F80DBCD7C7}" type="presOf" srcId="{55B3E391-62DF-4A47-92F9-C53D3C08219F}" destId="{7A92DA65-B0D7-4054-A1D7-876157F55F30}" srcOrd="1" destOrd="1" presId="urn:microsoft.com/office/officeart/2005/8/layout/vList4"/>
-    <dgm:cxn modelId="{F9D6D550-F35A-45F3-8895-5F55D417D1B8}" srcId="{5D3F1B1F-8882-40C2-8A2D-F35C5D2DE244}" destId="{9EA8F649-A822-4005-92B6-E4F626377926}" srcOrd="1" destOrd="0" parTransId="{A19D1006-3E40-46BC-8708-098A042146AC}" sibTransId="{9F6D6AA6-5462-48C4-A8CB-98B534BFC05E}"/>
-    <dgm:cxn modelId="{BB254E46-DBAF-4F26-8E1C-7957B70831D0}" type="presOf" srcId="{523707FD-C98E-42E7-A7AE-6024BB02137F}" destId="{0E4A279F-13FD-4DEA-B856-60483CE9001C}" srcOrd="0" destOrd="1" presId="urn:microsoft.com/office/officeart/2005/8/layout/vList4"/>
-    <dgm:cxn modelId="{79BFD155-3836-4A3A-9938-3A962613F92C}" type="presOf" srcId="{B271351A-9057-4106-A219-F345F75608E9}" destId="{E111763A-36DB-44D3-89AB-AABCFF6EC761}" srcOrd="0" destOrd="3" presId="urn:microsoft.com/office/officeart/2005/8/layout/vList4"/>
-    <dgm:cxn modelId="{15F1A143-85CE-458C-851D-D8C09753A037}" type="presOf" srcId="{55B3E391-62DF-4A47-92F9-C53D3C08219F}" destId="{73C7E5FF-CFDC-4108-A7FA-62EC1733F221}" srcOrd="0" destOrd="1" presId="urn:microsoft.com/office/officeart/2005/8/layout/vList4"/>
-    <dgm:cxn modelId="{4858CB34-749E-49CC-A727-AE16C0F965E8}" type="presOf" srcId="{E04A945A-6049-4891-9E14-7CDB6DAB0BC6}" destId="{E111763A-36DB-44D3-89AB-AABCFF6EC761}" srcOrd="0" destOrd="0" presId="urn:microsoft.com/office/officeart/2005/8/layout/vList4"/>
-    <dgm:cxn modelId="{0F1B1278-F190-4AF1-9DFC-3EA6391CC97A}" type="presOf" srcId="{62CFA7F4-8DDA-4B43-A88D-C9B164593647}" destId="{0E4A279F-13FD-4DEA-B856-60483CE9001C}" srcOrd="0" destOrd="2" presId="urn:microsoft.com/office/officeart/2005/8/layout/vList4"/>
-    <dgm:cxn modelId="{721FCB95-DC08-402A-B5C1-6EEBD8EB7EA0}" srcId="{9C7D0373-CC3E-413C-81C8-B470E8B263C6}" destId="{55B3E391-62DF-4A47-92F9-C53D3C08219F}" srcOrd="0" destOrd="0" parTransId="{CEC9D703-93DD-4F38-9A82-EE57C5B106C8}" sibTransId="{3C2C6712-7873-46F6-8B4C-83CEAA13A170}"/>
-    <dgm:cxn modelId="{C03D4074-0129-4A6A-867C-EC828ED916C8}" type="presOf" srcId="{B271351A-9057-4106-A219-F345F75608E9}" destId="{982B79BF-FC76-4A30-9196-2F905D07E9DB}" srcOrd="1" destOrd="3" presId="urn:microsoft.com/office/officeart/2005/8/layout/vList4"/>
-    <dgm:cxn modelId="{A7588252-539D-48DE-8F55-B728E7DFD8D0}" srcId="{9C7D0373-CC3E-413C-81C8-B470E8B263C6}" destId="{7B2DF067-6CFB-46CD-8FE8-6966F9650109}" srcOrd="1" destOrd="0" parTransId="{4F7DEAEC-12EE-4C7E-8C51-AEAE1AD8EAC5}" sibTransId="{585E7396-80D2-4ED2-A8C7-CE92550E47FE}"/>
-    <dgm:cxn modelId="{0ABF7F12-0904-473E-8BC0-D738C3AAA5C3}" type="presOf" srcId="{9EA8F649-A822-4005-92B6-E4F626377926}" destId="{B3EC1D43-DC87-4EF5-AA46-116C98B82BF8}" srcOrd="1" destOrd="0" presId="urn:microsoft.com/office/officeart/2005/8/layout/vList4"/>
-    <dgm:cxn modelId="{0D6C9568-8568-4514-B530-B598D50B4BBF}" type="presOf" srcId="{5D3F1B1F-8882-40C2-8A2D-F35C5D2DE244}" destId="{F446C351-F58B-4738-9428-E884505F1A0B}" srcOrd="0" destOrd="0" presId="urn:microsoft.com/office/officeart/2005/8/layout/vList4"/>
-    <dgm:cxn modelId="{3BB231F2-BA78-4C74-8837-63E8AA3A9961}" srcId="{E04A945A-6049-4891-9E14-7CDB6DAB0BC6}" destId="{A8089130-C6AF-4C59-91BA-D491F90FD224}" srcOrd="1" destOrd="0" parTransId="{40E3F085-901B-4AF5-BE42-4B363A9A389B}" sibTransId="{375E4F1F-9010-4AFB-80F5-7D8253F558B7}"/>
+    <dgm:cxn modelId="{56B94490-EB4C-4E09-96D4-7C72AEC9539A}" srcId="{9EA8F649-A822-4005-92B6-E4F626377926}" destId="{523707FD-C98E-42E7-A7AE-6024BB02137F}" srcOrd="0" destOrd="0" parTransId="{29DF2575-5A28-43B5-B596-DCB9A96A7257}" sibTransId="{17EC8F48-6683-4752-A2D3-3D4F24E78418}"/>
+    <dgm:cxn modelId="{113A8642-4F68-405F-9FE6-A17E0EA62B8C}" srcId="{9C7D0373-CC3E-413C-81C8-B470E8B263C6}" destId="{5C6785CB-18E4-4971-AEBB-48A5BB9AB520}" srcOrd="2" destOrd="0" parTransId="{9674B30B-E5B7-48A7-973B-5D5B9BF087E8}" sibTransId="{F58CCB19-B6F4-4D8C-920F-EBF34A579AE9}"/>
+    <dgm:cxn modelId="{1EC54BB7-B207-4FBD-9D1C-0B1D804BE1C5}" type="presOf" srcId="{5C6785CB-18E4-4971-AEBB-48A5BB9AB520}" destId="{73C7E5FF-CFDC-4108-A7FA-62EC1733F221}" srcOrd="0" destOrd="3" presId="urn:microsoft.com/office/officeart/2005/8/layout/vList4"/>
     <dgm:cxn modelId="{CA20D5AE-B006-40E3-96B1-4270A4F7BCD3}" srcId="{5D3F1B1F-8882-40C2-8A2D-F35C5D2DE244}" destId="{9C7D0373-CC3E-413C-81C8-B470E8B263C6}" srcOrd="2" destOrd="0" parTransId="{29C80087-19E2-4639-9040-BAEEF3E1B19B}" sibTransId="{8812AA20-70EC-4FAC-95B8-BDEB02C25A71}"/>
     <dgm:cxn modelId="{500AEA8B-C70E-4F69-81D8-76E07B67B6CB}" type="presOf" srcId="{AFD36104-1D44-4289-9932-D47F79CFC7EF}" destId="{982B79BF-FC76-4A30-9196-2F905D07E9DB}" srcOrd="1" destOrd="1" presId="urn:microsoft.com/office/officeart/2005/8/layout/vList4"/>
-    <dgm:cxn modelId="{B835D342-3EFE-486E-AA93-3B67114FAE95}" srcId="{9EA8F649-A822-4005-92B6-E4F626377926}" destId="{62CFA7F4-8DDA-4B43-A88D-C9B164593647}" srcOrd="1" destOrd="0" parTransId="{675CA5E5-297F-48F4-90BD-F79188D26E6A}" sibTransId="{27D65F72-00EF-4987-820D-7395A34B75B7}"/>
-    <dgm:cxn modelId="{3B43F41E-C320-4B7A-8543-919D9CF855BB}" type="presOf" srcId="{9EA8F649-A822-4005-92B6-E4F626377926}" destId="{0E4A279F-13FD-4DEA-B856-60483CE9001C}" srcOrd="0" destOrd="0" presId="urn:microsoft.com/office/officeart/2005/8/layout/vList4"/>
-    <dgm:cxn modelId="{2D94902C-5308-4AA9-B029-4D3C338F79FE}" srcId="{5D3F1B1F-8882-40C2-8A2D-F35C5D2DE244}" destId="{E04A945A-6049-4891-9E14-7CDB6DAB0BC6}" srcOrd="0" destOrd="0" parTransId="{9601B9C0-F29E-4B75-8DC4-9CF7B537A66F}" sibTransId="{55AE2466-DEE7-44B2-9DF1-15F3E5B5978A}"/>
-    <dgm:cxn modelId="{20669006-2D53-4334-A2DC-B9FF4C65EE51}" type="presOf" srcId="{AFD36104-1D44-4289-9932-D47F79CFC7EF}" destId="{E111763A-36DB-44D3-89AB-AABCFF6EC761}" srcOrd="0" destOrd="1" presId="urn:microsoft.com/office/officeart/2005/8/layout/vList4"/>
-    <dgm:cxn modelId="{B75C4E30-06BF-41A4-BA49-D263017EC4C9}" type="presOf" srcId="{523707FD-C98E-42E7-A7AE-6024BB02137F}" destId="{B3EC1D43-DC87-4EF5-AA46-116C98B82BF8}" srcOrd="1" destOrd="1" presId="urn:microsoft.com/office/officeart/2005/8/layout/vList4"/>
-    <dgm:cxn modelId="{59DFA00A-B11A-44EC-9EBC-AF10C27B4C38}" type="presOf" srcId="{A8089130-C6AF-4C59-91BA-D491F90FD224}" destId="{E111763A-36DB-44D3-89AB-AABCFF6EC761}" srcOrd="0" destOrd="2" presId="urn:microsoft.com/office/officeart/2005/8/layout/vList4"/>
-    <dgm:cxn modelId="{BE0408AF-66FB-4F81-BA5F-31E9D5181735}" srcId="{E04A945A-6049-4891-9E14-7CDB6DAB0BC6}" destId="{B271351A-9057-4106-A219-F345F75608E9}" srcOrd="2" destOrd="0" parTransId="{BDE80354-1D0A-46D6-94B3-530496A8F090}" sibTransId="{8416442F-43A3-4930-80B3-779D6B35B3AE}"/>
-    <dgm:cxn modelId="{A91A00E1-DD3A-424B-BA32-985878B7652F}" type="presOf" srcId="{9C7D0373-CC3E-413C-81C8-B470E8B263C6}" destId="{7A92DA65-B0D7-4054-A1D7-876157F55F30}" srcOrd="1" destOrd="0" presId="urn:microsoft.com/office/officeart/2005/8/layout/vList4"/>
-    <dgm:cxn modelId="{56B94490-EB4C-4E09-96D4-7C72AEC9539A}" srcId="{9EA8F649-A822-4005-92B6-E4F626377926}" destId="{523707FD-C98E-42E7-A7AE-6024BB02137F}" srcOrd="0" destOrd="0" parTransId="{29DF2575-5A28-43B5-B596-DCB9A96A7257}" sibTransId="{17EC8F48-6683-4752-A2D3-3D4F24E78418}"/>
-    <dgm:cxn modelId="{3A63B726-2CA7-461B-9048-DD1E99D2AF94}" srcId="{E04A945A-6049-4891-9E14-7CDB6DAB0BC6}" destId="{AFD36104-1D44-4289-9932-D47F79CFC7EF}" srcOrd="0" destOrd="0" parTransId="{6A5B042A-D458-4E02-826F-BEAE53DEFE29}" sibTransId="{02855DD9-D7E9-49EB-ACDE-AF95AADAABCF}"/>
+    <dgm:cxn modelId="{79BFD155-3836-4A3A-9938-3A962613F92C}" type="presOf" srcId="{B271351A-9057-4106-A219-F345F75608E9}" destId="{E111763A-36DB-44D3-89AB-AABCFF6EC761}" srcOrd="0" destOrd="4" presId="urn:microsoft.com/office/officeart/2005/8/layout/vList4"/>
+    <dgm:cxn modelId="{52787BF1-B5F7-449D-A1C0-FB783D5FAFFD}" type="presOf" srcId="{5C6785CB-18E4-4971-AEBB-48A5BB9AB520}" destId="{7A92DA65-B0D7-4054-A1D7-876157F55F30}" srcOrd="1" destOrd="3" presId="urn:microsoft.com/office/officeart/2005/8/layout/vList4"/>
     <dgm:cxn modelId="{4D2A52A7-692A-4BEC-95AD-3F90E6D468D6}" type="presParOf" srcId="{F446C351-F58B-4738-9428-E884505F1A0B}" destId="{1FA9C2F7-BE0B-4AB3-AAF0-493785047944}" srcOrd="0" destOrd="0" presId="urn:microsoft.com/office/officeart/2005/8/layout/vList4"/>
     <dgm:cxn modelId="{504B2594-031D-41EE-8B6C-D0BE4A7A5A6B}" type="presParOf" srcId="{1FA9C2F7-BE0B-4AB3-AAF0-493785047944}" destId="{E111763A-36DB-44D3-89AB-AABCFF6EC761}" srcOrd="0" destOrd="0" presId="urn:microsoft.com/office/officeart/2005/8/layout/vList4"/>
     <dgm:cxn modelId="{F4366A00-F32A-43D9-9E60-4AB579332983}" type="presParOf" srcId="{1FA9C2F7-BE0B-4AB3-AAF0-493785047944}" destId="{8DF6E289-6357-4247-B7FA-6D641D528C75}" srcOrd="1" destOrd="0" presId="urn:microsoft.com/office/officeart/2005/8/layout/vList4"/>
@@ -1554,6 +3404,787 @@
     <dgm:cxn modelId="{B011D334-8A0A-4A2F-A9E7-49978D14F73A}" type="presParOf" srcId="{D1231C8A-4CA1-46F3-A786-B8CECC9F40E3}" destId="{73C7E5FF-CFDC-4108-A7FA-62EC1733F221}" srcOrd="0" destOrd="0" presId="urn:microsoft.com/office/officeart/2005/8/layout/vList4"/>
     <dgm:cxn modelId="{1235F144-8431-4021-B285-6C9425AF996E}" type="presParOf" srcId="{D1231C8A-4CA1-46F3-A786-B8CECC9F40E3}" destId="{37789156-0F31-4798-86F2-2815929A8BF2}" srcOrd="1" destOrd="0" presId="urn:microsoft.com/office/officeart/2005/8/layout/vList4"/>
     <dgm:cxn modelId="{D3FAFBB5-4B94-47A9-9A80-6EE76742C487}" type="presParOf" srcId="{D1231C8A-4CA1-46F3-A786-B8CECC9F40E3}" destId="{7A92DA65-B0D7-4054-A1D7-876157F55F30}" srcOrd="2" destOrd="0" presId="urn:microsoft.com/office/officeart/2005/8/layout/vList4"/>
+  </dgm:cxnLst>
+  <dgm:bg/>
+  <dgm:whole/>
+</dgm:dataModel>
+</file>
+
+<file path=ppt/diagrams/data2.xml><?xml version="1.0" encoding="utf-8"?>
+<dgm:dataModel xmlns:dgm="http://schemas.openxmlformats.org/drawingml/2006/diagram" xmlns:a="http://schemas.openxmlformats.org/drawingml/2006/main">
+  <dgm:ptLst>
+    <dgm:pt modelId="{310F1D39-A34D-4786-A852-731D04345C2B}" type="doc">
+      <dgm:prSet loTypeId="urn:microsoft.com/office/officeart/2005/8/layout/gear1" loCatId="process" qsTypeId="urn:microsoft.com/office/officeart/2005/8/quickstyle/3d9" qsCatId="3D" csTypeId="urn:microsoft.com/office/officeart/2005/8/colors/accent1_2" csCatId="accent1" phldr="1"/>
+      <dgm:spPr/>
+    </dgm:pt>
+    <dgm:pt modelId="{74778145-53D2-4931-A5C9-AE0B848F6CAB}">
+      <dgm:prSet phldrT="[Texto]" custT="1"/>
+      <dgm:spPr/>
+      <dgm:t>
+        <a:bodyPr/>
+        <a:lstStyle/>
+        <a:p>
+          <a:r>
+            <a:rPr lang="es-ES" sz="2600" dirty="0" smtClean="0"/>
+            <a:t>Organización</a:t>
+          </a:r>
+          <a:endParaRPr lang="es-ES" sz="2600" dirty="0"/>
+        </a:p>
+      </dgm:t>
+    </dgm:pt>
+    <dgm:pt modelId="{93C1ED2F-7DD4-40ED-9752-3AB97B53D094}" type="parTrans" cxnId="{99958654-A560-4DA2-B328-B06B411F3913}">
+      <dgm:prSet/>
+      <dgm:spPr/>
+      <dgm:t>
+        <a:bodyPr/>
+        <a:lstStyle/>
+        <a:p>
+          <a:endParaRPr lang="es-ES"/>
+        </a:p>
+      </dgm:t>
+    </dgm:pt>
+    <dgm:pt modelId="{72A75890-3604-4B01-9F43-3A954AA04679}" type="sibTrans" cxnId="{99958654-A560-4DA2-B328-B06B411F3913}">
+      <dgm:prSet/>
+      <dgm:spPr/>
+      <dgm:t>
+        <a:bodyPr/>
+        <a:lstStyle/>
+        <a:p>
+          <a:endParaRPr lang="es-ES"/>
+        </a:p>
+      </dgm:t>
+    </dgm:pt>
+    <dgm:pt modelId="{A9C2A36A-ADF6-4C77-AB63-772451BA9C1A}">
+      <dgm:prSet phldrT="[Texto]" custT="1"/>
+      <dgm:spPr>
+        <a:solidFill>
+          <a:srgbClr val="4F2270"/>
+        </a:solidFill>
+      </dgm:spPr>
+      <dgm:t>
+        <a:bodyPr/>
+        <a:lstStyle/>
+        <a:p>
+          <a:r>
+            <a:rPr lang="es-ES" sz="1800" dirty="0" smtClean="0"/>
+            <a:t>Tecnología</a:t>
+          </a:r>
+          <a:endParaRPr lang="es-ES" sz="1800" dirty="0"/>
+        </a:p>
+      </dgm:t>
+    </dgm:pt>
+    <dgm:pt modelId="{A6957A6B-E0C2-4F4D-B303-6D9C5B93D57B}" type="parTrans" cxnId="{2CB28718-3AE7-423A-BBC2-20A6B8D23BBB}">
+      <dgm:prSet/>
+      <dgm:spPr/>
+      <dgm:t>
+        <a:bodyPr/>
+        <a:lstStyle/>
+        <a:p>
+          <a:endParaRPr lang="es-ES"/>
+        </a:p>
+      </dgm:t>
+    </dgm:pt>
+    <dgm:pt modelId="{36FFC72B-B887-4B6C-B776-3230502366DE}" type="sibTrans" cxnId="{2CB28718-3AE7-423A-BBC2-20A6B8D23BBB}">
+      <dgm:prSet/>
+      <dgm:spPr/>
+      <dgm:t>
+        <a:bodyPr/>
+        <a:lstStyle/>
+        <a:p>
+          <a:endParaRPr lang="es-ES"/>
+        </a:p>
+      </dgm:t>
+    </dgm:pt>
+    <dgm:pt modelId="{E1249394-D0EC-4E5D-BC6F-65C7A65381A0}">
+      <dgm:prSet phldrT="[Texto]" custT="1"/>
+      <dgm:spPr>
+        <a:solidFill>
+          <a:srgbClr val="698DB5"/>
+        </a:solidFill>
+      </dgm:spPr>
+      <dgm:t>
+        <a:bodyPr/>
+        <a:lstStyle/>
+        <a:p>
+          <a:r>
+            <a:rPr lang="es-ES" sz="1800" b="1" dirty="0" smtClean="0"/>
+            <a:t>Dedicación</a:t>
+          </a:r>
+          <a:endParaRPr lang="es-ES" sz="1800" b="1" dirty="0"/>
+        </a:p>
+      </dgm:t>
+    </dgm:pt>
+    <dgm:pt modelId="{6FBA968F-21EC-4DBC-8B91-FAEFBF05862D}" type="parTrans" cxnId="{259E4627-22EB-47FF-B2FC-D597788F07F2}">
+      <dgm:prSet/>
+      <dgm:spPr/>
+      <dgm:t>
+        <a:bodyPr/>
+        <a:lstStyle/>
+        <a:p>
+          <a:endParaRPr lang="es-ES"/>
+        </a:p>
+      </dgm:t>
+    </dgm:pt>
+    <dgm:pt modelId="{4141F70D-4598-40F5-9E18-D9BF3302941A}" type="sibTrans" cxnId="{259E4627-22EB-47FF-B2FC-D597788F07F2}">
+      <dgm:prSet/>
+      <dgm:spPr/>
+      <dgm:t>
+        <a:bodyPr/>
+        <a:lstStyle/>
+        <a:p>
+          <a:endParaRPr lang="es-ES"/>
+        </a:p>
+      </dgm:t>
+    </dgm:pt>
+    <dgm:pt modelId="{F01373FE-280D-4441-8DCA-E50C93B9CA73}" type="pres">
+      <dgm:prSet presAssocID="{310F1D39-A34D-4786-A852-731D04345C2B}" presName="composite" presStyleCnt="0">
+        <dgm:presLayoutVars>
+          <dgm:chMax val="3"/>
+          <dgm:animLvl val="lvl"/>
+          <dgm:resizeHandles val="exact"/>
+        </dgm:presLayoutVars>
+      </dgm:prSet>
+      <dgm:spPr/>
+    </dgm:pt>
+    <dgm:pt modelId="{788E8E5A-8ED0-4163-AC60-A677D1A85CCB}" type="pres">
+      <dgm:prSet presAssocID="{74778145-53D2-4931-A5C9-AE0B848F6CAB}" presName="gear1" presStyleLbl="node1" presStyleIdx="0" presStyleCnt="3">
+        <dgm:presLayoutVars>
+          <dgm:chMax val="1"/>
+          <dgm:bulletEnabled val="1"/>
+        </dgm:presLayoutVars>
+      </dgm:prSet>
+      <dgm:spPr/>
+    </dgm:pt>
+    <dgm:pt modelId="{0335A60B-2550-4DA9-876B-A16E1E322476}" type="pres">
+      <dgm:prSet presAssocID="{74778145-53D2-4931-A5C9-AE0B848F6CAB}" presName="gear1srcNode" presStyleLbl="node1" presStyleIdx="0" presStyleCnt="3"/>
+      <dgm:spPr/>
+    </dgm:pt>
+    <dgm:pt modelId="{FFC328FC-2279-4874-8913-2CCE961DF47E}" type="pres">
+      <dgm:prSet presAssocID="{74778145-53D2-4931-A5C9-AE0B848F6CAB}" presName="gear1dstNode" presStyleLbl="node1" presStyleIdx="0" presStyleCnt="3"/>
+      <dgm:spPr/>
+    </dgm:pt>
+    <dgm:pt modelId="{882B0782-6779-45C1-832E-A9645C38F780}" type="pres">
+      <dgm:prSet presAssocID="{A9C2A36A-ADF6-4C77-AB63-772451BA9C1A}" presName="gear2" presStyleLbl="node1" presStyleIdx="1" presStyleCnt="3">
+        <dgm:presLayoutVars>
+          <dgm:chMax val="1"/>
+          <dgm:bulletEnabled val="1"/>
+        </dgm:presLayoutVars>
+      </dgm:prSet>
+      <dgm:spPr/>
+      <dgm:t>
+        <a:bodyPr/>
+        <a:lstStyle/>
+        <a:p>
+          <a:endParaRPr lang="es-ES"/>
+        </a:p>
+      </dgm:t>
+    </dgm:pt>
+    <dgm:pt modelId="{7987A7E6-3381-4C27-AC33-ADF1D1C62539}" type="pres">
+      <dgm:prSet presAssocID="{A9C2A36A-ADF6-4C77-AB63-772451BA9C1A}" presName="gear2srcNode" presStyleLbl="node1" presStyleIdx="1" presStyleCnt="3"/>
+      <dgm:spPr/>
+    </dgm:pt>
+    <dgm:pt modelId="{6FDDDFF2-3CFA-46CD-A3DB-D37104DDE5E8}" type="pres">
+      <dgm:prSet presAssocID="{A9C2A36A-ADF6-4C77-AB63-772451BA9C1A}" presName="gear2dstNode" presStyleLbl="node1" presStyleIdx="1" presStyleCnt="3"/>
+      <dgm:spPr/>
+    </dgm:pt>
+    <dgm:pt modelId="{4E5C6B77-7F83-425D-B70E-8A191A2DA944}" type="pres">
+      <dgm:prSet presAssocID="{E1249394-D0EC-4E5D-BC6F-65C7A65381A0}" presName="gear3" presStyleLbl="node1" presStyleIdx="2" presStyleCnt="3"/>
+      <dgm:spPr/>
+      <dgm:t>
+        <a:bodyPr/>
+        <a:lstStyle/>
+        <a:p>
+          <a:endParaRPr lang="es-ES"/>
+        </a:p>
+      </dgm:t>
+    </dgm:pt>
+    <dgm:pt modelId="{62DD3A5E-B68F-42C0-84A8-08161C5FB4EB}" type="pres">
+      <dgm:prSet presAssocID="{E1249394-D0EC-4E5D-BC6F-65C7A65381A0}" presName="gear3tx" presStyleLbl="node1" presStyleIdx="2" presStyleCnt="3">
+        <dgm:presLayoutVars>
+          <dgm:chMax val="1"/>
+          <dgm:bulletEnabled val="1"/>
+        </dgm:presLayoutVars>
+      </dgm:prSet>
+      <dgm:spPr/>
+      <dgm:t>
+        <a:bodyPr/>
+        <a:lstStyle/>
+        <a:p>
+          <a:endParaRPr lang="es-ES"/>
+        </a:p>
+      </dgm:t>
+    </dgm:pt>
+    <dgm:pt modelId="{5960FD6F-ACF5-4C40-BDC0-696B2D9A5F9B}" type="pres">
+      <dgm:prSet presAssocID="{E1249394-D0EC-4E5D-BC6F-65C7A65381A0}" presName="gear3srcNode" presStyleLbl="node1" presStyleIdx="2" presStyleCnt="3"/>
+      <dgm:spPr/>
+    </dgm:pt>
+    <dgm:pt modelId="{0713B498-2E96-4733-A37B-F8399D6ED6D0}" type="pres">
+      <dgm:prSet presAssocID="{E1249394-D0EC-4E5D-BC6F-65C7A65381A0}" presName="gear3dstNode" presStyleLbl="node1" presStyleIdx="2" presStyleCnt="3"/>
+      <dgm:spPr/>
+    </dgm:pt>
+    <dgm:pt modelId="{EC80206F-6ED5-470E-9352-DF2C3E13D09E}" type="pres">
+      <dgm:prSet presAssocID="{72A75890-3604-4B01-9F43-3A954AA04679}" presName="connector1" presStyleLbl="sibTrans2D1" presStyleIdx="0" presStyleCnt="3"/>
+      <dgm:spPr/>
+    </dgm:pt>
+    <dgm:pt modelId="{74C0AE3B-2784-4C62-A4A0-2435B2D48726}" type="pres">
+      <dgm:prSet presAssocID="{36FFC72B-B887-4B6C-B776-3230502366DE}" presName="connector2" presStyleLbl="sibTrans2D1" presStyleIdx="1" presStyleCnt="3"/>
+      <dgm:spPr/>
+    </dgm:pt>
+    <dgm:pt modelId="{36B1BD25-2EAE-4D35-899F-4008C62A2C66}" type="pres">
+      <dgm:prSet presAssocID="{4141F70D-4598-40F5-9E18-D9BF3302941A}" presName="connector3" presStyleLbl="sibTrans2D1" presStyleIdx="2" presStyleCnt="3" custLinFactNeighborX="1694" custLinFactNeighborY="-403"/>
+      <dgm:spPr/>
+    </dgm:pt>
+  </dgm:ptLst>
+  <dgm:cxnLst>
+    <dgm:cxn modelId="{D5DAA1F4-F876-4DAF-967A-6EE409ECB299}" type="presOf" srcId="{310F1D39-A34D-4786-A852-731D04345C2B}" destId="{F01373FE-280D-4441-8DCA-E50C93B9CA73}" srcOrd="0" destOrd="0" presId="urn:microsoft.com/office/officeart/2005/8/layout/gear1"/>
+    <dgm:cxn modelId="{FFB2C5BA-ACFE-41A3-A08B-28936B301CDD}" type="presOf" srcId="{E1249394-D0EC-4E5D-BC6F-65C7A65381A0}" destId="{4E5C6B77-7F83-425D-B70E-8A191A2DA944}" srcOrd="0" destOrd="0" presId="urn:microsoft.com/office/officeart/2005/8/layout/gear1"/>
+    <dgm:cxn modelId="{7C89F52B-1586-449F-BAD7-4F45EED1033E}" type="presOf" srcId="{A9C2A36A-ADF6-4C77-AB63-772451BA9C1A}" destId="{882B0782-6779-45C1-832E-A9645C38F780}" srcOrd="0" destOrd="0" presId="urn:microsoft.com/office/officeart/2005/8/layout/gear1"/>
+    <dgm:cxn modelId="{8575E987-E6E6-4847-A786-57B2338D570C}" type="presOf" srcId="{E1249394-D0EC-4E5D-BC6F-65C7A65381A0}" destId="{0713B498-2E96-4733-A37B-F8399D6ED6D0}" srcOrd="3" destOrd="0" presId="urn:microsoft.com/office/officeart/2005/8/layout/gear1"/>
+    <dgm:cxn modelId="{45D015D0-2413-4F6B-A99D-85283BDEE860}" type="presOf" srcId="{74778145-53D2-4931-A5C9-AE0B848F6CAB}" destId="{788E8E5A-8ED0-4163-AC60-A677D1A85CCB}" srcOrd="0" destOrd="0" presId="urn:microsoft.com/office/officeart/2005/8/layout/gear1"/>
+    <dgm:cxn modelId="{3442B390-72BA-4CC5-80D6-21782DE9763A}" type="presOf" srcId="{36FFC72B-B887-4B6C-B776-3230502366DE}" destId="{74C0AE3B-2784-4C62-A4A0-2435B2D48726}" srcOrd="0" destOrd="0" presId="urn:microsoft.com/office/officeart/2005/8/layout/gear1"/>
+    <dgm:cxn modelId="{015D8922-6BCD-4423-96D6-9C250474ED31}" type="presOf" srcId="{A9C2A36A-ADF6-4C77-AB63-772451BA9C1A}" destId="{7987A7E6-3381-4C27-AC33-ADF1D1C62539}" srcOrd="1" destOrd="0" presId="urn:microsoft.com/office/officeart/2005/8/layout/gear1"/>
+    <dgm:cxn modelId="{F7B88AC0-3FDD-40F1-AB25-A1D1CB0123FF}" type="presOf" srcId="{72A75890-3604-4B01-9F43-3A954AA04679}" destId="{EC80206F-6ED5-470E-9352-DF2C3E13D09E}" srcOrd="0" destOrd="0" presId="urn:microsoft.com/office/officeart/2005/8/layout/gear1"/>
+    <dgm:cxn modelId="{60B097A4-4951-4114-A88C-55B251406564}" type="presOf" srcId="{A9C2A36A-ADF6-4C77-AB63-772451BA9C1A}" destId="{6FDDDFF2-3CFA-46CD-A3DB-D37104DDE5E8}" srcOrd="2" destOrd="0" presId="urn:microsoft.com/office/officeart/2005/8/layout/gear1"/>
+    <dgm:cxn modelId="{BA593E9C-E725-4389-9890-06AA34FFB333}" type="presOf" srcId="{E1249394-D0EC-4E5D-BC6F-65C7A65381A0}" destId="{62DD3A5E-B68F-42C0-84A8-08161C5FB4EB}" srcOrd="1" destOrd="0" presId="urn:microsoft.com/office/officeart/2005/8/layout/gear1"/>
+    <dgm:cxn modelId="{A4618D43-CC00-4D22-BC9E-BBBF4E5C2CD4}" type="presOf" srcId="{74778145-53D2-4931-A5C9-AE0B848F6CAB}" destId="{0335A60B-2550-4DA9-876B-A16E1E322476}" srcOrd="1" destOrd="0" presId="urn:microsoft.com/office/officeart/2005/8/layout/gear1"/>
+    <dgm:cxn modelId="{F0D8DF78-D2C4-43F0-8563-40A4DDED7990}" type="presOf" srcId="{E1249394-D0EC-4E5D-BC6F-65C7A65381A0}" destId="{5960FD6F-ACF5-4C40-BDC0-696B2D9A5F9B}" srcOrd="2" destOrd="0" presId="urn:microsoft.com/office/officeart/2005/8/layout/gear1"/>
+    <dgm:cxn modelId="{87C263C5-FAD3-45DD-8707-A2C6F3F13E3A}" type="presOf" srcId="{4141F70D-4598-40F5-9E18-D9BF3302941A}" destId="{36B1BD25-2EAE-4D35-899F-4008C62A2C66}" srcOrd="0" destOrd="0" presId="urn:microsoft.com/office/officeart/2005/8/layout/gear1"/>
+    <dgm:cxn modelId="{259E4627-22EB-47FF-B2FC-D597788F07F2}" srcId="{310F1D39-A34D-4786-A852-731D04345C2B}" destId="{E1249394-D0EC-4E5D-BC6F-65C7A65381A0}" srcOrd="2" destOrd="0" parTransId="{6FBA968F-21EC-4DBC-8B91-FAEFBF05862D}" sibTransId="{4141F70D-4598-40F5-9E18-D9BF3302941A}"/>
+    <dgm:cxn modelId="{2CB28718-3AE7-423A-BBC2-20A6B8D23BBB}" srcId="{310F1D39-A34D-4786-A852-731D04345C2B}" destId="{A9C2A36A-ADF6-4C77-AB63-772451BA9C1A}" srcOrd="1" destOrd="0" parTransId="{A6957A6B-E0C2-4F4D-B303-6D9C5B93D57B}" sibTransId="{36FFC72B-B887-4B6C-B776-3230502366DE}"/>
+    <dgm:cxn modelId="{99958654-A560-4DA2-B328-B06B411F3913}" srcId="{310F1D39-A34D-4786-A852-731D04345C2B}" destId="{74778145-53D2-4931-A5C9-AE0B848F6CAB}" srcOrd="0" destOrd="0" parTransId="{93C1ED2F-7DD4-40ED-9752-3AB97B53D094}" sibTransId="{72A75890-3604-4B01-9F43-3A954AA04679}"/>
+    <dgm:cxn modelId="{0D22EECA-DF4F-4F0B-85ED-D8A87A1F03CB}" type="presOf" srcId="{74778145-53D2-4931-A5C9-AE0B848F6CAB}" destId="{FFC328FC-2279-4874-8913-2CCE961DF47E}" srcOrd="2" destOrd="0" presId="urn:microsoft.com/office/officeart/2005/8/layout/gear1"/>
+    <dgm:cxn modelId="{05A4CA29-3DDD-4CF6-9CBC-60FCAD7BE009}" type="presParOf" srcId="{F01373FE-280D-4441-8DCA-E50C93B9CA73}" destId="{788E8E5A-8ED0-4163-AC60-A677D1A85CCB}" srcOrd="0" destOrd="0" presId="urn:microsoft.com/office/officeart/2005/8/layout/gear1"/>
+    <dgm:cxn modelId="{B2139AF0-A228-497D-BEE5-FEF630E930E5}" type="presParOf" srcId="{F01373FE-280D-4441-8DCA-E50C93B9CA73}" destId="{0335A60B-2550-4DA9-876B-A16E1E322476}" srcOrd="1" destOrd="0" presId="urn:microsoft.com/office/officeart/2005/8/layout/gear1"/>
+    <dgm:cxn modelId="{FCF6FFB8-4510-4F64-9193-5F299B92A732}" type="presParOf" srcId="{F01373FE-280D-4441-8DCA-E50C93B9CA73}" destId="{FFC328FC-2279-4874-8913-2CCE961DF47E}" srcOrd="2" destOrd="0" presId="urn:microsoft.com/office/officeart/2005/8/layout/gear1"/>
+    <dgm:cxn modelId="{8F74E71F-0C21-4872-AC6E-2638BCBB5A01}" type="presParOf" srcId="{F01373FE-280D-4441-8DCA-E50C93B9CA73}" destId="{882B0782-6779-45C1-832E-A9645C38F780}" srcOrd="3" destOrd="0" presId="urn:microsoft.com/office/officeart/2005/8/layout/gear1"/>
+    <dgm:cxn modelId="{F4B6FBA8-1B1B-4C7B-B72B-34FAEB8937F6}" type="presParOf" srcId="{F01373FE-280D-4441-8DCA-E50C93B9CA73}" destId="{7987A7E6-3381-4C27-AC33-ADF1D1C62539}" srcOrd="4" destOrd="0" presId="urn:microsoft.com/office/officeart/2005/8/layout/gear1"/>
+    <dgm:cxn modelId="{87A4CA35-6399-4608-BC33-D1864044FBDF}" type="presParOf" srcId="{F01373FE-280D-4441-8DCA-E50C93B9CA73}" destId="{6FDDDFF2-3CFA-46CD-A3DB-D37104DDE5E8}" srcOrd="5" destOrd="0" presId="urn:microsoft.com/office/officeart/2005/8/layout/gear1"/>
+    <dgm:cxn modelId="{2E88AE74-3EBE-46E9-A721-D6848294FD45}" type="presParOf" srcId="{F01373FE-280D-4441-8DCA-E50C93B9CA73}" destId="{4E5C6B77-7F83-425D-B70E-8A191A2DA944}" srcOrd="6" destOrd="0" presId="urn:microsoft.com/office/officeart/2005/8/layout/gear1"/>
+    <dgm:cxn modelId="{A4984110-F550-4038-B54E-180E5FFC3FE6}" type="presParOf" srcId="{F01373FE-280D-4441-8DCA-E50C93B9CA73}" destId="{62DD3A5E-B68F-42C0-84A8-08161C5FB4EB}" srcOrd="7" destOrd="0" presId="urn:microsoft.com/office/officeart/2005/8/layout/gear1"/>
+    <dgm:cxn modelId="{8E6C5F61-65A9-436B-9DED-D918B329C3BF}" type="presParOf" srcId="{F01373FE-280D-4441-8DCA-E50C93B9CA73}" destId="{5960FD6F-ACF5-4C40-BDC0-696B2D9A5F9B}" srcOrd="8" destOrd="0" presId="urn:microsoft.com/office/officeart/2005/8/layout/gear1"/>
+    <dgm:cxn modelId="{2983010B-5DB6-4794-9654-49ECDF855791}" type="presParOf" srcId="{F01373FE-280D-4441-8DCA-E50C93B9CA73}" destId="{0713B498-2E96-4733-A37B-F8399D6ED6D0}" srcOrd="9" destOrd="0" presId="urn:microsoft.com/office/officeart/2005/8/layout/gear1"/>
+    <dgm:cxn modelId="{D3FD9248-B641-4679-A917-A83088D43656}" type="presParOf" srcId="{F01373FE-280D-4441-8DCA-E50C93B9CA73}" destId="{EC80206F-6ED5-470E-9352-DF2C3E13D09E}" srcOrd="10" destOrd="0" presId="urn:microsoft.com/office/officeart/2005/8/layout/gear1"/>
+    <dgm:cxn modelId="{D89F59BE-593D-445F-A383-1AB94B582722}" type="presParOf" srcId="{F01373FE-280D-4441-8DCA-E50C93B9CA73}" destId="{74C0AE3B-2784-4C62-A4A0-2435B2D48726}" srcOrd="11" destOrd="0" presId="urn:microsoft.com/office/officeart/2005/8/layout/gear1"/>
+    <dgm:cxn modelId="{82376E98-8682-4505-9E07-C6326135C5D2}" type="presParOf" srcId="{F01373FE-280D-4441-8DCA-E50C93B9CA73}" destId="{36B1BD25-2EAE-4D35-899F-4008C62A2C66}" srcOrd="12" destOrd="0" presId="urn:microsoft.com/office/officeart/2005/8/layout/gear1"/>
+  </dgm:cxnLst>
+  <dgm:bg/>
+  <dgm:whole/>
+</dgm:dataModel>
+</file>
+
+<file path=ppt/diagrams/data3.xml><?xml version="1.0" encoding="utf-8"?>
+<dgm:dataModel xmlns:dgm="http://schemas.openxmlformats.org/drawingml/2006/diagram" xmlns:a="http://schemas.openxmlformats.org/drawingml/2006/main">
+  <dgm:ptLst>
+    <dgm:pt modelId="{F8216B0F-4A89-4B36-89BA-D5A7631C85CE}" type="doc">
+      <dgm:prSet loTypeId="urn:microsoft.com/office/officeart/2005/8/layout/vList4" loCatId="list" qsTypeId="urn:microsoft.com/office/officeart/2005/8/quickstyle/simple3" qsCatId="simple" csTypeId="urn:microsoft.com/office/officeart/2005/8/colors/accent2_4" csCatId="accent2" phldr="1"/>
+      <dgm:spPr/>
+      <dgm:t>
+        <a:bodyPr/>
+        <a:lstStyle/>
+        <a:p>
+          <a:endParaRPr lang="es-ES"/>
+        </a:p>
+      </dgm:t>
+    </dgm:pt>
+    <dgm:pt modelId="{E6A3EA01-BFA5-4ACE-812D-AFF191E8B582}">
+      <dgm:prSet phldrT="[Texto]"/>
+      <dgm:spPr/>
+      <dgm:t>
+        <a:bodyPr/>
+        <a:lstStyle/>
+        <a:p>
+          <a:r>
+            <a:rPr lang="es-ES" b="1" dirty="0" smtClean="0">
+              <a:solidFill>
+                <a:schemeClr val="accent2">
+                  <a:lumMod val="75000"/>
+                </a:schemeClr>
+              </a:solidFill>
+            </a:rPr>
+            <a:t>Dedicación </a:t>
+          </a:r>
+          <a:endParaRPr lang="es-ES" dirty="0"/>
+        </a:p>
+      </dgm:t>
+    </dgm:pt>
+    <dgm:pt modelId="{CF9392AF-9B7B-4AAA-A133-B7F291F53F65}" type="parTrans" cxnId="{537955C6-27F5-4675-9D05-FB61E3C1FCC8}">
+      <dgm:prSet/>
+      <dgm:spPr/>
+      <dgm:t>
+        <a:bodyPr/>
+        <a:lstStyle/>
+        <a:p>
+          <a:endParaRPr lang="es-ES"/>
+        </a:p>
+      </dgm:t>
+    </dgm:pt>
+    <dgm:pt modelId="{DFEB35EF-F9DA-4DEF-BEEC-4C219CFAFBFB}" type="sibTrans" cxnId="{537955C6-27F5-4675-9D05-FB61E3C1FCC8}">
+      <dgm:prSet/>
+      <dgm:spPr/>
+      <dgm:t>
+        <a:bodyPr/>
+        <a:lstStyle/>
+        <a:p>
+          <a:endParaRPr lang="es-ES"/>
+        </a:p>
+      </dgm:t>
+    </dgm:pt>
+    <dgm:pt modelId="{85C5CF48-DE46-496B-9FC2-9004A3DB5243}">
+      <dgm:prSet phldrT="[Texto]"/>
+      <dgm:spPr/>
+      <dgm:t>
+        <a:bodyPr/>
+        <a:lstStyle/>
+        <a:p>
+          <a:r>
+            <a:rPr lang="es-ES" dirty="0" smtClean="0">
+              <a:solidFill>
+                <a:schemeClr val="accent2">
+                  <a:lumMod val="75000"/>
+                </a:schemeClr>
+              </a:solidFill>
+            </a:rPr>
+            <a:t>Problemas de falta de tiempo por trabajo</a:t>
+          </a:r>
+        </a:p>
+      </dgm:t>
+    </dgm:pt>
+    <dgm:pt modelId="{BBEB42AC-67D6-430F-92C0-65CEDBFC9F0D}" type="parTrans" cxnId="{8B1CFE11-1959-4658-BAD2-6A23A484F8FC}">
+      <dgm:prSet/>
+      <dgm:spPr/>
+      <dgm:t>
+        <a:bodyPr/>
+        <a:lstStyle/>
+        <a:p>
+          <a:endParaRPr lang="es-ES"/>
+        </a:p>
+      </dgm:t>
+    </dgm:pt>
+    <dgm:pt modelId="{D4CE80D2-5A5F-4B61-BDE9-994DBC235BDA}" type="sibTrans" cxnId="{8B1CFE11-1959-4658-BAD2-6A23A484F8FC}">
+      <dgm:prSet/>
+      <dgm:spPr/>
+      <dgm:t>
+        <a:bodyPr/>
+        <a:lstStyle/>
+        <a:p>
+          <a:endParaRPr lang="es-ES"/>
+        </a:p>
+      </dgm:t>
+    </dgm:pt>
+    <dgm:pt modelId="{15D3C4FD-1038-408D-8C49-3A7EA88C6177}">
+      <dgm:prSet phldrT="[Texto]" phldr="1"/>
+      <dgm:spPr/>
+      <dgm:t>
+        <a:bodyPr/>
+        <a:lstStyle/>
+        <a:p>
+          <a:endParaRPr lang="es-ES" dirty="0"/>
+        </a:p>
+      </dgm:t>
+    </dgm:pt>
+    <dgm:pt modelId="{46D8A733-29B3-4CC7-A269-E9726ACFA3AB}" type="parTrans" cxnId="{6B4C94E1-2F66-4CA9-A09F-3CFDE55FBFA5}">
+      <dgm:prSet/>
+      <dgm:spPr/>
+      <dgm:t>
+        <a:bodyPr/>
+        <a:lstStyle/>
+        <a:p>
+          <a:endParaRPr lang="es-ES"/>
+        </a:p>
+      </dgm:t>
+    </dgm:pt>
+    <dgm:pt modelId="{6FFDBA44-B031-45FF-9B71-A4D612747F83}" type="sibTrans" cxnId="{6B4C94E1-2F66-4CA9-A09F-3CFDE55FBFA5}">
+      <dgm:prSet/>
+      <dgm:spPr/>
+      <dgm:t>
+        <a:bodyPr/>
+        <a:lstStyle/>
+        <a:p>
+          <a:endParaRPr lang="es-ES"/>
+        </a:p>
+      </dgm:t>
+    </dgm:pt>
+    <dgm:pt modelId="{5F9E3BED-AF93-4BBD-B837-D8D0B61A4D57}">
+      <dgm:prSet phldrT="[Texto]"/>
+      <dgm:spPr/>
+      <dgm:t>
+        <a:bodyPr/>
+        <a:lstStyle/>
+        <a:p>
+          <a:r>
+            <a:rPr lang="es-ES" b="1" dirty="0" smtClean="0">
+              <a:solidFill>
+                <a:schemeClr val="accent2">
+                  <a:lumMod val="75000"/>
+                </a:schemeClr>
+              </a:solidFill>
+            </a:rPr>
+            <a:t>Organización</a:t>
+          </a:r>
+          <a:endParaRPr lang="es-ES" dirty="0"/>
+        </a:p>
+      </dgm:t>
+    </dgm:pt>
+    <dgm:pt modelId="{749EE126-C00A-484E-9789-50A511CF6D29}" type="parTrans" cxnId="{959AD37E-B920-452B-82CE-A451E654A95C}">
+      <dgm:prSet/>
+      <dgm:spPr/>
+      <dgm:t>
+        <a:bodyPr/>
+        <a:lstStyle/>
+        <a:p>
+          <a:endParaRPr lang="es-ES"/>
+        </a:p>
+      </dgm:t>
+    </dgm:pt>
+    <dgm:pt modelId="{64D83D65-F88D-4ACA-9842-26B6FCC63F0B}" type="sibTrans" cxnId="{959AD37E-B920-452B-82CE-A451E654A95C}">
+      <dgm:prSet/>
+      <dgm:spPr/>
+      <dgm:t>
+        <a:bodyPr/>
+        <a:lstStyle/>
+        <a:p>
+          <a:endParaRPr lang="es-ES"/>
+        </a:p>
+      </dgm:t>
+    </dgm:pt>
+    <dgm:pt modelId="{FB4CD556-EA90-42B5-B143-65CDEC6CC30D}">
+      <dgm:prSet phldrT="[Texto]" phldr="1"/>
+      <dgm:spPr/>
+      <dgm:t>
+        <a:bodyPr/>
+        <a:lstStyle/>
+        <a:p>
+          <a:endParaRPr lang="es-ES"/>
+        </a:p>
+      </dgm:t>
+    </dgm:pt>
+    <dgm:pt modelId="{118F39E0-FFFF-4E4E-A4C2-7E8229DAE869}" type="parTrans" cxnId="{F41B962A-81A9-4339-B56E-BCC48B7DB93D}">
+      <dgm:prSet/>
+      <dgm:spPr/>
+      <dgm:t>
+        <a:bodyPr/>
+        <a:lstStyle/>
+        <a:p>
+          <a:endParaRPr lang="es-ES"/>
+        </a:p>
+      </dgm:t>
+    </dgm:pt>
+    <dgm:pt modelId="{443E1055-7B8E-4261-B52E-D82034922EA3}" type="sibTrans" cxnId="{F41B962A-81A9-4339-B56E-BCC48B7DB93D}">
+      <dgm:prSet/>
+      <dgm:spPr/>
+      <dgm:t>
+        <a:bodyPr/>
+        <a:lstStyle/>
+        <a:p>
+          <a:endParaRPr lang="es-ES"/>
+        </a:p>
+      </dgm:t>
+    </dgm:pt>
+    <dgm:pt modelId="{FFE8E515-CA1D-4ED5-9A1C-A5CD197BE0DE}">
+      <dgm:prSet phldrT="[Texto]" phldr="1"/>
+      <dgm:spPr/>
+      <dgm:t>
+        <a:bodyPr/>
+        <a:lstStyle/>
+        <a:p>
+          <a:endParaRPr lang="es-ES"/>
+        </a:p>
+      </dgm:t>
+    </dgm:pt>
+    <dgm:pt modelId="{4D84FC99-8169-407F-924D-42D0F4EB4CE5}" type="parTrans" cxnId="{658B5150-8F43-4B1C-8B9A-DE8FEEB6A96B}">
+      <dgm:prSet/>
+      <dgm:spPr/>
+      <dgm:t>
+        <a:bodyPr/>
+        <a:lstStyle/>
+        <a:p>
+          <a:endParaRPr lang="es-ES"/>
+        </a:p>
+      </dgm:t>
+    </dgm:pt>
+    <dgm:pt modelId="{D4B653F3-7E12-4AE1-82D3-8FB8F5F70154}" type="sibTrans" cxnId="{658B5150-8F43-4B1C-8B9A-DE8FEEB6A96B}">
+      <dgm:prSet/>
+      <dgm:spPr/>
+      <dgm:t>
+        <a:bodyPr/>
+        <a:lstStyle/>
+        <a:p>
+          <a:endParaRPr lang="es-ES"/>
+        </a:p>
+      </dgm:t>
+    </dgm:pt>
+    <dgm:pt modelId="{82682BF8-92E6-4301-B415-05BF82B7C445}">
+      <dgm:prSet phldrT="[Texto]"/>
+      <dgm:spPr/>
+      <dgm:t>
+        <a:bodyPr/>
+        <a:lstStyle/>
+        <a:p>
+          <a:r>
+            <a:rPr lang="es-ES" b="1" dirty="0" smtClean="0">
+              <a:solidFill>
+                <a:schemeClr val="accent2">
+                  <a:lumMod val="75000"/>
+                </a:schemeClr>
+              </a:solidFill>
+            </a:rPr>
+            <a:t>Tecnología</a:t>
+          </a:r>
+          <a:endParaRPr lang="es-ES" dirty="0"/>
+        </a:p>
+      </dgm:t>
+    </dgm:pt>
+    <dgm:pt modelId="{4F0CCBB8-F3C3-4409-8B01-28DC350A9EFC}" type="parTrans" cxnId="{A314CA7E-33CF-4B52-A968-21F7F0623AC2}">
+      <dgm:prSet/>
+      <dgm:spPr/>
+      <dgm:t>
+        <a:bodyPr/>
+        <a:lstStyle/>
+        <a:p>
+          <a:endParaRPr lang="es-ES"/>
+        </a:p>
+      </dgm:t>
+    </dgm:pt>
+    <dgm:pt modelId="{89ED9986-6AA2-49AF-86EE-F1A3A1C42F26}" type="sibTrans" cxnId="{A314CA7E-33CF-4B52-A968-21F7F0623AC2}">
+      <dgm:prSet/>
+      <dgm:spPr/>
+      <dgm:t>
+        <a:bodyPr/>
+        <a:lstStyle/>
+        <a:p>
+          <a:endParaRPr lang="es-ES"/>
+        </a:p>
+      </dgm:t>
+    </dgm:pt>
+    <dgm:pt modelId="{D3CD783F-7167-4674-8942-8DAD53DF6330}">
+      <dgm:prSet phldrT="[Texto]" phldr="1"/>
+      <dgm:spPr/>
+      <dgm:t>
+        <a:bodyPr/>
+        <a:lstStyle/>
+        <a:p>
+          <a:endParaRPr lang="es-ES"/>
+        </a:p>
+      </dgm:t>
+    </dgm:pt>
+    <dgm:pt modelId="{A6827A41-4B0B-4128-9EF5-D3D69921A748}" type="parTrans" cxnId="{7EE153F8-B2C7-4D44-83EF-F789927DACDA}">
+      <dgm:prSet/>
+      <dgm:spPr/>
+      <dgm:t>
+        <a:bodyPr/>
+        <a:lstStyle/>
+        <a:p>
+          <a:endParaRPr lang="es-ES"/>
+        </a:p>
+      </dgm:t>
+    </dgm:pt>
+    <dgm:pt modelId="{1B8A69C3-6A06-4F50-8F92-AE8E87BB8A55}" type="sibTrans" cxnId="{7EE153F8-B2C7-4D44-83EF-F789927DACDA}">
+      <dgm:prSet/>
+      <dgm:spPr/>
+      <dgm:t>
+        <a:bodyPr/>
+        <a:lstStyle/>
+        <a:p>
+          <a:endParaRPr lang="es-ES"/>
+        </a:p>
+      </dgm:t>
+    </dgm:pt>
+    <dgm:pt modelId="{F4605180-2196-4C74-8BAA-D3F8F9065647}">
+      <dgm:prSet phldrT="[Texto]" phldr="1"/>
+      <dgm:spPr/>
+      <dgm:t>
+        <a:bodyPr/>
+        <a:lstStyle/>
+        <a:p>
+          <a:endParaRPr lang="es-ES"/>
+        </a:p>
+      </dgm:t>
+    </dgm:pt>
+    <dgm:pt modelId="{DB3EB885-D96E-422A-B50C-EFE8BDDB3D00}" type="parTrans" cxnId="{B6474D60-2AC4-4D4D-B99E-D081C9E779D5}">
+      <dgm:prSet/>
+      <dgm:spPr/>
+      <dgm:t>
+        <a:bodyPr/>
+        <a:lstStyle/>
+        <a:p>
+          <a:endParaRPr lang="es-ES"/>
+        </a:p>
+      </dgm:t>
+    </dgm:pt>
+    <dgm:pt modelId="{AB169F39-F949-41F0-BB8A-D12777B24A9B}" type="sibTrans" cxnId="{B6474D60-2AC4-4D4D-B99E-D081C9E779D5}">
+      <dgm:prSet/>
+      <dgm:spPr/>
+      <dgm:t>
+        <a:bodyPr/>
+        <a:lstStyle/>
+        <a:p>
+          <a:endParaRPr lang="es-ES"/>
+        </a:p>
+      </dgm:t>
+    </dgm:pt>
+    <dgm:pt modelId="{F80E5CEF-C85F-4535-A869-61A413F2180C}" type="pres">
+      <dgm:prSet presAssocID="{F8216B0F-4A89-4B36-89BA-D5A7631C85CE}" presName="linear" presStyleCnt="0">
+        <dgm:presLayoutVars>
+          <dgm:dir/>
+          <dgm:resizeHandles val="exact"/>
+        </dgm:presLayoutVars>
+      </dgm:prSet>
+      <dgm:spPr/>
+    </dgm:pt>
+    <dgm:pt modelId="{A96F5841-91A1-42F1-91C6-07A14BBA3FE7}" type="pres">
+      <dgm:prSet presAssocID="{E6A3EA01-BFA5-4ACE-812D-AFF191E8B582}" presName="comp" presStyleCnt="0"/>
+      <dgm:spPr/>
+    </dgm:pt>
+    <dgm:pt modelId="{A257B779-2738-43AC-A2BA-FFEA657AD724}" type="pres">
+      <dgm:prSet presAssocID="{E6A3EA01-BFA5-4ACE-812D-AFF191E8B582}" presName="box" presStyleLbl="node1" presStyleIdx="0" presStyleCnt="3"/>
+      <dgm:spPr/>
+      <dgm:t>
+        <a:bodyPr/>
+        <a:lstStyle/>
+        <a:p>
+          <a:endParaRPr lang="es-ES"/>
+        </a:p>
+      </dgm:t>
+    </dgm:pt>
+    <dgm:pt modelId="{03CF10A0-089F-481B-8CE8-91442EC08EBA}" type="pres">
+      <dgm:prSet presAssocID="{E6A3EA01-BFA5-4ACE-812D-AFF191E8B582}" presName="img" presStyleLbl="fgImgPlace1" presStyleIdx="0" presStyleCnt="3"/>
+      <dgm:spPr/>
+    </dgm:pt>
+    <dgm:pt modelId="{850EE135-28B0-4D02-8070-C231E27C20D3}" type="pres">
+      <dgm:prSet presAssocID="{E6A3EA01-BFA5-4ACE-812D-AFF191E8B582}" presName="text" presStyleLbl="node1" presStyleIdx="0" presStyleCnt="3">
+        <dgm:presLayoutVars>
+          <dgm:bulletEnabled val="1"/>
+        </dgm:presLayoutVars>
+      </dgm:prSet>
+      <dgm:spPr/>
+      <dgm:t>
+        <a:bodyPr/>
+        <a:lstStyle/>
+        <a:p>
+          <a:endParaRPr lang="es-ES"/>
+        </a:p>
+      </dgm:t>
+    </dgm:pt>
+    <dgm:pt modelId="{209B392A-6799-421D-BBBF-E9DC6B553CE9}" type="pres">
+      <dgm:prSet presAssocID="{DFEB35EF-F9DA-4DEF-BEEC-4C219CFAFBFB}" presName="spacer" presStyleCnt="0"/>
+      <dgm:spPr/>
+    </dgm:pt>
+    <dgm:pt modelId="{2EFE236A-9A11-4C2E-85A4-CE01B9E8DDCE}" type="pres">
+      <dgm:prSet presAssocID="{5F9E3BED-AF93-4BBD-B837-D8D0B61A4D57}" presName="comp" presStyleCnt="0"/>
+      <dgm:spPr/>
+    </dgm:pt>
+    <dgm:pt modelId="{DCB50812-0279-4377-BD1B-D6435D5CB27F}" type="pres">
+      <dgm:prSet presAssocID="{5F9E3BED-AF93-4BBD-B837-D8D0B61A4D57}" presName="box" presStyleLbl="node1" presStyleIdx="1" presStyleCnt="3"/>
+      <dgm:spPr/>
+      <dgm:t>
+        <a:bodyPr/>
+        <a:lstStyle/>
+        <a:p>
+          <a:endParaRPr lang="es-ES"/>
+        </a:p>
+      </dgm:t>
+    </dgm:pt>
+    <dgm:pt modelId="{410781DD-5C49-46AF-8D5A-EAF1A97A46E3}" type="pres">
+      <dgm:prSet presAssocID="{5F9E3BED-AF93-4BBD-B837-D8D0B61A4D57}" presName="img" presStyleLbl="fgImgPlace1" presStyleIdx="1" presStyleCnt="3"/>
+      <dgm:spPr/>
+    </dgm:pt>
+    <dgm:pt modelId="{749820AC-A718-4886-956D-F75AD4CDE328}" type="pres">
+      <dgm:prSet presAssocID="{5F9E3BED-AF93-4BBD-B837-D8D0B61A4D57}" presName="text" presStyleLbl="node1" presStyleIdx="1" presStyleCnt="3">
+        <dgm:presLayoutVars>
+          <dgm:bulletEnabled val="1"/>
+        </dgm:presLayoutVars>
+      </dgm:prSet>
+      <dgm:spPr/>
+      <dgm:t>
+        <a:bodyPr/>
+        <a:lstStyle/>
+        <a:p>
+          <a:endParaRPr lang="es-ES"/>
+        </a:p>
+      </dgm:t>
+    </dgm:pt>
+    <dgm:pt modelId="{3A6BA62B-6AB8-4A77-BE63-0630AD15D322}" type="pres">
+      <dgm:prSet presAssocID="{64D83D65-F88D-4ACA-9842-26B6FCC63F0B}" presName="spacer" presStyleCnt="0"/>
+      <dgm:spPr/>
+    </dgm:pt>
+    <dgm:pt modelId="{A60F6D8A-0B3A-40E2-BD6B-DF9FC8EFE827}" type="pres">
+      <dgm:prSet presAssocID="{82682BF8-92E6-4301-B415-05BF82B7C445}" presName="comp" presStyleCnt="0"/>
+      <dgm:spPr/>
+    </dgm:pt>
+    <dgm:pt modelId="{9780D458-18A5-4033-BF08-30A31C92458B}" type="pres">
+      <dgm:prSet presAssocID="{82682BF8-92E6-4301-B415-05BF82B7C445}" presName="box" presStyleLbl="node1" presStyleIdx="2" presStyleCnt="3"/>
+      <dgm:spPr/>
+      <dgm:t>
+        <a:bodyPr/>
+        <a:lstStyle/>
+        <a:p>
+          <a:endParaRPr lang="es-ES"/>
+        </a:p>
+      </dgm:t>
+    </dgm:pt>
+    <dgm:pt modelId="{5DAC66B0-F3A7-4BD7-9779-615FA18CCB64}" type="pres">
+      <dgm:prSet presAssocID="{82682BF8-92E6-4301-B415-05BF82B7C445}" presName="img" presStyleLbl="fgImgPlace1" presStyleIdx="2" presStyleCnt="3"/>
+      <dgm:spPr/>
+    </dgm:pt>
+    <dgm:pt modelId="{3694E16A-84C2-401B-BD68-249BE721FE7B}" type="pres">
+      <dgm:prSet presAssocID="{82682BF8-92E6-4301-B415-05BF82B7C445}" presName="text" presStyleLbl="node1" presStyleIdx="2" presStyleCnt="3">
+        <dgm:presLayoutVars>
+          <dgm:bulletEnabled val="1"/>
+        </dgm:presLayoutVars>
+      </dgm:prSet>
+      <dgm:spPr/>
+      <dgm:t>
+        <a:bodyPr/>
+        <a:lstStyle/>
+        <a:p>
+          <a:endParaRPr lang="es-ES"/>
+        </a:p>
+      </dgm:t>
+    </dgm:pt>
+  </dgm:ptLst>
+  <dgm:cxnLst>
+    <dgm:cxn modelId="{6C5532DD-6678-452E-8724-9B04A783E435}" type="presOf" srcId="{FB4CD556-EA90-42B5-B143-65CDEC6CC30D}" destId="{749820AC-A718-4886-956D-F75AD4CDE328}" srcOrd="1" destOrd="1" presId="urn:microsoft.com/office/officeart/2005/8/layout/vList4"/>
+    <dgm:cxn modelId="{98A907EF-C71A-424F-A340-03C1A6447210}" type="presOf" srcId="{F4605180-2196-4C74-8BAA-D3F8F9065647}" destId="{3694E16A-84C2-401B-BD68-249BE721FE7B}" srcOrd="1" destOrd="2" presId="urn:microsoft.com/office/officeart/2005/8/layout/vList4"/>
+    <dgm:cxn modelId="{537955C6-27F5-4675-9D05-FB61E3C1FCC8}" srcId="{F8216B0F-4A89-4B36-89BA-D5A7631C85CE}" destId="{E6A3EA01-BFA5-4ACE-812D-AFF191E8B582}" srcOrd="0" destOrd="0" parTransId="{CF9392AF-9B7B-4AAA-A133-B7F291F53F65}" sibTransId="{DFEB35EF-F9DA-4DEF-BEEC-4C219CFAFBFB}"/>
+    <dgm:cxn modelId="{658B5150-8F43-4B1C-8B9A-DE8FEEB6A96B}" srcId="{5F9E3BED-AF93-4BBD-B837-D8D0B61A4D57}" destId="{FFE8E515-CA1D-4ED5-9A1C-A5CD197BE0DE}" srcOrd="1" destOrd="0" parTransId="{4D84FC99-8169-407F-924D-42D0F4EB4CE5}" sibTransId="{D4B653F3-7E12-4AE1-82D3-8FB8F5F70154}"/>
+    <dgm:cxn modelId="{88804A25-334A-478E-BE6B-5C49805106A6}" type="presOf" srcId="{D3CD783F-7167-4674-8942-8DAD53DF6330}" destId="{9780D458-18A5-4033-BF08-30A31C92458B}" srcOrd="0" destOrd="1" presId="urn:microsoft.com/office/officeart/2005/8/layout/vList4"/>
+    <dgm:cxn modelId="{7EE153F8-B2C7-4D44-83EF-F789927DACDA}" srcId="{82682BF8-92E6-4301-B415-05BF82B7C445}" destId="{D3CD783F-7167-4674-8942-8DAD53DF6330}" srcOrd="0" destOrd="0" parTransId="{A6827A41-4B0B-4128-9EF5-D3D69921A748}" sibTransId="{1B8A69C3-6A06-4F50-8F92-AE8E87BB8A55}"/>
+    <dgm:cxn modelId="{67AE5A1E-6658-48B6-850F-E6E93FD0E3B2}" type="presOf" srcId="{E6A3EA01-BFA5-4ACE-812D-AFF191E8B582}" destId="{A257B779-2738-43AC-A2BA-FFEA657AD724}" srcOrd="0" destOrd="0" presId="urn:microsoft.com/office/officeart/2005/8/layout/vList4"/>
+    <dgm:cxn modelId="{B0D355D6-620E-4BAF-840D-09292A201EB2}" type="presOf" srcId="{E6A3EA01-BFA5-4ACE-812D-AFF191E8B582}" destId="{850EE135-28B0-4D02-8070-C231E27C20D3}" srcOrd="1" destOrd="0" presId="urn:microsoft.com/office/officeart/2005/8/layout/vList4"/>
+    <dgm:cxn modelId="{B9265BFF-12D7-4240-9725-565E428B3C8F}" type="presOf" srcId="{15D3C4FD-1038-408D-8C49-3A7EA88C6177}" destId="{A257B779-2738-43AC-A2BA-FFEA657AD724}" srcOrd="0" destOrd="2" presId="urn:microsoft.com/office/officeart/2005/8/layout/vList4"/>
+    <dgm:cxn modelId="{959AD37E-B920-452B-82CE-A451E654A95C}" srcId="{F8216B0F-4A89-4B36-89BA-D5A7631C85CE}" destId="{5F9E3BED-AF93-4BBD-B837-D8D0B61A4D57}" srcOrd="1" destOrd="0" parTransId="{749EE126-C00A-484E-9789-50A511CF6D29}" sibTransId="{64D83D65-F88D-4ACA-9842-26B6FCC63F0B}"/>
+    <dgm:cxn modelId="{B6474D60-2AC4-4D4D-B99E-D081C9E779D5}" srcId="{82682BF8-92E6-4301-B415-05BF82B7C445}" destId="{F4605180-2196-4C74-8BAA-D3F8F9065647}" srcOrd="1" destOrd="0" parTransId="{DB3EB885-D96E-422A-B50C-EFE8BDDB3D00}" sibTransId="{AB169F39-F949-41F0-BB8A-D12777B24A9B}"/>
+    <dgm:cxn modelId="{3AB32341-4D2F-40BB-9223-AB4CA2110564}" type="presOf" srcId="{85C5CF48-DE46-496B-9FC2-9004A3DB5243}" destId="{850EE135-28B0-4D02-8070-C231E27C20D3}" srcOrd="1" destOrd="1" presId="urn:microsoft.com/office/officeart/2005/8/layout/vList4"/>
+    <dgm:cxn modelId="{480E4E2E-F307-450C-99D5-F3D3D029468F}" type="presOf" srcId="{15D3C4FD-1038-408D-8C49-3A7EA88C6177}" destId="{850EE135-28B0-4D02-8070-C231E27C20D3}" srcOrd="1" destOrd="2" presId="urn:microsoft.com/office/officeart/2005/8/layout/vList4"/>
+    <dgm:cxn modelId="{9AF5C427-725D-4ADC-822E-7D2672776773}" type="presOf" srcId="{82682BF8-92E6-4301-B415-05BF82B7C445}" destId="{3694E16A-84C2-401B-BD68-249BE721FE7B}" srcOrd="1" destOrd="0" presId="urn:microsoft.com/office/officeart/2005/8/layout/vList4"/>
+    <dgm:cxn modelId="{E02323FC-3E1A-46CE-A052-ED0BCDE83F91}" type="presOf" srcId="{FFE8E515-CA1D-4ED5-9A1C-A5CD197BE0DE}" destId="{749820AC-A718-4886-956D-F75AD4CDE328}" srcOrd="1" destOrd="2" presId="urn:microsoft.com/office/officeart/2005/8/layout/vList4"/>
+    <dgm:cxn modelId="{0D062120-599B-4644-8EC8-BABB16B0BE2D}" type="presOf" srcId="{85C5CF48-DE46-496B-9FC2-9004A3DB5243}" destId="{A257B779-2738-43AC-A2BA-FFEA657AD724}" srcOrd="0" destOrd="1" presId="urn:microsoft.com/office/officeart/2005/8/layout/vList4"/>
+    <dgm:cxn modelId="{F1B38F2A-635E-40D3-8B4F-A3198D0832B8}" type="presOf" srcId="{5F9E3BED-AF93-4BBD-B837-D8D0B61A4D57}" destId="{749820AC-A718-4886-956D-F75AD4CDE328}" srcOrd="1" destOrd="0" presId="urn:microsoft.com/office/officeart/2005/8/layout/vList4"/>
+    <dgm:cxn modelId="{C3A7A978-16E1-412D-8FE6-E3DD30285199}" type="presOf" srcId="{FFE8E515-CA1D-4ED5-9A1C-A5CD197BE0DE}" destId="{DCB50812-0279-4377-BD1B-D6435D5CB27F}" srcOrd="0" destOrd="2" presId="urn:microsoft.com/office/officeart/2005/8/layout/vList4"/>
+    <dgm:cxn modelId="{BE516ED2-2665-47B9-BEA2-6946F8F06E9B}" type="presOf" srcId="{F8216B0F-4A89-4B36-89BA-D5A7631C85CE}" destId="{F80E5CEF-C85F-4535-A869-61A413F2180C}" srcOrd="0" destOrd="0" presId="urn:microsoft.com/office/officeart/2005/8/layout/vList4"/>
+    <dgm:cxn modelId="{F41B962A-81A9-4339-B56E-BCC48B7DB93D}" srcId="{5F9E3BED-AF93-4BBD-B837-D8D0B61A4D57}" destId="{FB4CD556-EA90-42B5-B143-65CDEC6CC30D}" srcOrd="0" destOrd="0" parTransId="{118F39E0-FFFF-4E4E-A4C2-7E8229DAE869}" sibTransId="{443E1055-7B8E-4261-B52E-D82034922EA3}"/>
+    <dgm:cxn modelId="{6B4C94E1-2F66-4CA9-A09F-3CFDE55FBFA5}" srcId="{E6A3EA01-BFA5-4ACE-812D-AFF191E8B582}" destId="{15D3C4FD-1038-408D-8C49-3A7EA88C6177}" srcOrd="1" destOrd="0" parTransId="{46D8A733-29B3-4CC7-A269-E9726ACFA3AB}" sibTransId="{6FFDBA44-B031-45FF-9B71-A4D612747F83}"/>
+    <dgm:cxn modelId="{A314CA7E-33CF-4B52-A968-21F7F0623AC2}" srcId="{F8216B0F-4A89-4B36-89BA-D5A7631C85CE}" destId="{82682BF8-92E6-4301-B415-05BF82B7C445}" srcOrd="2" destOrd="0" parTransId="{4F0CCBB8-F3C3-4409-8B01-28DC350A9EFC}" sibTransId="{89ED9986-6AA2-49AF-86EE-F1A3A1C42F26}"/>
+    <dgm:cxn modelId="{24C63975-3B0A-401B-817C-7C25436B8FEE}" type="presOf" srcId="{82682BF8-92E6-4301-B415-05BF82B7C445}" destId="{9780D458-18A5-4033-BF08-30A31C92458B}" srcOrd="0" destOrd="0" presId="urn:microsoft.com/office/officeart/2005/8/layout/vList4"/>
+    <dgm:cxn modelId="{41B1FCD5-25C0-49E3-93C1-3C53DEA04F5F}" type="presOf" srcId="{FB4CD556-EA90-42B5-B143-65CDEC6CC30D}" destId="{DCB50812-0279-4377-BD1B-D6435D5CB27F}" srcOrd="0" destOrd="1" presId="urn:microsoft.com/office/officeart/2005/8/layout/vList4"/>
+    <dgm:cxn modelId="{30DCD0EA-F64E-4730-8162-2D4842642F80}" type="presOf" srcId="{F4605180-2196-4C74-8BAA-D3F8F9065647}" destId="{9780D458-18A5-4033-BF08-30A31C92458B}" srcOrd="0" destOrd="2" presId="urn:microsoft.com/office/officeart/2005/8/layout/vList4"/>
+    <dgm:cxn modelId="{A4D8BDCA-E3C9-4DA9-8C7F-14FD5898A7CA}" type="presOf" srcId="{5F9E3BED-AF93-4BBD-B837-D8D0B61A4D57}" destId="{DCB50812-0279-4377-BD1B-D6435D5CB27F}" srcOrd="0" destOrd="0" presId="urn:microsoft.com/office/officeart/2005/8/layout/vList4"/>
+    <dgm:cxn modelId="{8AA67C24-1206-4DEC-AA82-BCD209678225}" type="presOf" srcId="{D3CD783F-7167-4674-8942-8DAD53DF6330}" destId="{3694E16A-84C2-401B-BD68-249BE721FE7B}" srcOrd="1" destOrd="1" presId="urn:microsoft.com/office/officeart/2005/8/layout/vList4"/>
+    <dgm:cxn modelId="{8B1CFE11-1959-4658-BAD2-6A23A484F8FC}" srcId="{E6A3EA01-BFA5-4ACE-812D-AFF191E8B582}" destId="{85C5CF48-DE46-496B-9FC2-9004A3DB5243}" srcOrd="0" destOrd="0" parTransId="{BBEB42AC-67D6-430F-92C0-65CEDBFC9F0D}" sibTransId="{D4CE80D2-5A5F-4B61-BDE9-994DBC235BDA}"/>
+    <dgm:cxn modelId="{320F82EE-860F-401F-92E6-0A2C7993D7AA}" type="presParOf" srcId="{F80E5CEF-C85F-4535-A869-61A413F2180C}" destId="{A96F5841-91A1-42F1-91C6-07A14BBA3FE7}" srcOrd="0" destOrd="0" presId="urn:microsoft.com/office/officeart/2005/8/layout/vList4"/>
+    <dgm:cxn modelId="{902B5BDD-A98C-4638-84E3-F14D203C6E9F}" type="presParOf" srcId="{A96F5841-91A1-42F1-91C6-07A14BBA3FE7}" destId="{A257B779-2738-43AC-A2BA-FFEA657AD724}" srcOrd="0" destOrd="0" presId="urn:microsoft.com/office/officeart/2005/8/layout/vList4"/>
+    <dgm:cxn modelId="{C7879335-30BB-4B5A-94E1-767E53D59468}" type="presParOf" srcId="{A96F5841-91A1-42F1-91C6-07A14BBA3FE7}" destId="{03CF10A0-089F-481B-8CE8-91442EC08EBA}" srcOrd="1" destOrd="0" presId="urn:microsoft.com/office/officeart/2005/8/layout/vList4"/>
+    <dgm:cxn modelId="{75405C31-1952-49A1-9A38-6259161CACC7}" type="presParOf" srcId="{A96F5841-91A1-42F1-91C6-07A14BBA3FE7}" destId="{850EE135-28B0-4D02-8070-C231E27C20D3}" srcOrd="2" destOrd="0" presId="urn:microsoft.com/office/officeart/2005/8/layout/vList4"/>
+    <dgm:cxn modelId="{EE6E4E3C-72D6-4EF9-8981-23B958AECC97}" type="presParOf" srcId="{F80E5CEF-C85F-4535-A869-61A413F2180C}" destId="{209B392A-6799-421D-BBBF-E9DC6B553CE9}" srcOrd="1" destOrd="0" presId="urn:microsoft.com/office/officeart/2005/8/layout/vList4"/>
+    <dgm:cxn modelId="{3E038FE6-8732-4FA6-80FC-CF93ECF87946}" type="presParOf" srcId="{F80E5CEF-C85F-4535-A869-61A413F2180C}" destId="{2EFE236A-9A11-4C2E-85A4-CE01B9E8DDCE}" srcOrd="2" destOrd="0" presId="urn:microsoft.com/office/officeart/2005/8/layout/vList4"/>
+    <dgm:cxn modelId="{4203BF34-A44B-4B77-A9E6-9A09A39489FF}" type="presParOf" srcId="{2EFE236A-9A11-4C2E-85A4-CE01B9E8DDCE}" destId="{DCB50812-0279-4377-BD1B-D6435D5CB27F}" srcOrd="0" destOrd="0" presId="urn:microsoft.com/office/officeart/2005/8/layout/vList4"/>
+    <dgm:cxn modelId="{8F23E879-CEC3-4883-9C6B-5D0E01B7C690}" type="presParOf" srcId="{2EFE236A-9A11-4C2E-85A4-CE01B9E8DDCE}" destId="{410781DD-5C49-46AF-8D5A-EAF1A97A46E3}" srcOrd="1" destOrd="0" presId="urn:microsoft.com/office/officeart/2005/8/layout/vList4"/>
+    <dgm:cxn modelId="{5EADA70F-1031-4859-BA8F-75D4E62BE96B}" type="presParOf" srcId="{2EFE236A-9A11-4C2E-85A4-CE01B9E8DDCE}" destId="{749820AC-A718-4886-956D-F75AD4CDE328}" srcOrd="2" destOrd="0" presId="urn:microsoft.com/office/officeart/2005/8/layout/vList4"/>
+    <dgm:cxn modelId="{AA2CDBDA-8A64-427C-ABA0-7A2862186DCA}" type="presParOf" srcId="{F80E5CEF-C85F-4535-A869-61A413F2180C}" destId="{3A6BA62B-6AB8-4A77-BE63-0630AD15D322}" srcOrd="3" destOrd="0" presId="urn:microsoft.com/office/officeart/2005/8/layout/vList4"/>
+    <dgm:cxn modelId="{9E52195F-CFBB-4AF2-A81C-846C7E5743A8}" type="presParOf" srcId="{F80E5CEF-C85F-4535-A869-61A413F2180C}" destId="{A60F6D8A-0B3A-40E2-BD6B-DF9FC8EFE827}" srcOrd="4" destOrd="0" presId="urn:microsoft.com/office/officeart/2005/8/layout/vList4"/>
+    <dgm:cxn modelId="{BEB21395-B277-4B11-96AE-635E066A6BDF}" type="presParOf" srcId="{A60F6D8A-0B3A-40E2-BD6B-DF9FC8EFE827}" destId="{9780D458-18A5-4033-BF08-30A31C92458B}" srcOrd="0" destOrd="0" presId="urn:microsoft.com/office/officeart/2005/8/layout/vList4"/>
+    <dgm:cxn modelId="{A6D929C9-03DF-442A-AEFC-1FAB041C2BB4}" type="presParOf" srcId="{A60F6D8A-0B3A-40E2-BD6B-DF9FC8EFE827}" destId="{5DAC66B0-F3A7-4BD7-9779-615FA18CCB64}" srcOrd="1" destOrd="0" presId="urn:microsoft.com/office/officeart/2005/8/layout/vList4"/>
+    <dgm:cxn modelId="{42DAA1AA-9C7A-45FE-8934-9742A7C48D07}" type="presParOf" srcId="{A60F6D8A-0B3A-40E2-BD6B-DF9FC8EFE827}" destId="{3694E16A-84C2-401B-BD68-249BE721FE7B}" srcOrd="2" destOrd="0" presId="urn:microsoft.com/office/officeart/2005/8/layout/vList4"/>
   </dgm:cxnLst>
   <dgm:bg/>
   <dgm:whole/>
@@ -1765,7 +4396,2828 @@
 </dgm:layoutDef>
 </file>
 
+<file path=ppt/diagrams/layout2.xml><?xml version="1.0" encoding="utf-8"?>
+<dgm:layoutDef xmlns:dgm="http://schemas.openxmlformats.org/drawingml/2006/diagram" xmlns:a="http://schemas.openxmlformats.org/drawingml/2006/main" uniqueId="urn:microsoft.com/office/officeart/2005/8/layout/gear1">
+  <dgm:title val=""/>
+  <dgm:desc val=""/>
+  <dgm:catLst>
+    <dgm:cat type="relationship" pri="3000"/>
+    <dgm:cat type="process" pri="28000"/>
+    <dgm:cat type="cycle" pri="14000"/>
+  </dgm:catLst>
+  <dgm:sampData useDef="1">
+    <dgm:dataModel>
+      <dgm:ptLst/>
+      <dgm:bg/>
+      <dgm:whole/>
+    </dgm:dataModel>
+  </dgm:sampData>
+  <dgm:styleData>
+    <dgm:dataModel>
+      <dgm:ptLst>
+        <dgm:pt modelId="0" type="doc"/>
+        <dgm:pt modelId="1"/>
+        <dgm:pt modelId="2"/>
+      </dgm:ptLst>
+      <dgm:cxnLst>
+        <dgm:cxn modelId="3" srcId="0" destId="1" srcOrd="0" destOrd="0"/>
+        <dgm:cxn modelId="4" srcId="0" destId="2" srcOrd="1" destOrd="0"/>
+      </dgm:cxnLst>
+      <dgm:bg/>
+      <dgm:whole/>
+    </dgm:dataModel>
+  </dgm:styleData>
+  <dgm:clrData useDef="1">
+    <dgm:dataModel>
+      <dgm:ptLst/>
+      <dgm:bg/>
+      <dgm:whole/>
+    </dgm:dataModel>
+  </dgm:clrData>
+  <dgm:layoutNode name="composite">
+    <dgm:varLst>
+      <dgm:chMax val="3"/>
+      <dgm:animLvl val="lvl"/>
+      <dgm:resizeHandles val="exact"/>
+    </dgm:varLst>
+    <dgm:alg type="composite">
+      <dgm:param type="ar" val="1"/>
+    </dgm:alg>
+    <dgm:shape xmlns:r="http://schemas.openxmlformats.org/officeDocument/2006/relationships" r:blip="">
+      <dgm:adjLst/>
+    </dgm:shape>
+    <dgm:presOf/>
+    <dgm:choose name="Name0">
+      <dgm:if name="Name1" axis="ch" ptType="node" func="cnt" op="lte" val="1">
+        <dgm:constrLst>
+          <dgm:constr type="primFontSz" for="ch" ptType="node" op="equ" val="65"/>
+          <dgm:constr type="w" for="ch" forName="gear1" refType="w" fact="0.55"/>
+          <dgm:constr type="h" for="ch" forName="gear1" refType="w" fact="0.55"/>
+          <dgm:constr type="l" for="ch" forName="gear1" refType="w" fact="0.05"/>
+          <dgm:constr type="t" for="ch" forName="gear1" refType="w" fact="0.05"/>
+          <dgm:constr type="w" for="ch" forName="gear1srcNode" val="1"/>
+          <dgm:constr type="h" for="ch" forName="gear1srcNode" val="1"/>
+          <dgm:constr type="l" for="ch" forName="gear1srcNode" refType="w" fact="0.32"/>
+          <dgm:constr type="t" for="ch" forName="gear1srcNode"/>
+          <dgm:constr type="w" for="ch" forName="gear1dstNode" val="1"/>
+          <dgm:constr type="h" for="ch" forName="gear1dstNode" val="1"/>
+          <dgm:constr type="r" for="ch" forName="gear1dstNode" refType="w" fact="0.58"/>
+          <dgm:constr type="t" for="ch" forName="gear1dstNode" refType="h" fact="0.55"/>
+          <dgm:constr type="diam" for="des" forName="connector1" refType="w" refFor="ch" refForName="gear1" op="equ" fact="1.1"/>
+          <dgm:constr type="h" for="des" forName="connector1" refType="w" refFor="ch" refForName="gear1" op="equ" fact="0.1"/>
+          <dgm:constr type="w" for="ch" forName="gear1ch" refType="w" fact="0.35"/>
+          <dgm:constr type="h" for="ch" forName="gear1ch" refType="w" refFor="ch" refForName="gear1ch" fact="0.6"/>
+          <dgm:constr type="l" for="ch" forName="gear1ch"/>
+          <dgm:constr type="b" for="ch" forName="gear1ch" refType="h" fact="0.6"/>
+        </dgm:constrLst>
+      </dgm:if>
+      <dgm:if name="Name2" axis="ch" ptType="node" func="cnt" op="equ" val="2">
+        <dgm:constrLst>
+          <dgm:constr type="primFontSz" for="ch" ptType="node" op="equ" val="65"/>
+          <dgm:constr type="w" for="ch" forName="gear1" refType="w" fact="0.55"/>
+          <dgm:constr type="h" for="ch" forName="gear1" refType="w" fact="0.55"/>
+          <dgm:constr type="l" for="ch" forName="gear1" refType="w" fact="0.45"/>
+          <dgm:constr type="t" for="ch" forName="gear1" refType="w" fact="0.25"/>
+          <dgm:constr type="w" for="ch" forName="gear1srcNode" val="1"/>
+          <dgm:constr type="h" for="ch" forName="gear1srcNode" val="1"/>
+          <dgm:constr type="l" for="ch" forName="gear1srcNode" refType="w" fact="0.72"/>
+          <dgm:constr type="t" for="ch" forName="gear1srcNode" refType="w" fact="0.2"/>
+          <dgm:constr type="w" for="ch" forName="gear1dstNode" val="1"/>
+          <dgm:constr type="h" for="ch" forName="gear1dstNode" val="1"/>
+          <dgm:constr type="r" for="ch" forName="gear1dstNode" refType="w" fact="0.98"/>
+          <dgm:constr type="t" for="ch" forName="gear1dstNode" refType="h" fact="0.75"/>
+          <dgm:constr type="diam" for="des" forName="connector1" refType="w" refFor="ch" refForName="gear1" op="equ" fact="1.1"/>
+          <dgm:constr type="h" for="des" forName="connector1" refType="w" refFor="ch" refForName="gear1" op="equ" fact="0.1"/>
+          <dgm:constr type="w" for="ch" forName="gear1ch" refType="w" fact="0.35"/>
+          <dgm:constr type="h" for="ch" forName="gear1ch" refType="w" refFor="ch" refForName="gear1ch" fact="0.6"/>
+          <dgm:constr type="l" for="ch" forName="gear1ch" refType="w" fact="0.38"/>
+          <dgm:constr type="b" for="ch" forName="gear1ch" refType="w" fact="0.8"/>
+          <dgm:constr type="w" for="ch" forName="gear2" refType="w" fact="0.4"/>
+          <dgm:constr type="h" for="ch" forName="gear2" refType="w" fact="0.4"/>
+          <dgm:constr type="l" for="ch" forName="gear2" refType="w" fact="0.13"/>
+          <dgm:constr type="t" for="ch" forName="gear2" refType="w" fact="0.12"/>
+          <dgm:constr type="w" for="ch" forName="gear2srcNode" val="1"/>
+          <dgm:constr type="h" for="ch" forName="gear2srcNode" val="1"/>
+          <dgm:constr type="l" for="ch" forName="gear2srcNode" refType="w" fact="0.23"/>
+          <dgm:constr type="t" for="ch" forName="gear2srcNode" refType="w" fact="0.08"/>
+          <dgm:constr type="w" for="ch" forName="gear2dstNode" val="1"/>
+          <dgm:constr type="h" for="ch" forName="gear2dstNode" val="1"/>
+          <dgm:constr type="l" for="ch" forName="gear2dstNode" refType="w" fact="0.1"/>
+          <dgm:constr type="t" for="ch" forName="gear2dstNode" refType="h" fact="0.33"/>
+          <dgm:constr type="diam" for="des" forName="connector2" refType="w" refFor="ch" refForName="gear2" op="equ" fact="-1.1"/>
+          <dgm:constr type="h" for="des" forName="connector2" refType="w" refFor="ch" refForName="gear1" op="equ" fact="0.1"/>
+          <dgm:constr type="w" for="ch" forName="gear2ch" refType="w" fact="0.35"/>
+          <dgm:constr type="h" for="ch" forName="gear2ch" refType="w" refFor="ch" refForName="gear2ch" fact="0.6"/>
+          <dgm:constr type="l" for="ch" forName="gear2ch" refType="w" fact="0.34"/>
+          <dgm:constr type="t" for="ch" forName="gear2ch" refType="w" fact="0.04"/>
+        </dgm:constrLst>
+      </dgm:if>
+      <dgm:else name="Name3">
+        <dgm:constrLst>
+          <dgm:constr type="primFontSz" for="ch" ptType="node" op="equ" val="65"/>
+          <dgm:constr type="w" for="ch" forName="gear1" refType="w" fact="0.55"/>
+          <dgm:constr type="h" for="ch" forName="gear1" refType="w" fact="0.55"/>
+          <dgm:constr type="l" for="ch" forName="gear1" refType="w" fact="0.45"/>
+          <dgm:constr type="t" for="ch" forName="gear1" refType="w" fact="0.45"/>
+          <dgm:constr type="w" for="ch" forName="gear1srcNode" val="1"/>
+          <dgm:constr type="h" for="ch" forName="gear1srcNode" val="1"/>
+          <dgm:constr type="l" for="ch" forName="gear1srcNode" refType="w" fact="0.72"/>
+          <dgm:constr type="t" for="ch" forName="gear1srcNode" refType="w" fact="0.4"/>
+          <dgm:constr type="w" for="ch" forName="gear1dstNode" val="1"/>
+          <dgm:constr type="h" for="ch" forName="gear1dstNode" val="1"/>
+          <dgm:constr type="r" for="ch" forName="gear1dstNode" refType="w" fact="0.98"/>
+          <dgm:constr type="t" for="ch" forName="gear1dstNode" refType="h" fact="0.95"/>
+          <dgm:constr type="diam" for="des" forName="connector1" refType="w" refFor="ch" refForName="gear1" op="equ" fact="1.15"/>
+          <dgm:constr type="h" for="des" forName="connector1" refType="w" refFor="ch" refForName="gear1" op="equ" fact="0.1"/>
+          <dgm:constr type="w" for="ch" forName="gear1ch" refType="w" fact="0.35"/>
+          <dgm:constr type="h" for="ch" forName="gear1ch" refType="w" refFor="ch" refForName="gear1ch" fact="0.6"/>
+          <dgm:constr type="l" for="ch" forName="gear1ch" refType="w" fact="0.38"/>
+          <dgm:constr type="b" for="ch" forName="gear1ch" refType="h"/>
+          <dgm:constr type="w" for="ch" forName="gear2" refType="w" fact="0.4"/>
+          <dgm:constr type="h" for="ch" forName="gear2" refType="w" fact="0.4"/>
+          <dgm:constr type="l" for="ch" forName="gear2" refType="w" fact="0.13"/>
+          <dgm:constr type="t" for="ch" forName="gear2" refType="w" fact="0.32"/>
+          <dgm:constr type="w" for="ch" forName="gear2srcNode" val="1"/>
+          <dgm:constr type="h" for="ch" forName="gear2srcNode" val="1"/>
+          <dgm:constr type="l" for="ch" forName="gear2srcNode" refType="w" fact="0.23"/>
+          <dgm:constr type="t" for="ch" forName="gear2srcNode" refType="w" fact="0.28"/>
+          <dgm:constr type="w" for="ch" forName="gear2dstNode" val="1"/>
+          <dgm:constr type="h" for="ch" forName="gear2dstNode" val="1"/>
+          <dgm:constr type="l" for="ch" forName="gear2dstNode" refType="w" fact="0.1"/>
+          <dgm:constr type="t" for="ch" forName="gear2dstNode" refType="h" fact="0.53"/>
+          <dgm:constr type="diam" for="des" forName="connector2" refType="w" refFor="ch" refForName="gear2" op="equ" fact="-1.1"/>
+          <dgm:constr type="h" for="des" forName="connector2" refType="w" refFor="ch" refForName="gear1" op="equ" fact="0.1"/>
+          <dgm:constr type="w" for="ch" forName="gear2ch" refType="w" fact="0.35"/>
+          <dgm:constr type="h" for="ch" forName="gear2ch" refType="w" refFor="ch" refForName="gear2ch" fact="0.6"/>
+          <dgm:constr type="l" for="ch" forName="gear2ch"/>
+          <dgm:constr type="t" for="ch" forName="gear2ch" refType="w" fact="0.58"/>
+          <dgm:constr type="w" for="ch" forName="gear3" refType="w" fact="0.48"/>
+          <dgm:constr type="h" for="ch" forName="gear3" refType="w" fact="0.48"/>
+          <dgm:constr type="l" for="ch" forName="gear3" refType="w" fact="0.31"/>
+          <dgm:constr type="t" for="ch" forName="gear3"/>
+          <dgm:constr type="w" for="ch" forName="gear3tx" refType="w" fact="0.22"/>
+          <dgm:constr type="h" for="ch" forName="gear3tx" refType="w" fact="0.22"/>
+          <dgm:constr type="ctrX" for="ch" forName="gear3tx" refType="ctrX" refFor="ch" refForName="gear3"/>
+          <dgm:constr type="ctrY" for="ch" forName="gear3tx" refType="ctrY" refFor="ch" refForName="gear3"/>
+          <dgm:constr type="w" for="ch" forName="gear3srcNode" val="1"/>
+          <dgm:constr type="h" for="ch" forName="gear3srcNode" val="1"/>
+          <dgm:constr type="l" for="ch" forName="gear3srcNode" refType="w" fact="0.3"/>
+          <dgm:constr type="t" for="ch" forName="gear3srcNode" refType="w" fact="0.25"/>
+          <dgm:constr type="w" for="ch" forName="gear3dstNode" val="1"/>
+          <dgm:constr type="h" for="ch" forName="gear3dstNode" val="1"/>
+          <dgm:constr type="l" for="ch" forName="gear3dstNode" refType="w" fact="0.38"/>
+          <dgm:constr type="t" for="ch" forName="gear3dstNode" refType="h" fact="0.05"/>
+          <dgm:constr type="diam" for="des" forName="connector3" refType="w" refFor="ch" refForName="gear3" op="equ"/>
+          <dgm:constr type="h" for="des" forName="connector3" refType="w" refFor="ch" refForName="gear1" op="equ" fact="0.1"/>
+          <dgm:constr type="w" for="ch" forName="gear3ch" refType="w" fact="0.35"/>
+          <dgm:constr type="h" for="ch" forName="gear3ch" refType="w" refFor="ch" refForName="gear3ch" fact="0.6"/>
+          <dgm:constr type="l" for="ch" forName="gear3ch" refType="w" fact="0.65"/>
+          <dgm:constr type="t" for="ch" forName="gear3ch" refType="h" fact="0.13"/>
+        </dgm:constrLst>
+      </dgm:else>
+    </dgm:choose>
+    <dgm:ruleLst/>
+    <dgm:forEach name="Name4" axis="ch" ptType="node" cnt="1">
+      <dgm:layoutNode name="gear1" styleLbl="node1">
+        <dgm:varLst>
+          <dgm:chMax val="1"/>
+          <dgm:bulletEnabled val="1"/>
+        </dgm:varLst>
+        <dgm:alg type="tx">
+          <dgm:param type="txAnchorVertCh" val="mid"/>
+        </dgm:alg>
+        <dgm:shape xmlns:r="http://schemas.openxmlformats.org/officeDocument/2006/relationships" type="gear9" r:blip="">
+          <dgm:adjLst/>
+        </dgm:shape>
+        <dgm:presOf axis="self"/>
+        <dgm:constrLst>
+          <dgm:constr type="tMarg" refType="primFontSz" fact="0.1"/>
+          <dgm:constr type="bMarg" refType="primFontSz" fact="0.1"/>
+          <dgm:constr type="lMarg" refType="primFontSz" fact="0.1"/>
+          <dgm:constr type="rMarg" refType="primFontSz" fact="0.1"/>
+        </dgm:constrLst>
+        <dgm:ruleLst>
+          <dgm:rule type="primFontSz" val="5" fact="NaN" max="NaN"/>
+        </dgm:ruleLst>
+      </dgm:layoutNode>
+      <dgm:layoutNode name="gear1srcNode">
+        <dgm:alg type="sp"/>
+        <dgm:shape xmlns:r="http://schemas.openxmlformats.org/officeDocument/2006/relationships" type="rect" r:blip="" hideGeom="1">
+          <dgm:adjLst/>
+        </dgm:shape>
+        <dgm:presOf axis="self"/>
+        <dgm:constrLst/>
+        <dgm:ruleLst/>
+      </dgm:layoutNode>
+      <dgm:layoutNode name="gear1dstNode">
+        <dgm:alg type="sp"/>
+        <dgm:shape xmlns:r="http://schemas.openxmlformats.org/officeDocument/2006/relationships" type="rect" r:blip="" hideGeom="1">
+          <dgm:adjLst/>
+        </dgm:shape>
+        <dgm:presOf axis="self"/>
+        <dgm:constrLst/>
+        <dgm:ruleLst/>
+      </dgm:layoutNode>
+      <dgm:choose name="Name5">
+        <dgm:if name="Name6" axis="ch" ptType="node" func="cnt" op="gte" val="1">
+          <dgm:layoutNode name="gear1ch" styleLbl="fgAcc1">
+            <dgm:varLst>
+              <dgm:chMax val="0"/>
+              <dgm:bulletEnabled val="1"/>
+            </dgm:varLst>
+            <dgm:alg type="tx">
+              <dgm:param type="stBulletLvl" val="1"/>
+            </dgm:alg>
+            <dgm:shape xmlns:r="http://schemas.openxmlformats.org/officeDocument/2006/relationships" type="roundRect" r:blip="">
+              <dgm:adjLst>
+                <dgm:adj idx="1" val="0.1"/>
+              </dgm:adjLst>
+            </dgm:shape>
+            <dgm:presOf axis="des" ptType="node"/>
+            <dgm:constrLst>
+              <dgm:constr type="tMarg" refType="primFontSz" fact="0.3"/>
+              <dgm:constr type="bMarg" refType="primFontSz" fact="0.3"/>
+              <dgm:constr type="lMarg" refType="primFontSz" fact="0.3"/>
+              <dgm:constr type="rMarg" refType="primFontSz" fact="0.3"/>
+            </dgm:constrLst>
+            <dgm:ruleLst>
+              <dgm:rule type="primFontSz" val="5" fact="NaN" max="NaN"/>
+            </dgm:ruleLst>
+          </dgm:layoutNode>
+        </dgm:if>
+        <dgm:else name="Name7"/>
+      </dgm:choose>
+    </dgm:forEach>
+    <dgm:forEach name="Name8" axis="ch" ptType="node" st="2" cnt="1">
+      <dgm:layoutNode name="gear2" styleLbl="node1">
+        <dgm:varLst>
+          <dgm:chMax val="1"/>
+          <dgm:bulletEnabled val="1"/>
+        </dgm:varLst>
+        <dgm:alg type="tx">
+          <dgm:param type="txAnchorVertCh" val="mid"/>
+        </dgm:alg>
+        <dgm:shape xmlns:r="http://schemas.openxmlformats.org/officeDocument/2006/relationships" type="gear6" r:blip="">
+          <dgm:adjLst/>
+        </dgm:shape>
+        <dgm:presOf axis="self"/>
+        <dgm:constrLst>
+          <dgm:constr type="tMarg" refType="primFontSz" fact="0.1"/>
+          <dgm:constr type="bMarg" refType="primFontSz" fact="0.1"/>
+          <dgm:constr type="lMarg" refType="primFontSz" fact="0.1"/>
+          <dgm:constr type="rMarg" refType="primFontSz" fact="0.1"/>
+        </dgm:constrLst>
+        <dgm:ruleLst>
+          <dgm:rule type="primFontSz" val="5" fact="NaN" max="NaN"/>
+        </dgm:ruleLst>
+      </dgm:layoutNode>
+      <dgm:layoutNode name="gear2srcNode">
+        <dgm:alg type="sp"/>
+        <dgm:shape xmlns:r="http://schemas.openxmlformats.org/officeDocument/2006/relationships" type="rect" r:blip="" hideGeom="1">
+          <dgm:adjLst/>
+        </dgm:shape>
+        <dgm:presOf axis="self"/>
+        <dgm:constrLst/>
+        <dgm:ruleLst/>
+      </dgm:layoutNode>
+      <dgm:layoutNode name="gear2dstNode">
+        <dgm:alg type="sp"/>
+        <dgm:shape xmlns:r="http://schemas.openxmlformats.org/officeDocument/2006/relationships" type="rect" r:blip="" hideGeom="1">
+          <dgm:adjLst/>
+        </dgm:shape>
+        <dgm:presOf axis="self"/>
+        <dgm:constrLst/>
+        <dgm:ruleLst/>
+      </dgm:layoutNode>
+      <dgm:choose name="Name9">
+        <dgm:if name="Name10" axis="ch" ptType="node" func="cnt" op="gte" val="1">
+          <dgm:layoutNode name="gear2ch" styleLbl="fgAcc1">
+            <dgm:varLst>
+              <dgm:chMax val="0"/>
+              <dgm:bulletEnabled val="1"/>
+            </dgm:varLst>
+            <dgm:alg type="tx">
+              <dgm:param type="stBulletLvl" val="1"/>
+            </dgm:alg>
+            <dgm:shape xmlns:r="http://schemas.openxmlformats.org/officeDocument/2006/relationships" type="roundRect" r:blip="">
+              <dgm:adjLst>
+                <dgm:adj idx="1" val="0.1"/>
+              </dgm:adjLst>
+            </dgm:shape>
+            <dgm:presOf axis="des" ptType="node"/>
+            <dgm:constrLst>
+              <dgm:constr type="tMarg" refType="primFontSz" fact="0.3"/>
+              <dgm:constr type="bMarg" refType="primFontSz" fact="0.3"/>
+              <dgm:constr type="lMarg" refType="primFontSz" fact="0.3"/>
+              <dgm:constr type="rMarg" refType="primFontSz" fact="0.3"/>
+            </dgm:constrLst>
+            <dgm:ruleLst>
+              <dgm:rule type="primFontSz" val="5" fact="NaN" max="NaN"/>
+            </dgm:ruleLst>
+          </dgm:layoutNode>
+        </dgm:if>
+        <dgm:else name="Name11"/>
+      </dgm:choose>
+    </dgm:forEach>
+    <dgm:forEach name="Name12" axis="ch" ptType="node" st="3" cnt="1">
+      <dgm:layoutNode name="gear3" styleLbl="node1">
+        <dgm:alg type="sp"/>
+        <dgm:shape xmlns:r="http://schemas.openxmlformats.org/officeDocument/2006/relationships" rot="-15" type="gear6" r:blip="">
+          <dgm:adjLst/>
+        </dgm:shape>
+        <dgm:presOf axis="self"/>
+        <dgm:constrLst/>
+        <dgm:ruleLst/>
+      </dgm:layoutNode>
+      <dgm:layoutNode name="gear3tx" styleLbl="node1">
+        <dgm:varLst>
+          <dgm:chMax val="1"/>
+          <dgm:bulletEnabled val="1"/>
+        </dgm:varLst>
+        <dgm:alg type="tx">
+          <dgm:param type="txAnchorVertCh" val="mid"/>
+        </dgm:alg>
+        <dgm:shape xmlns:r="http://schemas.openxmlformats.org/officeDocument/2006/relationships" type="rect" r:blip="" hideGeom="1">
+          <dgm:adjLst/>
+        </dgm:shape>
+        <dgm:presOf axis="self"/>
+        <dgm:constrLst>
+          <dgm:constr type="tMarg" refType="primFontSz" fact="0.1"/>
+          <dgm:constr type="bMarg" refType="primFontSz" fact="0.1"/>
+          <dgm:constr type="lMarg" refType="primFontSz" fact="0.1"/>
+          <dgm:constr type="rMarg" refType="primFontSz" fact="0.1"/>
+        </dgm:constrLst>
+        <dgm:ruleLst>
+          <dgm:rule type="primFontSz" val="5" fact="NaN" max="NaN"/>
+        </dgm:ruleLst>
+      </dgm:layoutNode>
+      <dgm:layoutNode name="gear3srcNode">
+        <dgm:alg type="sp"/>
+        <dgm:shape xmlns:r="http://schemas.openxmlformats.org/officeDocument/2006/relationships" type="rect" r:blip="" hideGeom="1">
+          <dgm:adjLst/>
+        </dgm:shape>
+        <dgm:presOf axis="self"/>
+        <dgm:constrLst/>
+        <dgm:ruleLst/>
+      </dgm:layoutNode>
+      <dgm:layoutNode name="gear3dstNode">
+        <dgm:alg type="sp"/>
+        <dgm:shape xmlns:r="http://schemas.openxmlformats.org/officeDocument/2006/relationships" type="rect" r:blip="" hideGeom="1">
+          <dgm:adjLst/>
+        </dgm:shape>
+        <dgm:presOf axis="self"/>
+        <dgm:constrLst/>
+        <dgm:ruleLst/>
+      </dgm:layoutNode>
+      <dgm:choose name="Name13">
+        <dgm:if name="Name14" axis="ch" ptType="node" func="cnt" op="gte" val="1">
+          <dgm:layoutNode name="gear3ch" styleLbl="fgAcc1">
+            <dgm:varLst>
+              <dgm:chMax val="0"/>
+              <dgm:bulletEnabled val="1"/>
+            </dgm:varLst>
+            <dgm:alg type="tx">
+              <dgm:param type="stBulletLvl" val="1"/>
+            </dgm:alg>
+            <dgm:shape xmlns:r="http://schemas.openxmlformats.org/officeDocument/2006/relationships" type="roundRect" r:blip="">
+              <dgm:adjLst>
+                <dgm:adj idx="1" val="0.1"/>
+              </dgm:adjLst>
+            </dgm:shape>
+            <dgm:presOf axis="des" ptType="node"/>
+            <dgm:constrLst>
+              <dgm:constr type="tMarg" refType="primFontSz" fact="0.3"/>
+              <dgm:constr type="bMarg" refType="primFontSz" fact="0.3"/>
+              <dgm:constr type="lMarg" refType="primFontSz" fact="0.3"/>
+              <dgm:constr type="rMarg" refType="primFontSz" fact="0.3"/>
+            </dgm:constrLst>
+            <dgm:ruleLst>
+              <dgm:rule type="primFontSz" val="5" fact="NaN" max="NaN"/>
+            </dgm:ruleLst>
+          </dgm:layoutNode>
+        </dgm:if>
+        <dgm:else name="Name15"/>
+      </dgm:choose>
+    </dgm:forEach>
+    <dgm:forEach name="Name16" axis="ch" ptType="sibTrans" hideLastTrans="0" cnt="1">
+      <dgm:layoutNode name="connector1" styleLbl="sibTrans2D1">
+        <dgm:alg type="conn">
+          <dgm:param type="connRout" val="curve"/>
+          <dgm:param type="srcNode" val="gear1srcNode"/>
+          <dgm:param type="dstNode" val="gear1dstNode"/>
+          <dgm:param type="begPts" val="midR"/>
+          <dgm:param type="endPts" val="tCtr"/>
+        </dgm:alg>
+        <dgm:shape xmlns:r="http://schemas.openxmlformats.org/officeDocument/2006/relationships" type="conn" r:blip="">
+          <dgm:adjLst/>
+        </dgm:shape>
+        <dgm:presOf axis="self"/>
+        <dgm:constrLst>
+          <dgm:constr type="w" val="10"/>
+          <dgm:constr type="h" val="10"/>
+          <dgm:constr type="begPad"/>
+          <dgm:constr type="endPad"/>
+        </dgm:constrLst>
+        <dgm:ruleLst/>
+      </dgm:layoutNode>
+    </dgm:forEach>
+    <dgm:forEach name="Name17" axis="ch" ptType="sibTrans" hideLastTrans="0" st="2" cnt="1">
+      <dgm:layoutNode name="connector2" styleLbl="sibTrans2D1">
+        <dgm:alg type="conn">
+          <dgm:param type="connRout" val="curve"/>
+          <dgm:param type="srcNode" val="gear2srcNode"/>
+          <dgm:param type="dstNode" val="gear2dstNode"/>
+          <dgm:param type="begPts" val="midL"/>
+          <dgm:param type="endPts" val="midL"/>
+        </dgm:alg>
+        <dgm:shape xmlns:r="http://schemas.openxmlformats.org/officeDocument/2006/relationships" type="conn" r:blip="">
+          <dgm:adjLst/>
+        </dgm:shape>
+        <dgm:presOf axis="self"/>
+        <dgm:constrLst>
+          <dgm:constr type="w" val="10"/>
+          <dgm:constr type="h" val="10"/>
+          <dgm:constr type="begPad"/>
+          <dgm:constr type="endPad"/>
+        </dgm:constrLst>
+        <dgm:ruleLst/>
+      </dgm:layoutNode>
+    </dgm:forEach>
+    <dgm:forEach name="Name18" axis="ch" ptType="sibTrans" hideLastTrans="0" st="3" cnt="1">
+      <dgm:layoutNode name="connector3" styleLbl="sibTrans2D1">
+        <dgm:alg type="conn">
+          <dgm:param type="connRout" val="curve"/>
+          <dgm:param type="srcNode" val="gear3srcNode"/>
+          <dgm:param type="dstNode" val="gear3dstNode"/>
+          <dgm:param type="begPts" val="midL"/>
+          <dgm:param type="endPts" val="midL"/>
+        </dgm:alg>
+        <dgm:shape xmlns:r="http://schemas.openxmlformats.org/officeDocument/2006/relationships" type="conn" r:blip="">
+          <dgm:adjLst/>
+        </dgm:shape>
+        <dgm:presOf axis="self"/>
+        <dgm:constrLst>
+          <dgm:constr type="w" val="10"/>
+          <dgm:constr type="h" val="10"/>
+          <dgm:constr type="begPad"/>
+          <dgm:constr type="endPad"/>
+        </dgm:constrLst>
+        <dgm:ruleLst/>
+      </dgm:layoutNode>
+    </dgm:forEach>
+  </dgm:layoutNode>
+</dgm:layoutDef>
+</file>
+
+<file path=ppt/diagrams/layout3.xml><?xml version="1.0" encoding="utf-8"?>
+<dgm:layoutDef xmlns:dgm="http://schemas.openxmlformats.org/drawingml/2006/diagram" xmlns:a="http://schemas.openxmlformats.org/drawingml/2006/main" uniqueId="urn:microsoft.com/office/officeart/2005/8/layout/vList4">
+  <dgm:title val=""/>
+  <dgm:desc val=""/>
+  <dgm:catLst>
+    <dgm:cat type="list" pri="13000"/>
+  </dgm:catLst>
+  <dgm:sampData>
+    <dgm:dataModel>
+      <dgm:ptLst>
+        <dgm:pt modelId="0" type="doc"/>
+        <dgm:pt modelId="1">
+          <dgm:prSet phldr="1"/>
+        </dgm:pt>
+        <dgm:pt modelId="11">
+          <dgm:prSet phldr="1"/>
+        </dgm:pt>
+        <dgm:pt modelId="12">
+          <dgm:prSet phldr="1"/>
+        </dgm:pt>
+        <dgm:pt modelId="2">
+          <dgm:prSet phldr="1"/>
+        </dgm:pt>
+        <dgm:pt modelId="21">
+          <dgm:prSet phldr="1"/>
+        </dgm:pt>
+        <dgm:pt modelId="22">
+          <dgm:prSet phldr="1"/>
+        </dgm:pt>
+        <dgm:pt modelId="3">
+          <dgm:prSet phldr="1"/>
+        </dgm:pt>
+        <dgm:pt modelId="31">
+          <dgm:prSet phldr="1"/>
+        </dgm:pt>
+        <dgm:pt modelId="32">
+          <dgm:prSet phldr="1"/>
+        </dgm:pt>
+      </dgm:ptLst>
+      <dgm:cxnLst>
+        <dgm:cxn modelId="4" srcId="0" destId="1" srcOrd="0" destOrd="0"/>
+        <dgm:cxn modelId="5" srcId="0" destId="2" srcOrd="1" destOrd="0"/>
+        <dgm:cxn modelId="13" srcId="1" destId="11" srcOrd="0" destOrd="0"/>
+        <dgm:cxn modelId="14" srcId="1" destId="12" srcOrd="0" destOrd="0"/>
+        <dgm:cxn modelId="23" srcId="2" destId="21" srcOrd="0" destOrd="0"/>
+        <dgm:cxn modelId="24" srcId="2" destId="22" srcOrd="0" destOrd="0"/>
+        <dgm:cxn modelId="33" srcId="3" destId="31" srcOrd="0" destOrd="0"/>
+        <dgm:cxn modelId="34" srcId="3" destId="32" srcOrd="0" destOrd="0"/>
+      </dgm:cxnLst>
+      <dgm:bg/>
+      <dgm:whole/>
+    </dgm:dataModel>
+  </dgm:sampData>
+  <dgm:styleData>
+    <dgm:dataModel>
+      <dgm:ptLst>
+        <dgm:pt modelId="0" type="doc"/>
+        <dgm:pt modelId="1"/>
+        <dgm:pt modelId="2"/>
+      </dgm:ptLst>
+      <dgm:cxnLst>
+        <dgm:cxn modelId="3" srcId="0" destId="1" srcOrd="0" destOrd="0"/>
+        <dgm:cxn modelId="4" srcId="0" destId="2" srcOrd="1" destOrd="0"/>
+      </dgm:cxnLst>
+      <dgm:bg/>
+      <dgm:whole/>
+    </dgm:dataModel>
+  </dgm:styleData>
+  <dgm:clrData>
+    <dgm:dataModel>
+      <dgm:ptLst>
+        <dgm:pt modelId="0" type="doc"/>
+        <dgm:pt modelId="1"/>
+        <dgm:pt modelId="2"/>
+        <dgm:pt modelId="3"/>
+        <dgm:pt modelId="4"/>
+      </dgm:ptLst>
+      <dgm:cxnLst>
+        <dgm:cxn modelId="5" srcId="0" destId="1" srcOrd="0" destOrd="0"/>
+        <dgm:cxn modelId="6" srcId="0" destId="2" srcOrd="1" destOrd="0"/>
+        <dgm:cxn modelId="7" srcId="0" destId="3" srcOrd="2" destOrd="0"/>
+        <dgm:cxn modelId="8" srcId="0" destId="4" srcOrd="3" destOrd="0"/>
+      </dgm:cxnLst>
+      <dgm:bg/>
+      <dgm:whole/>
+    </dgm:dataModel>
+  </dgm:clrData>
+  <dgm:layoutNode name="linear">
+    <dgm:varLst>
+      <dgm:dir/>
+      <dgm:resizeHandles val="exact"/>
+    </dgm:varLst>
+    <dgm:alg type="lin">
+      <dgm:param type="linDir" val="fromT"/>
+      <dgm:param type="vertAlign" val="t"/>
+    </dgm:alg>
+    <dgm:shape xmlns:r="http://schemas.openxmlformats.org/officeDocument/2006/relationships" r:blip="">
+      <dgm:adjLst/>
+    </dgm:shape>
+    <dgm:presOf/>
+    <dgm:constrLst>
+      <dgm:constr type="w" for="ch" forName="comp" refType="w"/>
+      <dgm:constr type="h" for="ch" forName="comp" refType="h"/>
+      <dgm:constr type="h" for="ch" forName="spacer" refType="h" refFor="ch" refForName="comp" op="equ" fact="0.1"/>
+      <dgm:constr type="primFontSz" for="des" forName="text" op="equ" val="65"/>
+    </dgm:constrLst>
+    <dgm:ruleLst/>
+    <dgm:forEach name="Name0" axis="ch" ptType="node">
+      <dgm:layoutNode name="comp" styleLbl="node1">
+        <dgm:alg type="composite"/>
+        <dgm:shape xmlns:r="http://schemas.openxmlformats.org/officeDocument/2006/relationships" r:blip="">
+          <dgm:adjLst/>
+        </dgm:shape>
+        <dgm:presOf/>
+        <dgm:choose name="Name1">
+          <dgm:if name="Name2" func="var" arg="dir" op="equ" val="norm">
+            <dgm:constrLst>
+              <dgm:constr type="h" for="ch" forName="box" refType="h"/>
+              <dgm:constr type="w" for="ch" forName="box" refType="w"/>
+              <dgm:constr type="w" for="ch" forName="img" refType="w" refFor="ch" refForName="box" fact="0.2"/>
+              <dgm:constr type="h" for="ch" forName="img" refType="h" refFor="ch" refForName="box" fact="0.8"/>
+              <dgm:constr type="t" for="ch" forName="img" refType="h" refFor="ch" refForName="box" fact="0.1"/>
+              <dgm:constr type="l" for="ch" forName="img" refType="h" refFor="ch" refForName="box" fact="0.1"/>
+              <dgm:constr type="h" for="ch" forName="text" refType="h"/>
+              <dgm:constr type="l" for="ch" forName="text" refType="r" refFor="ch" refForName="img"/>
+              <dgm:constr type="r" for="ch" forName="text" refType="w"/>
+            </dgm:constrLst>
+          </dgm:if>
+          <dgm:else name="Name3">
+            <dgm:constrLst>
+              <dgm:constr type="h" for="ch" forName="box" refType="h"/>
+              <dgm:constr type="w" for="ch" forName="box" refType="w"/>
+              <dgm:constr type="w" for="ch" forName="img" refType="w" refFor="ch" refForName="box" fact="0.2"/>
+              <dgm:constr type="h" for="ch" forName="img" refType="h" refFor="ch" refForName="box" fact="0.8"/>
+              <dgm:constr type="t" for="ch" forName="img" refType="h" refFor="ch" refForName="box" fact="0.1"/>
+              <dgm:constr type="r" for="ch" forName="img" refType="w" refFor="ch" refForName="box"/>
+              <dgm:constr type="rOff" for="ch" forName="img" refType="h" refFor="ch" refForName="box" fact="-0.1"/>
+              <dgm:constr type="h" for="ch" forName="text" refType="h"/>
+              <dgm:constr type="r" for="ch" forName="text" refType="l" refFor="ch" refForName="img"/>
+              <dgm:constr type="l" for="ch" forName="text"/>
+            </dgm:constrLst>
+          </dgm:else>
+        </dgm:choose>
+        <dgm:ruleLst/>
+        <dgm:layoutNode name="box" styleLbl="node1">
+          <dgm:alg type="sp"/>
+          <dgm:shape xmlns:r="http://schemas.openxmlformats.org/officeDocument/2006/relationships" type="roundRect" r:blip="">
+            <dgm:adjLst>
+              <dgm:adj idx="1" val="0.1"/>
+            </dgm:adjLst>
+          </dgm:shape>
+          <dgm:presOf axis="desOrSelf" ptType="node"/>
+          <dgm:constrLst/>
+          <dgm:ruleLst/>
+        </dgm:layoutNode>
+        <dgm:layoutNode name="img" styleLbl="fgImgPlace1">
+          <dgm:alg type="sp"/>
+          <dgm:shape xmlns:r="http://schemas.openxmlformats.org/officeDocument/2006/relationships" type="roundRect" r:blip="" blipPhldr="1">
+            <dgm:adjLst>
+              <dgm:adj idx="1" val="0.1"/>
+            </dgm:adjLst>
+          </dgm:shape>
+          <dgm:presOf/>
+          <dgm:constrLst/>
+          <dgm:ruleLst/>
+        </dgm:layoutNode>
+        <dgm:layoutNode name="text">
+          <dgm:varLst>
+            <dgm:bulletEnabled val="1"/>
+          </dgm:varLst>
+          <dgm:alg type="tx">
+            <dgm:param type="parTxLTRAlign" val="l"/>
+            <dgm:param type="parTxRTLAlign" val="r"/>
+          </dgm:alg>
+          <dgm:shape xmlns:r="http://schemas.openxmlformats.org/officeDocument/2006/relationships" type="rect" r:blip="" hideGeom="1">
+            <dgm:adjLst/>
+          </dgm:shape>
+          <dgm:presOf axis="desOrSelf" ptType="node"/>
+          <dgm:constrLst>
+            <dgm:constr type="tMarg" refType="primFontSz" fact="0.3"/>
+            <dgm:constr type="bMarg" refType="primFontSz" fact="0.3"/>
+            <dgm:constr type="lMarg" refType="primFontSz" fact="0.3"/>
+            <dgm:constr type="rMarg" refType="primFontSz" fact="0.3"/>
+          </dgm:constrLst>
+          <dgm:ruleLst>
+            <dgm:rule type="primFontSz" val="5" fact="NaN" max="NaN"/>
+          </dgm:ruleLst>
+        </dgm:layoutNode>
+      </dgm:layoutNode>
+      <dgm:forEach name="Name4" axis="followSib" ptType="sibTrans" cnt="1">
+        <dgm:layoutNode name="spacer">
+          <dgm:alg type="sp"/>
+          <dgm:shape xmlns:r="http://schemas.openxmlformats.org/officeDocument/2006/relationships" r:blip="">
+            <dgm:adjLst/>
+          </dgm:shape>
+          <dgm:presOf axis="self"/>
+          <dgm:constrLst/>
+          <dgm:ruleLst/>
+        </dgm:layoutNode>
+      </dgm:forEach>
+    </dgm:forEach>
+  </dgm:layoutNode>
+</dgm:layoutDef>
+</file>
+
 <file path=ppt/diagrams/quickStyle1.xml><?xml version="1.0" encoding="utf-8"?>
+<dgm:styleDef xmlns:dgm="http://schemas.openxmlformats.org/drawingml/2006/diagram" xmlns:a="http://schemas.openxmlformats.org/drawingml/2006/main" uniqueId="urn:microsoft.com/office/officeart/2005/8/quickstyle/simple3">
+  <dgm:title val=""/>
+  <dgm:desc val=""/>
+  <dgm:catLst>
+    <dgm:cat type="simple" pri="10300"/>
+  </dgm:catLst>
+  <dgm:scene3d>
+    <a:camera prst="orthographicFront"/>
+    <a:lightRig rig="threePt" dir="t"/>
+  </dgm:scene3d>
+  <dgm:styleLbl name="node0">
+    <dgm:scene3d>
+      <a:camera prst="orthographicFront"/>
+      <a:lightRig rig="flat" dir="t"/>
+    </dgm:scene3d>
+    <dgm:sp3d prstMaterial="dkEdge">
+      <a:bevelT w="8200" h="38100"/>
+    </dgm:sp3d>
+    <dgm:txPr/>
+    <dgm:style>
+      <a:lnRef idx="0">
+        <a:scrgbClr r="0" g="0" b="0"/>
+      </a:lnRef>
+      <a:fillRef idx="2">
+        <a:scrgbClr r="0" g="0" b="0"/>
+      </a:fillRef>
+      <a:effectRef idx="1">
+        <a:scrgbClr r="0" g="0" b="0"/>
+      </a:effectRef>
+      <a:fontRef idx="minor">
+        <a:schemeClr val="dk1"/>
+      </a:fontRef>
+    </dgm:style>
+  </dgm:styleLbl>
+  <dgm:styleLbl name="lnNode1">
+    <dgm:scene3d>
+      <a:camera prst="orthographicFront"/>
+      <a:lightRig rig="flat" dir="t"/>
+    </dgm:scene3d>
+    <dgm:sp3d prstMaterial="dkEdge">
+      <a:bevelT w="8200" h="38100"/>
+    </dgm:sp3d>
+    <dgm:txPr/>
+    <dgm:style>
+      <a:lnRef idx="1">
+        <a:scrgbClr r="0" g="0" b="0"/>
+      </a:lnRef>
+      <a:fillRef idx="2">
+        <a:scrgbClr r="0" g="0" b="0"/>
+      </a:fillRef>
+      <a:effectRef idx="0">
+        <a:scrgbClr r="0" g="0" b="0"/>
+      </a:effectRef>
+      <a:fontRef idx="minor">
+        <a:schemeClr val="dk1"/>
+      </a:fontRef>
+    </dgm:style>
+  </dgm:styleLbl>
+  <dgm:styleLbl name="vennNode1">
+    <dgm:scene3d>
+      <a:camera prst="orthographicFront"/>
+      <a:lightRig rig="flat" dir="t"/>
+    </dgm:scene3d>
+    <dgm:sp3d prstMaterial="dkEdge">
+      <a:bevelT w="8200" h="38100"/>
+    </dgm:sp3d>
+    <dgm:txPr/>
+    <dgm:style>
+      <a:lnRef idx="0">
+        <a:scrgbClr r="0" g="0" b="0"/>
+      </a:lnRef>
+      <a:fillRef idx="2">
+        <a:scrgbClr r="0" g="0" b="0"/>
+      </a:fillRef>
+      <a:effectRef idx="0">
+        <a:scrgbClr r="0" g="0" b="0"/>
+      </a:effectRef>
+      <a:fontRef idx="minor">
+        <a:schemeClr val="tx1"/>
+      </a:fontRef>
+    </dgm:style>
+  </dgm:styleLbl>
+  <dgm:styleLbl name="alignNode1">
+    <dgm:scene3d>
+      <a:camera prst="orthographicFront"/>
+      <a:lightRig rig="threePt" dir="t"/>
+    </dgm:scene3d>
+    <dgm:sp3d/>
+    <dgm:txPr/>
+    <dgm:style>
+      <a:lnRef idx="1">
+        <a:scrgbClr r="0" g="0" b="0"/>
+      </a:lnRef>
+      <a:fillRef idx="2">
+        <a:scrgbClr r="0" g="0" b="0"/>
+      </a:fillRef>
+      <a:effectRef idx="1">
+        <a:scrgbClr r="0" g="0" b="0"/>
+      </a:effectRef>
+      <a:fontRef idx="minor">
+        <a:schemeClr val="dk1"/>
+      </a:fontRef>
+    </dgm:style>
+  </dgm:styleLbl>
+  <dgm:styleLbl name="node1">
+    <dgm:scene3d>
+      <a:camera prst="orthographicFront"/>
+      <a:lightRig rig="flat" dir="t"/>
+    </dgm:scene3d>
+    <dgm:sp3d prstMaterial="dkEdge">
+      <a:bevelT w="8200" h="38100"/>
+    </dgm:sp3d>
+    <dgm:txPr/>
+    <dgm:style>
+      <a:lnRef idx="0">
+        <a:scrgbClr r="0" g="0" b="0"/>
+      </a:lnRef>
+      <a:fillRef idx="2">
+        <a:scrgbClr r="0" g="0" b="0"/>
+      </a:fillRef>
+      <a:effectRef idx="1">
+        <a:scrgbClr r="0" g="0" b="0"/>
+      </a:effectRef>
+      <a:fontRef idx="minor">
+        <a:schemeClr val="dk1"/>
+      </a:fontRef>
+    </dgm:style>
+  </dgm:styleLbl>
+  <dgm:styleLbl name="node2">
+    <dgm:scene3d>
+      <a:camera prst="orthographicFront"/>
+      <a:lightRig rig="flat" dir="t"/>
+    </dgm:scene3d>
+    <dgm:sp3d prstMaterial="dkEdge">
+      <a:bevelT w="8200" h="38100"/>
+    </dgm:sp3d>
+    <dgm:txPr/>
+    <dgm:style>
+      <a:lnRef idx="0">
+        <a:scrgbClr r="0" g="0" b="0"/>
+      </a:lnRef>
+      <a:fillRef idx="2">
+        <a:scrgbClr r="0" g="0" b="0"/>
+      </a:fillRef>
+      <a:effectRef idx="1">
+        <a:scrgbClr r="0" g="0" b="0"/>
+      </a:effectRef>
+      <a:fontRef idx="minor">
+        <a:schemeClr val="dk1"/>
+      </a:fontRef>
+    </dgm:style>
+  </dgm:styleLbl>
+  <dgm:styleLbl name="node3">
+    <dgm:scene3d>
+      <a:camera prst="orthographicFront"/>
+      <a:lightRig rig="flat" dir="t"/>
+    </dgm:scene3d>
+    <dgm:sp3d prstMaterial="dkEdge">
+      <a:bevelT w="8200" h="38100"/>
+    </dgm:sp3d>
+    <dgm:txPr/>
+    <dgm:style>
+      <a:lnRef idx="0">
+        <a:scrgbClr r="0" g="0" b="0"/>
+      </a:lnRef>
+      <a:fillRef idx="2">
+        <a:scrgbClr r="0" g="0" b="0"/>
+      </a:fillRef>
+      <a:effectRef idx="1">
+        <a:scrgbClr r="0" g="0" b="0"/>
+      </a:effectRef>
+      <a:fontRef idx="minor">
+        <a:schemeClr val="dk1"/>
+      </a:fontRef>
+    </dgm:style>
+  </dgm:styleLbl>
+  <dgm:styleLbl name="node4">
+    <dgm:scene3d>
+      <a:camera prst="orthographicFront"/>
+      <a:lightRig rig="flat" dir="t"/>
+    </dgm:scene3d>
+    <dgm:sp3d prstMaterial="dkEdge">
+      <a:bevelT w="8200" h="38100"/>
+    </dgm:sp3d>
+    <dgm:txPr/>
+    <dgm:style>
+      <a:lnRef idx="0">
+        <a:scrgbClr r="0" g="0" b="0"/>
+      </a:lnRef>
+      <a:fillRef idx="2">
+        <a:scrgbClr r="0" g="0" b="0"/>
+      </a:fillRef>
+      <a:effectRef idx="1">
+        <a:scrgbClr r="0" g="0" b="0"/>
+      </a:effectRef>
+      <a:fontRef idx="minor">
+        <a:schemeClr val="dk1"/>
+      </a:fontRef>
+    </dgm:style>
+  </dgm:styleLbl>
+  <dgm:styleLbl name="fgImgPlace1">
+    <dgm:scene3d>
+      <a:camera prst="orthographicFront"/>
+      <a:lightRig rig="threePt" dir="t"/>
+    </dgm:scene3d>
+    <dgm:sp3d/>
+    <dgm:txPr/>
+    <dgm:style>
+      <a:lnRef idx="1">
+        <a:scrgbClr r="0" g="0" b="0"/>
+      </a:lnRef>
+      <a:fillRef idx="1">
+        <a:scrgbClr r="0" g="0" b="0"/>
+      </a:fillRef>
+      <a:effectRef idx="1">
+        <a:scrgbClr r="0" g="0" b="0"/>
+      </a:effectRef>
+      <a:fontRef idx="minor"/>
+    </dgm:style>
+  </dgm:styleLbl>
+  <dgm:styleLbl name="alignImgPlace1">
+    <dgm:scene3d>
+      <a:camera prst="orthographicFront"/>
+      <a:lightRig rig="threePt" dir="t"/>
+    </dgm:scene3d>
+    <dgm:sp3d/>
+    <dgm:txPr/>
+    <dgm:style>
+      <a:lnRef idx="1">
+        <a:scrgbClr r="0" g="0" b="0"/>
+      </a:lnRef>
+      <a:fillRef idx="1">
+        <a:scrgbClr r="0" g="0" b="0"/>
+      </a:fillRef>
+      <a:effectRef idx="1">
+        <a:scrgbClr r="0" g="0" b="0"/>
+      </a:effectRef>
+      <a:fontRef idx="minor"/>
+    </dgm:style>
+  </dgm:styleLbl>
+  <dgm:styleLbl name="bgImgPlace1">
+    <dgm:scene3d>
+      <a:camera prst="orthographicFront"/>
+      <a:lightRig rig="threePt" dir="t"/>
+    </dgm:scene3d>
+    <dgm:sp3d/>
+    <dgm:txPr/>
+    <dgm:style>
+      <a:lnRef idx="1">
+        <a:scrgbClr r="0" g="0" b="0"/>
+      </a:lnRef>
+      <a:fillRef idx="1">
+        <a:scrgbClr r="0" g="0" b="0"/>
+      </a:fillRef>
+      <a:effectRef idx="1">
+        <a:scrgbClr r="0" g="0" b="0"/>
+      </a:effectRef>
+      <a:fontRef idx="minor"/>
+    </dgm:style>
+  </dgm:styleLbl>
+  <dgm:styleLbl name="sibTrans2D1">
+    <dgm:scene3d>
+      <a:camera prst="orthographicFront"/>
+      <a:lightRig rig="threePt" dir="t"/>
+    </dgm:scene3d>
+    <dgm:sp3d/>
+    <dgm:txPr/>
+    <dgm:style>
+      <a:lnRef idx="0">
+        <a:scrgbClr r="0" g="0" b="0"/>
+      </a:lnRef>
+      <a:fillRef idx="2">
+        <a:scrgbClr r="0" g="0" b="0"/>
+      </a:fillRef>
+      <a:effectRef idx="1">
+        <a:scrgbClr r="0" g="0" b="0"/>
+      </a:effectRef>
+      <a:fontRef idx="minor">
+        <a:schemeClr val="dk1"/>
+      </a:fontRef>
+    </dgm:style>
+  </dgm:styleLbl>
+  <dgm:styleLbl name="fgSibTrans2D1">
+    <dgm:scene3d>
+      <a:camera prst="orthographicFront"/>
+      <a:lightRig rig="threePt" dir="t"/>
+    </dgm:scene3d>
+    <dgm:sp3d/>
+    <dgm:txPr/>
+    <dgm:style>
+      <a:lnRef idx="0">
+        <a:scrgbClr r="0" g="0" b="0"/>
+      </a:lnRef>
+      <a:fillRef idx="2">
+        <a:scrgbClr r="0" g="0" b="0"/>
+      </a:fillRef>
+      <a:effectRef idx="1">
+        <a:scrgbClr r="0" g="0" b="0"/>
+      </a:effectRef>
+      <a:fontRef idx="minor">
+        <a:schemeClr val="dk1"/>
+      </a:fontRef>
+    </dgm:style>
+  </dgm:styleLbl>
+  <dgm:styleLbl name="bgSibTrans2D1">
+    <dgm:scene3d>
+      <a:camera prst="orthographicFront"/>
+      <a:lightRig rig="threePt" dir="t"/>
+    </dgm:scene3d>
+    <dgm:sp3d/>
+    <dgm:txPr/>
+    <dgm:style>
+      <a:lnRef idx="0">
+        <a:scrgbClr r="0" g="0" b="0"/>
+      </a:lnRef>
+      <a:fillRef idx="2">
+        <a:scrgbClr r="0" g="0" b="0"/>
+      </a:fillRef>
+      <a:effectRef idx="1">
+        <a:scrgbClr r="0" g="0" b="0"/>
+      </a:effectRef>
+      <a:fontRef idx="minor">
+        <a:schemeClr val="dk1"/>
+      </a:fontRef>
+    </dgm:style>
+  </dgm:styleLbl>
+  <dgm:styleLbl name="sibTrans1D1">
+    <dgm:scene3d>
+      <a:camera prst="orthographicFront"/>
+      <a:lightRig rig="threePt" dir="t"/>
+    </dgm:scene3d>
+    <dgm:sp3d/>
+    <dgm:txPr/>
+    <dgm:style>
+      <a:lnRef idx="1">
+        <a:scrgbClr r="0" g="0" b="0"/>
+      </a:lnRef>
+      <a:fillRef idx="0">
+        <a:scrgbClr r="0" g="0" b="0"/>
+      </a:fillRef>
+      <a:effectRef idx="0">
+        <a:scrgbClr r="0" g="0" b="0"/>
+      </a:effectRef>
+      <a:fontRef idx="minor"/>
+    </dgm:style>
+  </dgm:styleLbl>
+  <dgm:styleLbl name="callout">
+    <dgm:scene3d>
+      <a:camera prst="orthographicFront"/>
+      <a:lightRig rig="threePt" dir="t"/>
+    </dgm:scene3d>
+    <dgm:sp3d/>
+    <dgm:txPr/>
+    <dgm:style>
+      <a:lnRef idx="1">
+        <a:scrgbClr r="0" g="0" b="0"/>
+      </a:lnRef>
+      <a:fillRef idx="2">
+        <a:scrgbClr r="0" g="0" b="0"/>
+      </a:fillRef>
+      <a:effectRef idx="1">
+        <a:scrgbClr r="0" g="0" b="0"/>
+      </a:effectRef>
+      <a:fontRef idx="minor"/>
+    </dgm:style>
+  </dgm:styleLbl>
+  <dgm:styleLbl name="asst0">
+    <dgm:scene3d>
+      <a:camera prst="orthographicFront"/>
+      <a:lightRig rig="flat" dir="t"/>
+    </dgm:scene3d>
+    <dgm:sp3d prstMaterial="dkEdge">
+      <a:bevelT w="8200" h="38100"/>
+    </dgm:sp3d>
+    <dgm:txPr/>
+    <dgm:style>
+      <a:lnRef idx="0">
+        <a:scrgbClr r="0" g="0" b="0"/>
+      </a:lnRef>
+      <a:fillRef idx="2">
+        <a:scrgbClr r="0" g="0" b="0"/>
+      </a:fillRef>
+      <a:effectRef idx="1">
+        <a:scrgbClr r="0" g="0" b="0"/>
+      </a:effectRef>
+      <a:fontRef idx="minor">
+        <a:schemeClr val="dk1"/>
+      </a:fontRef>
+    </dgm:style>
+  </dgm:styleLbl>
+  <dgm:styleLbl name="asst1">
+    <dgm:scene3d>
+      <a:camera prst="orthographicFront"/>
+      <a:lightRig rig="flat" dir="t"/>
+    </dgm:scene3d>
+    <dgm:sp3d prstMaterial="dkEdge">
+      <a:bevelT w="8200" h="38100"/>
+    </dgm:sp3d>
+    <dgm:txPr/>
+    <dgm:style>
+      <a:lnRef idx="0">
+        <a:scrgbClr r="0" g="0" b="0"/>
+      </a:lnRef>
+      <a:fillRef idx="2">
+        <a:scrgbClr r="0" g="0" b="0"/>
+      </a:fillRef>
+      <a:effectRef idx="1">
+        <a:scrgbClr r="0" g="0" b="0"/>
+      </a:effectRef>
+      <a:fontRef idx="minor">
+        <a:schemeClr val="dk1"/>
+      </a:fontRef>
+    </dgm:style>
+  </dgm:styleLbl>
+  <dgm:styleLbl name="asst2">
+    <dgm:scene3d>
+      <a:camera prst="orthographicFront"/>
+      <a:lightRig rig="flat" dir="t"/>
+    </dgm:scene3d>
+    <dgm:sp3d prstMaterial="dkEdge">
+      <a:bevelT w="8200" h="38100"/>
+    </dgm:sp3d>
+    <dgm:txPr/>
+    <dgm:style>
+      <a:lnRef idx="0">
+        <a:scrgbClr r="0" g="0" b="0"/>
+      </a:lnRef>
+      <a:fillRef idx="2">
+        <a:scrgbClr r="0" g="0" b="0"/>
+      </a:fillRef>
+      <a:effectRef idx="1">
+        <a:scrgbClr r="0" g="0" b="0"/>
+      </a:effectRef>
+      <a:fontRef idx="minor">
+        <a:schemeClr val="dk1"/>
+      </a:fontRef>
+    </dgm:style>
+  </dgm:styleLbl>
+  <dgm:styleLbl name="asst3">
+    <dgm:scene3d>
+      <a:camera prst="orthographicFront"/>
+      <a:lightRig rig="flat" dir="t"/>
+    </dgm:scene3d>
+    <dgm:sp3d prstMaterial="dkEdge">
+      <a:bevelT w="8200" h="38100"/>
+    </dgm:sp3d>
+    <dgm:txPr/>
+    <dgm:style>
+      <a:lnRef idx="0">
+        <a:scrgbClr r="0" g="0" b="0"/>
+      </a:lnRef>
+      <a:fillRef idx="2">
+        <a:scrgbClr r="0" g="0" b="0"/>
+      </a:fillRef>
+      <a:effectRef idx="1">
+        <a:scrgbClr r="0" g="0" b="0"/>
+      </a:effectRef>
+      <a:fontRef idx="minor">
+        <a:schemeClr val="dk1"/>
+      </a:fontRef>
+    </dgm:style>
+  </dgm:styleLbl>
+  <dgm:styleLbl name="asst4">
+    <dgm:scene3d>
+      <a:camera prst="orthographicFront"/>
+      <a:lightRig rig="flat" dir="t"/>
+    </dgm:scene3d>
+    <dgm:sp3d prstMaterial="dkEdge">
+      <a:bevelT w="8200" h="38100"/>
+    </dgm:sp3d>
+    <dgm:txPr/>
+    <dgm:style>
+      <a:lnRef idx="0">
+        <a:scrgbClr r="0" g="0" b="0"/>
+      </a:lnRef>
+      <a:fillRef idx="2">
+        <a:scrgbClr r="0" g="0" b="0"/>
+      </a:fillRef>
+      <a:effectRef idx="1">
+        <a:scrgbClr r="0" g="0" b="0"/>
+      </a:effectRef>
+      <a:fontRef idx="minor">
+        <a:schemeClr val="dk1"/>
+      </a:fontRef>
+    </dgm:style>
+  </dgm:styleLbl>
+  <dgm:styleLbl name="parChTrans2D1">
+    <dgm:scene3d>
+      <a:camera prst="orthographicFront"/>
+      <a:lightRig rig="threePt" dir="t"/>
+    </dgm:scene3d>
+    <dgm:sp3d/>
+    <dgm:txPr/>
+    <dgm:style>
+      <a:lnRef idx="1">
+        <a:scrgbClr r="0" g="0" b="0"/>
+      </a:lnRef>
+      <a:fillRef idx="2">
+        <a:scrgbClr r="0" g="0" b="0"/>
+      </a:fillRef>
+      <a:effectRef idx="1">
+        <a:scrgbClr r="0" g="0" b="0"/>
+      </a:effectRef>
+      <a:fontRef idx="minor">
+        <a:schemeClr val="dk1"/>
+      </a:fontRef>
+    </dgm:style>
+  </dgm:styleLbl>
+  <dgm:styleLbl name="parChTrans2D2">
+    <dgm:scene3d>
+      <a:camera prst="orthographicFront"/>
+      <a:lightRig rig="threePt" dir="t"/>
+    </dgm:scene3d>
+    <dgm:sp3d/>
+    <dgm:txPr/>
+    <dgm:style>
+      <a:lnRef idx="1">
+        <a:scrgbClr r="0" g="0" b="0"/>
+      </a:lnRef>
+      <a:fillRef idx="2">
+        <a:scrgbClr r="0" g="0" b="0"/>
+      </a:fillRef>
+      <a:effectRef idx="1">
+        <a:scrgbClr r="0" g="0" b="0"/>
+      </a:effectRef>
+      <a:fontRef idx="minor">
+        <a:schemeClr val="dk1"/>
+      </a:fontRef>
+    </dgm:style>
+  </dgm:styleLbl>
+  <dgm:styleLbl name="parChTrans2D3">
+    <dgm:scene3d>
+      <a:camera prst="orthographicFront"/>
+      <a:lightRig rig="threePt" dir="t"/>
+    </dgm:scene3d>
+    <dgm:sp3d/>
+    <dgm:txPr/>
+    <dgm:style>
+      <a:lnRef idx="1">
+        <a:scrgbClr r="0" g="0" b="0"/>
+      </a:lnRef>
+      <a:fillRef idx="2">
+        <a:scrgbClr r="0" g="0" b="0"/>
+      </a:fillRef>
+      <a:effectRef idx="1">
+        <a:scrgbClr r="0" g="0" b="0"/>
+      </a:effectRef>
+      <a:fontRef idx="minor">
+        <a:schemeClr val="dk1"/>
+      </a:fontRef>
+    </dgm:style>
+  </dgm:styleLbl>
+  <dgm:styleLbl name="parChTrans2D4">
+    <dgm:scene3d>
+      <a:camera prst="orthographicFront"/>
+      <a:lightRig rig="threePt" dir="t"/>
+    </dgm:scene3d>
+    <dgm:sp3d/>
+    <dgm:txPr/>
+    <dgm:style>
+      <a:lnRef idx="1">
+        <a:scrgbClr r="0" g="0" b="0"/>
+      </a:lnRef>
+      <a:fillRef idx="2">
+        <a:scrgbClr r="0" g="0" b="0"/>
+      </a:fillRef>
+      <a:effectRef idx="1">
+        <a:scrgbClr r="0" g="0" b="0"/>
+      </a:effectRef>
+      <a:fontRef idx="minor">
+        <a:schemeClr val="dk1"/>
+      </a:fontRef>
+    </dgm:style>
+  </dgm:styleLbl>
+  <dgm:styleLbl name="parChTrans1D1">
+    <dgm:scene3d>
+      <a:camera prst="orthographicFront"/>
+      <a:lightRig rig="threePt" dir="t"/>
+    </dgm:scene3d>
+    <dgm:sp3d/>
+    <dgm:txPr/>
+    <dgm:style>
+      <a:lnRef idx="2">
+        <a:scrgbClr r="0" g="0" b="0"/>
+      </a:lnRef>
+      <a:fillRef idx="0">
+        <a:scrgbClr r="0" g="0" b="0"/>
+      </a:fillRef>
+      <a:effectRef idx="0">
+        <a:scrgbClr r="0" g="0" b="0"/>
+      </a:effectRef>
+      <a:fontRef idx="minor"/>
+    </dgm:style>
+  </dgm:styleLbl>
+  <dgm:styleLbl name="parChTrans1D2">
+    <dgm:scene3d>
+      <a:camera prst="orthographicFront"/>
+      <a:lightRig rig="threePt" dir="t"/>
+    </dgm:scene3d>
+    <dgm:sp3d/>
+    <dgm:txPr/>
+    <dgm:style>
+      <a:lnRef idx="2">
+        <a:scrgbClr r="0" g="0" b="0"/>
+      </a:lnRef>
+      <a:fillRef idx="0">
+        <a:scrgbClr r="0" g="0" b="0"/>
+      </a:fillRef>
+      <a:effectRef idx="0">
+        <a:scrgbClr r="0" g="0" b="0"/>
+      </a:effectRef>
+      <a:fontRef idx="minor"/>
+    </dgm:style>
+  </dgm:styleLbl>
+  <dgm:styleLbl name="parChTrans1D3">
+    <dgm:scene3d>
+      <a:camera prst="orthographicFront"/>
+      <a:lightRig rig="threePt" dir="t"/>
+    </dgm:scene3d>
+    <dgm:sp3d/>
+    <dgm:txPr/>
+    <dgm:style>
+      <a:lnRef idx="2">
+        <a:scrgbClr r="0" g="0" b="0"/>
+      </a:lnRef>
+      <a:fillRef idx="0">
+        <a:scrgbClr r="0" g="0" b="0"/>
+      </a:fillRef>
+      <a:effectRef idx="0">
+        <a:scrgbClr r="0" g="0" b="0"/>
+      </a:effectRef>
+      <a:fontRef idx="minor"/>
+    </dgm:style>
+  </dgm:styleLbl>
+  <dgm:styleLbl name="parChTrans1D4">
+    <dgm:scene3d>
+      <a:camera prst="orthographicFront"/>
+      <a:lightRig rig="threePt" dir="t"/>
+    </dgm:scene3d>
+    <dgm:sp3d/>
+    <dgm:txPr/>
+    <dgm:style>
+      <a:lnRef idx="2">
+        <a:scrgbClr r="0" g="0" b="0"/>
+      </a:lnRef>
+      <a:fillRef idx="0">
+        <a:scrgbClr r="0" g="0" b="0"/>
+      </a:fillRef>
+      <a:effectRef idx="0">
+        <a:scrgbClr r="0" g="0" b="0"/>
+      </a:effectRef>
+      <a:fontRef idx="minor"/>
+    </dgm:style>
+  </dgm:styleLbl>
+  <dgm:styleLbl name="fgAcc1">
+    <dgm:scene3d>
+      <a:camera prst="orthographicFront"/>
+      <a:lightRig rig="threePt" dir="t"/>
+    </dgm:scene3d>
+    <dgm:sp3d/>
+    <dgm:txPr/>
+    <dgm:style>
+      <a:lnRef idx="1">
+        <a:scrgbClr r="0" g="0" b="0"/>
+      </a:lnRef>
+      <a:fillRef idx="1">
+        <a:scrgbClr r="0" g="0" b="0"/>
+      </a:fillRef>
+      <a:effectRef idx="0">
+        <a:scrgbClr r="0" g="0" b="0"/>
+      </a:effectRef>
+      <a:fontRef idx="minor"/>
+    </dgm:style>
+  </dgm:styleLbl>
+  <dgm:styleLbl name="conFgAcc1">
+    <dgm:scene3d>
+      <a:camera prst="orthographicFront"/>
+      <a:lightRig rig="threePt" dir="t"/>
+    </dgm:scene3d>
+    <dgm:sp3d/>
+    <dgm:txPr/>
+    <dgm:style>
+      <a:lnRef idx="1">
+        <a:scrgbClr r="0" g="0" b="0"/>
+      </a:lnRef>
+      <a:fillRef idx="1">
+        <a:scrgbClr r="0" g="0" b="0"/>
+      </a:fillRef>
+      <a:effectRef idx="0">
+        <a:scrgbClr r="0" g="0" b="0"/>
+      </a:effectRef>
+      <a:fontRef idx="minor"/>
+    </dgm:style>
+  </dgm:styleLbl>
+  <dgm:styleLbl name="alignAcc1">
+    <dgm:scene3d>
+      <a:camera prst="orthographicFront"/>
+      <a:lightRig rig="threePt" dir="t"/>
+    </dgm:scene3d>
+    <dgm:sp3d/>
+    <dgm:txPr/>
+    <dgm:style>
+      <a:lnRef idx="1">
+        <a:scrgbClr r="0" g="0" b="0"/>
+      </a:lnRef>
+      <a:fillRef idx="1">
+        <a:scrgbClr r="0" g="0" b="0"/>
+      </a:fillRef>
+      <a:effectRef idx="0">
+        <a:scrgbClr r="0" g="0" b="0"/>
+      </a:effectRef>
+      <a:fontRef idx="minor"/>
+    </dgm:style>
+  </dgm:styleLbl>
+  <dgm:styleLbl name="trAlignAcc1">
+    <dgm:scene3d>
+      <a:camera prst="orthographicFront"/>
+      <a:lightRig rig="threePt" dir="t"/>
+    </dgm:scene3d>
+    <dgm:sp3d/>
+    <dgm:txPr/>
+    <dgm:style>
+      <a:lnRef idx="1">
+        <a:scrgbClr r="0" g="0" b="0"/>
+      </a:lnRef>
+      <a:fillRef idx="1">
+        <a:scrgbClr r="0" g="0" b="0"/>
+      </a:fillRef>
+      <a:effectRef idx="0">
+        <a:scrgbClr r="0" g="0" b="0"/>
+      </a:effectRef>
+      <a:fontRef idx="minor"/>
+    </dgm:style>
+  </dgm:styleLbl>
+  <dgm:styleLbl name="bgAcc1">
+    <dgm:scene3d>
+      <a:camera prst="orthographicFront"/>
+      <a:lightRig rig="threePt" dir="t"/>
+    </dgm:scene3d>
+    <dgm:sp3d/>
+    <dgm:txPr/>
+    <dgm:style>
+      <a:lnRef idx="1">
+        <a:scrgbClr r="0" g="0" b="0"/>
+      </a:lnRef>
+      <a:fillRef idx="1">
+        <a:scrgbClr r="0" g="0" b="0"/>
+      </a:fillRef>
+      <a:effectRef idx="0">
+        <a:scrgbClr r="0" g="0" b="0"/>
+      </a:effectRef>
+      <a:fontRef idx="minor"/>
+    </dgm:style>
+  </dgm:styleLbl>
+  <dgm:styleLbl name="solidFgAcc1">
+    <dgm:scene3d>
+      <a:camera prst="orthographicFront"/>
+      <a:lightRig rig="threePt" dir="t"/>
+    </dgm:scene3d>
+    <dgm:sp3d/>
+    <dgm:txPr/>
+    <dgm:style>
+      <a:lnRef idx="1">
+        <a:scrgbClr r="0" g="0" b="0"/>
+      </a:lnRef>
+      <a:fillRef idx="2">
+        <a:scrgbClr r="0" g="0" b="0"/>
+      </a:fillRef>
+      <a:effectRef idx="0">
+        <a:scrgbClr r="0" g="0" b="0"/>
+      </a:effectRef>
+      <a:fontRef idx="minor"/>
+    </dgm:style>
+  </dgm:styleLbl>
+  <dgm:styleLbl name="solidAlignAcc1">
+    <dgm:scene3d>
+      <a:camera prst="orthographicFront"/>
+      <a:lightRig rig="threePt" dir="t"/>
+    </dgm:scene3d>
+    <dgm:sp3d/>
+    <dgm:txPr/>
+    <dgm:style>
+      <a:lnRef idx="1">
+        <a:scrgbClr r="0" g="0" b="0"/>
+      </a:lnRef>
+      <a:fillRef idx="1">
+        <a:scrgbClr r="0" g="0" b="0"/>
+      </a:fillRef>
+      <a:effectRef idx="0">
+        <a:scrgbClr r="0" g="0" b="0"/>
+      </a:effectRef>
+      <a:fontRef idx="minor"/>
+    </dgm:style>
+  </dgm:styleLbl>
+  <dgm:styleLbl name="solidBgAcc1">
+    <dgm:scene3d>
+      <a:camera prst="orthographicFront"/>
+      <a:lightRig rig="threePt" dir="t"/>
+    </dgm:scene3d>
+    <dgm:sp3d/>
+    <dgm:txPr/>
+    <dgm:style>
+      <a:lnRef idx="1">
+        <a:scrgbClr r="0" g="0" b="0"/>
+      </a:lnRef>
+      <a:fillRef idx="1">
+        <a:scrgbClr r="0" g="0" b="0"/>
+      </a:fillRef>
+      <a:effectRef idx="0">
+        <a:scrgbClr r="0" g="0" b="0"/>
+      </a:effectRef>
+      <a:fontRef idx="minor"/>
+    </dgm:style>
+  </dgm:styleLbl>
+  <dgm:styleLbl name="fgAccFollowNode1">
+    <dgm:scene3d>
+      <a:camera prst="orthographicFront"/>
+      <a:lightRig rig="threePt" dir="t"/>
+    </dgm:scene3d>
+    <dgm:sp3d/>
+    <dgm:txPr/>
+    <dgm:style>
+      <a:lnRef idx="1">
+        <a:scrgbClr r="0" g="0" b="0"/>
+      </a:lnRef>
+      <a:fillRef idx="1">
+        <a:scrgbClr r="0" g="0" b="0"/>
+      </a:fillRef>
+      <a:effectRef idx="0">
+        <a:scrgbClr r="0" g="0" b="0"/>
+      </a:effectRef>
+      <a:fontRef idx="minor"/>
+    </dgm:style>
+  </dgm:styleLbl>
+  <dgm:styleLbl name="alignAccFollowNode1">
+    <dgm:scene3d>
+      <a:camera prst="orthographicFront"/>
+      <a:lightRig rig="threePt" dir="t"/>
+    </dgm:scene3d>
+    <dgm:sp3d/>
+    <dgm:txPr/>
+    <dgm:style>
+      <a:lnRef idx="1">
+        <a:scrgbClr r="0" g="0" b="0"/>
+      </a:lnRef>
+      <a:fillRef idx="1">
+        <a:scrgbClr r="0" g="0" b="0"/>
+      </a:fillRef>
+      <a:effectRef idx="0">
+        <a:scrgbClr r="0" g="0" b="0"/>
+      </a:effectRef>
+      <a:fontRef idx="minor"/>
+    </dgm:style>
+  </dgm:styleLbl>
+  <dgm:styleLbl name="bgAccFollowNode1">
+    <dgm:scene3d>
+      <a:camera prst="orthographicFront"/>
+      <a:lightRig rig="threePt" dir="t"/>
+    </dgm:scene3d>
+    <dgm:sp3d/>
+    <dgm:txPr/>
+    <dgm:style>
+      <a:lnRef idx="1">
+        <a:scrgbClr r="0" g="0" b="0"/>
+      </a:lnRef>
+      <a:fillRef idx="1">
+        <a:scrgbClr r="0" g="0" b="0"/>
+      </a:fillRef>
+      <a:effectRef idx="0">
+        <a:scrgbClr r="0" g="0" b="0"/>
+      </a:effectRef>
+      <a:fontRef idx="minor"/>
+    </dgm:style>
+  </dgm:styleLbl>
+  <dgm:styleLbl name="fgAcc0">
+    <dgm:scene3d>
+      <a:camera prst="orthographicFront"/>
+      <a:lightRig rig="threePt" dir="t"/>
+    </dgm:scene3d>
+    <dgm:sp3d/>
+    <dgm:txPr/>
+    <dgm:style>
+      <a:lnRef idx="1">
+        <a:scrgbClr r="0" g="0" b="0"/>
+      </a:lnRef>
+      <a:fillRef idx="1">
+        <a:scrgbClr r="0" g="0" b="0"/>
+      </a:fillRef>
+      <a:effectRef idx="0">
+        <a:scrgbClr r="0" g="0" b="0"/>
+      </a:effectRef>
+      <a:fontRef idx="minor"/>
+    </dgm:style>
+  </dgm:styleLbl>
+  <dgm:styleLbl name="fgAcc2">
+    <dgm:scene3d>
+      <a:camera prst="orthographicFront"/>
+      <a:lightRig rig="threePt" dir="t"/>
+    </dgm:scene3d>
+    <dgm:sp3d/>
+    <dgm:txPr/>
+    <dgm:style>
+      <a:lnRef idx="1">
+        <a:scrgbClr r="0" g="0" b="0"/>
+      </a:lnRef>
+      <a:fillRef idx="1">
+        <a:scrgbClr r="0" g="0" b="0"/>
+      </a:fillRef>
+      <a:effectRef idx="0">
+        <a:scrgbClr r="0" g="0" b="0"/>
+      </a:effectRef>
+      <a:fontRef idx="minor"/>
+    </dgm:style>
+  </dgm:styleLbl>
+  <dgm:styleLbl name="fgAcc3">
+    <dgm:scene3d>
+      <a:camera prst="orthographicFront"/>
+      <a:lightRig rig="threePt" dir="t"/>
+    </dgm:scene3d>
+    <dgm:sp3d/>
+    <dgm:txPr/>
+    <dgm:style>
+      <a:lnRef idx="1">
+        <a:scrgbClr r="0" g="0" b="0"/>
+      </a:lnRef>
+      <a:fillRef idx="1">
+        <a:scrgbClr r="0" g="0" b="0"/>
+      </a:fillRef>
+      <a:effectRef idx="0">
+        <a:scrgbClr r="0" g="0" b="0"/>
+      </a:effectRef>
+      <a:fontRef idx="minor"/>
+    </dgm:style>
+  </dgm:styleLbl>
+  <dgm:styleLbl name="fgAcc4">
+    <dgm:scene3d>
+      <a:camera prst="orthographicFront"/>
+      <a:lightRig rig="threePt" dir="t"/>
+    </dgm:scene3d>
+    <dgm:sp3d/>
+    <dgm:txPr/>
+    <dgm:style>
+      <a:lnRef idx="1">
+        <a:scrgbClr r="0" g="0" b="0"/>
+      </a:lnRef>
+      <a:fillRef idx="1">
+        <a:scrgbClr r="0" g="0" b="0"/>
+      </a:fillRef>
+      <a:effectRef idx="0">
+        <a:scrgbClr r="0" g="0" b="0"/>
+      </a:effectRef>
+      <a:fontRef idx="minor"/>
+    </dgm:style>
+  </dgm:styleLbl>
+  <dgm:styleLbl name="bgShp">
+    <dgm:scene3d>
+      <a:camera prst="orthographicFront"/>
+      <a:lightRig rig="threePt" dir="t"/>
+    </dgm:scene3d>
+    <dgm:sp3d/>
+    <dgm:txPr/>
+    <dgm:style>
+      <a:lnRef idx="0">
+        <a:scrgbClr r="0" g="0" b="0"/>
+      </a:lnRef>
+      <a:fillRef idx="1">
+        <a:scrgbClr r="0" g="0" b="0"/>
+      </a:fillRef>
+      <a:effectRef idx="1">
+        <a:scrgbClr r="0" g="0" b="0"/>
+      </a:effectRef>
+      <a:fontRef idx="minor"/>
+    </dgm:style>
+  </dgm:styleLbl>
+  <dgm:styleLbl name="dkBgShp">
+    <dgm:scene3d>
+      <a:camera prst="orthographicFront"/>
+      <a:lightRig rig="threePt" dir="t"/>
+    </dgm:scene3d>
+    <dgm:sp3d/>
+    <dgm:txPr/>
+    <dgm:style>
+      <a:lnRef idx="0">
+        <a:scrgbClr r="0" g="0" b="0"/>
+      </a:lnRef>
+      <a:fillRef idx="1">
+        <a:scrgbClr r="0" g="0" b="0"/>
+      </a:fillRef>
+      <a:effectRef idx="1">
+        <a:scrgbClr r="0" g="0" b="0"/>
+      </a:effectRef>
+      <a:fontRef idx="minor"/>
+    </dgm:style>
+  </dgm:styleLbl>
+  <dgm:styleLbl name="trBgShp">
+    <dgm:scene3d>
+      <a:camera prst="orthographicFront"/>
+      <a:lightRig rig="threePt" dir="t"/>
+    </dgm:scene3d>
+    <dgm:sp3d/>
+    <dgm:txPr/>
+    <dgm:style>
+      <a:lnRef idx="0">
+        <a:scrgbClr r="0" g="0" b="0"/>
+      </a:lnRef>
+      <a:fillRef idx="1">
+        <a:scrgbClr r="0" g="0" b="0"/>
+      </a:fillRef>
+      <a:effectRef idx="0">
+        <a:scrgbClr r="0" g="0" b="0"/>
+      </a:effectRef>
+      <a:fontRef idx="minor"/>
+    </dgm:style>
+  </dgm:styleLbl>
+  <dgm:styleLbl name="fgShp">
+    <dgm:scene3d>
+      <a:camera prst="orthographicFront"/>
+      <a:lightRig rig="flat" dir="t"/>
+    </dgm:scene3d>
+    <dgm:sp3d prstMaterial="dkEdge">
+      <a:bevelT w="8200" h="38100"/>
+    </dgm:sp3d>
+    <dgm:txPr/>
+    <dgm:style>
+      <a:lnRef idx="1">
+        <a:scrgbClr r="0" g="0" b="0"/>
+      </a:lnRef>
+      <a:fillRef idx="2">
+        <a:scrgbClr r="0" g="0" b="0"/>
+      </a:fillRef>
+      <a:effectRef idx="1">
+        <a:scrgbClr r="0" g="0" b="0"/>
+      </a:effectRef>
+      <a:fontRef idx="minor"/>
+    </dgm:style>
+  </dgm:styleLbl>
+  <dgm:styleLbl name="revTx">
+    <dgm:scene3d>
+      <a:camera prst="orthographicFront"/>
+      <a:lightRig rig="threePt" dir="t"/>
+    </dgm:scene3d>
+    <dgm:sp3d/>
+    <dgm:txPr/>
+    <dgm:style>
+      <a:lnRef idx="0">
+        <a:scrgbClr r="0" g="0" b="0"/>
+      </a:lnRef>
+      <a:fillRef idx="0">
+        <a:scrgbClr r="0" g="0" b="0"/>
+      </a:fillRef>
+      <a:effectRef idx="0">
+        <a:scrgbClr r="0" g="0" b="0"/>
+      </a:effectRef>
+      <a:fontRef idx="minor"/>
+    </dgm:style>
+  </dgm:styleLbl>
+</dgm:styleDef>
+</file>
+
+<file path=ppt/diagrams/quickStyle2.xml><?xml version="1.0" encoding="utf-8"?>
+<dgm:styleDef xmlns:dgm="http://schemas.openxmlformats.org/drawingml/2006/diagram" xmlns:a="http://schemas.openxmlformats.org/drawingml/2006/main" uniqueId="urn:microsoft.com/office/officeart/2005/8/quickstyle/3d9">
+  <dgm:title val=""/>
+  <dgm:desc val=""/>
+  <dgm:catLst>
+    <dgm:cat type="3D" pri="11900"/>
+  </dgm:catLst>
+  <dgm:scene3d>
+    <a:camera prst="perspectiveRelaxed">
+      <a:rot lat="19149996" lon="20104178" rev="1577324"/>
+    </a:camera>
+    <a:lightRig rig="soft" dir="t"/>
+    <a:backdrop>
+      <a:anchor x="0" y="0" z="-210000"/>
+      <a:norm dx="0" dy="0" dz="914400"/>
+      <a:up dx="0" dy="914400" dz="0"/>
+    </a:backdrop>
+  </dgm:scene3d>
+  <dgm:styleLbl name="node0">
+    <dgm:scene3d>
+      <a:camera prst="orthographicFront"/>
+      <a:lightRig rig="threePt" dir="t"/>
+    </dgm:scene3d>
+    <dgm:sp3d extrusionH="152250" prstMaterial="matte">
+      <a:bevelT w="165100" prst="coolSlant"/>
+    </dgm:sp3d>
+    <dgm:txPr>
+      <a:sp3d extrusionH="28000" prstMaterial="matte"/>
+    </dgm:txPr>
+    <dgm:style>
+      <a:lnRef idx="0">
+        <a:scrgbClr r="0" g="0" b="0"/>
+      </a:lnRef>
+      <a:fillRef idx="1">
+        <a:scrgbClr r="0" g="0" b="0"/>
+      </a:fillRef>
+      <a:effectRef idx="2">
+        <a:scrgbClr r="0" g="0" b="0"/>
+      </a:effectRef>
+      <a:fontRef idx="minor">
+        <a:schemeClr val="lt1"/>
+      </a:fontRef>
+    </dgm:style>
+  </dgm:styleLbl>
+  <dgm:styleLbl name="lnNode1">
+    <dgm:scene3d>
+      <a:camera prst="orthographicFront"/>
+      <a:lightRig rig="threePt" dir="t"/>
+    </dgm:scene3d>
+    <dgm:sp3d extrusionH="152250" prstMaterial="matte">
+      <a:bevelT w="165100" prst="coolSlant"/>
+    </dgm:sp3d>
+    <dgm:txPr>
+      <a:sp3d extrusionH="28000" prstMaterial="matte"/>
+    </dgm:txPr>
+    <dgm:style>
+      <a:lnRef idx="0">
+        <a:scrgbClr r="0" g="0" b="0"/>
+      </a:lnRef>
+      <a:fillRef idx="1">
+        <a:scrgbClr r="0" g="0" b="0"/>
+      </a:fillRef>
+      <a:effectRef idx="2">
+        <a:scrgbClr r="0" g="0" b="0"/>
+      </a:effectRef>
+      <a:fontRef idx="minor">
+        <a:schemeClr val="lt1"/>
+      </a:fontRef>
+    </dgm:style>
+  </dgm:styleLbl>
+  <dgm:styleLbl name="vennNode1">
+    <dgm:scene3d>
+      <a:camera prst="orthographicFront"/>
+      <a:lightRig rig="threePt" dir="t"/>
+    </dgm:scene3d>
+    <dgm:sp3d extrusionH="152250" prstMaterial="matte">
+      <a:bevelT w="165100" prst="coolSlant"/>
+    </dgm:sp3d>
+    <dgm:txPr>
+      <a:sp3d extrusionH="28000" prstMaterial="matte"/>
+    </dgm:txPr>
+    <dgm:style>
+      <a:lnRef idx="0">
+        <a:scrgbClr r="0" g="0" b="0"/>
+      </a:lnRef>
+      <a:fillRef idx="1">
+        <a:scrgbClr r="0" g="0" b="0"/>
+      </a:fillRef>
+      <a:effectRef idx="2">
+        <a:scrgbClr r="0" g="0" b="0"/>
+      </a:effectRef>
+      <a:fontRef idx="minor">
+        <a:schemeClr val="tx1"/>
+      </a:fontRef>
+    </dgm:style>
+  </dgm:styleLbl>
+  <dgm:styleLbl name="alignNode1">
+    <dgm:scene3d>
+      <a:camera prst="orthographicFront"/>
+      <a:lightRig rig="threePt" dir="t"/>
+    </dgm:scene3d>
+    <dgm:sp3d extrusionH="152250" prstMaterial="matte">
+      <a:bevelT w="165100" prst="coolSlant"/>
+    </dgm:sp3d>
+    <dgm:txPr>
+      <a:sp3d extrusionH="28000" prstMaterial="matte"/>
+    </dgm:txPr>
+    <dgm:style>
+      <a:lnRef idx="1">
+        <a:scrgbClr r="0" g="0" b="0"/>
+      </a:lnRef>
+      <a:fillRef idx="1">
+        <a:scrgbClr r="0" g="0" b="0"/>
+      </a:fillRef>
+      <a:effectRef idx="2">
+        <a:scrgbClr r="0" g="0" b="0"/>
+      </a:effectRef>
+      <a:fontRef idx="minor">
+        <a:schemeClr val="lt1"/>
+      </a:fontRef>
+    </dgm:style>
+  </dgm:styleLbl>
+  <dgm:styleLbl name="node1">
+    <dgm:scene3d>
+      <a:camera prst="orthographicFront"/>
+      <a:lightRig rig="threePt" dir="t"/>
+    </dgm:scene3d>
+    <dgm:sp3d extrusionH="152250" prstMaterial="matte">
+      <a:bevelT w="165100" prst="coolSlant"/>
+    </dgm:sp3d>
+    <dgm:txPr>
+      <a:sp3d extrusionH="28000" prstMaterial="matte"/>
+    </dgm:txPr>
+    <dgm:style>
+      <a:lnRef idx="0">
+        <a:scrgbClr r="0" g="0" b="0"/>
+      </a:lnRef>
+      <a:fillRef idx="1">
+        <a:scrgbClr r="0" g="0" b="0"/>
+      </a:fillRef>
+      <a:effectRef idx="2">
+        <a:scrgbClr r="0" g="0" b="0"/>
+      </a:effectRef>
+      <a:fontRef idx="minor">
+        <a:schemeClr val="lt1"/>
+      </a:fontRef>
+    </dgm:style>
+  </dgm:styleLbl>
+  <dgm:styleLbl name="node2">
+    <dgm:scene3d>
+      <a:camera prst="orthographicFront"/>
+      <a:lightRig rig="threePt" dir="t"/>
+    </dgm:scene3d>
+    <dgm:sp3d extrusionH="152250" prstMaterial="matte">
+      <a:bevelT w="165100" prst="coolSlant"/>
+    </dgm:sp3d>
+    <dgm:txPr>
+      <a:sp3d extrusionH="28000" prstMaterial="matte"/>
+    </dgm:txPr>
+    <dgm:style>
+      <a:lnRef idx="0">
+        <a:scrgbClr r="0" g="0" b="0"/>
+      </a:lnRef>
+      <a:fillRef idx="1">
+        <a:scrgbClr r="0" g="0" b="0"/>
+      </a:fillRef>
+      <a:effectRef idx="2">
+        <a:scrgbClr r="0" g="0" b="0"/>
+      </a:effectRef>
+      <a:fontRef idx="minor">
+        <a:schemeClr val="lt1"/>
+      </a:fontRef>
+    </dgm:style>
+  </dgm:styleLbl>
+  <dgm:styleLbl name="node3">
+    <dgm:scene3d>
+      <a:camera prst="orthographicFront"/>
+      <a:lightRig rig="threePt" dir="t"/>
+    </dgm:scene3d>
+    <dgm:sp3d extrusionH="152250" prstMaterial="matte">
+      <a:bevelT w="165100" prst="coolSlant"/>
+    </dgm:sp3d>
+    <dgm:txPr>
+      <a:sp3d extrusionH="28000" prstMaterial="matte"/>
+    </dgm:txPr>
+    <dgm:style>
+      <a:lnRef idx="0">
+        <a:scrgbClr r="0" g="0" b="0"/>
+      </a:lnRef>
+      <a:fillRef idx="1">
+        <a:scrgbClr r="0" g="0" b="0"/>
+      </a:fillRef>
+      <a:effectRef idx="2">
+        <a:scrgbClr r="0" g="0" b="0"/>
+      </a:effectRef>
+      <a:fontRef idx="minor">
+        <a:schemeClr val="lt1"/>
+      </a:fontRef>
+    </dgm:style>
+  </dgm:styleLbl>
+  <dgm:styleLbl name="node4">
+    <dgm:scene3d>
+      <a:camera prst="orthographicFront"/>
+      <a:lightRig rig="threePt" dir="t"/>
+    </dgm:scene3d>
+    <dgm:sp3d extrusionH="152250" prstMaterial="matte">
+      <a:bevelT w="165100" prst="coolSlant"/>
+    </dgm:sp3d>
+    <dgm:txPr>
+      <a:sp3d extrusionH="28000" prstMaterial="matte"/>
+    </dgm:txPr>
+    <dgm:style>
+      <a:lnRef idx="0">
+        <a:scrgbClr r="0" g="0" b="0"/>
+      </a:lnRef>
+      <a:fillRef idx="1">
+        <a:scrgbClr r="0" g="0" b="0"/>
+      </a:fillRef>
+      <a:effectRef idx="2">
+        <a:scrgbClr r="0" g="0" b="0"/>
+      </a:effectRef>
+      <a:fontRef idx="minor">
+        <a:schemeClr val="lt1"/>
+      </a:fontRef>
+    </dgm:style>
+  </dgm:styleLbl>
+  <dgm:styleLbl name="fgImgPlace1">
+    <dgm:scene3d>
+      <a:camera prst="orthographicFront"/>
+      <a:lightRig rig="threePt" dir="t"/>
+    </dgm:scene3d>
+    <dgm:sp3d prstMaterial="matte"/>
+    <dgm:txPr/>
+    <dgm:style>
+      <a:lnRef idx="0">
+        <a:scrgbClr r="0" g="0" b="0"/>
+      </a:lnRef>
+      <a:fillRef idx="1">
+        <a:scrgbClr r="0" g="0" b="0"/>
+      </a:fillRef>
+      <a:effectRef idx="0">
+        <a:scrgbClr r="0" g="0" b="0"/>
+      </a:effectRef>
+      <a:fontRef idx="minor"/>
+    </dgm:style>
+  </dgm:styleLbl>
+  <dgm:styleLbl name="alignImgPlace1">
+    <dgm:scene3d>
+      <a:camera prst="orthographicFront"/>
+      <a:lightRig rig="threePt" dir="t"/>
+    </dgm:scene3d>
+    <dgm:sp3d extrusionH="152250" prstMaterial="matte">
+      <a:bevelT w="165100" prst="coolSlant"/>
+    </dgm:sp3d>
+    <dgm:txPr/>
+    <dgm:style>
+      <a:lnRef idx="0">
+        <a:scrgbClr r="0" g="0" b="0"/>
+      </a:lnRef>
+      <a:fillRef idx="1">
+        <a:scrgbClr r="0" g="0" b="0"/>
+      </a:fillRef>
+      <a:effectRef idx="0">
+        <a:scrgbClr r="0" g="0" b="0"/>
+      </a:effectRef>
+      <a:fontRef idx="minor"/>
+    </dgm:style>
+  </dgm:styleLbl>
+  <dgm:styleLbl name="bgImgPlace1">
+    <dgm:scene3d>
+      <a:camera prst="orthographicFront"/>
+      <a:lightRig rig="threePt" dir="t"/>
+    </dgm:scene3d>
+    <dgm:sp3d z="-227350" prstMaterial="matte"/>
+    <dgm:txPr/>
+    <dgm:style>
+      <a:lnRef idx="0">
+        <a:scrgbClr r="0" g="0" b="0"/>
+      </a:lnRef>
+      <a:fillRef idx="1">
+        <a:scrgbClr r="0" g="0" b="0"/>
+      </a:fillRef>
+      <a:effectRef idx="0">
+        <a:scrgbClr r="0" g="0" b="0"/>
+      </a:effectRef>
+      <a:fontRef idx="minor"/>
+    </dgm:style>
+  </dgm:styleLbl>
+  <dgm:styleLbl name="sibTrans2D1">
+    <dgm:scene3d>
+      <a:camera prst="orthographicFront"/>
+      <a:lightRig rig="threePt" dir="t"/>
+    </dgm:scene3d>
+    <dgm:sp3d z="-227350" prstMaterial="matte"/>
+    <dgm:txPr/>
+    <dgm:style>
+      <a:lnRef idx="0">
+        <a:scrgbClr r="0" g="0" b="0"/>
+      </a:lnRef>
+      <a:fillRef idx="1">
+        <a:scrgbClr r="0" g="0" b="0"/>
+      </a:fillRef>
+      <a:effectRef idx="0">
+        <a:scrgbClr r="0" g="0" b="0"/>
+      </a:effectRef>
+      <a:fontRef idx="minor">
+        <a:schemeClr val="lt1"/>
+      </a:fontRef>
+    </dgm:style>
+  </dgm:styleLbl>
+  <dgm:styleLbl name="fgSibTrans2D1">
+    <dgm:scene3d>
+      <a:camera prst="orthographicFront"/>
+      <a:lightRig rig="threePt" dir="t"/>
+    </dgm:scene3d>
+    <dgm:sp3d prstMaterial="matte"/>
+    <dgm:txPr/>
+    <dgm:style>
+      <a:lnRef idx="0">
+        <a:scrgbClr r="0" g="0" b="0"/>
+      </a:lnRef>
+      <a:fillRef idx="1">
+        <a:scrgbClr r="0" g="0" b="0"/>
+      </a:fillRef>
+      <a:effectRef idx="2">
+        <a:scrgbClr r="0" g="0" b="0"/>
+      </a:effectRef>
+      <a:fontRef idx="minor">
+        <a:schemeClr val="lt1"/>
+      </a:fontRef>
+    </dgm:style>
+  </dgm:styleLbl>
+  <dgm:styleLbl name="bgSibTrans2D1">
+    <dgm:scene3d>
+      <a:camera prst="orthographicFront"/>
+      <a:lightRig rig="threePt" dir="t"/>
+    </dgm:scene3d>
+    <dgm:sp3d z="-227350" prstMaterial="matte"/>
+    <dgm:txPr/>
+    <dgm:style>
+      <a:lnRef idx="0">
+        <a:scrgbClr r="0" g="0" b="0"/>
+      </a:lnRef>
+      <a:fillRef idx="1">
+        <a:scrgbClr r="0" g="0" b="0"/>
+      </a:fillRef>
+      <a:effectRef idx="0">
+        <a:scrgbClr r="0" g="0" b="0"/>
+      </a:effectRef>
+      <a:fontRef idx="minor">
+        <a:schemeClr val="lt1"/>
+      </a:fontRef>
+    </dgm:style>
+  </dgm:styleLbl>
+  <dgm:styleLbl name="sibTrans1D1">
+    <dgm:scene3d>
+      <a:camera prst="orthographicFront"/>
+      <a:lightRig rig="threePt" dir="t"/>
+    </dgm:scene3d>
+    <dgm:sp3d z="-227350" prstMaterial="matte"/>
+    <dgm:txPr/>
+    <dgm:style>
+      <a:lnRef idx="1">
+        <a:scrgbClr r="0" g="0" b="0"/>
+      </a:lnRef>
+      <a:fillRef idx="0">
+        <a:scrgbClr r="0" g="0" b="0"/>
+      </a:fillRef>
+      <a:effectRef idx="0">
+        <a:scrgbClr r="0" g="0" b="0"/>
+      </a:effectRef>
+      <a:fontRef idx="minor"/>
+    </dgm:style>
+  </dgm:styleLbl>
+  <dgm:styleLbl name="callout">
+    <dgm:scene3d>
+      <a:camera prst="orthographicFront"/>
+      <a:lightRig rig="threePt" dir="t"/>
+    </dgm:scene3d>
+    <dgm:sp3d prstMaterial="matte"/>
+    <dgm:txPr/>
+    <dgm:style>
+      <a:lnRef idx="2">
+        <a:scrgbClr r="0" g="0" b="0"/>
+      </a:lnRef>
+      <a:fillRef idx="1">
+        <a:scrgbClr r="0" g="0" b="0"/>
+      </a:fillRef>
+      <a:effectRef idx="0">
+        <a:scrgbClr r="0" g="0" b="0"/>
+      </a:effectRef>
+      <a:fontRef idx="minor"/>
+    </dgm:style>
+  </dgm:styleLbl>
+  <dgm:styleLbl name="asst0">
+    <dgm:scene3d>
+      <a:camera prst="orthographicFront"/>
+      <a:lightRig rig="threePt" dir="t"/>
+    </dgm:scene3d>
+    <dgm:sp3d extrusionH="152250" prstMaterial="matte">
+      <a:bevelT w="165100" prst="coolSlant"/>
+    </dgm:sp3d>
+    <dgm:txPr>
+      <a:sp3d extrusionH="28000" prstMaterial="matte"/>
+    </dgm:txPr>
+    <dgm:style>
+      <a:lnRef idx="0">
+        <a:scrgbClr r="0" g="0" b="0"/>
+      </a:lnRef>
+      <a:fillRef idx="1">
+        <a:scrgbClr r="0" g="0" b="0"/>
+      </a:fillRef>
+      <a:effectRef idx="2">
+        <a:scrgbClr r="0" g="0" b="0"/>
+      </a:effectRef>
+      <a:fontRef idx="minor">
+        <a:schemeClr val="lt1"/>
+      </a:fontRef>
+    </dgm:style>
+  </dgm:styleLbl>
+  <dgm:styleLbl name="asst1">
+    <dgm:scene3d>
+      <a:camera prst="orthographicFront"/>
+      <a:lightRig rig="threePt" dir="t"/>
+    </dgm:scene3d>
+    <dgm:sp3d extrusionH="152250" prstMaterial="matte">
+      <a:bevelT w="165100" prst="coolSlant"/>
+    </dgm:sp3d>
+    <dgm:txPr>
+      <a:sp3d extrusionH="28000" prstMaterial="matte"/>
+    </dgm:txPr>
+    <dgm:style>
+      <a:lnRef idx="0">
+        <a:scrgbClr r="0" g="0" b="0"/>
+      </a:lnRef>
+      <a:fillRef idx="1">
+        <a:scrgbClr r="0" g="0" b="0"/>
+      </a:fillRef>
+      <a:effectRef idx="2">
+        <a:scrgbClr r="0" g="0" b="0"/>
+      </a:effectRef>
+      <a:fontRef idx="minor">
+        <a:schemeClr val="lt1"/>
+      </a:fontRef>
+    </dgm:style>
+  </dgm:styleLbl>
+  <dgm:styleLbl name="asst2">
+    <dgm:scene3d>
+      <a:camera prst="orthographicFront"/>
+      <a:lightRig rig="threePt" dir="t"/>
+    </dgm:scene3d>
+    <dgm:sp3d extrusionH="152250" prstMaterial="matte">
+      <a:bevelT w="165100" prst="coolSlant"/>
+    </dgm:sp3d>
+    <dgm:txPr>
+      <a:sp3d extrusionH="28000" prstMaterial="matte"/>
+    </dgm:txPr>
+    <dgm:style>
+      <a:lnRef idx="0">
+        <a:scrgbClr r="0" g="0" b="0"/>
+      </a:lnRef>
+      <a:fillRef idx="1">
+        <a:scrgbClr r="0" g="0" b="0"/>
+      </a:fillRef>
+      <a:effectRef idx="2">
+        <a:scrgbClr r="0" g="0" b="0"/>
+      </a:effectRef>
+      <a:fontRef idx="minor">
+        <a:schemeClr val="lt1"/>
+      </a:fontRef>
+    </dgm:style>
+  </dgm:styleLbl>
+  <dgm:styleLbl name="asst3">
+    <dgm:scene3d>
+      <a:camera prst="orthographicFront"/>
+      <a:lightRig rig="threePt" dir="t"/>
+    </dgm:scene3d>
+    <dgm:sp3d extrusionH="152250" prstMaterial="matte">
+      <a:bevelT w="165100" prst="coolSlant"/>
+    </dgm:sp3d>
+    <dgm:txPr>
+      <a:sp3d extrusionH="28000" prstMaterial="matte"/>
+    </dgm:txPr>
+    <dgm:style>
+      <a:lnRef idx="0">
+        <a:scrgbClr r="0" g="0" b="0"/>
+      </a:lnRef>
+      <a:fillRef idx="1">
+        <a:scrgbClr r="0" g="0" b="0"/>
+      </a:fillRef>
+      <a:effectRef idx="2">
+        <a:scrgbClr r="0" g="0" b="0"/>
+      </a:effectRef>
+      <a:fontRef idx="minor">
+        <a:schemeClr val="lt1"/>
+      </a:fontRef>
+    </dgm:style>
+  </dgm:styleLbl>
+  <dgm:styleLbl name="parChTrans2D1">
+    <dgm:scene3d>
+      <a:camera prst="orthographicFront"/>
+      <a:lightRig rig="threePt" dir="t"/>
+    </dgm:scene3d>
+    <dgm:sp3d z="-227350" prstMaterial="matte"/>
+    <dgm:txPr/>
+    <dgm:style>
+      <a:lnRef idx="0">
+        <a:scrgbClr r="0" g="0" b="0"/>
+      </a:lnRef>
+      <a:fillRef idx="1">
+        <a:scrgbClr r="0" g="0" b="0"/>
+      </a:fillRef>
+      <a:effectRef idx="0">
+        <a:scrgbClr r="0" g="0" b="0"/>
+      </a:effectRef>
+      <a:fontRef idx="minor">
+        <a:schemeClr val="lt1"/>
+      </a:fontRef>
+    </dgm:style>
+  </dgm:styleLbl>
+  <dgm:styleLbl name="parChTrans2D2">
+    <dgm:scene3d>
+      <a:camera prst="orthographicFront"/>
+      <a:lightRig rig="threePt" dir="t"/>
+    </dgm:scene3d>
+    <dgm:sp3d z="-227350" prstMaterial="matte"/>
+    <dgm:txPr/>
+    <dgm:style>
+      <a:lnRef idx="0">
+        <a:scrgbClr r="0" g="0" b="0"/>
+      </a:lnRef>
+      <a:fillRef idx="1">
+        <a:scrgbClr r="0" g="0" b="0"/>
+      </a:fillRef>
+      <a:effectRef idx="0">
+        <a:scrgbClr r="0" g="0" b="0"/>
+      </a:effectRef>
+      <a:fontRef idx="minor">
+        <a:schemeClr val="lt1"/>
+      </a:fontRef>
+    </dgm:style>
+  </dgm:styleLbl>
+  <dgm:styleLbl name="parChTrans2D3">
+    <dgm:scene3d>
+      <a:camera prst="orthographicFront"/>
+      <a:lightRig rig="threePt" dir="t"/>
+    </dgm:scene3d>
+    <dgm:sp3d z="-227350" prstMaterial="matte"/>
+    <dgm:txPr/>
+    <dgm:style>
+      <a:lnRef idx="0">
+        <a:scrgbClr r="0" g="0" b="0"/>
+      </a:lnRef>
+      <a:fillRef idx="3">
+        <a:scrgbClr r="0" g="0" b="0"/>
+      </a:fillRef>
+      <a:effectRef idx="0">
+        <a:scrgbClr r="0" g="0" b="0"/>
+      </a:effectRef>
+      <a:fontRef idx="minor">
+        <a:schemeClr val="lt1"/>
+      </a:fontRef>
+    </dgm:style>
+  </dgm:styleLbl>
+  <dgm:styleLbl name="parChTrans2D4">
+    <dgm:scene3d>
+      <a:camera prst="orthographicFront"/>
+      <a:lightRig rig="threePt" dir="t"/>
+    </dgm:scene3d>
+    <dgm:sp3d z="-227350" prstMaterial="matte"/>
+    <dgm:txPr/>
+    <dgm:style>
+      <a:lnRef idx="0">
+        <a:scrgbClr r="0" g="0" b="0"/>
+      </a:lnRef>
+      <a:fillRef idx="3">
+        <a:scrgbClr r="0" g="0" b="0"/>
+      </a:fillRef>
+      <a:effectRef idx="0">
+        <a:scrgbClr r="0" g="0" b="0"/>
+      </a:effectRef>
+      <a:fontRef idx="minor">
+        <a:schemeClr val="lt1"/>
+      </a:fontRef>
+    </dgm:style>
+  </dgm:styleLbl>
+  <dgm:styleLbl name="parChTrans1D1">
+    <dgm:scene3d>
+      <a:camera prst="orthographicFront"/>
+      <a:lightRig rig="threePt" dir="t"/>
+    </dgm:scene3d>
+    <dgm:sp3d z="-227350" prstMaterial="matte"/>
+    <dgm:txPr/>
+    <dgm:style>
+      <a:lnRef idx="2">
+        <a:scrgbClr r="0" g="0" b="0"/>
+      </a:lnRef>
+      <a:fillRef idx="0">
+        <a:scrgbClr r="0" g="0" b="0"/>
+      </a:fillRef>
+      <a:effectRef idx="0">
+        <a:scrgbClr r="0" g="0" b="0"/>
+      </a:effectRef>
+      <a:fontRef idx="minor"/>
+    </dgm:style>
+  </dgm:styleLbl>
+  <dgm:styleLbl name="parChTrans1D2">
+    <dgm:scene3d>
+      <a:camera prst="orthographicFront"/>
+      <a:lightRig rig="threePt" dir="t"/>
+    </dgm:scene3d>
+    <dgm:sp3d z="-227350" prstMaterial="matte"/>
+    <dgm:txPr/>
+    <dgm:style>
+      <a:lnRef idx="2">
+        <a:scrgbClr r="0" g="0" b="0"/>
+      </a:lnRef>
+      <a:fillRef idx="0">
+        <a:scrgbClr r="0" g="0" b="0"/>
+      </a:fillRef>
+      <a:effectRef idx="0">
+        <a:scrgbClr r="0" g="0" b="0"/>
+      </a:effectRef>
+      <a:fontRef idx="minor"/>
+    </dgm:style>
+  </dgm:styleLbl>
+  <dgm:styleLbl name="parChTrans1D3">
+    <dgm:scene3d>
+      <a:camera prst="orthographicFront"/>
+      <a:lightRig rig="threePt" dir="t"/>
+    </dgm:scene3d>
+    <dgm:sp3d z="-227350" prstMaterial="matte"/>
+    <dgm:txPr/>
+    <dgm:style>
+      <a:lnRef idx="2">
+        <a:scrgbClr r="0" g="0" b="0"/>
+      </a:lnRef>
+      <a:fillRef idx="0">
+        <a:scrgbClr r="0" g="0" b="0"/>
+      </a:fillRef>
+      <a:effectRef idx="0">
+        <a:scrgbClr r="0" g="0" b="0"/>
+      </a:effectRef>
+      <a:fontRef idx="minor"/>
+    </dgm:style>
+  </dgm:styleLbl>
+  <dgm:styleLbl name="parChTrans1D4">
+    <dgm:scene3d>
+      <a:camera prst="orthographicFront"/>
+      <a:lightRig rig="threePt" dir="t"/>
+    </dgm:scene3d>
+    <dgm:sp3d z="-227350" prstMaterial="matte"/>
+    <dgm:txPr/>
+    <dgm:style>
+      <a:lnRef idx="2">
+        <a:scrgbClr r="0" g="0" b="0"/>
+      </a:lnRef>
+      <a:fillRef idx="0">
+        <a:scrgbClr r="0" g="0" b="0"/>
+      </a:fillRef>
+      <a:effectRef idx="0">
+        <a:scrgbClr r="0" g="0" b="0"/>
+      </a:effectRef>
+      <a:fontRef idx="minor"/>
+    </dgm:style>
+  </dgm:styleLbl>
+  <dgm:styleLbl name="fgAcc1">
+    <dgm:scene3d>
+      <a:camera prst="orthographicFront"/>
+      <a:lightRig rig="threePt" dir="t"/>
+    </dgm:scene3d>
+    <dgm:sp3d prstMaterial="matte"/>
+    <dgm:txPr/>
+    <dgm:style>
+      <a:lnRef idx="1">
+        <a:scrgbClr r="0" g="0" b="0"/>
+      </a:lnRef>
+      <a:fillRef idx="1">
+        <a:scrgbClr r="0" g="0" b="0"/>
+      </a:fillRef>
+      <a:effectRef idx="0">
+        <a:scrgbClr r="0" g="0" b="0"/>
+      </a:effectRef>
+      <a:fontRef idx="minor"/>
+    </dgm:style>
+  </dgm:styleLbl>
+  <dgm:styleLbl name="conFgAcc1">
+    <dgm:scene3d>
+      <a:camera prst="orthographicFront"/>
+      <a:lightRig rig="threePt" dir="t"/>
+    </dgm:scene3d>
+    <dgm:sp3d z="-227350" prstMaterial="matte"/>
+    <dgm:txPr/>
+    <dgm:style>
+      <a:lnRef idx="1">
+        <a:scrgbClr r="0" g="0" b="0"/>
+      </a:lnRef>
+      <a:fillRef idx="1">
+        <a:scrgbClr r="0" g="0" b="0"/>
+      </a:fillRef>
+      <a:effectRef idx="0">
+        <a:scrgbClr r="0" g="0" b="0"/>
+      </a:effectRef>
+      <a:fontRef idx="minor"/>
+    </dgm:style>
+  </dgm:styleLbl>
+  <dgm:styleLbl name="alignAcc1">
+    <dgm:scene3d>
+      <a:camera prst="orthographicFront"/>
+      <a:lightRig rig="threePt" dir="t"/>
+    </dgm:scene3d>
+    <dgm:sp3d extrusionH="152250" prstMaterial="matte">
+      <a:bevelT w="165100" prst="coolSlant"/>
+    </dgm:sp3d>
+    <dgm:txPr/>
+    <dgm:style>
+      <a:lnRef idx="0">
+        <a:scrgbClr r="0" g="0" b="0"/>
+      </a:lnRef>
+      <a:fillRef idx="1">
+        <a:scrgbClr r="0" g="0" b="0"/>
+      </a:fillRef>
+      <a:effectRef idx="2">
+        <a:scrgbClr r="0" g="0" b="0"/>
+      </a:effectRef>
+      <a:fontRef idx="minor"/>
+    </dgm:style>
+  </dgm:styleLbl>
+  <dgm:styleLbl name="trAlignAcc1">
+    <dgm:scene3d>
+      <a:camera prst="orthographicFront"/>
+      <a:lightRig rig="threePt" dir="t"/>
+    </dgm:scene3d>
+    <dgm:sp3d extrusionH="152250" prstMaterial="matte">
+      <a:bevelT w="165100" prst="coolSlant"/>
+    </dgm:sp3d>
+    <dgm:txPr/>
+    <dgm:style>
+      <a:lnRef idx="0">
+        <a:scrgbClr r="0" g="0" b="0"/>
+      </a:lnRef>
+      <a:fillRef idx="1">
+        <a:scrgbClr r="0" g="0" b="0"/>
+      </a:fillRef>
+      <a:effectRef idx="2">
+        <a:scrgbClr r="0" g="0" b="0"/>
+      </a:effectRef>
+      <a:fontRef idx="minor"/>
+    </dgm:style>
+  </dgm:styleLbl>
+  <dgm:styleLbl name="bgAcc1">
+    <dgm:scene3d>
+      <a:camera prst="orthographicFront"/>
+      <a:lightRig rig="threePt" dir="t"/>
+    </dgm:scene3d>
+    <dgm:sp3d z="-227350" prstMaterial="matte"/>
+    <dgm:txPr/>
+    <dgm:style>
+      <a:lnRef idx="1">
+        <a:scrgbClr r="0" g="0" b="0"/>
+      </a:lnRef>
+      <a:fillRef idx="1">
+        <a:scrgbClr r="0" g="0" b="0"/>
+      </a:fillRef>
+      <a:effectRef idx="0">
+        <a:scrgbClr r="0" g="0" b="0"/>
+      </a:effectRef>
+      <a:fontRef idx="minor"/>
+    </dgm:style>
+  </dgm:styleLbl>
+  <dgm:styleLbl name="solidFgAcc1">
+    <dgm:scene3d>
+      <a:camera prst="orthographicFront"/>
+      <a:lightRig rig="threePt" dir="t"/>
+    </dgm:scene3d>
+    <dgm:sp3d prstMaterial="matte"/>
+    <dgm:txPr/>
+    <dgm:style>
+      <a:lnRef idx="1">
+        <a:scrgbClr r="0" g="0" b="0"/>
+      </a:lnRef>
+      <a:fillRef idx="1">
+        <a:scrgbClr r="0" g="0" b="0"/>
+      </a:fillRef>
+      <a:effectRef idx="0">
+        <a:scrgbClr r="0" g="0" b="0"/>
+      </a:effectRef>
+      <a:fontRef idx="minor"/>
+    </dgm:style>
+  </dgm:styleLbl>
+  <dgm:styleLbl name="solidAlignAcc1">
+    <dgm:scene3d>
+      <a:camera prst="orthographicFront"/>
+      <a:lightRig rig="threePt" dir="t"/>
+    </dgm:scene3d>
+    <dgm:sp3d extrusionH="152250" prstMaterial="matte">
+      <a:bevelT w="165100" prst="coolSlant"/>
+    </dgm:sp3d>
+    <dgm:txPr/>
+    <dgm:style>
+      <a:lnRef idx="0">
+        <a:scrgbClr r="0" g="0" b="0"/>
+      </a:lnRef>
+      <a:fillRef idx="1">
+        <a:scrgbClr r="0" g="0" b="0"/>
+      </a:fillRef>
+      <a:effectRef idx="2">
+        <a:scrgbClr r="0" g="0" b="0"/>
+      </a:effectRef>
+      <a:fontRef idx="minor"/>
+    </dgm:style>
+  </dgm:styleLbl>
+  <dgm:styleLbl name="solidBgAcc1">
+    <dgm:scene3d>
+      <a:camera prst="orthographicFront"/>
+      <a:lightRig rig="threePt" dir="t"/>
+    </dgm:scene3d>
+    <dgm:sp3d z="-227350" prstMaterial="matte"/>
+    <dgm:txPr/>
+    <dgm:style>
+      <a:lnRef idx="1">
+        <a:scrgbClr r="0" g="0" b="0"/>
+      </a:lnRef>
+      <a:fillRef idx="1">
+        <a:scrgbClr r="0" g="0" b="0"/>
+      </a:fillRef>
+      <a:effectRef idx="0">
+        <a:scrgbClr r="0" g="0" b="0"/>
+      </a:effectRef>
+      <a:fontRef idx="minor"/>
+    </dgm:style>
+  </dgm:styleLbl>
+  <dgm:styleLbl name="fgAccFollowNode1">
+    <dgm:scene3d>
+      <a:camera prst="orthographicFront"/>
+      <a:lightRig rig="threePt" dir="t"/>
+    </dgm:scene3d>
+    <dgm:sp3d prstMaterial="matte"/>
+    <dgm:txPr/>
+    <dgm:style>
+      <a:lnRef idx="1">
+        <a:scrgbClr r="0" g="0" b="0"/>
+      </a:lnRef>
+      <a:fillRef idx="1">
+        <a:scrgbClr r="0" g="0" b="0"/>
+      </a:fillRef>
+      <a:effectRef idx="0">
+        <a:scrgbClr r="0" g="0" b="0"/>
+      </a:effectRef>
+      <a:fontRef idx="minor"/>
+    </dgm:style>
+  </dgm:styleLbl>
+  <dgm:styleLbl name="alignAccFollowNode1">
+    <dgm:scene3d>
+      <a:camera prst="orthographicFront"/>
+      <a:lightRig rig="threePt" dir="t"/>
+    </dgm:scene3d>
+    <dgm:sp3d extrusionH="152250" prstMaterial="matte">
+      <a:bevelT w="165100" prst="coolSlant"/>
+    </dgm:sp3d>
+    <dgm:txPr/>
+    <dgm:style>
+      <a:lnRef idx="0">
+        <a:scrgbClr r="0" g="0" b="0"/>
+      </a:lnRef>
+      <a:fillRef idx="1">
+        <a:scrgbClr r="0" g="0" b="0"/>
+      </a:fillRef>
+      <a:effectRef idx="2">
+        <a:scrgbClr r="0" g="0" b="0"/>
+      </a:effectRef>
+      <a:fontRef idx="minor"/>
+    </dgm:style>
+  </dgm:styleLbl>
+  <dgm:styleLbl name="bgAccFollowNode1">
+    <dgm:scene3d>
+      <a:camera prst="orthographicFront"/>
+      <a:lightRig rig="threePt" dir="t"/>
+    </dgm:scene3d>
+    <dgm:sp3d z="-227350" prstMaterial="matte"/>
+    <dgm:txPr/>
+    <dgm:style>
+      <a:lnRef idx="1">
+        <a:scrgbClr r="0" g="0" b="0"/>
+      </a:lnRef>
+      <a:fillRef idx="1">
+        <a:scrgbClr r="0" g="0" b="0"/>
+      </a:fillRef>
+      <a:effectRef idx="0">
+        <a:scrgbClr r="0" g="0" b="0"/>
+      </a:effectRef>
+      <a:fontRef idx="minor"/>
+    </dgm:style>
+  </dgm:styleLbl>
+  <dgm:styleLbl name="fgAcc0">
+    <dgm:scene3d>
+      <a:camera prst="orthographicFront"/>
+      <a:lightRig rig="threePt" dir="t"/>
+    </dgm:scene3d>
+    <dgm:sp3d prstMaterial="matte"/>
+    <dgm:txPr/>
+    <dgm:style>
+      <a:lnRef idx="0">
+        <a:scrgbClr r="0" g="0" b="0"/>
+      </a:lnRef>
+      <a:fillRef idx="1">
+        <a:scrgbClr r="0" g="0" b="0"/>
+      </a:fillRef>
+      <a:effectRef idx="0">
+        <a:scrgbClr r="0" g="0" b="0"/>
+      </a:effectRef>
+      <a:fontRef idx="minor"/>
+    </dgm:style>
+  </dgm:styleLbl>
+  <dgm:styleLbl name="fgAcc2">
+    <dgm:scene3d>
+      <a:camera prst="orthographicFront"/>
+      <a:lightRig rig="threePt" dir="t"/>
+    </dgm:scene3d>
+    <dgm:sp3d prstMaterial="matte"/>
+    <dgm:txPr/>
+    <dgm:style>
+      <a:lnRef idx="0">
+        <a:scrgbClr r="0" g="0" b="0"/>
+      </a:lnRef>
+      <a:fillRef idx="1">
+        <a:scrgbClr r="0" g="0" b="0"/>
+      </a:fillRef>
+      <a:effectRef idx="0">
+        <a:scrgbClr r="0" g="0" b="0"/>
+      </a:effectRef>
+      <a:fontRef idx="minor"/>
+    </dgm:style>
+  </dgm:styleLbl>
+  <dgm:styleLbl name="fgAcc3">
+    <dgm:scene3d>
+      <a:camera prst="orthographicFront"/>
+      <a:lightRig rig="threePt" dir="t"/>
+    </dgm:scene3d>
+    <dgm:sp3d prstMaterial="matte"/>
+    <dgm:txPr/>
+    <dgm:style>
+      <a:lnRef idx="0">
+        <a:scrgbClr r="0" g="0" b="0"/>
+      </a:lnRef>
+      <a:fillRef idx="1">
+        <a:scrgbClr r="0" g="0" b="0"/>
+      </a:fillRef>
+      <a:effectRef idx="0">
+        <a:scrgbClr r="0" g="0" b="0"/>
+      </a:effectRef>
+      <a:fontRef idx="minor"/>
+    </dgm:style>
+  </dgm:styleLbl>
+  <dgm:styleLbl name="fgAcc4">
+    <dgm:scene3d>
+      <a:camera prst="orthographicFront"/>
+      <a:lightRig rig="threePt" dir="t"/>
+    </dgm:scene3d>
+    <dgm:sp3d prstMaterial="matte"/>
+    <dgm:txPr/>
+    <dgm:style>
+      <a:lnRef idx="0">
+        <a:scrgbClr r="0" g="0" b="0"/>
+      </a:lnRef>
+      <a:fillRef idx="1">
+        <a:scrgbClr r="0" g="0" b="0"/>
+      </a:fillRef>
+      <a:effectRef idx="0">
+        <a:scrgbClr r="0" g="0" b="0"/>
+      </a:effectRef>
+      <a:fontRef idx="minor"/>
+    </dgm:style>
+  </dgm:styleLbl>
+  <dgm:styleLbl name="bgShp">
+    <dgm:scene3d>
+      <a:camera prst="orthographicFront"/>
+      <a:lightRig rig="threePt" dir="t"/>
+    </dgm:scene3d>
+    <dgm:sp3d z="-227350" prstMaterial="matte"/>
+    <dgm:txPr/>
+    <dgm:style>
+      <a:lnRef idx="0">
+        <a:scrgbClr r="0" g="0" b="0"/>
+      </a:lnRef>
+      <a:fillRef idx="1">
+        <a:scrgbClr r="0" g="0" b="0"/>
+      </a:fillRef>
+      <a:effectRef idx="0">
+        <a:scrgbClr r="0" g="0" b="0"/>
+      </a:effectRef>
+      <a:fontRef idx="minor"/>
+    </dgm:style>
+  </dgm:styleLbl>
+  <dgm:styleLbl name="dkBgShp">
+    <dgm:scene3d>
+      <a:camera prst="orthographicFront"/>
+      <a:lightRig rig="threePt" dir="t"/>
+    </dgm:scene3d>
+    <dgm:sp3d z="-227350" prstMaterial="matte"/>
+    <dgm:txPr/>
+    <dgm:style>
+      <a:lnRef idx="0">
+        <a:scrgbClr r="0" g="0" b="0"/>
+      </a:lnRef>
+      <a:fillRef idx="1">
+        <a:scrgbClr r="0" g="0" b="0"/>
+      </a:fillRef>
+      <a:effectRef idx="0">
+        <a:scrgbClr r="0" g="0" b="0"/>
+      </a:effectRef>
+      <a:fontRef idx="minor">
+        <a:schemeClr val="lt1"/>
+      </a:fontRef>
+    </dgm:style>
+  </dgm:styleLbl>
+  <dgm:styleLbl name="trBgShp">
+    <dgm:scene3d>
+      <a:camera prst="orthographicFront"/>
+      <a:lightRig rig="threePt" dir="t"/>
+    </dgm:scene3d>
+    <dgm:sp3d z="-227350" prstMaterial="matte"/>
+    <dgm:txPr/>
+    <dgm:style>
+      <a:lnRef idx="0">
+        <a:scrgbClr r="0" g="0" b="0"/>
+      </a:lnRef>
+      <a:fillRef idx="1">
+        <a:scrgbClr r="0" g="0" b="0"/>
+      </a:fillRef>
+      <a:effectRef idx="0">
+        <a:scrgbClr r="0" g="0" b="0"/>
+      </a:effectRef>
+      <a:fontRef idx="minor"/>
+    </dgm:style>
+  </dgm:styleLbl>
+  <dgm:styleLbl name="fgShp">
+    <dgm:scene3d>
+      <a:camera prst="orthographicFront"/>
+      <a:lightRig rig="threePt" dir="t"/>
+    </dgm:scene3d>
+    <dgm:sp3d prstMaterial="matte"/>
+    <dgm:txPr/>
+    <dgm:style>
+      <a:lnRef idx="0">
+        <a:scrgbClr r="0" g="0" b="0"/>
+      </a:lnRef>
+      <a:fillRef idx="1">
+        <a:scrgbClr r="0" g="0" b="0"/>
+      </a:fillRef>
+      <a:effectRef idx="0">
+        <a:scrgbClr r="0" g="0" b="0"/>
+      </a:effectRef>
+      <a:fontRef idx="minor">
+        <a:schemeClr val="lt1"/>
+      </a:fontRef>
+    </dgm:style>
+  </dgm:styleLbl>
+  <dgm:styleLbl name="revTx">
+    <dgm:scene3d>
+      <a:camera prst="orthographicFront"/>
+      <a:lightRig rig="threePt" dir="t"/>
+    </dgm:scene3d>
+    <dgm:sp3d/>
+    <dgm:txPr>
+      <a:sp3d extrusionH="28000" prstMaterial="matte"/>
+    </dgm:txPr>
+    <dgm:style>
+      <a:lnRef idx="0">
+        <a:scrgbClr r="0" g="0" b="0"/>
+      </a:lnRef>
+      <a:fillRef idx="0">
+        <a:scrgbClr r="0" g="0" b="0"/>
+      </a:fillRef>
+      <a:effectRef idx="0">
+        <a:scrgbClr r="0" g="0" b="0"/>
+      </a:effectRef>
+      <a:fontRef idx="minor"/>
+    </dgm:style>
+  </dgm:styleLbl>
+</dgm:styleDef>
+</file>
+
+<file path=ppt/diagrams/quickStyle3.xml><?xml version="1.0" encoding="utf-8"?>
 <dgm:styleDef xmlns:dgm="http://schemas.openxmlformats.org/drawingml/2006/diagram" xmlns:a="http://schemas.openxmlformats.org/drawingml/2006/main" uniqueId="urn:microsoft.com/office/officeart/2005/8/quickstyle/simple3">
   <dgm:title val=""/>
   <dgm:desc val=""/>
@@ -6771,8 +12223,8 @@
           <p:nvPr/>
         </p:nvGraphicFramePr>
         <p:xfrm>
-          <a:off x="476264" y="1285860"/>
-          <a:ext cx="8453454" cy="5357850"/>
+          <a:off x="428596" y="2000240"/>
+          <a:ext cx="8501122" cy="4643470"/>
         </p:xfrm>
         <a:graphic>
           <a:graphicData uri="http://schemas.openxmlformats.org/drawingml/2006/diagram">
@@ -6780,6 +12232,83 @@
           </a:graphicData>
         </a:graphic>
       </p:graphicFrame>
+      <p:pic>
+        <p:nvPicPr>
+          <p:cNvPr id="6" name="5 Imagen" descr="idea.png"/>
+          <p:cNvPicPr>
+            <a:picLocks noChangeAspect="1"/>
+          </p:cNvPicPr>
+          <p:nvPr/>
+        </p:nvPicPr>
+        <p:blipFill>
+          <a:blip r:embed="rId6" cstate="print"/>
+          <a:stretch>
+            <a:fillRect/>
+          </a:stretch>
+        </p:blipFill>
+        <p:spPr>
+          <a:xfrm>
+            <a:off x="500034" y="1214422"/>
+            <a:ext cx="785818" cy="778427"/>
+          </a:xfrm>
+          <a:prstGeom prst="rect">
+            <a:avLst/>
+          </a:prstGeom>
+        </p:spPr>
+      </p:pic>
+      <p:sp>
+        <p:nvSpPr>
+          <p:cNvPr id="7" name="6 Rectángulo"/>
+          <p:cNvSpPr/>
+          <p:nvPr/>
+        </p:nvSpPr>
+        <p:spPr>
+          <a:xfrm>
+            <a:off x="1428728" y="1357298"/>
+            <a:ext cx="2504212" cy="523220"/>
+          </a:xfrm>
+          <a:prstGeom prst="rect">
+            <a:avLst/>
+          </a:prstGeom>
+        </p:spPr>
+        <p:txBody>
+          <a:bodyPr wrap="none">
+            <a:spAutoFit/>
+          </a:bodyPr>
+          <a:lstStyle/>
+          <a:p>
+            <a:r>
+              <a:rPr lang="es-ES" sz="2800" dirty="0" smtClean="0">
+                <a:solidFill>
+                  <a:schemeClr val="accent2">
+                    <a:lumMod val="75000"/>
+                  </a:schemeClr>
+                </a:solidFill>
+                <a:effectLst>
+                  <a:reflection blurRad="12700" stA="48000" endA="300" endPos="55000" dir="5400000" sy="-90000" algn="bl" rotWithShape="0"/>
+                </a:effectLst>
+                <a:latin typeface="+mj-lt"/>
+                <a:ea typeface="+mj-ea"/>
+                <a:cs typeface="+mj-cs"/>
+              </a:rPr>
+              <a:t>En el comienzo</a:t>
+            </a:r>
+            <a:endParaRPr lang="es-ES" sz="2800" cap="all" dirty="0" smtClean="0">
+              <a:solidFill>
+                <a:schemeClr val="accent2">
+                  <a:lumMod val="75000"/>
+                </a:schemeClr>
+              </a:solidFill>
+              <a:effectLst>
+                <a:reflection blurRad="12700" stA="48000" endA="300" endPos="55000" dir="5400000" sy="-90000" algn="bl" rotWithShape="0"/>
+              </a:effectLst>
+              <a:latin typeface="+mj-lt"/>
+              <a:ea typeface="+mj-ea"/>
+              <a:cs typeface="+mj-cs"/>
+            </a:endParaRPr>
+          </a:p>
+        </p:txBody>
+      </p:sp>
     </p:spTree>
   </p:cSld>
   <p:clrMapOvr>
@@ -7094,6 +12623,22 @@
           <a:chExt cx="0" cy="0"/>
         </a:xfrm>
       </p:grpSpPr>
+      <p:graphicFrame>
+        <p:nvGraphicFramePr>
+          <p:cNvPr id="11" name="10 Diagrama"/>
+          <p:cNvGraphicFramePr/>
+          <p:nvPr/>
+        </p:nvGraphicFramePr>
+        <p:xfrm>
+          <a:off x="71406" y="571480"/>
+          <a:ext cx="8072494" cy="6715172"/>
+        </p:xfrm>
+        <a:graphic>
+          <a:graphicData uri="http://schemas.openxmlformats.org/drawingml/2006/diagram">
+            <dgm:relIds xmlns:dgm="http://schemas.openxmlformats.org/drawingml/2006/diagram" xmlns:r="http://schemas.openxmlformats.org/officeDocument/2006/relationships" r:dm="rId2" r:lo="rId3" r:qs="rId4" r:cs="rId5"/>
+          </a:graphicData>
+        </a:graphic>
+      </p:graphicFrame>
       <p:sp>
         <p:nvSpPr>
           <p:cNvPr id="2" name="1 Título"/>
@@ -7168,33 +12713,624 @@
           </a:p>
         </p:txBody>
       </p:sp>
+      <p:pic>
+        <p:nvPicPr>
+          <p:cNvPr id="5" name="4 Imagen" descr="impedimentos.png"/>
+          <p:cNvPicPr>
+            <a:picLocks noChangeAspect="1"/>
+          </p:cNvPicPr>
+          <p:nvPr/>
+        </p:nvPicPr>
+        <p:blipFill>
+          <a:blip r:embed="rId6" cstate="print"/>
+          <a:stretch>
+            <a:fillRect/>
+          </a:stretch>
+        </p:blipFill>
+        <p:spPr>
+          <a:xfrm>
+            <a:off x="500034" y="1285860"/>
+            <a:ext cx="883891" cy="731057"/>
+          </a:xfrm>
+          <a:prstGeom prst="rect">
+            <a:avLst/>
+          </a:prstGeom>
+        </p:spPr>
+      </p:pic>
       <p:sp>
         <p:nvSpPr>
-          <p:cNvPr id="7" name="6 CuadroTexto"/>
-          <p:cNvSpPr txBox="1"/>
+          <p:cNvPr id="8" name="7 Rectángulo"/>
+          <p:cNvSpPr/>
           <p:nvPr/>
         </p:nvSpPr>
         <p:spPr>
           <a:xfrm>
-            <a:off x="785786" y="1857364"/>
-            <a:ext cx="877163" cy="369332"/>
+            <a:off x="1428728" y="1357298"/>
+            <a:ext cx="3279552" cy="523220"/>
           </a:xfrm>
           <a:prstGeom prst="rect">
             <a:avLst/>
           </a:prstGeom>
-          <a:noFill/>
         </p:spPr>
         <p:txBody>
-          <a:bodyPr wrap="none" rtlCol="0">
+          <a:bodyPr wrap="none">
             <a:spAutoFit/>
           </a:bodyPr>
           <a:lstStyle/>
           <a:p>
             <a:r>
-              <a:rPr lang="es-ES" dirty="0" err="1" smtClean="0"/>
-              <a:t>kkkkkk</a:t>
+              <a:rPr lang="es-ES" sz="2800" dirty="0" smtClean="0">
+                <a:solidFill>
+                  <a:schemeClr val="accent2">
+                    <a:lumMod val="75000"/>
+                  </a:schemeClr>
+                </a:solidFill>
+                <a:effectLst>
+                  <a:reflection blurRad="12700" stA="48000" endA="300" endPos="55000" dir="5400000" sy="-90000" algn="bl" rotWithShape="0"/>
+                </a:effectLst>
+                <a:latin typeface="+mj-lt"/>
+                <a:ea typeface="+mj-ea"/>
+                <a:cs typeface="+mj-cs"/>
+              </a:rPr>
+              <a:t>Desafíos afrontados</a:t>
+            </a:r>
+          </a:p>
+        </p:txBody>
+      </p:sp>
+    </p:spTree>
+  </p:cSld>
+  <p:clrMapOvr>
+    <a:masterClrMapping/>
+  </p:clrMapOvr>
+  <p:timing>
+    <p:tnLst>
+      <p:par>
+        <p:cTn id="1" dur="indefinite" restart="never" nodeType="tmRoot">
+          <p:childTnLst>
+            <p:seq concurrent="1" nextAc="seek">
+              <p:cTn id="2" dur="indefinite" nodeType="mainSeq">
+                <p:childTnLst>
+                  <p:par>
+                    <p:cTn id="3" fill="hold">
+                      <p:stCondLst>
+                        <p:cond delay="indefinite"/>
+                      </p:stCondLst>
+                      <p:childTnLst>
+                        <p:par>
+                          <p:cTn id="4" fill="hold">
+                            <p:stCondLst>
+                              <p:cond delay="0"/>
+                            </p:stCondLst>
+                            <p:childTnLst>
+                              <p:par>
+                                <p:cTn id="5" presetID="10" presetClass="entr" presetSubtype="0" fill="hold" grpId="0" nodeType="clickEffect">
+                                  <p:stCondLst>
+                                    <p:cond delay="0"/>
+                                  </p:stCondLst>
+                                  <p:childTnLst>
+                                    <p:set>
+                                      <p:cBhvr>
+                                        <p:cTn id="6" dur="1" fill="hold">
+                                          <p:stCondLst>
+                                            <p:cond delay="0"/>
+                                          </p:stCondLst>
+                                        </p:cTn>
+                                        <p:tgtEl>
+                                          <p:spTgt spid="11">
+                                            <p:graphicEl>
+                                              <a:dgm id="{4E5C6B77-7F83-425D-B70E-8A191A2DA944}"/>
+                                            </p:graphicEl>
+                                          </p:spTgt>
+                                        </p:tgtEl>
+                                        <p:attrNameLst>
+                                          <p:attrName>style.visibility</p:attrName>
+                                        </p:attrNameLst>
+                                      </p:cBhvr>
+                                      <p:to>
+                                        <p:strVal val="visible"/>
+                                      </p:to>
+                                    </p:set>
+                                    <p:animEffect transition="in" filter="fade">
+                                      <p:cBhvr>
+                                        <p:cTn id="7" dur="2000"/>
+                                        <p:tgtEl>
+                                          <p:spTgt spid="11">
+                                            <p:graphicEl>
+                                              <a:dgm id="{4E5C6B77-7F83-425D-B70E-8A191A2DA944}"/>
+                                            </p:graphicEl>
+                                          </p:spTgt>
+                                        </p:tgtEl>
+                                      </p:cBhvr>
+                                    </p:animEffect>
+                                  </p:childTnLst>
+                                </p:cTn>
+                              </p:par>
+                            </p:childTnLst>
+                          </p:cTn>
+                        </p:par>
+                      </p:childTnLst>
+                    </p:cTn>
+                  </p:par>
+                  <p:par>
+                    <p:cTn id="8" fill="hold">
+                      <p:stCondLst>
+                        <p:cond delay="indefinite"/>
+                      </p:stCondLst>
+                      <p:childTnLst>
+                        <p:par>
+                          <p:cTn id="9" fill="hold">
+                            <p:stCondLst>
+                              <p:cond delay="0"/>
+                            </p:stCondLst>
+                            <p:childTnLst>
+                              <p:par>
+                                <p:cTn id="10" presetID="10" presetClass="entr" presetSubtype="0" fill="hold" grpId="0" nodeType="clickEffect">
+                                  <p:stCondLst>
+                                    <p:cond delay="0"/>
+                                  </p:stCondLst>
+                                  <p:childTnLst>
+                                    <p:set>
+                                      <p:cBhvr>
+                                        <p:cTn id="11" dur="1" fill="hold">
+                                          <p:stCondLst>
+                                            <p:cond delay="0"/>
+                                          </p:stCondLst>
+                                        </p:cTn>
+                                        <p:tgtEl>
+                                          <p:spTgt spid="11">
+                                            <p:graphicEl>
+                                              <a:dgm id="{74C0AE3B-2784-4C62-A4A0-2435B2D48726}"/>
+                                            </p:graphicEl>
+                                          </p:spTgt>
+                                        </p:tgtEl>
+                                        <p:attrNameLst>
+                                          <p:attrName>style.visibility</p:attrName>
+                                        </p:attrNameLst>
+                                      </p:cBhvr>
+                                      <p:to>
+                                        <p:strVal val="visible"/>
+                                      </p:to>
+                                    </p:set>
+                                    <p:animEffect transition="in" filter="fade">
+                                      <p:cBhvr>
+                                        <p:cTn id="12" dur="2000"/>
+                                        <p:tgtEl>
+                                          <p:spTgt spid="11">
+                                            <p:graphicEl>
+                                              <a:dgm id="{74C0AE3B-2784-4C62-A4A0-2435B2D48726}"/>
+                                            </p:graphicEl>
+                                          </p:spTgt>
+                                        </p:tgtEl>
+                                      </p:cBhvr>
+                                    </p:animEffect>
+                                  </p:childTnLst>
+                                </p:cTn>
+                              </p:par>
+                              <p:par>
+                                <p:cTn id="13" presetID="10" presetClass="entr" presetSubtype="0" fill="hold" grpId="0" nodeType="withEffect">
+                                  <p:stCondLst>
+                                    <p:cond delay="0"/>
+                                  </p:stCondLst>
+                                  <p:childTnLst>
+                                    <p:set>
+                                      <p:cBhvr>
+                                        <p:cTn id="14" dur="1" fill="hold">
+                                          <p:stCondLst>
+                                            <p:cond delay="0"/>
+                                          </p:stCondLst>
+                                        </p:cTn>
+                                        <p:tgtEl>
+                                          <p:spTgt spid="11">
+                                            <p:graphicEl>
+                                              <a:dgm id="{882B0782-6779-45C1-832E-A9645C38F780}"/>
+                                            </p:graphicEl>
+                                          </p:spTgt>
+                                        </p:tgtEl>
+                                        <p:attrNameLst>
+                                          <p:attrName>style.visibility</p:attrName>
+                                        </p:attrNameLst>
+                                      </p:cBhvr>
+                                      <p:to>
+                                        <p:strVal val="visible"/>
+                                      </p:to>
+                                    </p:set>
+                                    <p:animEffect transition="in" filter="fade">
+                                      <p:cBhvr>
+                                        <p:cTn id="15" dur="2000"/>
+                                        <p:tgtEl>
+                                          <p:spTgt spid="11">
+                                            <p:graphicEl>
+                                              <a:dgm id="{882B0782-6779-45C1-832E-A9645C38F780}"/>
+                                            </p:graphicEl>
+                                          </p:spTgt>
+                                        </p:tgtEl>
+                                      </p:cBhvr>
+                                    </p:animEffect>
+                                  </p:childTnLst>
+                                </p:cTn>
+                              </p:par>
+                            </p:childTnLst>
+                          </p:cTn>
+                        </p:par>
+                      </p:childTnLst>
+                    </p:cTn>
+                  </p:par>
+                  <p:par>
+                    <p:cTn id="16" fill="hold">
+                      <p:stCondLst>
+                        <p:cond delay="indefinite"/>
+                      </p:stCondLst>
+                      <p:childTnLst>
+                        <p:par>
+                          <p:cTn id="17" fill="hold">
+                            <p:stCondLst>
+                              <p:cond delay="0"/>
+                            </p:stCondLst>
+                            <p:childTnLst>
+                              <p:par>
+                                <p:cTn id="18" presetID="10" presetClass="entr" presetSubtype="0" fill="hold" grpId="0" nodeType="clickEffect">
+                                  <p:stCondLst>
+                                    <p:cond delay="0"/>
+                                  </p:stCondLst>
+                                  <p:childTnLst>
+                                    <p:set>
+                                      <p:cBhvr>
+                                        <p:cTn id="19" dur="1" fill="hold">
+                                          <p:stCondLst>
+                                            <p:cond delay="0"/>
+                                          </p:stCondLst>
+                                        </p:cTn>
+                                        <p:tgtEl>
+                                          <p:spTgt spid="11">
+                                            <p:graphicEl>
+                                              <a:dgm id="{EC80206F-6ED5-470E-9352-DF2C3E13D09E}"/>
+                                            </p:graphicEl>
+                                          </p:spTgt>
+                                        </p:tgtEl>
+                                        <p:attrNameLst>
+                                          <p:attrName>style.visibility</p:attrName>
+                                        </p:attrNameLst>
+                                      </p:cBhvr>
+                                      <p:to>
+                                        <p:strVal val="visible"/>
+                                      </p:to>
+                                    </p:set>
+                                    <p:animEffect transition="in" filter="fade">
+                                      <p:cBhvr>
+                                        <p:cTn id="20" dur="2000"/>
+                                        <p:tgtEl>
+                                          <p:spTgt spid="11">
+                                            <p:graphicEl>
+                                              <a:dgm id="{EC80206F-6ED5-470E-9352-DF2C3E13D09E}"/>
+                                            </p:graphicEl>
+                                          </p:spTgt>
+                                        </p:tgtEl>
+                                      </p:cBhvr>
+                                    </p:animEffect>
+                                  </p:childTnLst>
+                                </p:cTn>
+                              </p:par>
+                              <p:par>
+                                <p:cTn id="21" presetID="10" presetClass="entr" presetSubtype="0" fill="hold" grpId="0" nodeType="withEffect">
+                                  <p:stCondLst>
+                                    <p:cond delay="0"/>
+                                  </p:stCondLst>
+                                  <p:childTnLst>
+                                    <p:set>
+                                      <p:cBhvr>
+                                        <p:cTn id="22" dur="1" fill="hold">
+                                          <p:stCondLst>
+                                            <p:cond delay="0"/>
+                                          </p:stCondLst>
+                                        </p:cTn>
+                                        <p:tgtEl>
+                                          <p:spTgt spid="11">
+                                            <p:graphicEl>
+                                              <a:dgm id="{788E8E5A-8ED0-4163-AC60-A677D1A85CCB}"/>
+                                            </p:graphicEl>
+                                          </p:spTgt>
+                                        </p:tgtEl>
+                                        <p:attrNameLst>
+                                          <p:attrName>style.visibility</p:attrName>
+                                        </p:attrNameLst>
+                                      </p:cBhvr>
+                                      <p:to>
+                                        <p:strVal val="visible"/>
+                                      </p:to>
+                                    </p:set>
+                                    <p:animEffect transition="in" filter="fade">
+                                      <p:cBhvr>
+                                        <p:cTn id="23" dur="2000"/>
+                                        <p:tgtEl>
+                                          <p:spTgt spid="11">
+                                            <p:graphicEl>
+                                              <a:dgm id="{788E8E5A-8ED0-4163-AC60-A677D1A85CCB}"/>
+                                            </p:graphicEl>
+                                          </p:spTgt>
+                                        </p:tgtEl>
+                                      </p:cBhvr>
+                                    </p:animEffect>
+                                  </p:childTnLst>
+                                </p:cTn>
+                              </p:par>
+                              <p:par>
+                                <p:cTn id="24" presetID="10" presetClass="entr" presetSubtype="0" fill="hold" grpId="0" nodeType="withEffect">
+                                  <p:stCondLst>
+                                    <p:cond delay="0"/>
+                                  </p:stCondLst>
+                                  <p:childTnLst>
+                                    <p:set>
+                                      <p:cBhvr>
+                                        <p:cTn id="25" dur="1" fill="hold">
+                                          <p:stCondLst>
+                                            <p:cond delay="0"/>
+                                          </p:stCondLst>
+                                        </p:cTn>
+                                        <p:tgtEl>
+                                          <p:spTgt spid="11">
+                                            <p:graphicEl>
+                                              <a:dgm id="{36B1BD25-2EAE-4D35-899F-4008C62A2C66}"/>
+                                            </p:graphicEl>
+                                          </p:spTgt>
+                                        </p:tgtEl>
+                                        <p:attrNameLst>
+                                          <p:attrName>style.visibility</p:attrName>
+                                        </p:attrNameLst>
+                                      </p:cBhvr>
+                                      <p:to>
+                                        <p:strVal val="visible"/>
+                                      </p:to>
+                                    </p:set>
+                                    <p:animEffect transition="in" filter="fade">
+                                      <p:cBhvr>
+                                        <p:cTn id="26" dur="2000"/>
+                                        <p:tgtEl>
+                                          <p:spTgt spid="11">
+                                            <p:graphicEl>
+                                              <a:dgm id="{36B1BD25-2EAE-4D35-899F-4008C62A2C66}"/>
+                                            </p:graphicEl>
+                                          </p:spTgt>
+                                        </p:tgtEl>
+                                      </p:cBhvr>
+                                    </p:animEffect>
+                                  </p:childTnLst>
+                                </p:cTn>
+                              </p:par>
+                            </p:childTnLst>
+                          </p:cTn>
+                        </p:par>
+                      </p:childTnLst>
+                    </p:cTn>
+                  </p:par>
+                </p:childTnLst>
+              </p:cTn>
+              <p:prevCondLst>
+                <p:cond evt="onPrev" delay="0">
+                  <p:tgtEl>
+                    <p:sldTgt/>
+                  </p:tgtEl>
+                </p:cond>
+              </p:prevCondLst>
+              <p:nextCondLst>
+                <p:cond evt="onNext" delay="0">
+                  <p:tgtEl>
+                    <p:sldTgt/>
+                  </p:tgtEl>
+                </p:cond>
+              </p:nextCondLst>
+            </p:seq>
+          </p:childTnLst>
+        </p:cTn>
+      </p:par>
+    </p:tnLst>
+    <p:bldLst>
+      <p:bldGraphic spid="11" grpId="0" uiExpand="1">
+        <p:bldSub>
+          <a:bldDgm bld="lvlOne" rev="1"/>
+        </p:bldSub>
+      </p:bldGraphic>
+    </p:bldLst>
+  </p:timing>
+</p:sld>
+</file>
+
+<file path=ppt/slides/slide4.xml><?xml version="1.0" encoding="utf-8"?>
+<p:sld xmlns:a="http://schemas.openxmlformats.org/drawingml/2006/main" xmlns:r="http://schemas.openxmlformats.org/officeDocument/2006/relationships" xmlns:p="http://schemas.openxmlformats.org/presentationml/2006/main">
+  <p:cSld>
+    <p:spTree>
+      <p:nvGrpSpPr>
+        <p:cNvPr id="1" name=""/>
+        <p:cNvGrpSpPr/>
+        <p:nvPr/>
+      </p:nvGrpSpPr>
+      <p:grpSpPr>
+        <a:xfrm>
+          <a:off x="0" y="0"/>
+          <a:ext cx="0" cy="0"/>
+          <a:chOff x="0" y="0"/>
+          <a:chExt cx="0" cy="0"/>
+        </a:xfrm>
+      </p:grpSpPr>
+      <p:sp>
+        <p:nvSpPr>
+          <p:cNvPr id="2" name="1 Título"/>
+          <p:cNvSpPr>
+            <a:spLocks noGrp="1"/>
+          </p:cNvSpPr>
+          <p:nvPr>
+            <p:ph type="title"/>
+          </p:nvPr>
+        </p:nvSpPr>
+        <p:spPr>
+          <a:xfrm>
+            <a:off x="304800" y="447660"/>
+            <a:ext cx="8686800" cy="838200"/>
+          </a:xfrm>
+        </p:spPr>
+        <p:txBody>
+          <a:bodyPr/>
+          <a:lstStyle/>
+          <a:p>
+            <a:r>
+              <a:rPr lang="es-ES" dirty="0" smtClean="0"/>
+              <a:t>Tempore</a:t>
             </a:r>
             <a:endParaRPr lang="es-ES" dirty="0"/>
+          </a:p>
+        </p:txBody>
+      </p:sp>
+      <p:sp>
+        <p:nvSpPr>
+          <p:cNvPr id="4" name="3 Marcador de pie de página"/>
+          <p:cNvSpPr>
+            <a:spLocks noGrp="1"/>
+          </p:cNvSpPr>
+          <p:nvPr>
+            <p:ph type="ftr" sz="quarter" idx="11"/>
+          </p:nvPr>
+        </p:nvSpPr>
+        <p:spPr>
+          <a:xfrm>
+            <a:off x="3867120" y="862018"/>
+            <a:ext cx="5276880" cy="352404"/>
+          </a:xfrm>
+        </p:spPr>
+        <p:txBody>
+          <a:bodyPr/>
+          <a:lstStyle/>
+          <a:p>
+            <a:r>
+              <a:rPr lang="es-ES" sz="1000" dirty="0" smtClean="0">
+                <a:solidFill>
+                  <a:schemeClr val="accent1">
+                    <a:lumMod val="50000"/>
+                  </a:schemeClr>
+                </a:solidFill>
+                <a:latin typeface="Verdana" pitchFamily="34" charset="0"/>
+                <a:ea typeface="Verdana" pitchFamily="34" charset="0"/>
+                <a:cs typeface="Verdana" pitchFamily="34" charset="0"/>
+              </a:rPr>
+              <a:t>Facultad de Ingeniería de la Universidad de Buenos Aires – Marzo 2012</a:t>
+            </a:r>
+            <a:endParaRPr lang="es-ES" sz="1000" dirty="0">
+              <a:solidFill>
+                <a:schemeClr val="accent1">
+                  <a:lumMod val="50000"/>
+                </a:schemeClr>
+              </a:solidFill>
+              <a:latin typeface="Verdana" pitchFamily="34" charset="0"/>
+              <a:ea typeface="Verdana" pitchFamily="34" charset="0"/>
+              <a:cs typeface="Verdana" pitchFamily="34" charset="0"/>
+            </a:endParaRPr>
+          </a:p>
+        </p:txBody>
+      </p:sp>
+      <p:graphicFrame>
+        <p:nvGraphicFramePr>
+          <p:cNvPr id="5" name="4 Diagrama"/>
+          <p:cNvGraphicFramePr/>
+          <p:nvPr/>
+        </p:nvGraphicFramePr>
+        <p:xfrm>
+          <a:off x="500034" y="2143116"/>
+          <a:ext cx="8286808" cy="4357718"/>
+        </p:xfrm>
+        <a:graphic>
+          <a:graphicData uri="http://schemas.openxmlformats.org/drawingml/2006/diagram">
+            <dgm:relIds xmlns:dgm="http://schemas.openxmlformats.org/drawingml/2006/diagram" xmlns:r="http://schemas.openxmlformats.org/officeDocument/2006/relationships" r:dm="rId2" r:lo="rId3" r:qs="rId4" r:cs="rId5"/>
+          </a:graphicData>
+        </a:graphic>
+      </p:graphicFrame>
+      <p:pic>
+        <p:nvPicPr>
+          <p:cNvPr id="6" name="5 Imagen" descr="impedimentos.png"/>
+          <p:cNvPicPr>
+            <a:picLocks noChangeAspect="1"/>
+          </p:cNvPicPr>
+          <p:nvPr/>
+        </p:nvPicPr>
+        <p:blipFill>
+          <a:blip r:embed="rId6" cstate="print"/>
+          <a:stretch>
+            <a:fillRect/>
+          </a:stretch>
+        </p:blipFill>
+        <p:spPr>
+          <a:xfrm>
+            <a:off x="500034" y="1285860"/>
+            <a:ext cx="883891" cy="731057"/>
+          </a:xfrm>
+          <a:prstGeom prst="rect">
+            <a:avLst/>
+          </a:prstGeom>
+        </p:spPr>
+      </p:pic>
+      <p:sp>
+        <p:nvSpPr>
+          <p:cNvPr id="7" name="6 Rectángulo"/>
+          <p:cNvSpPr/>
+          <p:nvPr/>
+        </p:nvSpPr>
+        <p:spPr>
+          <a:xfrm>
+            <a:off x="1428728" y="1357298"/>
+            <a:ext cx="4326313" cy="523220"/>
+          </a:xfrm>
+          <a:prstGeom prst="rect">
+            <a:avLst/>
+          </a:prstGeom>
+        </p:spPr>
+        <p:txBody>
+          <a:bodyPr wrap="none">
+            <a:spAutoFit/>
+          </a:bodyPr>
+          <a:lstStyle/>
+          <a:p>
+            <a:r>
+              <a:rPr lang="es-ES" sz="2800" dirty="0" smtClean="0">
+                <a:solidFill>
+                  <a:schemeClr val="accent2">
+                    <a:lumMod val="75000"/>
+                  </a:schemeClr>
+                </a:solidFill>
+                <a:effectLst>
+                  <a:reflection blurRad="12700" stA="48000" endA="300" endPos="55000" dir="5400000" sy="-90000" algn="bl" rotWithShape="0"/>
+                </a:effectLst>
+                <a:latin typeface="+mj-lt"/>
+                <a:ea typeface="+mj-ea"/>
+                <a:cs typeface="+mj-cs"/>
+              </a:rPr>
+              <a:t>Desafíos </a:t>
+            </a:r>
+            <a:r>
+              <a:rPr lang="es-ES" sz="2800" dirty="0" smtClean="0">
+                <a:solidFill>
+                  <a:schemeClr val="accent2">
+                    <a:lumMod val="75000"/>
+                  </a:schemeClr>
+                </a:solidFill>
+                <a:effectLst>
+                  <a:reflection blurRad="12700" stA="48000" endA="300" endPos="55000" dir="5400000" sy="-90000" algn="bl" rotWithShape="0"/>
+                </a:effectLst>
+                <a:latin typeface="+mj-lt"/>
+                <a:ea typeface="+mj-ea"/>
+                <a:cs typeface="+mj-cs"/>
+              </a:rPr>
+              <a:t>afrontados (cont.)</a:t>
+            </a:r>
+            <a:endParaRPr lang="es-ES" sz="2800" dirty="0" smtClean="0">
+              <a:solidFill>
+                <a:schemeClr val="accent2">
+                  <a:lumMod val="75000"/>
+                </a:schemeClr>
+              </a:solidFill>
+              <a:effectLst>
+                <a:reflection blurRad="12700" stA="48000" endA="300" endPos="55000" dir="5400000" sy="-90000" algn="bl" rotWithShape="0"/>
+              </a:effectLst>
+              <a:latin typeface="+mj-lt"/>
+              <a:ea typeface="+mj-ea"/>
+              <a:cs typeface="+mj-cs"/>
+            </a:endParaRPr>
           </a:p>
         </p:txBody>
       </p:sp>
@@ -7213,7 +13349,7 @@
 </p:sld>
 </file>
 
-<file path=ppt/slides/slide4.xml><?xml version="1.0" encoding="utf-8"?>
+<file path=ppt/slides/slide5.xml><?xml version="1.0" encoding="utf-8"?>
 <p:sld xmlns:a="http://schemas.openxmlformats.org/drawingml/2006/main" xmlns:r="http://schemas.openxmlformats.org/officeDocument/2006/relationships" xmlns:p="http://schemas.openxmlformats.org/presentationml/2006/main">
   <p:cSld>
     <p:spTree>

--- a/docs/Presentacion Final/Tempore – Manejá tus tiempos.pptx
+++ b/docs/Presentacion Final/Tempore – Manejá tus tiempos.pptx
@@ -3020,17 +3020,7 @@
                 </a:schemeClr>
               </a:solidFill>
             </a:rPr>
-            <a:t>Incorporamos lo que ninguna </a:t>
-          </a:r>
-          <a:r>
-            <a:rPr lang="es-ES" dirty="0" smtClean="0">
-              <a:solidFill>
-                <a:schemeClr val="accent2">
-                  <a:lumMod val="75000"/>
-                </a:schemeClr>
-              </a:solidFill>
-            </a:rPr>
-            <a:t>brinda</a:t>
+            <a:t>Incorporamos lo que ninguna brinda</a:t>
           </a:r>
           <a:endParaRPr lang="es-ES" dirty="0">
             <a:solidFill>
@@ -3356,8 +3346,8 @@
     <dgm:cxn modelId="{073371DF-0988-4595-99BB-6126A4E2C0CE}" type="presOf" srcId="{62CFA7F4-8DDA-4B43-A88D-C9B164593647}" destId="{B3EC1D43-DC87-4EF5-AA46-116C98B82BF8}" srcOrd="1" destOrd="2" presId="urn:microsoft.com/office/officeart/2005/8/layout/vList4"/>
     <dgm:cxn modelId="{4858CB34-749E-49CC-A727-AE16C0F965E8}" type="presOf" srcId="{E04A945A-6049-4891-9E14-7CDB6DAB0BC6}" destId="{E111763A-36DB-44D3-89AB-AABCFF6EC761}" srcOrd="0" destOrd="0" presId="urn:microsoft.com/office/officeart/2005/8/layout/vList4"/>
     <dgm:cxn modelId="{B372D7B6-A555-4F1E-90DA-AC4D2BED8B5E}" type="presOf" srcId="{7B2DF067-6CFB-46CD-8FE8-6966F9650109}" destId="{7A92DA65-B0D7-4054-A1D7-876157F55F30}" srcOrd="1" destOrd="2" presId="urn:microsoft.com/office/officeart/2005/8/layout/vList4"/>
+    <dgm:cxn modelId="{59DFA00A-B11A-44EC-9EBC-AF10C27B4C38}" type="presOf" srcId="{A8089130-C6AF-4C59-91BA-D491F90FD224}" destId="{E111763A-36DB-44D3-89AB-AABCFF6EC761}" srcOrd="0" destOrd="3" presId="urn:microsoft.com/office/officeart/2005/8/layout/vList4"/>
     <dgm:cxn modelId="{15F1A143-85CE-458C-851D-D8C09753A037}" type="presOf" srcId="{55B3E391-62DF-4A47-92F9-C53D3C08219F}" destId="{73C7E5FF-CFDC-4108-A7FA-62EC1733F221}" srcOrd="0" destOrd="1" presId="urn:microsoft.com/office/officeart/2005/8/layout/vList4"/>
-    <dgm:cxn modelId="{59DFA00A-B11A-44EC-9EBC-AF10C27B4C38}" type="presOf" srcId="{A8089130-C6AF-4C59-91BA-D491F90FD224}" destId="{E111763A-36DB-44D3-89AB-AABCFF6EC761}" srcOrd="0" destOrd="3" presId="urn:microsoft.com/office/officeart/2005/8/layout/vList4"/>
     <dgm:cxn modelId="{0F1B1278-F190-4AF1-9DFC-3EA6391CC97A}" type="presOf" srcId="{62CFA7F4-8DDA-4B43-A88D-C9B164593647}" destId="{0E4A279F-13FD-4DEA-B856-60483CE9001C}" srcOrd="0" destOrd="2" presId="urn:microsoft.com/office/officeart/2005/8/layout/vList4"/>
     <dgm:cxn modelId="{F9D6D550-F35A-45F3-8895-5F55D417D1B8}" srcId="{5D3F1B1F-8882-40C2-8A2D-F35C5D2DE244}" destId="{9EA8F649-A822-4005-92B6-E4F626377926}" srcOrd="1" destOrd="0" parTransId="{A19D1006-3E40-46BC-8708-098A042146AC}" sibTransId="{9F6D6AA6-5462-48C4-A8CB-98B534BFC05E}"/>
     <dgm:cxn modelId="{C03D4074-0129-4A6A-867C-EC828ED916C8}" type="presOf" srcId="{B271351A-9057-4106-A219-F345F75608E9}" destId="{982B79BF-FC76-4A30-9196-2F905D07E9DB}" srcOrd="1" destOrd="4" presId="urn:microsoft.com/office/officeart/2005/8/layout/vList4"/>
@@ -3419,7 +3409,11 @@
     </dgm:pt>
     <dgm:pt modelId="{74778145-53D2-4931-A5C9-AE0B848F6CAB}">
       <dgm:prSet phldrT="[Texto]" custT="1"/>
-      <dgm:spPr/>
+      <dgm:spPr>
+        <a:solidFill>
+          <a:srgbClr val="92D050"/>
+        </a:solidFill>
+      </dgm:spPr>
       <dgm:t>
         <a:bodyPr/>
         <a:lstStyle/>
@@ -3445,7 +3439,11 @@
     </dgm:pt>
     <dgm:pt modelId="{72A75890-3604-4B01-9F43-3A954AA04679}" type="sibTrans" cxnId="{99958654-A560-4DA2-B328-B06B411F3913}">
       <dgm:prSet/>
-      <dgm:spPr/>
+      <dgm:spPr>
+        <a:solidFill>
+          <a:srgbClr val="92D050"/>
+        </a:solidFill>
+      </dgm:spPr>
       <dgm:t>
         <a:bodyPr/>
         <a:lstStyle/>
@@ -3486,7 +3484,11 @@
     </dgm:pt>
     <dgm:pt modelId="{36FFC72B-B887-4B6C-B776-3230502366DE}" type="sibTrans" cxnId="{2CB28718-3AE7-423A-BBC2-20A6B8D23BBB}">
       <dgm:prSet/>
-      <dgm:spPr/>
+      <dgm:spPr>
+        <a:solidFill>
+          <a:srgbClr val="4F2270"/>
+        </a:solidFill>
+      </dgm:spPr>
       <dgm:t>
         <a:bodyPr/>
         <a:lstStyle/>
@@ -3527,7 +3529,11 @@
     </dgm:pt>
     <dgm:pt modelId="{4141F70D-4598-40F5-9E18-D9BF3302941A}" type="sibTrans" cxnId="{259E4627-22EB-47FF-B2FC-D597788F07F2}">
       <dgm:prSet/>
-      <dgm:spPr/>
+      <dgm:spPr>
+        <a:solidFill>
+          <a:srgbClr val="698DB5"/>
+        </a:solidFill>
+      </dgm:spPr>
       <dgm:t>
         <a:bodyPr/>
         <a:lstStyle/>
@@ -3554,14 +3560,35 @@
         </dgm:presLayoutVars>
       </dgm:prSet>
       <dgm:spPr/>
+      <dgm:t>
+        <a:bodyPr/>
+        <a:lstStyle/>
+        <a:p>
+          <a:endParaRPr lang="es-ES"/>
+        </a:p>
+      </dgm:t>
     </dgm:pt>
     <dgm:pt modelId="{0335A60B-2550-4DA9-876B-A16E1E322476}" type="pres">
       <dgm:prSet presAssocID="{74778145-53D2-4931-A5C9-AE0B848F6CAB}" presName="gear1srcNode" presStyleLbl="node1" presStyleIdx="0" presStyleCnt="3"/>
       <dgm:spPr/>
+      <dgm:t>
+        <a:bodyPr/>
+        <a:lstStyle/>
+        <a:p>
+          <a:endParaRPr lang="es-ES"/>
+        </a:p>
+      </dgm:t>
     </dgm:pt>
     <dgm:pt modelId="{FFC328FC-2279-4874-8913-2CCE961DF47E}" type="pres">
       <dgm:prSet presAssocID="{74778145-53D2-4931-A5C9-AE0B848F6CAB}" presName="gear1dstNode" presStyleLbl="node1" presStyleIdx="0" presStyleCnt="3"/>
       <dgm:spPr/>
+      <dgm:t>
+        <a:bodyPr/>
+        <a:lstStyle/>
+        <a:p>
+          <a:endParaRPr lang="es-ES"/>
+        </a:p>
+      </dgm:t>
     </dgm:pt>
     <dgm:pt modelId="{882B0782-6779-45C1-832E-A9645C38F780}" type="pres">
       <dgm:prSet presAssocID="{A9C2A36A-ADF6-4C77-AB63-772451BA9C1A}" presName="gear2" presStyleLbl="node1" presStyleIdx="1" presStyleCnt="3">
@@ -3582,10 +3609,24 @@
     <dgm:pt modelId="{7987A7E6-3381-4C27-AC33-ADF1D1C62539}" type="pres">
       <dgm:prSet presAssocID="{A9C2A36A-ADF6-4C77-AB63-772451BA9C1A}" presName="gear2srcNode" presStyleLbl="node1" presStyleIdx="1" presStyleCnt="3"/>
       <dgm:spPr/>
+      <dgm:t>
+        <a:bodyPr/>
+        <a:lstStyle/>
+        <a:p>
+          <a:endParaRPr lang="es-ES"/>
+        </a:p>
+      </dgm:t>
     </dgm:pt>
     <dgm:pt modelId="{6FDDDFF2-3CFA-46CD-A3DB-D37104DDE5E8}" type="pres">
       <dgm:prSet presAssocID="{A9C2A36A-ADF6-4C77-AB63-772451BA9C1A}" presName="gear2dstNode" presStyleLbl="node1" presStyleIdx="1" presStyleCnt="3"/>
       <dgm:spPr/>
+      <dgm:t>
+        <a:bodyPr/>
+        <a:lstStyle/>
+        <a:p>
+          <a:endParaRPr lang="es-ES"/>
+        </a:p>
+      </dgm:t>
     </dgm:pt>
     <dgm:pt modelId="{4E5C6B77-7F83-425D-B70E-8A191A2DA944}" type="pres">
       <dgm:prSet presAssocID="{E1249394-D0EC-4E5D-BC6F-65C7A65381A0}" presName="gear3" presStyleLbl="node1" presStyleIdx="2" presStyleCnt="3"/>
@@ -3617,22 +3658,57 @@
     <dgm:pt modelId="{5960FD6F-ACF5-4C40-BDC0-696B2D9A5F9B}" type="pres">
       <dgm:prSet presAssocID="{E1249394-D0EC-4E5D-BC6F-65C7A65381A0}" presName="gear3srcNode" presStyleLbl="node1" presStyleIdx="2" presStyleCnt="3"/>
       <dgm:spPr/>
+      <dgm:t>
+        <a:bodyPr/>
+        <a:lstStyle/>
+        <a:p>
+          <a:endParaRPr lang="es-ES"/>
+        </a:p>
+      </dgm:t>
     </dgm:pt>
     <dgm:pt modelId="{0713B498-2E96-4733-A37B-F8399D6ED6D0}" type="pres">
       <dgm:prSet presAssocID="{E1249394-D0EC-4E5D-BC6F-65C7A65381A0}" presName="gear3dstNode" presStyleLbl="node1" presStyleIdx="2" presStyleCnt="3"/>
       <dgm:spPr/>
+      <dgm:t>
+        <a:bodyPr/>
+        <a:lstStyle/>
+        <a:p>
+          <a:endParaRPr lang="es-ES"/>
+        </a:p>
+      </dgm:t>
     </dgm:pt>
     <dgm:pt modelId="{EC80206F-6ED5-470E-9352-DF2C3E13D09E}" type="pres">
       <dgm:prSet presAssocID="{72A75890-3604-4B01-9F43-3A954AA04679}" presName="connector1" presStyleLbl="sibTrans2D1" presStyleIdx="0" presStyleCnt="3"/>
       <dgm:spPr/>
+      <dgm:t>
+        <a:bodyPr/>
+        <a:lstStyle/>
+        <a:p>
+          <a:endParaRPr lang="es-ES"/>
+        </a:p>
+      </dgm:t>
     </dgm:pt>
     <dgm:pt modelId="{74C0AE3B-2784-4C62-A4A0-2435B2D48726}" type="pres">
       <dgm:prSet presAssocID="{36FFC72B-B887-4B6C-B776-3230502366DE}" presName="connector2" presStyleLbl="sibTrans2D1" presStyleIdx="1" presStyleCnt="3"/>
       <dgm:spPr/>
+      <dgm:t>
+        <a:bodyPr/>
+        <a:lstStyle/>
+        <a:p>
+          <a:endParaRPr lang="es-ES"/>
+        </a:p>
+      </dgm:t>
     </dgm:pt>
     <dgm:pt modelId="{36B1BD25-2EAE-4D35-899F-4008C62A2C66}" type="pres">
       <dgm:prSet presAssocID="{4141F70D-4598-40F5-9E18-D9BF3302941A}" presName="connector3" presStyleLbl="sibTrans2D1" presStyleIdx="2" presStyleCnt="3" custLinFactNeighborX="1694" custLinFactNeighborY="-403"/>
       <dgm:spPr/>
+      <dgm:t>
+        <a:bodyPr/>
+        <a:lstStyle/>
+        <a:p>
+          <a:endParaRPr lang="es-ES"/>
+        </a:p>
+      </dgm:t>
     </dgm:pt>
   </dgm:ptLst>
   <dgm:cxnLst>
@@ -3744,8 +3820,35 @@
                 </a:schemeClr>
               </a:solidFill>
             </a:rPr>
-            <a:t>Problemas de falta de tiempo por trabajo</a:t>
+            <a:t>Falta </a:t>
           </a:r>
+          <a:r>
+            <a:rPr lang="es-ES" dirty="0" smtClean="0">
+              <a:solidFill>
+                <a:schemeClr val="accent2">
+                  <a:lumMod val="75000"/>
+                </a:schemeClr>
+              </a:solidFill>
+            </a:rPr>
+            <a:t>de tiempo por </a:t>
+          </a:r>
+          <a:r>
+            <a:rPr lang="es-ES" dirty="0" smtClean="0">
+              <a:solidFill>
+                <a:schemeClr val="accent2">
+                  <a:lumMod val="75000"/>
+                </a:schemeClr>
+              </a:solidFill>
+            </a:rPr>
+            <a:t>compromisos laborales</a:t>
+          </a:r>
+          <a:endParaRPr lang="es-ES" dirty="0" smtClean="0">
+            <a:solidFill>
+              <a:schemeClr val="accent2">
+                <a:lumMod val="75000"/>
+              </a:schemeClr>
+            </a:solidFill>
+          </a:endParaRPr>
         </a:p>
       </dgm:t>
     </dgm:pt>
@@ -3772,12 +3875,16 @@
       </dgm:t>
     </dgm:pt>
     <dgm:pt modelId="{15D3C4FD-1038-408D-8C49-3A7EA88C6177}">
-      <dgm:prSet phldrT="[Texto]" phldr="1"/>
+      <dgm:prSet phldrT="[Texto]"/>
       <dgm:spPr/>
       <dgm:t>
         <a:bodyPr/>
         <a:lstStyle/>
         <a:p>
+          <a:r>
+            <a:rPr lang="es-ES" dirty="0" smtClean="0"/>
+            <a:t>No se me ocurre</a:t>
+          </a:r>
           <a:endParaRPr lang="es-ES" dirty="0"/>
         </a:p>
       </dgm:t>
@@ -3848,13 +3955,29 @@
       </dgm:t>
     </dgm:pt>
     <dgm:pt modelId="{FB4CD556-EA90-42B5-B143-65CDEC6CC30D}">
-      <dgm:prSet phldrT="[Texto]" phldr="1"/>
+      <dgm:prSet phldrT="[Texto]"/>
       <dgm:spPr/>
       <dgm:t>
         <a:bodyPr/>
         <a:lstStyle/>
         <a:p>
-          <a:endParaRPr lang="es-ES"/>
+          <a:r>
+            <a:rPr lang="es-ES" dirty="0" smtClean="0">
+              <a:solidFill>
+                <a:schemeClr val="accent2">
+                  <a:lumMod val="75000"/>
+                </a:schemeClr>
+              </a:solidFill>
+            </a:rPr>
+            <a:t>Poca disponibilidad para reuniones de trabajo</a:t>
+          </a:r>
+          <a:endParaRPr lang="es-ES" dirty="0">
+            <a:solidFill>
+              <a:schemeClr val="accent2">
+                <a:lumMod val="75000"/>
+              </a:schemeClr>
+            </a:solidFill>
+          </a:endParaRPr>
         </a:p>
       </dgm:t>
     </dgm:pt>
@@ -3881,13 +4004,29 @@
       </dgm:t>
     </dgm:pt>
     <dgm:pt modelId="{FFE8E515-CA1D-4ED5-9A1C-A5CD197BE0DE}">
-      <dgm:prSet phldrT="[Texto]" phldr="1"/>
+      <dgm:prSet phldrT="[Texto]"/>
       <dgm:spPr/>
       <dgm:t>
         <a:bodyPr/>
         <a:lstStyle/>
         <a:p>
-          <a:endParaRPr lang="es-ES"/>
+          <a:r>
+            <a:rPr lang="es-ES" dirty="0" smtClean="0">
+              <a:solidFill>
+                <a:schemeClr val="accent2">
+                  <a:lumMod val="75000"/>
+                </a:schemeClr>
+              </a:solidFill>
+            </a:rPr>
+            <a:t>Distintas preferencias de cada integrante</a:t>
+          </a:r>
+          <a:endParaRPr lang="es-ES" dirty="0">
+            <a:solidFill>
+              <a:schemeClr val="accent2">
+                <a:lumMod val="75000"/>
+              </a:schemeClr>
+            </a:solidFill>
+          </a:endParaRPr>
         </a:p>
       </dgm:t>
     </dgm:pt>
@@ -3957,13 +4096,23 @@
       </dgm:t>
     </dgm:pt>
     <dgm:pt modelId="{D3CD783F-7167-4674-8942-8DAD53DF6330}">
-      <dgm:prSet phldrT="[Texto]" phldr="1"/>
+      <dgm:prSet phldrT="[Texto]"/>
       <dgm:spPr/>
       <dgm:t>
         <a:bodyPr/>
         <a:lstStyle/>
         <a:p>
-          <a:endParaRPr lang="es-ES"/>
+          <a:r>
+            <a:rPr lang="es-ES" dirty="0" smtClean="0">
+              <a:solidFill>
+                <a:schemeClr val="accent2">
+                  <a:lumMod val="75000"/>
+                </a:schemeClr>
+              </a:solidFill>
+            </a:rPr>
+            <a:t>Falta de conocimiento de la tecnología elegida </a:t>
+          </a:r>
+          <a:endParaRPr lang="es-ES" dirty="0"/>
         </a:p>
       </dgm:t>
     </dgm:pt>
@@ -3990,13 +4139,23 @@
       </dgm:t>
     </dgm:pt>
     <dgm:pt modelId="{F4605180-2196-4C74-8BAA-D3F8F9065647}">
-      <dgm:prSet phldrT="[Texto]" phldr="1"/>
+      <dgm:prSet phldrT="[Texto]"/>
       <dgm:spPr/>
       <dgm:t>
         <a:bodyPr/>
         <a:lstStyle/>
         <a:p>
-          <a:endParaRPr lang="es-ES"/>
+          <a:r>
+            <a:rPr lang="es-ES" dirty="0" smtClean="0">
+              <a:solidFill>
+                <a:schemeClr val="accent2">
+                  <a:lumMod val="75000"/>
+                </a:schemeClr>
+              </a:solidFill>
+            </a:rPr>
+            <a:t>Curva de aprendizaje pronunciada </a:t>
+          </a:r>
+          <a:endParaRPr lang="es-ES" dirty="0"/>
         </a:p>
       </dgm:t>
     </dgm:pt>
@@ -4030,6 +4189,13 @@
         </dgm:presLayoutVars>
       </dgm:prSet>
       <dgm:spPr/>
+      <dgm:t>
+        <a:bodyPr/>
+        <a:lstStyle/>
+        <a:p>
+          <a:endParaRPr lang="es-ES"/>
+        </a:p>
+      </dgm:t>
     </dgm:pt>
     <dgm:pt modelId="{A96F5841-91A1-42F1-91C6-07A14BBA3FE7}" type="pres">
       <dgm:prSet presAssocID="{E6A3EA01-BFA5-4ACE-812D-AFF191E8B582}" presName="comp" presStyleCnt="0"/>
@@ -4047,8 +4213,25 @@
       </dgm:t>
     </dgm:pt>
     <dgm:pt modelId="{03CF10A0-089F-481B-8CE8-91442EC08EBA}" type="pres">
-      <dgm:prSet presAssocID="{E6A3EA01-BFA5-4ACE-812D-AFF191E8B582}" presName="img" presStyleLbl="fgImgPlace1" presStyleIdx="0" presStyleCnt="3"/>
-      <dgm:spPr/>
+      <dgm:prSet presAssocID="{E6A3EA01-BFA5-4ACE-812D-AFF191E8B582}" presName="img" presStyleLbl="fgImgPlace1" presStyleIdx="0" presStyleCnt="3" custScaleX="64601" custScaleY="84836" custLinFactNeighborX="-4310"/>
+      <dgm:spPr>
+        <a:blipFill rotWithShape="0">
+          <a:blip xmlns:r="http://schemas.openxmlformats.org/officeDocument/2006/relationships" r:embed="rId1"/>
+          <a:stretch>
+            <a:fillRect/>
+          </a:stretch>
+        </a:blipFill>
+        <a:ln>
+          <a:noFill/>
+        </a:ln>
+      </dgm:spPr>
+      <dgm:t>
+        <a:bodyPr/>
+        <a:lstStyle/>
+        <a:p>
+          <a:endParaRPr lang="es-ES"/>
+        </a:p>
+      </dgm:t>
     </dgm:pt>
     <dgm:pt modelId="{850EE135-28B0-4D02-8070-C231E27C20D3}" type="pres">
       <dgm:prSet presAssocID="{E6A3EA01-BFA5-4ACE-812D-AFF191E8B582}" presName="text" presStyleLbl="node1" presStyleIdx="0" presStyleCnt="3">
@@ -4085,8 +4268,25 @@
       </dgm:t>
     </dgm:pt>
     <dgm:pt modelId="{410781DD-5C49-46AF-8D5A-EAF1A97A46E3}" type="pres">
-      <dgm:prSet presAssocID="{5F9E3BED-AF93-4BBD-B837-D8D0B61A4D57}" presName="img" presStyleLbl="fgImgPlace1" presStyleIdx="1" presStyleCnt="3"/>
-      <dgm:spPr/>
+      <dgm:prSet presAssocID="{5F9E3BED-AF93-4BBD-B837-D8D0B61A4D57}" presName="img" presStyleLbl="fgImgPlace1" presStyleIdx="1" presStyleCnt="3" custScaleX="73330" custScaleY="98361"/>
+      <dgm:spPr>
+        <a:blipFill rotWithShape="0">
+          <a:blip xmlns:r="http://schemas.openxmlformats.org/officeDocument/2006/relationships" r:embed="rId2"/>
+          <a:stretch>
+            <a:fillRect/>
+          </a:stretch>
+        </a:blipFill>
+        <a:ln>
+          <a:noFill/>
+        </a:ln>
+      </dgm:spPr>
+      <dgm:t>
+        <a:bodyPr/>
+        <a:lstStyle/>
+        <a:p>
+          <a:endParaRPr lang="es-ES"/>
+        </a:p>
+      </dgm:t>
     </dgm:pt>
     <dgm:pt modelId="{749820AC-A718-4886-956D-F75AD4CDE328}" type="pres">
       <dgm:prSet presAssocID="{5F9E3BED-AF93-4BBD-B837-D8D0B61A4D57}" presName="text" presStyleLbl="node1" presStyleIdx="1" presStyleCnt="3">
@@ -4123,8 +4323,25 @@
       </dgm:t>
     </dgm:pt>
     <dgm:pt modelId="{5DAC66B0-F3A7-4BD7-9779-615FA18CCB64}" type="pres">
-      <dgm:prSet presAssocID="{82682BF8-92E6-4301-B415-05BF82B7C445}" presName="img" presStyleLbl="fgImgPlace1" presStyleIdx="2" presStyleCnt="3"/>
-      <dgm:spPr/>
+      <dgm:prSet presAssocID="{82682BF8-92E6-4301-B415-05BF82B7C445}" presName="img" presStyleLbl="fgImgPlace1" presStyleIdx="2" presStyleCnt="3" custScaleX="73222" custScaleY="85656" custLinFactNeighborX="-4364"/>
+      <dgm:spPr>
+        <a:blipFill rotWithShape="0">
+          <a:blip xmlns:r="http://schemas.openxmlformats.org/officeDocument/2006/relationships" r:embed="rId3"/>
+          <a:stretch>
+            <a:fillRect/>
+          </a:stretch>
+        </a:blipFill>
+        <a:ln>
+          <a:noFill/>
+        </a:ln>
+      </dgm:spPr>
+      <dgm:t>
+        <a:bodyPr/>
+        <a:lstStyle/>
+        <a:p>
+          <a:endParaRPr lang="es-ES"/>
+        </a:p>
+      </dgm:t>
     </dgm:pt>
     <dgm:pt modelId="{3694E16A-84C2-401B-BD68-249BE721FE7B}" type="pres">
       <dgm:prSet presAssocID="{82682BF8-92E6-4301-B415-05BF82B7C445}" presName="text" presStyleLbl="node1" presStyleIdx="2" presStyleCnt="3">
@@ -4144,33 +4361,33 @@
   </dgm:ptLst>
   <dgm:cxnLst>
     <dgm:cxn modelId="{6C5532DD-6678-452E-8724-9B04A783E435}" type="presOf" srcId="{FB4CD556-EA90-42B5-B143-65CDEC6CC30D}" destId="{749820AC-A718-4886-956D-F75AD4CDE328}" srcOrd="1" destOrd="1" presId="urn:microsoft.com/office/officeart/2005/8/layout/vList4"/>
+    <dgm:cxn modelId="{24C63975-3B0A-401B-817C-7C25436B8FEE}" type="presOf" srcId="{82682BF8-92E6-4301-B415-05BF82B7C445}" destId="{9780D458-18A5-4033-BF08-30A31C92458B}" srcOrd="0" destOrd="0" presId="urn:microsoft.com/office/officeart/2005/8/layout/vList4"/>
+    <dgm:cxn modelId="{B6474D60-2AC4-4D4D-B99E-D081C9E779D5}" srcId="{82682BF8-92E6-4301-B415-05BF82B7C445}" destId="{F4605180-2196-4C74-8BAA-D3F8F9065647}" srcOrd="1" destOrd="0" parTransId="{DB3EB885-D96E-422A-B50C-EFE8BDDB3D00}" sibTransId="{AB169F39-F949-41F0-BB8A-D12777B24A9B}"/>
+    <dgm:cxn modelId="{658B5150-8F43-4B1C-8B9A-DE8FEEB6A96B}" srcId="{5F9E3BED-AF93-4BBD-B837-D8D0B61A4D57}" destId="{FFE8E515-CA1D-4ED5-9A1C-A5CD197BE0DE}" srcOrd="1" destOrd="0" parTransId="{4D84FC99-8169-407F-924D-42D0F4EB4CE5}" sibTransId="{D4B653F3-7E12-4AE1-82D3-8FB8F5F70154}"/>
+    <dgm:cxn modelId="{959AD37E-B920-452B-82CE-A451E654A95C}" srcId="{F8216B0F-4A89-4B36-89BA-D5A7631C85CE}" destId="{5F9E3BED-AF93-4BBD-B837-D8D0B61A4D57}" srcOrd="1" destOrd="0" parTransId="{749EE126-C00A-484E-9789-50A511CF6D29}" sibTransId="{64D83D65-F88D-4ACA-9842-26B6FCC63F0B}"/>
+    <dgm:cxn modelId="{0D062120-599B-4644-8EC8-BABB16B0BE2D}" type="presOf" srcId="{85C5CF48-DE46-496B-9FC2-9004A3DB5243}" destId="{A257B779-2738-43AC-A2BA-FFEA657AD724}" srcOrd="0" destOrd="1" presId="urn:microsoft.com/office/officeart/2005/8/layout/vList4"/>
+    <dgm:cxn modelId="{88804A25-334A-478E-BE6B-5C49805106A6}" type="presOf" srcId="{D3CD783F-7167-4674-8942-8DAD53DF6330}" destId="{9780D458-18A5-4033-BF08-30A31C92458B}" srcOrd="0" destOrd="1" presId="urn:microsoft.com/office/officeart/2005/8/layout/vList4"/>
+    <dgm:cxn modelId="{A4D8BDCA-E3C9-4DA9-8C7F-14FD5898A7CA}" type="presOf" srcId="{5F9E3BED-AF93-4BBD-B837-D8D0B61A4D57}" destId="{DCB50812-0279-4377-BD1B-D6435D5CB27F}" srcOrd="0" destOrd="0" presId="urn:microsoft.com/office/officeart/2005/8/layout/vList4"/>
+    <dgm:cxn modelId="{C3A7A978-16E1-412D-8FE6-E3DD30285199}" type="presOf" srcId="{FFE8E515-CA1D-4ED5-9A1C-A5CD197BE0DE}" destId="{DCB50812-0279-4377-BD1B-D6435D5CB27F}" srcOrd="0" destOrd="2" presId="urn:microsoft.com/office/officeart/2005/8/layout/vList4"/>
+    <dgm:cxn modelId="{E02323FC-3E1A-46CE-A052-ED0BCDE83F91}" type="presOf" srcId="{FFE8E515-CA1D-4ED5-9A1C-A5CD197BE0DE}" destId="{749820AC-A718-4886-956D-F75AD4CDE328}" srcOrd="1" destOrd="2" presId="urn:microsoft.com/office/officeart/2005/8/layout/vList4"/>
     <dgm:cxn modelId="{98A907EF-C71A-424F-A340-03C1A6447210}" type="presOf" srcId="{F4605180-2196-4C74-8BAA-D3F8F9065647}" destId="{3694E16A-84C2-401B-BD68-249BE721FE7B}" srcOrd="1" destOrd="2" presId="urn:microsoft.com/office/officeart/2005/8/layout/vList4"/>
+    <dgm:cxn modelId="{F41B962A-81A9-4339-B56E-BCC48B7DB93D}" srcId="{5F9E3BED-AF93-4BBD-B837-D8D0B61A4D57}" destId="{FB4CD556-EA90-42B5-B143-65CDEC6CC30D}" srcOrd="0" destOrd="0" parTransId="{118F39E0-FFFF-4E4E-A4C2-7E8229DAE869}" sibTransId="{443E1055-7B8E-4261-B52E-D82034922EA3}"/>
+    <dgm:cxn modelId="{B0D355D6-620E-4BAF-840D-09292A201EB2}" type="presOf" srcId="{E6A3EA01-BFA5-4ACE-812D-AFF191E8B582}" destId="{850EE135-28B0-4D02-8070-C231E27C20D3}" srcOrd="1" destOrd="0" presId="urn:microsoft.com/office/officeart/2005/8/layout/vList4"/>
+    <dgm:cxn modelId="{9AF5C427-725D-4ADC-822E-7D2672776773}" type="presOf" srcId="{82682BF8-92E6-4301-B415-05BF82B7C445}" destId="{3694E16A-84C2-401B-BD68-249BE721FE7B}" srcOrd="1" destOrd="0" presId="urn:microsoft.com/office/officeart/2005/8/layout/vList4"/>
+    <dgm:cxn modelId="{30DCD0EA-F64E-4730-8162-2D4842642F80}" type="presOf" srcId="{F4605180-2196-4C74-8BAA-D3F8F9065647}" destId="{9780D458-18A5-4033-BF08-30A31C92458B}" srcOrd="0" destOrd="2" presId="urn:microsoft.com/office/officeart/2005/8/layout/vList4"/>
+    <dgm:cxn modelId="{7EE153F8-B2C7-4D44-83EF-F789927DACDA}" srcId="{82682BF8-92E6-4301-B415-05BF82B7C445}" destId="{D3CD783F-7167-4674-8942-8DAD53DF6330}" srcOrd="0" destOrd="0" parTransId="{A6827A41-4B0B-4128-9EF5-D3D69921A748}" sibTransId="{1B8A69C3-6A06-4F50-8F92-AE8E87BB8A55}"/>
+    <dgm:cxn modelId="{B9265BFF-12D7-4240-9725-565E428B3C8F}" type="presOf" srcId="{15D3C4FD-1038-408D-8C49-3A7EA88C6177}" destId="{A257B779-2738-43AC-A2BA-FFEA657AD724}" srcOrd="0" destOrd="2" presId="urn:microsoft.com/office/officeart/2005/8/layout/vList4"/>
+    <dgm:cxn modelId="{41B1FCD5-25C0-49E3-93C1-3C53DEA04F5F}" type="presOf" srcId="{FB4CD556-EA90-42B5-B143-65CDEC6CC30D}" destId="{DCB50812-0279-4377-BD1B-D6435D5CB27F}" srcOrd="0" destOrd="1" presId="urn:microsoft.com/office/officeart/2005/8/layout/vList4"/>
+    <dgm:cxn modelId="{8B1CFE11-1959-4658-BAD2-6A23A484F8FC}" srcId="{E6A3EA01-BFA5-4ACE-812D-AFF191E8B582}" destId="{85C5CF48-DE46-496B-9FC2-9004A3DB5243}" srcOrd="0" destOrd="0" parTransId="{BBEB42AC-67D6-430F-92C0-65CEDBFC9F0D}" sibTransId="{D4CE80D2-5A5F-4B61-BDE9-994DBC235BDA}"/>
+    <dgm:cxn modelId="{F1B38F2A-635E-40D3-8B4F-A3198D0832B8}" type="presOf" srcId="{5F9E3BED-AF93-4BBD-B837-D8D0B61A4D57}" destId="{749820AC-A718-4886-956D-F75AD4CDE328}" srcOrd="1" destOrd="0" presId="urn:microsoft.com/office/officeart/2005/8/layout/vList4"/>
+    <dgm:cxn modelId="{6B4C94E1-2F66-4CA9-A09F-3CFDE55FBFA5}" srcId="{E6A3EA01-BFA5-4ACE-812D-AFF191E8B582}" destId="{15D3C4FD-1038-408D-8C49-3A7EA88C6177}" srcOrd="1" destOrd="0" parTransId="{46D8A733-29B3-4CC7-A269-E9726ACFA3AB}" sibTransId="{6FFDBA44-B031-45FF-9B71-A4D612747F83}"/>
+    <dgm:cxn modelId="{BE516ED2-2665-47B9-BEA2-6946F8F06E9B}" type="presOf" srcId="{F8216B0F-4A89-4B36-89BA-D5A7631C85CE}" destId="{F80E5CEF-C85F-4535-A869-61A413F2180C}" srcOrd="0" destOrd="0" presId="urn:microsoft.com/office/officeart/2005/8/layout/vList4"/>
     <dgm:cxn modelId="{537955C6-27F5-4675-9D05-FB61E3C1FCC8}" srcId="{F8216B0F-4A89-4B36-89BA-D5A7631C85CE}" destId="{E6A3EA01-BFA5-4ACE-812D-AFF191E8B582}" srcOrd="0" destOrd="0" parTransId="{CF9392AF-9B7B-4AAA-A133-B7F291F53F65}" sibTransId="{DFEB35EF-F9DA-4DEF-BEEC-4C219CFAFBFB}"/>
-    <dgm:cxn modelId="{658B5150-8F43-4B1C-8B9A-DE8FEEB6A96B}" srcId="{5F9E3BED-AF93-4BBD-B837-D8D0B61A4D57}" destId="{FFE8E515-CA1D-4ED5-9A1C-A5CD197BE0DE}" srcOrd="1" destOrd="0" parTransId="{4D84FC99-8169-407F-924D-42D0F4EB4CE5}" sibTransId="{D4B653F3-7E12-4AE1-82D3-8FB8F5F70154}"/>
-    <dgm:cxn modelId="{88804A25-334A-478E-BE6B-5C49805106A6}" type="presOf" srcId="{D3CD783F-7167-4674-8942-8DAD53DF6330}" destId="{9780D458-18A5-4033-BF08-30A31C92458B}" srcOrd="0" destOrd="1" presId="urn:microsoft.com/office/officeart/2005/8/layout/vList4"/>
-    <dgm:cxn modelId="{7EE153F8-B2C7-4D44-83EF-F789927DACDA}" srcId="{82682BF8-92E6-4301-B415-05BF82B7C445}" destId="{D3CD783F-7167-4674-8942-8DAD53DF6330}" srcOrd="0" destOrd="0" parTransId="{A6827A41-4B0B-4128-9EF5-D3D69921A748}" sibTransId="{1B8A69C3-6A06-4F50-8F92-AE8E87BB8A55}"/>
     <dgm:cxn modelId="{67AE5A1E-6658-48B6-850F-E6E93FD0E3B2}" type="presOf" srcId="{E6A3EA01-BFA5-4ACE-812D-AFF191E8B582}" destId="{A257B779-2738-43AC-A2BA-FFEA657AD724}" srcOrd="0" destOrd="0" presId="urn:microsoft.com/office/officeart/2005/8/layout/vList4"/>
-    <dgm:cxn modelId="{B0D355D6-620E-4BAF-840D-09292A201EB2}" type="presOf" srcId="{E6A3EA01-BFA5-4ACE-812D-AFF191E8B582}" destId="{850EE135-28B0-4D02-8070-C231E27C20D3}" srcOrd="1" destOrd="0" presId="urn:microsoft.com/office/officeart/2005/8/layout/vList4"/>
-    <dgm:cxn modelId="{B9265BFF-12D7-4240-9725-565E428B3C8F}" type="presOf" srcId="{15D3C4FD-1038-408D-8C49-3A7EA88C6177}" destId="{A257B779-2738-43AC-A2BA-FFEA657AD724}" srcOrd="0" destOrd="2" presId="urn:microsoft.com/office/officeart/2005/8/layout/vList4"/>
-    <dgm:cxn modelId="{959AD37E-B920-452B-82CE-A451E654A95C}" srcId="{F8216B0F-4A89-4B36-89BA-D5A7631C85CE}" destId="{5F9E3BED-AF93-4BBD-B837-D8D0B61A4D57}" srcOrd="1" destOrd="0" parTransId="{749EE126-C00A-484E-9789-50A511CF6D29}" sibTransId="{64D83D65-F88D-4ACA-9842-26B6FCC63F0B}"/>
-    <dgm:cxn modelId="{B6474D60-2AC4-4D4D-B99E-D081C9E779D5}" srcId="{82682BF8-92E6-4301-B415-05BF82B7C445}" destId="{F4605180-2196-4C74-8BAA-D3F8F9065647}" srcOrd="1" destOrd="0" parTransId="{DB3EB885-D96E-422A-B50C-EFE8BDDB3D00}" sibTransId="{AB169F39-F949-41F0-BB8A-D12777B24A9B}"/>
+    <dgm:cxn modelId="{480E4E2E-F307-450C-99D5-F3D3D029468F}" type="presOf" srcId="{15D3C4FD-1038-408D-8C49-3A7EA88C6177}" destId="{850EE135-28B0-4D02-8070-C231E27C20D3}" srcOrd="1" destOrd="2" presId="urn:microsoft.com/office/officeart/2005/8/layout/vList4"/>
+    <dgm:cxn modelId="{A314CA7E-33CF-4B52-A968-21F7F0623AC2}" srcId="{F8216B0F-4A89-4B36-89BA-D5A7631C85CE}" destId="{82682BF8-92E6-4301-B415-05BF82B7C445}" srcOrd="2" destOrd="0" parTransId="{4F0CCBB8-F3C3-4409-8B01-28DC350A9EFC}" sibTransId="{89ED9986-6AA2-49AF-86EE-F1A3A1C42F26}"/>
     <dgm:cxn modelId="{3AB32341-4D2F-40BB-9223-AB4CA2110564}" type="presOf" srcId="{85C5CF48-DE46-496B-9FC2-9004A3DB5243}" destId="{850EE135-28B0-4D02-8070-C231E27C20D3}" srcOrd="1" destOrd="1" presId="urn:microsoft.com/office/officeart/2005/8/layout/vList4"/>
-    <dgm:cxn modelId="{480E4E2E-F307-450C-99D5-F3D3D029468F}" type="presOf" srcId="{15D3C4FD-1038-408D-8C49-3A7EA88C6177}" destId="{850EE135-28B0-4D02-8070-C231E27C20D3}" srcOrd="1" destOrd="2" presId="urn:microsoft.com/office/officeart/2005/8/layout/vList4"/>
-    <dgm:cxn modelId="{9AF5C427-725D-4ADC-822E-7D2672776773}" type="presOf" srcId="{82682BF8-92E6-4301-B415-05BF82B7C445}" destId="{3694E16A-84C2-401B-BD68-249BE721FE7B}" srcOrd="1" destOrd="0" presId="urn:microsoft.com/office/officeart/2005/8/layout/vList4"/>
-    <dgm:cxn modelId="{E02323FC-3E1A-46CE-A052-ED0BCDE83F91}" type="presOf" srcId="{FFE8E515-CA1D-4ED5-9A1C-A5CD197BE0DE}" destId="{749820AC-A718-4886-956D-F75AD4CDE328}" srcOrd="1" destOrd="2" presId="urn:microsoft.com/office/officeart/2005/8/layout/vList4"/>
-    <dgm:cxn modelId="{0D062120-599B-4644-8EC8-BABB16B0BE2D}" type="presOf" srcId="{85C5CF48-DE46-496B-9FC2-9004A3DB5243}" destId="{A257B779-2738-43AC-A2BA-FFEA657AD724}" srcOrd="0" destOrd="1" presId="urn:microsoft.com/office/officeart/2005/8/layout/vList4"/>
-    <dgm:cxn modelId="{F1B38F2A-635E-40D3-8B4F-A3198D0832B8}" type="presOf" srcId="{5F9E3BED-AF93-4BBD-B837-D8D0B61A4D57}" destId="{749820AC-A718-4886-956D-F75AD4CDE328}" srcOrd="1" destOrd="0" presId="urn:microsoft.com/office/officeart/2005/8/layout/vList4"/>
-    <dgm:cxn modelId="{C3A7A978-16E1-412D-8FE6-E3DD30285199}" type="presOf" srcId="{FFE8E515-CA1D-4ED5-9A1C-A5CD197BE0DE}" destId="{DCB50812-0279-4377-BD1B-D6435D5CB27F}" srcOrd="0" destOrd="2" presId="urn:microsoft.com/office/officeart/2005/8/layout/vList4"/>
-    <dgm:cxn modelId="{BE516ED2-2665-47B9-BEA2-6946F8F06E9B}" type="presOf" srcId="{F8216B0F-4A89-4B36-89BA-D5A7631C85CE}" destId="{F80E5CEF-C85F-4535-A869-61A413F2180C}" srcOrd="0" destOrd="0" presId="urn:microsoft.com/office/officeart/2005/8/layout/vList4"/>
-    <dgm:cxn modelId="{F41B962A-81A9-4339-B56E-BCC48B7DB93D}" srcId="{5F9E3BED-AF93-4BBD-B837-D8D0B61A4D57}" destId="{FB4CD556-EA90-42B5-B143-65CDEC6CC30D}" srcOrd="0" destOrd="0" parTransId="{118F39E0-FFFF-4E4E-A4C2-7E8229DAE869}" sibTransId="{443E1055-7B8E-4261-B52E-D82034922EA3}"/>
-    <dgm:cxn modelId="{6B4C94E1-2F66-4CA9-A09F-3CFDE55FBFA5}" srcId="{E6A3EA01-BFA5-4ACE-812D-AFF191E8B582}" destId="{15D3C4FD-1038-408D-8C49-3A7EA88C6177}" srcOrd="1" destOrd="0" parTransId="{46D8A733-29B3-4CC7-A269-E9726ACFA3AB}" sibTransId="{6FFDBA44-B031-45FF-9B71-A4D612747F83}"/>
-    <dgm:cxn modelId="{A314CA7E-33CF-4B52-A968-21F7F0623AC2}" srcId="{F8216B0F-4A89-4B36-89BA-D5A7631C85CE}" destId="{82682BF8-92E6-4301-B415-05BF82B7C445}" srcOrd="2" destOrd="0" parTransId="{4F0CCBB8-F3C3-4409-8B01-28DC350A9EFC}" sibTransId="{89ED9986-6AA2-49AF-86EE-F1A3A1C42F26}"/>
-    <dgm:cxn modelId="{24C63975-3B0A-401B-817C-7C25436B8FEE}" type="presOf" srcId="{82682BF8-92E6-4301-B415-05BF82B7C445}" destId="{9780D458-18A5-4033-BF08-30A31C92458B}" srcOrd="0" destOrd="0" presId="urn:microsoft.com/office/officeart/2005/8/layout/vList4"/>
-    <dgm:cxn modelId="{41B1FCD5-25C0-49E3-93C1-3C53DEA04F5F}" type="presOf" srcId="{FB4CD556-EA90-42B5-B143-65CDEC6CC30D}" destId="{DCB50812-0279-4377-BD1B-D6435D5CB27F}" srcOrd="0" destOrd="1" presId="urn:microsoft.com/office/officeart/2005/8/layout/vList4"/>
-    <dgm:cxn modelId="{30DCD0EA-F64E-4730-8162-2D4842642F80}" type="presOf" srcId="{F4605180-2196-4C74-8BAA-D3F8F9065647}" destId="{9780D458-18A5-4033-BF08-30A31C92458B}" srcOrd="0" destOrd="2" presId="urn:microsoft.com/office/officeart/2005/8/layout/vList4"/>
-    <dgm:cxn modelId="{A4D8BDCA-E3C9-4DA9-8C7F-14FD5898A7CA}" type="presOf" srcId="{5F9E3BED-AF93-4BBD-B837-D8D0B61A4D57}" destId="{DCB50812-0279-4377-BD1B-D6435D5CB27F}" srcOrd="0" destOrd="0" presId="urn:microsoft.com/office/officeart/2005/8/layout/vList4"/>
     <dgm:cxn modelId="{8AA67C24-1206-4DEC-AA82-BCD209678225}" type="presOf" srcId="{D3CD783F-7167-4674-8942-8DAD53DF6330}" destId="{3694E16A-84C2-401B-BD68-249BE721FE7B}" srcOrd="1" destOrd="1" presId="urn:microsoft.com/office/officeart/2005/8/layout/vList4"/>
-    <dgm:cxn modelId="{8B1CFE11-1959-4658-BAD2-6A23A484F8FC}" srcId="{E6A3EA01-BFA5-4ACE-812D-AFF191E8B582}" destId="{85C5CF48-DE46-496B-9FC2-9004A3DB5243}" srcOrd="0" destOrd="0" parTransId="{BBEB42AC-67D6-430F-92C0-65CEDBFC9F0D}" sibTransId="{D4CE80D2-5A5F-4B61-BDE9-994DBC235BDA}"/>
     <dgm:cxn modelId="{320F82EE-860F-401F-92E6-0A2C7993D7AA}" type="presParOf" srcId="{F80E5CEF-C85F-4535-A869-61A413F2180C}" destId="{A96F5841-91A1-42F1-91C6-07A14BBA3FE7}" srcOrd="0" destOrd="0" presId="urn:microsoft.com/office/officeart/2005/8/layout/vList4"/>
     <dgm:cxn modelId="{902B5BDD-A98C-4638-84E3-F14D203C6E9F}" type="presParOf" srcId="{A96F5841-91A1-42F1-91C6-07A14BBA3FE7}" destId="{A257B779-2738-43AC-A2BA-FFEA657AD724}" srcOrd="0" destOrd="0" presId="urn:microsoft.com/office/officeart/2005/8/layout/vList4"/>
     <dgm:cxn modelId="{C7879335-30BB-4B5A-94E1-767E53D59468}" type="presParOf" srcId="{A96F5841-91A1-42F1-91C6-07A14BBA3FE7}" destId="{03CF10A0-089F-481B-8CE8-91442EC08EBA}" srcOrd="1" destOrd="0" presId="urn:microsoft.com/office/officeart/2005/8/layout/vList4"/>
@@ -13151,6 +13368,22 @@
           <a:chExt cx="0" cy="0"/>
         </a:xfrm>
       </p:grpSpPr>
+      <p:graphicFrame>
+        <p:nvGraphicFramePr>
+          <p:cNvPr id="5" name="4 Diagrama"/>
+          <p:cNvGraphicFramePr/>
+          <p:nvPr/>
+        </p:nvGraphicFramePr>
+        <p:xfrm>
+          <a:off x="500034" y="2143116"/>
+          <a:ext cx="6500858" cy="4357718"/>
+        </p:xfrm>
+        <a:graphic>
+          <a:graphicData uri="http://schemas.openxmlformats.org/drawingml/2006/diagram">
+            <dgm:relIds xmlns:dgm="http://schemas.openxmlformats.org/drawingml/2006/diagram" xmlns:r="http://schemas.openxmlformats.org/officeDocument/2006/relationships" r:dm="rId2" r:lo="rId3" r:qs="rId4" r:cs="rId5"/>
+          </a:graphicData>
+        </a:graphic>
+      </p:graphicFrame>
       <p:sp>
         <p:nvSpPr>
           <p:cNvPr id="2" name="1 Título"/>
@@ -13225,22 +13458,6 @@
           </a:p>
         </p:txBody>
       </p:sp>
-      <p:graphicFrame>
-        <p:nvGraphicFramePr>
-          <p:cNvPr id="5" name="4 Diagrama"/>
-          <p:cNvGraphicFramePr/>
-          <p:nvPr/>
-        </p:nvGraphicFramePr>
-        <p:xfrm>
-          <a:off x="500034" y="2143116"/>
-          <a:ext cx="8286808" cy="4357718"/>
-        </p:xfrm>
-        <a:graphic>
-          <a:graphicData uri="http://schemas.openxmlformats.org/drawingml/2006/diagram">
-            <dgm:relIds xmlns:dgm="http://schemas.openxmlformats.org/drawingml/2006/diagram" xmlns:r="http://schemas.openxmlformats.org/officeDocument/2006/relationships" r:dm="rId2" r:lo="rId3" r:qs="rId4" r:cs="rId5"/>
-          </a:graphicData>
-        </a:graphic>
-      </p:graphicFrame>
       <p:pic>
         <p:nvPicPr>
           <p:cNvPr id="6" name="5 Imagen" descr="impedimentos.png"/>
@@ -13300,40 +13517,601 @@
                 <a:ea typeface="+mj-ea"/>
                 <a:cs typeface="+mj-cs"/>
               </a:rPr>
-              <a:t>Desafíos </a:t>
+              <a:t>Desafíos afrontados (cont.)</a:t>
             </a:r>
-            <a:r>
-              <a:rPr lang="es-ES" sz="2800" dirty="0" smtClean="0">
-                <a:solidFill>
-                  <a:schemeClr val="accent2">
-                    <a:lumMod val="75000"/>
-                  </a:schemeClr>
-                </a:solidFill>
-                <a:effectLst>
-                  <a:reflection blurRad="12700" stA="48000" endA="300" endPos="55000" dir="5400000" sy="-90000" algn="bl" rotWithShape="0"/>
-                </a:effectLst>
-                <a:latin typeface="+mj-lt"/>
-                <a:ea typeface="+mj-ea"/>
-                <a:cs typeface="+mj-cs"/>
-              </a:rPr>
-              <a:t>afrontados (cont.)</a:t>
-            </a:r>
-            <a:endParaRPr lang="es-ES" sz="2800" dirty="0" smtClean="0">
-              <a:solidFill>
-                <a:schemeClr val="accent2">
-                  <a:lumMod val="75000"/>
-                </a:schemeClr>
-              </a:solidFill>
-              <a:effectLst>
-                <a:reflection blurRad="12700" stA="48000" endA="300" endPos="55000" dir="5400000" sy="-90000" algn="bl" rotWithShape="0"/>
-              </a:effectLst>
-              <a:latin typeface="+mj-lt"/>
-              <a:ea typeface="+mj-ea"/>
-              <a:cs typeface="+mj-cs"/>
-            </a:endParaRPr>
           </a:p>
         </p:txBody>
       </p:sp>
+      <p:grpSp>
+        <p:nvGrpSpPr>
+          <p:cNvPr id="25" name="24 Grupo"/>
+          <p:cNvGrpSpPr/>
+          <p:nvPr/>
+        </p:nvGrpSpPr>
+        <p:grpSpPr>
+          <a:xfrm>
+            <a:off x="6929454" y="2177303"/>
+            <a:ext cx="2176264" cy="823069"/>
+            <a:chOff x="6929454" y="2177303"/>
+            <a:chExt cx="2176264" cy="823069"/>
+          </a:xfrm>
+        </p:grpSpPr>
+        <p:sp>
+          <p:nvSpPr>
+            <p:cNvPr id="9" name="8 Rectángulo redondeado"/>
+            <p:cNvSpPr/>
+            <p:nvPr/>
+          </p:nvSpPr>
+          <p:spPr>
+            <a:xfrm rot="19862326">
+              <a:off x="7093416" y="2177303"/>
+              <a:ext cx="2012302" cy="257686"/>
+            </a:xfrm>
+            <a:prstGeom prst="roundRect">
+              <a:avLst/>
+            </a:prstGeom>
+            <a:solidFill>
+              <a:srgbClr val="00B050"/>
+            </a:solidFill>
+            <a:effectLst>
+              <a:outerShdw blurRad="50800" dist="38100" dir="2700000" algn="tl" rotWithShape="0">
+                <a:prstClr val="black">
+                  <a:alpha val="40000"/>
+                </a:prstClr>
+              </a:outerShdw>
+            </a:effectLst>
+          </p:spPr>
+          <p:style>
+            <a:lnRef idx="1">
+              <a:schemeClr val="dk1"/>
+            </a:lnRef>
+            <a:fillRef idx="3">
+              <a:schemeClr val="dk1"/>
+            </a:fillRef>
+            <a:effectRef idx="2">
+              <a:schemeClr val="dk1"/>
+            </a:effectRef>
+            <a:fontRef idx="minor">
+              <a:schemeClr val="lt1"/>
+            </a:fontRef>
+          </p:style>
+          <p:txBody>
+            <a:bodyPr rtlCol="0" anchor="ctr"/>
+            <a:lstStyle/>
+            <a:p>
+              <a:pPr algn="ctr"/>
+              <a:r>
+                <a:rPr lang="es-ES" sz="1200" b="1" dirty="0" smtClean="0"/>
+                <a:t>Menos horas de sueño</a:t>
+              </a:r>
+              <a:endParaRPr lang="es-ES" sz="1200" b="1" dirty="0"/>
+            </a:p>
+          </p:txBody>
+        </p:sp>
+        <p:pic>
+          <p:nvPicPr>
+            <p:cNvPr id="21" name="20 Imagen" descr="ok.png"/>
+            <p:cNvPicPr>
+              <a:picLocks noChangeAspect="1"/>
+            </p:cNvPicPr>
+            <p:nvPr/>
+          </p:nvPicPr>
+          <p:blipFill>
+            <a:blip r:embed="rId7"/>
+            <a:stretch>
+              <a:fillRect/>
+            </a:stretch>
+          </p:blipFill>
+          <p:spPr>
+            <a:xfrm>
+              <a:off x="6929454" y="2639610"/>
+              <a:ext cx="357190" cy="360762"/>
+            </a:xfrm>
+            <a:prstGeom prst="rect">
+              <a:avLst/>
+            </a:prstGeom>
+          </p:spPr>
+        </p:pic>
+      </p:grpSp>
+      <p:grpSp>
+        <p:nvGrpSpPr>
+          <p:cNvPr id="26" name="25 Grupo"/>
+          <p:cNvGrpSpPr/>
+          <p:nvPr/>
+        </p:nvGrpSpPr>
+        <p:grpSpPr>
+          <a:xfrm>
+            <a:off x="6929454" y="2628791"/>
+            <a:ext cx="2163183" cy="800209"/>
+            <a:chOff x="6929454" y="2628791"/>
+            <a:chExt cx="2163183" cy="800209"/>
+          </a:xfrm>
+        </p:grpSpPr>
+        <p:sp>
+          <p:nvSpPr>
+            <p:cNvPr id="10" name="9 Rectángulo redondeado"/>
+            <p:cNvSpPr/>
+            <p:nvPr/>
+          </p:nvSpPr>
+          <p:spPr>
+            <a:xfrm rot="19862326">
+              <a:off x="7080335" y="2628791"/>
+              <a:ext cx="2012302" cy="257686"/>
+            </a:xfrm>
+            <a:prstGeom prst="roundRect">
+              <a:avLst/>
+            </a:prstGeom>
+            <a:solidFill>
+              <a:srgbClr val="00B050"/>
+            </a:solidFill>
+            <a:effectLst>
+              <a:outerShdw blurRad="50800" dist="38100" dir="2700000" algn="tl" rotWithShape="0">
+                <a:prstClr val="black">
+                  <a:alpha val="40000"/>
+                </a:prstClr>
+              </a:outerShdw>
+            </a:effectLst>
+          </p:spPr>
+          <p:style>
+            <a:lnRef idx="1">
+              <a:schemeClr val="dk1"/>
+            </a:lnRef>
+            <a:fillRef idx="3">
+              <a:schemeClr val="dk1"/>
+            </a:fillRef>
+            <a:effectRef idx="2">
+              <a:schemeClr val="dk1"/>
+            </a:effectRef>
+            <a:fontRef idx="minor">
+              <a:schemeClr val="lt1"/>
+            </a:fontRef>
+          </p:style>
+          <p:txBody>
+            <a:bodyPr rtlCol="0" anchor="ctr"/>
+            <a:lstStyle/>
+            <a:p>
+              <a:pPr algn="ctr"/>
+              <a:r>
+                <a:rPr lang="es-ES" sz="1200" b="1" dirty="0" smtClean="0"/>
+                <a:t>Menos horas de sueño</a:t>
+              </a:r>
+              <a:endParaRPr lang="es-ES" sz="1200" b="1" dirty="0"/>
+            </a:p>
+          </p:txBody>
+        </p:sp>
+        <p:pic>
+          <p:nvPicPr>
+            <p:cNvPr id="22" name="21 Imagen" descr="ok.png"/>
+            <p:cNvPicPr>
+              <a:picLocks noChangeAspect="1"/>
+            </p:cNvPicPr>
+            <p:nvPr/>
+          </p:nvPicPr>
+          <p:blipFill>
+            <a:blip r:embed="rId7"/>
+            <a:stretch>
+              <a:fillRect/>
+            </a:stretch>
+          </p:blipFill>
+          <p:spPr>
+            <a:xfrm>
+              <a:off x="6929454" y="3068238"/>
+              <a:ext cx="357190" cy="360762"/>
+            </a:xfrm>
+            <a:prstGeom prst="rect">
+              <a:avLst/>
+            </a:prstGeom>
+          </p:spPr>
+        </p:pic>
+      </p:grpSp>
+      <p:sp>
+        <p:nvSpPr>
+          <p:cNvPr id="8" name="7 Llamada rectangular"/>
+          <p:cNvSpPr/>
+          <p:nvPr/>
+        </p:nvSpPr>
+        <p:spPr>
+          <a:xfrm>
+            <a:off x="5072066" y="928670"/>
+            <a:ext cx="2071702" cy="1214446"/>
+          </a:xfrm>
+          <a:prstGeom prst="wedgeRectCallout">
+            <a:avLst/>
+          </a:prstGeom>
+        </p:spPr>
+        <p:style>
+          <a:lnRef idx="2">
+            <a:schemeClr val="accent1">
+              <a:shade val="50000"/>
+            </a:schemeClr>
+          </a:lnRef>
+          <a:fillRef idx="1">
+            <a:schemeClr val="accent1"/>
+          </a:fillRef>
+          <a:effectRef idx="0">
+            <a:schemeClr val="accent1"/>
+          </a:effectRef>
+          <a:fontRef idx="minor">
+            <a:schemeClr val="lt1"/>
+          </a:fontRef>
+        </p:style>
+        <p:txBody>
+          <a:bodyPr rtlCol="0" anchor="ctr"/>
+          <a:lstStyle/>
+          <a:p>
+            <a:pPr algn="ctr"/>
+            <a:r>
+              <a:rPr lang="es-ES" dirty="0" smtClean="0"/>
+              <a:t>Comentario: La listita de cosas que nos pidió panta</a:t>
+            </a:r>
+            <a:endParaRPr lang="es-ES" dirty="0"/>
+          </a:p>
+        </p:txBody>
+      </p:sp>
+      <p:grpSp>
+        <p:nvGrpSpPr>
+          <p:cNvPr id="32" name="31 Grupo"/>
+          <p:cNvGrpSpPr/>
+          <p:nvPr/>
+        </p:nvGrpSpPr>
+        <p:grpSpPr>
+          <a:xfrm>
+            <a:off x="6929454" y="3535466"/>
+            <a:ext cx="2123734" cy="897238"/>
+            <a:chOff x="6929454" y="3535466"/>
+            <a:chExt cx="2123734" cy="897238"/>
+          </a:xfrm>
+        </p:grpSpPr>
+        <p:sp>
+          <p:nvSpPr>
+            <p:cNvPr id="11" name="10 Rectángulo redondeado"/>
+            <p:cNvSpPr/>
+            <p:nvPr/>
+          </p:nvSpPr>
+          <p:spPr>
+            <a:xfrm rot="19862326">
+              <a:off x="7039166" y="3535466"/>
+              <a:ext cx="2014022" cy="383154"/>
+            </a:xfrm>
+            <a:prstGeom prst="roundRect">
+              <a:avLst/>
+            </a:prstGeom>
+            <a:solidFill>
+              <a:srgbClr val="00B050"/>
+            </a:solidFill>
+            <a:effectLst>
+              <a:outerShdw blurRad="50800" dist="38100" dir="2700000" algn="tl" rotWithShape="0">
+                <a:prstClr val="black">
+                  <a:alpha val="40000"/>
+                </a:prstClr>
+              </a:outerShdw>
+            </a:effectLst>
+          </p:spPr>
+          <p:style>
+            <a:lnRef idx="1">
+              <a:schemeClr val="dk1"/>
+            </a:lnRef>
+            <a:fillRef idx="3">
+              <a:schemeClr val="dk1"/>
+            </a:fillRef>
+            <a:effectRef idx="2">
+              <a:schemeClr val="dk1"/>
+            </a:effectRef>
+            <a:fontRef idx="minor">
+              <a:schemeClr val="lt1"/>
+            </a:fontRef>
+          </p:style>
+          <p:txBody>
+            <a:bodyPr rtlCol="0" anchor="ctr"/>
+            <a:lstStyle/>
+            <a:p>
+              <a:pPr algn="ctr"/>
+              <a:r>
+                <a:rPr lang="es-ES" sz="1200" b="1" dirty="0" smtClean="0"/>
+                <a:t>Diferentes roles por persona</a:t>
+              </a:r>
+              <a:endParaRPr lang="es-ES" sz="1200" b="1" dirty="0"/>
+            </a:p>
+          </p:txBody>
+        </p:sp>
+        <p:pic>
+          <p:nvPicPr>
+            <p:cNvPr id="24" name="23 Imagen" descr="ok.png"/>
+            <p:cNvPicPr>
+              <a:picLocks noChangeAspect="1"/>
+            </p:cNvPicPr>
+            <p:nvPr/>
+          </p:nvPicPr>
+          <p:blipFill>
+            <a:blip r:embed="rId7"/>
+            <a:stretch>
+              <a:fillRect/>
+            </a:stretch>
+          </p:blipFill>
+          <p:spPr>
+            <a:xfrm>
+              <a:off x="6929454" y="4071942"/>
+              <a:ext cx="357190" cy="360762"/>
+            </a:xfrm>
+            <a:prstGeom prst="rect">
+              <a:avLst/>
+            </a:prstGeom>
+          </p:spPr>
+        </p:pic>
+      </p:grpSp>
+      <p:grpSp>
+        <p:nvGrpSpPr>
+          <p:cNvPr id="33" name="32 Grupo"/>
+          <p:cNvGrpSpPr/>
+          <p:nvPr/>
+        </p:nvGrpSpPr>
+        <p:grpSpPr>
+          <a:xfrm>
+            <a:off x="6929454" y="4010177"/>
+            <a:ext cx="2256237" cy="851155"/>
+            <a:chOff x="6929454" y="4010177"/>
+            <a:chExt cx="2256237" cy="851155"/>
+          </a:xfrm>
+        </p:grpSpPr>
+        <p:sp>
+          <p:nvSpPr>
+            <p:cNvPr id="12" name="11 Rectángulo redondeado"/>
+            <p:cNvSpPr/>
+            <p:nvPr/>
+          </p:nvSpPr>
+          <p:spPr>
+            <a:xfrm rot="19862326">
+              <a:off x="7102141" y="4010177"/>
+              <a:ext cx="2083550" cy="366023"/>
+            </a:xfrm>
+            <a:prstGeom prst="roundRect">
+              <a:avLst/>
+            </a:prstGeom>
+            <a:solidFill>
+              <a:srgbClr val="00B050"/>
+            </a:solidFill>
+            <a:effectLst>
+              <a:outerShdw blurRad="50800" dist="38100" dir="2700000" algn="tl" rotWithShape="0">
+                <a:prstClr val="black">
+                  <a:alpha val="40000"/>
+                </a:prstClr>
+              </a:outerShdw>
+            </a:effectLst>
+          </p:spPr>
+          <p:style>
+            <a:lnRef idx="1">
+              <a:schemeClr val="dk1"/>
+            </a:lnRef>
+            <a:fillRef idx="3">
+              <a:schemeClr val="dk1"/>
+            </a:fillRef>
+            <a:effectRef idx="2">
+              <a:schemeClr val="dk1"/>
+            </a:effectRef>
+            <a:fontRef idx="minor">
+              <a:schemeClr val="lt1"/>
+            </a:fontRef>
+          </p:style>
+          <p:txBody>
+            <a:bodyPr rtlCol="0" anchor="ctr"/>
+            <a:lstStyle/>
+            <a:p>
+              <a:pPr algn="ctr"/>
+              <a:r>
+                <a:rPr lang="es-ES" sz="1200" b="1" dirty="0" smtClean="0"/>
+                <a:t>División de acuerdo a preferencias</a:t>
+              </a:r>
+              <a:endParaRPr lang="es-ES" sz="1200" b="1" dirty="0"/>
+            </a:p>
+          </p:txBody>
+        </p:sp>
+        <p:pic>
+          <p:nvPicPr>
+            <p:cNvPr id="27" name="26 Imagen" descr="ok.png"/>
+            <p:cNvPicPr>
+              <a:picLocks noChangeAspect="1"/>
+            </p:cNvPicPr>
+            <p:nvPr/>
+          </p:nvPicPr>
+          <p:blipFill>
+            <a:blip r:embed="rId7"/>
+            <a:stretch>
+              <a:fillRect/>
+            </a:stretch>
+          </p:blipFill>
+          <p:spPr>
+            <a:xfrm>
+              <a:off x="6929454" y="4500570"/>
+              <a:ext cx="357190" cy="360762"/>
+            </a:xfrm>
+            <a:prstGeom prst="rect">
+              <a:avLst/>
+            </a:prstGeom>
+          </p:spPr>
+        </p:pic>
+      </p:grpSp>
+      <p:grpSp>
+        <p:nvGrpSpPr>
+          <p:cNvPr id="30" name="29 Grupo"/>
+          <p:cNvGrpSpPr/>
+          <p:nvPr/>
+        </p:nvGrpSpPr>
+        <p:grpSpPr>
+          <a:xfrm>
+            <a:off x="6929454" y="5148112"/>
+            <a:ext cx="2199645" cy="784790"/>
+            <a:chOff x="6929454" y="5148112"/>
+            <a:chExt cx="2199645" cy="784790"/>
+          </a:xfrm>
+        </p:grpSpPr>
+        <p:sp>
+          <p:nvSpPr>
+            <p:cNvPr id="13" name="12 Rectángulo redondeado"/>
+            <p:cNvSpPr/>
+            <p:nvPr/>
+          </p:nvSpPr>
+          <p:spPr>
+            <a:xfrm rot="19862326">
+              <a:off x="7087233" y="5148112"/>
+              <a:ext cx="2041866" cy="293811"/>
+            </a:xfrm>
+            <a:prstGeom prst="roundRect">
+              <a:avLst/>
+            </a:prstGeom>
+            <a:solidFill>
+              <a:srgbClr val="00B050"/>
+            </a:solidFill>
+            <a:effectLst>
+              <a:outerShdw blurRad="50800" dist="38100" dir="2700000" algn="tl" rotWithShape="0">
+                <a:prstClr val="black">
+                  <a:alpha val="40000"/>
+                </a:prstClr>
+              </a:outerShdw>
+            </a:effectLst>
+          </p:spPr>
+          <p:style>
+            <a:lnRef idx="1">
+              <a:schemeClr val="dk1"/>
+            </a:lnRef>
+            <a:fillRef idx="3">
+              <a:schemeClr val="dk1"/>
+            </a:fillRef>
+            <a:effectRef idx="2">
+              <a:schemeClr val="dk1"/>
+            </a:effectRef>
+            <a:fontRef idx="minor">
+              <a:schemeClr val="lt1"/>
+            </a:fontRef>
+          </p:style>
+          <p:txBody>
+            <a:bodyPr rtlCol="0" anchor="ctr"/>
+            <a:lstStyle/>
+            <a:p>
+              <a:pPr algn="ctr"/>
+              <a:r>
+                <a:rPr lang="es-ES" sz="1200" b="1" dirty="0" smtClean="0"/>
+                <a:t>Ganas de aprender</a:t>
+              </a:r>
+              <a:endParaRPr lang="es-ES" sz="1200" b="1" dirty="0"/>
+            </a:p>
+          </p:txBody>
+        </p:sp>
+        <p:pic>
+          <p:nvPicPr>
+            <p:cNvPr id="28" name="27 Imagen" descr="ok.png"/>
+            <p:cNvPicPr>
+              <a:picLocks noChangeAspect="1"/>
+            </p:cNvPicPr>
+            <p:nvPr/>
+          </p:nvPicPr>
+          <p:blipFill>
+            <a:blip r:embed="rId7"/>
+            <a:stretch>
+              <a:fillRect/>
+            </a:stretch>
+          </p:blipFill>
+          <p:spPr>
+            <a:xfrm>
+              <a:off x="6929454" y="5572140"/>
+              <a:ext cx="357190" cy="360762"/>
+            </a:xfrm>
+            <a:prstGeom prst="rect">
+              <a:avLst/>
+            </a:prstGeom>
+          </p:spPr>
+        </p:pic>
+      </p:grpSp>
+      <p:grpSp>
+        <p:nvGrpSpPr>
+          <p:cNvPr id="31" name="30 Grupo"/>
+          <p:cNvGrpSpPr/>
+          <p:nvPr/>
+        </p:nvGrpSpPr>
+        <p:grpSpPr>
+          <a:xfrm>
+            <a:off x="6929454" y="5629187"/>
+            <a:ext cx="2163183" cy="800209"/>
+            <a:chOff x="6929454" y="5629187"/>
+            <a:chExt cx="2163183" cy="800209"/>
+          </a:xfrm>
+        </p:grpSpPr>
+        <p:sp>
+          <p:nvSpPr>
+            <p:cNvPr id="14" name="13 Rectángulo redondeado"/>
+            <p:cNvSpPr/>
+            <p:nvPr/>
+          </p:nvSpPr>
+          <p:spPr>
+            <a:xfrm rot="19862326">
+              <a:off x="7080335" y="5629187"/>
+              <a:ext cx="2012302" cy="257686"/>
+            </a:xfrm>
+            <a:prstGeom prst="roundRect">
+              <a:avLst/>
+            </a:prstGeom>
+            <a:solidFill>
+              <a:srgbClr val="00B050"/>
+            </a:solidFill>
+            <a:effectLst>
+              <a:outerShdw blurRad="50800" dist="38100" dir="2700000" algn="tl" rotWithShape="0">
+                <a:prstClr val="black">
+                  <a:alpha val="40000"/>
+                </a:prstClr>
+              </a:outerShdw>
+            </a:effectLst>
+          </p:spPr>
+          <p:style>
+            <a:lnRef idx="1">
+              <a:schemeClr val="dk1"/>
+            </a:lnRef>
+            <a:fillRef idx="3">
+              <a:schemeClr val="dk1"/>
+            </a:fillRef>
+            <a:effectRef idx="2">
+              <a:schemeClr val="dk1"/>
+            </a:effectRef>
+            <a:fontRef idx="minor">
+              <a:schemeClr val="lt1"/>
+            </a:fontRef>
+          </p:style>
+          <p:txBody>
+            <a:bodyPr rtlCol="0" anchor="ctr"/>
+            <a:lstStyle/>
+            <a:p>
+              <a:pPr algn="ctr"/>
+              <a:r>
+                <a:rPr lang="es-ES" sz="1200" b="1" dirty="0" smtClean="0"/>
+                <a:t>Horas de dedicación</a:t>
+              </a:r>
+              <a:endParaRPr lang="es-ES" sz="1200" b="1" dirty="0"/>
+            </a:p>
+          </p:txBody>
+        </p:sp>
+        <p:pic>
+          <p:nvPicPr>
+            <p:cNvPr id="29" name="28 Imagen" descr="ok.png"/>
+            <p:cNvPicPr>
+              <a:picLocks noChangeAspect="1"/>
+            </p:cNvPicPr>
+            <p:nvPr/>
+          </p:nvPicPr>
+          <p:blipFill>
+            <a:blip r:embed="rId7"/>
+            <a:stretch>
+              <a:fillRect/>
+            </a:stretch>
+          </p:blipFill>
+          <p:spPr>
+            <a:xfrm>
+              <a:off x="6929454" y="6068634"/>
+              <a:ext cx="357190" cy="360762"/>
+            </a:xfrm>
+            <a:prstGeom prst="rect">
+              <a:avLst/>
+            </a:prstGeom>
+          </p:spPr>
+        </p:pic>
+      </p:grpSp>
     </p:spTree>
   </p:cSld>
   <p:clrMapOvr>
@@ -13342,9 +14120,624 @@
   <p:timing>
     <p:tnLst>
       <p:par>
-        <p:cTn id="1" dur="indefinite" restart="never" nodeType="tmRoot"/>
+        <p:cTn id="1" dur="indefinite" restart="never" nodeType="tmRoot">
+          <p:childTnLst>
+            <p:seq concurrent="1" nextAc="seek">
+              <p:cTn id="2" dur="indefinite" nodeType="mainSeq">
+                <p:childTnLst>
+                  <p:par>
+                    <p:cTn id="3" fill="hold">
+                      <p:stCondLst>
+                        <p:cond delay="indefinite"/>
+                      </p:stCondLst>
+                      <p:childTnLst>
+                        <p:par>
+                          <p:cTn id="4" fill="hold">
+                            <p:stCondLst>
+                              <p:cond delay="0"/>
+                            </p:stCondLst>
+                            <p:childTnLst>
+                              <p:par>
+                                <p:cTn id="5" presetID="10" presetClass="entr" presetSubtype="0" fill="hold" grpId="0" nodeType="clickEffect">
+                                  <p:stCondLst>
+                                    <p:cond delay="0"/>
+                                  </p:stCondLst>
+                                  <p:childTnLst>
+                                    <p:set>
+                                      <p:cBhvr>
+                                        <p:cTn id="6" dur="1" fill="hold">
+                                          <p:stCondLst>
+                                            <p:cond delay="0"/>
+                                          </p:stCondLst>
+                                        </p:cTn>
+                                        <p:tgtEl>
+                                          <p:spTgt spid="5">
+                                            <p:graphicEl>
+                                              <a:dgm id="{03CF10A0-089F-481B-8CE8-91442EC08EBA}"/>
+                                            </p:graphicEl>
+                                          </p:spTgt>
+                                        </p:tgtEl>
+                                        <p:attrNameLst>
+                                          <p:attrName>style.visibility</p:attrName>
+                                        </p:attrNameLst>
+                                      </p:cBhvr>
+                                      <p:to>
+                                        <p:strVal val="visible"/>
+                                      </p:to>
+                                    </p:set>
+                                    <p:animEffect transition="in" filter="fade">
+                                      <p:cBhvr>
+                                        <p:cTn id="7" dur="2000"/>
+                                        <p:tgtEl>
+                                          <p:spTgt spid="5">
+                                            <p:graphicEl>
+                                              <a:dgm id="{03CF10A0-089F-481B-8CE8-91442EC08EBA}"/>
+                                            </p:graphicEl>
+                                          </p:spTgt>
+                                        </p:tgtEl>
+                                      </p:cBhvr>
+                                    </p:animEffect>
+                                  </p:childTnLst>
+                                </p:cTn>
+                              </p:par>
+                              <p:par>
+                                <p:cTn id="8" presetID="10" presetClass="entr" presetSubtype="0" fill="hold" grpId="0" nodeType="withEffect">
+                                  <p:stCondLst>
+                                    <p:cond delay="0"/>
+                                  </p:stCondLst>
+                                  <p:childTnLst>
+                                    <p:set>
+                                      <p:cBhvr>
+                                        <p:cTn id="9" dur="1" fill="hold">
+                                          <p:stCondLst>
+                                            <p:cond delay="0"/>
+                                          </p:stCondLst>
+                                        </p:cTn>
+                                        <p:tgtEl>
+                                          <p:spTgt spid="5">
+                                            <p:graphicEl>
+                                              <a:dgm id="{A257B779-2738-43AC-A2BA-FFEA657AD724}"/>
+                                            </p:graphicEl>
+                                          </p:spTgt>
+                                        </p:tgtEl>
+                                        <p:attrNameLst>
+                                          <p:attrName>style.visibility</p:attrName>
+                                        </p:attrNameLst>
+                                      </p:cBhvr>
+                                      <p:to>
+                                        <p:strVal val="visible"/>
+                                      </p:to>
+                                    </p:set>
+                                    <p:animEffect transition="in" filter="fade">
+                                      <p:cBhvr>
+                                        <p:cTn id="10" dur="2000"/>
+                                        <p:tgtEl>
+                                          <p:spTgt spid="5">
+                                            <p:graphicEl>
+                                              <a:dgm id="{A257B779-2738-43AC-A2BA-FFEA657AD724}"/>
+                                            </p:graphicEl>
+                                          </p:spTgt>
+                                        </p:tgtEl>
+                                      </p:cBhvr>
+                                    </p:animEffect>
+                                  </p:childTnLst>
+                                </p:cTn>
+                              </p:par>
+                            </p:childTnLst>
+                          </p:cTn>
+                        </p:par>
+                      </p:childTnLst>
+                    </p:cTn>
+                  </p:par>
+                  <p:par>
+                    <p:cTn id="11" fill="hold">
+                      <p:stCondLst>
+                        <p:cond delay="indefinite"/>
+                      </p:stCondLst>
+                      <p:childTnLst>
+                        <p:par>
+                          <p:cTn id="12" fill="hold">
+                            <p:stCondLst>
+                              <p:cond delay="0"/>
+                            </p:stCondLst>
+                            <p:childTnLst>
+                              <p:par>
+                                <p:cTn id="13" presetID="10" presetClass="entr" presetSubtype="0" fill="hold" grpId="0" nodeType="clickEffect">
+                                  <p:stCondLst>
+                                    <p:cond delay="0"/>
+                                  </p:stCondLst>
+                                  <p:childTnLst>
+                                    <p:set>
+                                      <p:cBhvr>
+                                        <p:cTn id="14" dur="1" fill="hold">
+                                          <p:stCondLst>
+                                            <p:cond delay="0"/>
+                                          </p:stCondLst>
+                                        </p:cTn>
+                                        <p:tgtEl>
+                                          <p:spTgt spid="5">
+                                            <p:graphicEl>
+                                              <a:dgm id="{410781DD-5C49-46AF-8D5A-EAF1A97A46E3}"/>
+                                            </p:graphicEl>
+                                          </p:spTgt>
+                                        </p:tgtEl>
+                                        <p:attrNameLst>
+                                          <p:attrName>style.visibility</p:attrName>
+                                        </p:attrNameLst>
+                                      </p:cBhvr>
+                                      <p:to>
+                                        <p:strVal val="visible"/>
+                                      </p:to>
+                                    </p:set>
+                                    <p:animEffect transition="in" filter="fade">
+                                      <p:cBhvr>
+                                        <p:cTn id="15" dur="2000"/>
+                                        <p:tgtEl>
+                                          <p:spTgt spid="5">
+                                            <p:graphicEl>
+                                              <a:dgm id="{410781DD-5C49-46AF-8D5A-EAF1A97A46E3}"/>
+                                            </p:graphicEl>
+                                          </p:spTgt>
+                                        </p:tgtEl>
+                                      </p:cBhvr>
+                                    </p:animEffect>
+                                  </p:childTnLst>
+                                </p:cTn>
+                              </p:par>
+                              <p:par>
+                                <p:cTn id="16" presetID="10" presetClass="entr" presetSubtype="0" fill="hold" grpId="0" nodeType="withEffect">
+                                  <p:stCondLst>
+                                    <p:cond delay="0"/>
+                                  </p:stCondLst>
+                                  <p:childTnLst>
+                                    <p:set>
+                                      <p:cBhvr>
+                                        <p:cTn id="17" dur="1" fill="hold">
+                                          <p:stCondLst>
+                                            <p:cond delay="0"/>
+                                          </p:stCondLst>
+                                        </p:cTn>
+                                        <p:tgtEl>
+                                          <p:spTgt spid="5">
+                                            <p:graphicEl>
+                                              <a:dgm id="{DCB50812-0279-4377-BD1B-D6435D5CB27F}"/>
+                                            </p:graphicEl>
+                                          </p:spTgt>
+                                        </p:tgtEl>
+                                        <p:attrNameLst>
+                                          <p:attrName>style.visibility</p:attrName>
+                                        </p:attrNameLst>
+                                      </p:cBhvr>
+                                      <p:to>
+                                        <p:strVal val="visible"/>
+                                      </p:to>
+                                    </p:set>
+                                    <p:animEffect transition="in" filter="fade">
+                                      <p:cBhvr>
+                                        <p:cTn id="18" dur="2000"/>
+                                        <p:tgtEl>
+                                          <p:spTgt spid="5">
+                                            <p:graphicEl>
+                                              <a:dgm id="{DCB50812-0279-4377-BD1B-D6435D5CB27F}"/>
+                                            </p:graphicEl>
+                                          </p:spTgt>
+                                        </p:tgtEl>
+                                      </p:cBhvr>
+                                    </p:animEffect>
+                                  </p:childTnLst>
+                                </p:cTn>
+                              </p:par>
+                            </p:childTnLst>
+                          </p:cTn>
+                        </p:par>
+                      </p:childTnLst>
+                    </p:cTn>
+                  </p:par>
+                  <p:par>
+                    <p:cTn id="19" fill="hold">
+                      <p:stCondLst>
+                        <p:cond delay="indefinite"/>
+                      </p:stCondLst>
+                      <p:childTnLst>
+                        <p:par>
+                          <p:cTn id="20" fill="hold">
+                            <p:stCondLst>
+                              <p:cond delay="0"/>
+                            </p:stCondLst>
+                            <p:childTnLst>
+                              <p:par>
+                                <p:cTn id="21" presetID="10" presetClass="entr" presetSubtype="0" fill="hold" grpId="0" nodeType="clickEffect">
+                                  <p:stCondLst>
+                                    <p:cond delay="0"/>
+                                  </p:stCondLst>
+                                  <p:childTnLst>
+                                    <p:set>
+                                      <p:cBhvr>
+                                        <p:cTn id="22" dur="1" fill="hold">
+                                          <p:stCondLst>
+                                            <p:cond delay="0"/>
+                                          </p:stCondLst>
+                                        </p:cTn>
+                                        <p:tgtEl>
+                                          <p:spTgt spid="5">
+                                            <p:graphicEl>
+                                              <a:dgm id="{5DAC66B0-F3A7-4BD7-9779-615FA18CCB64}"/>
+                                            </p:graphicEl>
+                                          </p:spTgt>
+                                        </p:tgtEl>
+                                        <p:attrNameLst>
+                                          <p:attrName>style.visibility</p:attrName>
+                                        </p:attrNameLst>
+                                      </p:cBhvr>
+                                      <p:to>
+                                        <p:strVal val="visible"/>
+                                      </p:to>
+                                    </p:set>
+                                    <p:animEffect transition="in" filter="fade">
+                                      <p:cBhvr>
+                                        <p:cTn id="23" dur="2000"/>
+                                        <p:tgtEl>
+                                          <p:spTgt spid="5">
+                                            <p:graphicEl>
+                                              <a:dgm id="{5DAC66B0-F3A7-4BD7-9779-615FA18CCB64}"/>
+                                            </p:graphicEl>
+                                          </p:spTgt>
+                                        </p:tgtEl>
+                                      </p:cBhvr>
+                                    </p:animEffect>
+                                  </p:childTnLst>
+                                </p:cTn>
+                              </p:par>
+                              <p:par>
+                                <p:cTn id="24" presetID="10" presetClass="entr" presetSubtype="0" fill="hold" grpId="0" nodeType="withEffect">
+                                  <p:stCondLst>
+                                    <p:cond delay="0"/>
+                                  </p:stCondLst>
+                                  <p:childTnLst>
+                                    <p:set>
+                                      <p:cBhvr>
+                                        <p:cTn id="25" dur="1" fill="hold">
+                                          <p:stCondLst>
+                                            <p:cond delay="0"/>
+                                          </p:stCondLst>
+                                        </p:cTn>
+                                        <p:tgtEl>
+                                          <p:spTgt spid="5">
+                                            <p:graphicEl>
+                                              <a:dgm id="{9780D458-18A5-4033-BF08-30A31C92458B}"/>
+                                            </p:graphicEl>
+                                          </p:spTgt>
+                                        </p:tgtEl>
+                                        <p:attrNameLst>
+                                          <p:attrName>style.visibility</p:attrName>
+                                        </p:attrNameLst>
+                                      </p:cBhvr>
+                                      <p:to>
+                                        <p:strVal val="visible"/>
+                                      </p:to>
+                                    </p:set>
+                                    <p:animEffect transition="in" filter="fade">
+                                      <p:cBhvr>
+                                        <p:cTn id="26" dur="2000"/>
+                                        <p:tgtEl>
+                                          <p:spTgt spid="5">
+                                            <p:graphicEl>
+                                              <a:dgm id="{9780D458-18A5-4033-BF08-30A31C92458B}"/>
+                                            </p:graphicEl>
+                                          </p:spTgt>
+                                        </p:tgtEl>
+                                      </p:cBhvr>
+                                    </p:animEffect>
+                                  </p:childTnLst>
+                                </p:cTn>
+                              </p:par>
+                            </p:childTnLst>
+                          </p:cTn>
+                        </p:par>
+                      </p:childTnLst>
+                    </p:cTn>
+                  </p:par>
+                  <p:par>
+                    <p:cTn id="27" fill="hold">
+                      <p:stCondLst>
+                        <p:cond delay="indefinite"/>
+                      </p:stCondLst>
+                      <p:childTnLst>
+                        <p:par>
+                          <p:cTn id="28" fill="hold">
+                            <p:stCondLst>
+                              <p:cond delay="0"/>
+                            </p:stCondLst>
+                            <p:childTnLst>
+                              <p:par>
+                                <p:cTn id="29" presetID="10" presetClass="entr" presetSubtype="0" fill="hold" nodeType="clickEffect">
+                                  <p:stCondLst>
+                                    <p:cond delay="0"/>
+                                  </p:stCondLst>
+                                  <p:childTnLst>
+                                    <p:set>
+                                      <p:cBhvr>
+                                        <p:cTn id="30" dur="1" fill="hold">
+                                          <p:stCondLst>
+                                            <p:cond delay="0"/>
+                                          </p:stCondLst>
+                                        </p:cTn>
+                                        <p:tgtEl>
+                                          <p:spTgt spid="25"/>
+                                        </p:tgtEl>
+                                        <p:attrNameLst>
+                                          <p:attrName>style.visibility</p:attrName>
+                                        </p:attrNameLst>
+                                      </p:cBhvr>
+                                      <p:to>
+                                        <p:strVal val="visible"/>
+                                      </p:to>
+                                    </p:set>
+                                    <p:animEffect transition="in" filter="fade">
+                                      <p:cBhvr>
+                                        <p:cTn id="31" dur="2000"/>
+                                        <p:tgtEl>
+                                          <p:spTgt spid="25"/>
+                                        </p:tgtEl>
+                                      </p:cBhvr>
+                                    </p:animEffect>
+                                  </p:childTnLst>
+                                </p:cTn>
+                              </p:par>
+                            </p:childTnLst>
+                          </p:cTn>
+                        </p:par>
+                        <p:par>
+                          <p:cTn id="32" fill="hold">
+                            <p:stCondLst>
+                              <p:cond delay="2000"/>
+                            </p:stCondLst>
+                            <p:childTnLst>
+                              <p:par>
+                                <p:cTn id="33" presetID="10" presetClass="entr" presetSubtype="0" fill="hold" nodeType="afterEffect">
+                                  <p:stCondLst>
+                                    <p:cond delay="0"/>
+                                  </p:stCondLst>
+                                  <p:childTnLst>
+                                    <p:set>
+                                      <p:cBhvr>
+                                        <p:cTn id="34" dur="1" fill="hold">
+                                          <p:stCondLst>
+                                            <p:cond delay="0"/>
+                                          </p:stCondLst>
+                                        </p:cTn>
+                                        <p:tgtEl>
+                                          <p:spTgt spid="26"/>
+                                        </p:tgtEl>
+                                        <p:attrNameLst>
+                                          <p:attrName>style.visibility</p:attrName>
+                                        </p:attrNameLst>
+                                      </p:cBhvr>
+                                      <p:to>
+                                        <p:strVal val="visible"/>
+                                      </p:to>
+                                    </p:set>
+                                    <p:animEffect transition="in" filter="fade">
+                                      <p:cBhvr>
+                                        <p:cTn id="35" dur="2000"/>
+                                        <p:tgtEl>
+                                          <p:spTgt spid="26"/>
+                                        </p:tgtEl>
+                                      </p:cBhvr>
+                                    </p:animEffect>
+                                  </p:childTnLst>
+                                </p:cTn>
+                              </p:par>
+                            </p:childTnLst>
+                          </p:cTn>
+                        </p:par>
+                        <p:par>
+                          <p:cTn id="36" fill="hold">
+                            <p:stCondLst>
+                              <p:cond delay="4000"/>
+                            </p:stCondLst>
+                            <p:childTnLst>
+                              <p:par>
+                                <p:cTn id="37" presetID="10" presetClass="entr" presetSubtype="0" fill="hold" nodeType="afterEffect">
+                                  <p:stCondLst>
+                                    <p:cond delay="0"/>
+                                  </p:stCondLst>
+                                  <p:childTnLst>
+                                    <p:set>
+                                      <p:cBhvr>
+                                        <p:cTn id="38" dur="1" fill="hold">
+                                          <p:stCondLst>
+                                            <p:cond delay="0"/>
+                                          </p:stCondLst>
+                                        </p:cTn>
+                                        <p:tgtEl>
+                                          <p:spTgt spid="32"/>
+                                        </p:tgtEl>
+                                        <p:attrNameLst>
+                                          <p:attrName>style.visibility</p:attrName>
+                                        </p:attrNameLst>
+                                      </p:cBhvr>
+                                      <p:to>
+                                        <p:strVal val="visible"/>
+                                      </p:to>
+                                    </p:set>
+                                    <p:animEffect transition="in" filter="fade">
+                                      <p:cBhvr>
+                                        <p:cTn id="39" dur="2000"/>
+                                        <p:tgtEl>
+                                          <p:spTgt spid="32"/>
+                                        </p:tgtEl>
+                                      </p:cBhvr>
+                                    </p:animEffect>
+                                  </p:childTnLst>
+                                </p:cTn>
+                              </p:par>
+                            </p:childTnLst>
+                          </p:cTn>
+                        </p:par>
+                        <p:par>
+                          <p:cTn id="40" fill="hold">
+                            <p:stCondLst>
+                              <p:cond delay="6000"/>
+                            </p:stCondLst>
+                            <p:childTnLst>
+                              <p:par>
+                                <p:cTn id="41" presetID="10" presetClass="entr" presetSubtype="0" fill="hold" nodeType="afterEffect">
+                                  <p:stCondLst>
+                                    <p:cond delay="0"/>
+                                  </p:stCondLst>
+                                  <p:childTnLst>
+                                    <p:set>
+                                      <p:cBhvr>
+                                        <p:cTn id="42" dur="1" fill="hold">
+                                          <p:stCondLst>
+                                            <p:cond delay="0"/>
+                                          </p:stCondLst>
+                                        </p:cTn>
+                                        <p:tgtEl>
+                                          <p:spTgt spid="33"/>
+                                        </p:tgtEl>
+                                        <p:attrNameLst>
+                                          <p:attrName>style.visibility</p:attrName>
+                                        </p:attrNameLst>
+                                      </p:cBhvr>
+                                      <p:to>
+                                        <p:strVal val="visible"/>
+                                      </p:to>
+                                    </p:set>
+                                    <p:animEffect transition="in" filter="fade">
+                                      <p:cBhvr>
+                                        <p:cTn id="43" dur="2000"/>
+                                        <p:tgtEl>
+                                          <p:spTgt spid="33"/>
+                                        </p:tgtEl>
+                                      </p:cBhvr>
+                                    </p:animEffect>
+                                  </p:childTnLst>
+                                </p:cTn>
+                              </p:par>
+                            </p:childTnLst>
+                          </p:cTn>
+                        </p:par>
+                        <p:par>
+                          <p:cTn id="44" fill="hold">
+                            <p:stCondLst>
+                              <p:cond delay="8000"/>
+                            </p:stCondLst>
+                            <p:childTnLst>
+                              <p:par>
+                                <p:cTn id="45" presetID="10" presetClass="entr" presetSubtype="0" fill="hold" nodeType="afterEffect">
+                                  <p:stCondLst>
+                                    <p:cond delay="0"/>
+                                  </p:stCondLst>
+                                  <p:childTnLst>
+                                    <p:set>
+                                      <p:cBhvr>
+                                        <p:cTn id="46" dur="1" fill="hold">
+                                          <p:stCondLst>
+                                            <p:cond delay="0"/>
+                                          </p:stCondLst>
+                                        </p:cTn>
+                                        <p:tgtEl>
+                                          <p:spTgt spid="30"/>
+                                        </p:tgtEl>
+                                        <p:attrNameLst>
+                                          <p:attrName>style.visibility</p:attrName>
+                                        </p:attrNameLst>
+                                      </p:cBhvr>
+                                      <p:to>
+                                        <p:strVal val="visible"/>
+                                      </p:to>
+                                    </p:set>
+                                    <p:animEffect transition="in" filter="fade">
+                                      <p:cBhvr>
+                                        <p:cTn id="47" dur="2000"/>
+                                        <p:tgtEl>
+                                          <p:spTgt spid="30"/>
+                                        </p:tgtEl>
+                                      </p:cBhvr>
+                                    </p:animEffect>
+                                  </p:childTnLst>
+                                </p:cTn>
+                              </p:par>
+                            </p:childTnLst>
+                          </p:cTn>
+                        </p:par>
+                        <p:par>
+                          <p:cTn id="48" fill="hold">
+                            <p:stCondLst>
+                              <p:cond delay="10000"/>
+                            </p:stCondLst>
+                            <p:childTnLst>
+                              <p:par>
+                                <p:cTn id="49" presetID="10" presetClass="entr" presetSubtype="0" fill="hold" nodeType="afterEffect">
+                                  <p:stCondLst>
+                                    <p:cond delay="0"/>
+                                  </p:stCondLst>
+                                  <p:childTnLst>
+                                    <p:set>
+                                      <p:cBhvr>
+                                        <p:cTn id="50" dur="1" fill="hold">
+                                          <p:stCondLst>
+                                            <p:cond delay="0"/>
+                                          </p:stCondLst>
+                                        </p:cTn>
+                                        <p:tgtEl>
+                                          <p:spTgt spid="31"/>
+                                        </p:tgtEl>
+                                        <p:attrNameLst>
+                                          <p:attrName>style.visibility</p:attrName>
+                                        </p:attrNameLst>
+                                      </p:cBhvr>
+                                      <p:to>
+                                        <p:strVal val="visible"/>
+                                      </p:to>
+                                    </p:set>
+                                    <p:animEffect transition="in" filter="fade">
+                                      <p:cBhvr>
+                                        <p:cTn id="51" dur="2000"/>
+                                        <p:tgtEl>
+                                          <p:spTgt spid="31"/>
+                                        </p:tgtEl>
+                                      </p:cBhvr>
+                                    </p:animEffect>
+                                  </p:childTnLst>
+                                </p:cTn>
+                              </p:par>
+                            </p:childTnLst>
+                          </p:cTn>
+                        </p:par>
+                      </p:childTnLst>
+                    </p:cTn>
+                  </p:par>
+                </p:childTnLst>
+              </p:cTn>
+              <p:prevCondLst>
+                <p:cond evt="onPrev" delay="0">
+                  <p:tgtEl>
+                    <p:sldTgt/>
+                  </p:tgtEl>
+                </p:cond>
+              </p:prevCondLst>
+              <p:nextCondLst>
+                <p:cond evt="onNext" delay="0">
+                  <p:tgtEl>
+                    <p:sldTgt/>
+                  </p:tgtEl>
+                </p:cond>
+              </p:nextCondLst>
+            </p:seq>
+          </p:childTnLst>
+        </p:cTn>
       </p:par>
     </p:tnLst>
+    <p:bldLst>
+      <p:bldGraphic spid="5" grpId="0" uiExpand="1">
+        <p:bldSub>
+          <a:bldDgm bld="one"/>
+        </p:bldSub>
+      </p:bldGraphic>
+    </p:bldLst>
   </p:timing>
 </p:sld>
 </file>

--- a/docs/Presentacion Final/Tempore – Manejá tus tiempos.pptx
+++ b/docs/Presentacion Final/Tempore – Manejá tus tiempos.pptx
@@ -5,7 +5,7 @@
     <p:sldMasterId id="2147483840" r:id="rId1"/>
   </p:sldMasterIdLst>
   <p:notesMasterIdLst>
-    <p:notesMasterId r:id="rId10"/>
+    <p:notesMasterId r:id="rId11"/>
   </p:notesMasterIdLst>
   <p:sldIdLst>
     <p:sldId id="256" r:id="rId2"/>
@@ -16,6 +16,7 @@
     <p:sldId id="261" r:id="rId7"/>
     <p:sldId id="262" r:id="rId8"/>
     <p:sldId id="263" r:id="rId9"/>
+    <p:sldId id="264" r:id="rId10"/>
   </p:sldIdLst>
   <p:sldSz cx="9144000" cy="6858000" type="screen4x3"/>
   <p:notesSz cx="6858000" cy="9144000"/>
@@ -2606,7 +2607,7 @@
 <dgm:dataModel xmlns:dgm="http://schemas.openxmlformats.org/drawingml/2006/diagram" xmlns:a="http://schemas.openxmlformats.org/drawingml/2006/main">
   <dgm:ptLst>
     <dgm:pt modelId="{5D3F1B1F-8882-40C2-8A2D-F35C5D2DE244}" type="doc">
-      <dgm:prSet loTypeId="urn:microsoft.com/office/officeart/2005/8/layout/vList4" loCatId="list" qsTypeId="urn:microsoft.com/office/officeart/2005/8/quickstyle/simple3" qsCatId="simple" csTypeId="urn:microsoft.com/office/officeart/2005/8/colors/accent3_4" csCatId="accent3" phldr="1"/>
+      <dgm:prSet loTypeId="urn:microsoft.com/office/officeart/2005/8/layout/vList4#1" loCatId="list" qsTypeId="urn:microsoft.com/office/officeart/2005/8/quickstyle/simple3" qsCatId="simple" csTypeId="urn:microsoft.com/office/officeart/2005/8/colors/accent3_4" csCatId="accent3" phldr="1"/>
       <dgm:spPr/>
       <dgm:t>
         <a:bodyPr/>
@@ -3346,60 +3347,65 @@
     </dgm:pt>
   </dgm:ptLst>
   <dgm:cxnLst>
-    <dgm:cxn modelId="{073371DF-0988-4595-99BB-6126A4E2C0CE}" type="presOf" srcId="{62CFA7F4-8DDA-4B43-A88D-C9B164593647}" destId="{B3EC1D43-DC87-4EF5-AA46-116C98B82BF8}" srcOrd="1" destOrd="2" presId="urn:microsoft.com/office/officeart/2005/8/layout/vList4"/>
-    <dgm:cxn modelId="{4858CB34-749E-49CC-A727-AE16C0F965E8}" type="presOf" srcId="{E04A945A-6049-4891-9E14-7CDB6DAB0BC6}" destId="{E111763A-36DB-44D3-89AB-AABCFF6EC761}" srcOrd="0" destOrd="0" presId="urn:microsoft.com/office/officeart/2005/8/layout/vList4"/>
-    <dgm:cxn modelId="{B372D7B6-A555-4F1E-90DA-AC4D2BED8B5E}" type="presOf" srcId="{7B2DF067-6CFB-46CD-8FE8-6966F9650109}" destId="{7A92DA65-B0D7-4054-A1D7-876157F55F30}" srcOrd="1" destOrd="2" presId="urn:microsoft.com/office/officeart/2005/8/layout/vList4"/>
-    <dgm:cxn modelId="{59DFA00A-B11A-44EC-9EBC-AF10C27B4C38}" type="presOf" srcId="{A8089130-C6AF-4C59-91BA-D491F90FD224}" destId="{E111763A-36DB-44D3-89AB-AABCFF6EC761}" srcOrd="0" destOrd="3" presId="urn:microsoft.com/office/officeart/2005/8/layout/vList4"/>
-    <dgm:cxn modelId="{15F1A143-85CE-458C-851D-D8C09753A037}" type="presOf" srcId="{55B3E391-62DF-4A47-92F9-C53D3C08219F}" destId="{73C7E5FF-CFDC-4108-A7FA-62EC1733F221}" srcOrd="0" destOrd="1" presId="urn:microsoft.com/office/officeart/2005/8/layout/vList4"/>
-    <dgm:cxn modelId="{0F1B1278-F190-4AF1-9DFC-3EA6391CC97A}" type="presOf" srcId="{62CFA7F4-8DDA-4B43-A88D-C9B164593647}" destId="{0E4A279F-13FD-4DEA-B856-60483CE9001C}" srcOrd="0" destOrd="2" presId="urn:microsoft.com/office/officeart/2005/8/layout/vList4"/>
+    <dgm:cxn modelId="{073371DF-0988-4595-99BB-6126A4E2C0CE}" type="presOf" srcId="{62CFA7F4-8DDA-4B43-A88D-C9B164593647}" destId="{B3EC1D43-DC87-4EF5-AA46-116C98B82BF8}" srcOrd="1" destOrd="2" presId="urn:microsoft.com/office/officeart/2005/8/layout/vList4#1"/>
+    <dgm:cxn modelId="{4858CB34-749E-49CC-A727-AE16C0F965E8}" type="presOf" srcId="{E04A945A-6049-4891-9E14-7CDB6DAB0BC6}" destId="{E111763A-36DB-44D3-89AB-AABCFF6EC761}" srcOrd="0" destOrd="0" presId="urn:microsoft.com/office/officeart/2005/8/layout/vList4#1"/>
+    <dgm:cxn modelId="{B372D7B6-A555-4F1E-90DA-AC4D2BED8B5E}" type="presOf" srcId="{7B2DF067-6CFB-46CD-8FE8-6966F9650109}" destId="{7A92DA65-B0D7-4054-A1D7-876157F55F30}" srcOrd="1" destOrd="2" presId="urn:microsoft.com/office/officeart/2005/8/layout/vList4#1"/>
+    <dgm:cxn modelId="{59DFA00A-B11A-44EC-9EBC-AF10C27B4C38}" type="presOf" srcId="{A8089130-C6AF-4C59-91BA-D491F90FD224}" destId="{E111763A-36DB-44D3-89AB-AABCFF6EC761}" srcOrd="0" destOrd="3" presId="urn:microsoft.com/office/officeart/2005/8/layout/vList4#1"/>
+    <dgm:cxn modelId="{15F1A143-85CE-458C-851D-D8C09753A037}" type="presOf" srcId="{55B3E391-62DF-4A47-92F9-C53D3C08219F}" destId="{73C7E5FF-CFDC-4108-A7FA-62EC1733F221}" srcOrd="0" destOrd="1" presId="urn:microsoft.com/office/officeart/2005/8/layout/vList4#1"/>
+    <dgm:cxn modelId="{0F1B1278-F190-4AF1-9DFC-3EA6391CC97A}" type="presOf" srcId="{62CFA7F4-8DDA-4B43-A88D-C9B164593647}" destId="{0E4A279F-13FD-4DEA-B856-60483CE9001C}" srcOrd="0" destOrd="2" presId="urn:microsoft.com/office/officeart/2005/8/layout/vList4#1"/>
     <dgm:cxn modelId="{F9D6D550-F35A-45F3-8895-5F55D417D1B8}" srcId="{5D3F1B1F-8882-40C2-8A2D-F35C5D2DE244}" destId="{9EA8F649-A822-4005-92B6-E4F626377926}" srcOrd="1" destOrd="0" parTransId="{A19D1006-3E40-46BC-8708-098A042146AC}" sibTransId="{9F6D6AA6-5462-48C4-A8CB-98B534BFC05E}"/>
-    <dgm:cxn modelId="{C03D4074-0129-4A6A-867C-EC828ED916C8}" type="presOf" srcId="{B271351A-9057-4106-A219-F345F75608E9}" destId="{982B79BF-FC76-4A30-9196-2F905D07E9DB}" srcOrd="1" destOrd="4" presId="urn:microsoft.com/office/officeart/2005/8/layout/vList4"/>
+    <dgm:cxn modelId="{C03D4074-0129-4A6A-867C-EC828ED916C8}" type="presOf" srcId="{B271351A-9057-4106-A219-F345F75608E9}" destId="{982B79BF-FC76-4A30-9196-2F905D07E9DB}" srcOrd="1" destOrd="4" presId="urn:microsoft.com/office/officeart/2005/8/layout/vList4#1"/>
     <dgm:cxn modelId="{B835D342-3EFE-486E-AA93-3B67114FAE95}" srcId="{9EA8F649-A822-4005-92B6-E4F626377926}" destId="{62CFA7F4-8DDA-4B43-A88D-C9B164593647}" srcOrd="1" destOrd="0" parTransId="{675CA5E5-297F-48F4-90BD-F79188D26E6A}" sibTransId="{27D65F72-00EF-4987-820D-7395A34B75B7}"/>
     <dgm:cxn modelId="{721FCB95-DC08-402A-B5C1-6EEBD8EB7EA0}" srcId="{9C7D0373-CC3E-413C-81C8-B470E8B263C6}" destId="{55B3E391-62DF-4A47-92F9-C53D3C08219F}" srcOrd="0" destOrd="0" parTransId="{CEC9D703-93DD-4F38-9A82-EE57C5B106C8}" sibTransId="{3C2C6712-7873-46F6-8B4C-83CEAA13A170}"/>
     <dgm:cxn modelId="{A7588252-539D-48DE-8F55-B728E7DFD8D0}" srcId="{9C7D0373-CC3E-413C-81C8-B470E8B263C6}" destId="{7B2DF067-6CFB-46CD-8FE8-6966F9650109}" srcOrd="1" destOrd="0" parTransId="{4F7DEAEC-12EE-4C7E-8C51-AEAE1AD8EAC5}" sibTransId="{585E7396-80D2-4ED2-A8C7-CE92550E47FE}"/>
-    <dgm:cxn modelId="{7F244251-33A8-463E-AD53-21F80DBCD7C7}" type="presOf" srcId="{55B3E391-62DF-4A47-92F9-C53D3C08219F}" destId="{7A92DA65-B0D7-4054-A1D7-876157F55F30}" srcOrd="1" destOrd="1" presId="urn:microsoft.com/office/officeart/2005/8/layout/vList4"/>
-    <dgm:cxn modelId="{0D6C9568-8568-4514-B530-B598D50B4BBF}" type="presOf" srcId="{5D3F1B1F-8882-40C2-8A2D-F35C5D2DE244}" destId="{F446C351-F58B-4738-9428-E884505F1A0B}" srcOrd="0" destOrd="0" presId="urn:microsoft.com/office/officeart/2005/8/layout/vList4"/>
-    <dgm:cxn modelId="{388B7D83-4823-4425-96C7-96C59E89E417}" type="presOf" srcId="{A8089130-C6AF-4C59-91BA-D491F90FD224}" destId="{982B79BF-FC76-4A30-9196-2F905D07E9DB}" srcOrd="1" destOrd="3" presId="urn:microsoft.com/office/officeart/2005/8/layout/vList4"/>
-    <dgm:cxn modelId="{0ABF7F12-0904-473E-8BC0-D738C3AAA5C3}" type="presOf" srcId="{9EA8F649-A822-4005-92B6-E4F626377926}" destId="{B3EC1D43-DC87-4EF5-AA46-116C98B82BF8}" srcOrd="1" destOrd="0" presId="urn:microsoft.com/office/officeart/2005/8/layout/vList4"/>
-    <dgm:cxn modelId="{E571E475-729F-4BF6-8C71-403D478EF8A7}" type="presOf" srcId="{E04A945A-6049-4891-9E14-7CDB6DAB0BC6}" destId="{982B79BF-FC76-4A30-9196-2F905D07E9DB}" srcOrd="1" destOrd="0" presId="urn:microsoft.com/office/officeart/2005/8/layout/vList4"/>
+    <dgm:cxn modelId="{7F244251-33A8-463E-AD53-21F80DBCD7C7}" type="presOf" srcId="{55B3E391-62DF-4A47-92F9-C53D3C08219F}" destId="{7A92DA65-B0D7-4054-A1D7-876157F55F30}" srcOrd="1" destOrd="1" presId="urn:microsoft.com/office/officeart/2005/8/layout/vList4#1"/>
+    <dgm:cxn modelId="{0D6C9568-8568-4514-B530-B598D50B4BBF}" type="presOf" srcId="{5D3F1B1F-8882-40C2-8A2D-F35C5D2DE244}" destId="{F446C351-F58B-4738-9428-E884505F1A0B}" srcOrd="0" destOrd="0" presId="urn:microsoft.com/office/officeart/2005/8/layout/vList4#1"/>
+    <dgm:cxn modelId="{388B7D83-4823-4425-96C7-96C59E89E417}" type="presOf" srcId="{A8089130-C6AF-4C59-91BA-D491F90FD224}" destId="{982B79BF-FC76-4A30-9196-2F905D07E9DB}" srcOrd="1" destOrd="3" presId="urn:microsoft.com/office/officeart/2005/8/layout/vList4#1"/>
+    <dgm:cxn modelId="{0ABF7F12-0904-473E-8BC0-D738C3AAA5C3}" type="presOf" srcId="{9EA8F649-A822-4005-92B6-E4F626377926}" destId="{B3EC1D43-DC87-4EF5-AA46-116C98B82BF8}" srcOrd="1" destOrd="0" presId="urn:microsoft.com/office/officeart/2005/8/layout/vList4#1"/>
+    <dgm:cxn modelId="{E571E475-729F-4BF6-8C71-403D478EF8A7}" type="presOf" srcId="{E04A945A-6049-4891-9E14-7CDB6DAB0BC6}" destId="{982B79BF-FC76-4A30-9196-2F905D07E9DB}" srcOrd="1" destOrd="0" presId="urn:microsoft.com/office/officeart/2005/8/layout/vList4#1"/>
     <dgm:cxn modelId="{C3F36F93-304C-4143-8991-DD5A16E0CCD5}" srcId="{E04A945A-6049-4891-9E14-7CDB6DAB0BC6}" destId="{231F4CB2-16F1-4D83-A982-AA185703EE8D}" srcOrd="1" destOrd="0" parTransId="{84178694-5D54-488E-B029-AB80608A8C35}" sibTransId="{4952947D-81BB-4DB7-939F-EFFE3212E032}"/>
     <dgm:cxn modelId="{3A63B726-2CA7-461B-9048-DD1E99D2AF94}" srcId="{E04A945A-6049-4891-9E14-7CDB6DAB0BC6}" destId="{AFD36104-1D44-4289-9932-D47F79CFC7EF}" srcOrd="0" destOrd="0" parTransId="{6A5B042A-D458-4E02-826F-BEAE53DEFE29}" sibTransId="{02855DD9-D7E9-49EB-ACDE-AF95AADAABCF}"/>
-    <dgm:cxn modelId="{A91A00E1-DD3A-424B-BA32-985878B7652F}" type="presOf" srcId="{9C7D0373-CC3E-413C-81C8-B470E8B263C6}" destId="{7A92DA65-B0D7-4054-A1D7-876157F55F30}" srcOrd="1" destOrd="0" presId="urn:microsoft.com/office/officeart/2005/8/layout/vList4"/>
-    <dgm:cxn modelId="{BB254E46-DBAF-4F26-8E1C-7957B70831D0}" type="presOf" srcId="{523707FD-C98E-42E7-A7AE-6024BB02137F}" destId="{0E4A279F-13FD-4DEA-B856-60483CE9001C}" srcOrd="0" destOrd="1" presId="urn:microsoft.com/office/officeart/2005/8/layout/vList4"/>
-    <dgm:cxn modelId="{20669006-2D53-4334-A2DC-B9FF4C65EE51}" type="presOf" srcId="{AFD36104-1D44-4289-9932-D47F79CFC7EF}" destId="{E111763A-36DB-44D3-89AB-AABCFF6EC761}" srcOrd="0" destOrd="1" presId="urn:microsoft.com/office/officeart/2005/8/layout/vList4"/>
-    <dgm:cxn modelId="{3B43F41E-C320-4B7A-8543-919D9CF855BB}" type="presOf" srcId="{9EA8F649-A822-4005-92B6-E4F626377926}" destId="{0E4A279F-13FD-4DEA-B856-60483CE9001C}" srcOrd="0" destOrd="0" presId="urn:microsoft.com/office/officeart/2005/8/layout/vList4"/>
-    <dgm:cxn modelId="{19E72D11-A267-4B39-8E0A-E47D1E74CA30}" type="presOf" srcId="{7B2DF067-6CFB-46CD-8FE8-6966F9650109}" destId="{73C7E5FF-CFDC-4108-A7FA-62EC1733F221}" srcOrd="0" destOrd="2" presId="urn:microsoft.com/office/officeart/2005/8/layout/vList4"/>
-    <dgm:cxn modelId="{1343156D-AE09-4096-B6A7-AE142431B937}" type="presOf" srcId="{231F4CB2-16F1-4D83-A982-AA185703EE8D}" destId="{982B79BF-FC76-4A30-9196-2F905D07E9DB}" srcOrd="1" destOrd="2" presId="urn:microsoft.com/office/officeart/2005/8/layout/vList4"/>
+    <dgm:cxn modelId="{A91A00E1-DD3A-424B-BA32-985878B7652F}" type="presOf" srcId="{9C7D0373-CC3E-413C-81C8-B470E8B263C6}" destId="{7A92DA65-B0D7-4054-A1D7-876157F55F30}" srcOrd="1" destOrd="0" presId="urn:microsoft.com/office/officeart/2005/8/layout/vList4#1"/>
+    <dgm:cxn modelId="{BB254E46-DBAF-4F26-8E1C-7957B70831D0}" type="presOf" srcId="{523707FD-C98E-42E7-A7AE-6024BB02137F}" destId="{0E4A279F-13FD-4DEA-B856-60483CE9001C}" srcOrd="0" destOrd="1" presId="urn:microsoft.com/office/officeart/2005/8/layout/vList4#1"/>
+    <dgm:cxn modelId="{20669006-2D53-4334-A2DC-B9FF4C65EE51}" type="presOf" srcId="{AFD36104-1D44-4289-9932-D47F79CFC7EF}" destId="{E111763A-36DB-44D3-89AB-AABCFF6EC761}" srcOrd="0" destOrd="1" presId="urn:microsoft.com/office/officeart/2005/8/layout/vList4#1"/>
+    <dgm:cxn modelId="{3B43F41E-C320-4B7A-8543-919D9CF855BB}" type="presOf" srcId="{9EA8F649-A822-4005-92B6-E4F626377926}" destId="{0E4A279F-13FD-4DEA-B856-60483CE9001C}" srcOrd="0" destOrd="0" presId="urn:microsoft.com/office/officeart/2005/8/layout/vList4#1"/>
+    <dgm:cxn modelId="{19E72D11-A267-4B39-8E0A-E47D1E74CA30}" type="presOf" srcId="{7B2DF067-6CFB-46CD-8FE8-6966F9650109}" destId="{73C7E5FF-CFDC-4108-A7FA-62EC1733F221}" srcOrd="0" destOrd="2" presId="urn:microsoft.com/office/officeart/2005/8/layout/vList4#1"/>
+    <dgm:cxn modelId="{1343156D-AE09-4096-B6A7-AE142431B937}" type="presOf" srcId="{231F4CB2-16F1-4D83-A982-AA185703EE8D}" destId="{982B79BF-FC76-4A30-9196-2F905D07E9DB}" srcOrd="1" destOrd="2" presId="urn:microsoft.com/office/officeart/2005/8/layout/vList4#1"/>
     <dgm:cxn modelId="{3BB231F2-BA78-4C74-8837-63E8AA3A9961}" srcId="{E04A945A-6049-4891-9E14-7CDB6DAB0BC6}" destId="{A8089130-C6AF-4C59-91BA-D491F90FD224}" srcOrd="2" destOrd="0" parTransId="{40E3F085-901B-4AF5-BE42-4B363A9A389B}" sibTransId="{375E4F1F-9010-4AFB-80F5-7D8253F558B7}"/>
     <dgm:cxn modelId="{BE0408AF-66FB-4F81-BA5F-31E9D5181735}" srcId="{E04A945A-6049-4891-9E14-7CDB6DAB0BC6}" destId="{B271351A-9057-4106-A219-F345F75608E9}" srcOrd="3" destOrd="0" parTransId="{BDE80354-1D0A-46D6-94B3-530496A8F090}" sibTransId="{8416442F-43A3-4930-80B3-779D6B35B3AE}"/>
-    <dgm:cxn modelId="{B75C4E30-06BF-41A4-BA49-D263017EC4C9}" type="presOf" srcId="{523707FD-C98E-42E7-A7AE-6024BB02137F}" destId="{B3EC1D43-DC87-4EF5-AA46-116C98B82BF8}" srcOrd="1" destOrd="1" presId="urn:microsoft.com/office/officeart/2005/8/layout/vList4"/>
+    <dgm:cxn modelId="{B75C4E30-06BF-41A4-BA49-D263017EC4C9}" type="presOf" srcId="{523707FD-C98E-42E7-A7AE-6024BB02137F}" destId="{B3EC1D43-DC87-4EF5-AA46-116C98B82BF8}" srcOrd="1" destOrd="1" presId="urn:microsoft.com/office/officeart/2005/8/layout/vList4#1"/>
     <dgm:cxn modelId="{2D94902C-5308-4AA9-B029-4D3C338F79FE}" srcId="{5D3F1B1F-8882-40C2-8A2D-F35C5D2DE244}" destId="{E04A945A-6049-4891-9E14-7CDB6DAB0BC6}" srcOrd="0" destOrd="0" parTransId="{9601B9C0-F29E-4B75-8DC4-9CF7B537A66F}" sibTransId="{55AE2466-DEE7-44B2-9DF1-15F3E5B5978A}"/>
-    <dgm:cxn modelId="{3F79DA3E-F00F-449E-8E7F-AF78C874B595}" type="presOf" srcId="{231F4CB2-16F1-4D83-A982-AA185703EE8D}" destId="{E111763A-36DB-44D3-89AB-AABCFF6EC761}" srcOrd="0" destOrd="2" presId="urn:microsoft.com/office/officeart/2005/8/layout/vList4"/>
-    <dgm:cxn modelId="{08A5BDC1-F692-4FE5-A749-197EE9CDA7F5}" type="presOf" srcId="{9C7D0373-CC3E-413C-81C8-B470E8B263C6}" destId="{73C7E5FF-CFDC-4108-A7FA-62EC1733F221}" srcOrd="0" destOrd="0" presId="urn:microsoft.com/office/officeart/2005/8/layout/vList4"/>
+    <dgm:cxn modelId="{3F79DA3E-F00F-449E-8E7F-AF78C874B595}" type="presOf" srcId="{231F4CB2-16F1-4D83-A982-AA185703EE8D}" destId="{E111763A-36DB-44D3-89AB-AABCFF6EC761}" srcOrd="0" destOrd="2" presId="urn:microsoft.com/office/officeart/2005/8/layout/vList4#1"/>
+    <dgm:cxn modelId="{08A5BDC1-F692-4FE5-A749-197EE9CDA7F5}" type="presOf" srcId="{9C7D0373-CC3E-413C-81C8-B470E8B263C6}" destId="{73C7E5FF-CFDC-4108-A7FA-62EC1733F221}" srcOrd="0" destOrd="0" presId="urn:microsoft.com/office/officeart/2005/8/layout/vList4#1"/>
     <dgm:cxn modelId="{56B94490-EB4C-4E09-96D4-7C72AEC9539A}" srcId="{9EA8F649-A822-4005-92B6-E4F626377926}" destId="{523707FD-C98E-42E7-A7AE-6024BB02137F}" srcOrd="0" destOrd="0" parTransId="{29DF2575-5A28-43B5-B596-DCB9A96A7257}" sibTransId="{17EC8F48-6683-4752-A2D3-3D4F24E78418}"/>
     <dgm:cxn modelId="{113A8642-4F68-405F-9FE6-A17E0EA62B8C}" srcId="{9C7D0373-CC3E-413C-81C8-B470E8B263C6}" destId="{5C6785CB-18E4-4971-AEBB-48A5BB9AB520}" srcOrd="2" destOrd="0" parTransId="{9674B30B-E5B7-48A7-973B-5D5B9BF087E8}" sibTransId="{F58CCB19-B6F4-4D8C-920F-EBF34A579AE9}"/>
-    <dgm:cxn modelId="{1EC54BB7-B207-4FBD-9D1C-0B1D804BE1C5}" type="presOf" srcId="{5C6785CB-18E4-4971-AEBB-48A5BB9AB520}" destId="{73C7E5FF-CFDC-4108-A7FA-62EC1733F221}" srcOrd="0" destOrd="3" presId="urn:microsoft.com/office/officeart/2005/8/layout/vList4"/>
+    <dgm:cxn modelId="{1EC54BB7-B207-4FBD-9D1C-0B1D804BE1C5}" type="presOf" srcId="{5C6785CB-18E4-4971-AEBB-48A5BB9AB520}" destId="{73C7E5FF-CFDC-4108-A7FA-62EC1733F221}" srcOrd="0" destOrd="3" presId="urn:microsoft.com/office/officeart/2005/8/layout/vList4#1"/>
     <dgm:cxn modelId="{CA20D5AE-B006-40E3-96B1-4270A4F7BCD3}" srcId="{5D3F1B1F-8882-40C2-8A2D-F35C5D2DE244}" destId="{9C7D0373-CC3E-413C-81C8-B470E8B263C6}" srcOrd="2" destOrd="0" parTransId="{29C80087-19E2-4639-9040-BAEEF3E1B19B}" sibTransId="{8812AA20-70EC-4FAC-95B8-BDEB02C25A71}"/>
-    <dgm:cxn modelId="{500AEA8B-C70E-4F69-81D8-76E07B67B6CB}" type="presOf" srcId="{AFD36104-1D44-4289-9932-D47F79CFC7EF}" destId="{982B79BF-FC76-4A30-9196-2F905D07E9DB}" srcOrd="1" destOrd="1" presId="urn:microsoft.com/office/officeart/2005/8/layout/vList4"/>
-    <dgm:cxn modelId="{79BFD155-3836-4A3A-9938-3A962613F92C}" type="presOf" srcId="{B271351A-9057-4106-A219-F345F75608E9}" destId="{E111763A-36DB-44D3-89AB-AABCFF6EC761}" srcOrd="0" destOrd="4" presId="urn:microsoft.com/office/officeart/2005/8/layout/vList4"/>
-    <dgm:cxn modelId="{52787BF1-B5F7-449D-A1C0-FB783D5FAFFD}" type="presOf" srcId="{5C6785CB-18E4-4971-AEBB-48A5BB9AB520}" destId="{7A92DA65-B0D7-4054-A1D7-876157F55F30}" srcOrd="1" destOrd="3" presId="urn:microsoft.com/office/officeart/2005/8/layout/vList4"/>
-    <dgm:cxn modelId="{4D2A52A7-692A-4BEC-95AD-3F90E6D468D6}" type="presParOf" srcId="{F446C351-F58B-4738-9428-E884505F1A0B}" destId="{1FA9C2F7-BE0B-4AB3-AAF0-493785047944}" srcOrd="0" destOrd="0" presId="urn:microsoft.com/office/officeart/2005/8/layout/vList4"/>
-    <dgm:cxn modelId="{504B2594-031D-41EE-8B6C-D0BE4A7A5A6B}" type="presParOf" srcId="{1FA9C2F7-BE0B-4AB3-AAF0-493785047944}" destId="{E111763A-36DB-44D3-89AB-AABCFF6EC761}" srcOrd="0" destOrd="0" presId="urn:microsoft.com/office/officeart/2005/8/layout/vList4"/>
-    <dgm:cxn modelId="{F4366A00-F32A-43D9-9E60-4AB579332983}" type="presParOf" srcId="{1FA9C2F7-BE0B-4AB3-AAF0-493785047944}" destId="{8DF6E289-6357-4247-B7FA-6D641D528C75}" srcOrd="1" destOrd="0" presId="urn:microsoft.com/office/officeart/2005/8/layout/vList4"/>
-    <dgm:cxn modelId="{24B7E99D-3E09-4715-A0B7-63C009C47AB3}" type="presParOf" srcId="{1FA9C2F7-BE0B-4AB3-AAF0-493785047944}" destId="{982B79BF-FC76-4A30-9196-2F905D07E9DB}" srcOrd="2" destOrd="0" presId="urn:microsoft.com/office/officeart/2005/8/layout/vList4"/>
-    <dgm:cxn modelId="{13120C9F-9DE2-4D34-8B74-21E20F2D8FA8}" type="presParOf" srcId="{F446C351-F58B-4738-9428-E884505F1A0B}" destId="{77832C77-14B2-4FA9-BF21-E5B8CE10A854}" srcOrd="1" destOrd="0" presId="urn:microsoft.com/office/officeart/2005/8/layout/vList4"/>
-    <dgm:cxn modelId="{EEA49E93-66B6-4B65-A4BD-C446BDD4A73E}" type="presParOf" srcId="{F446C351-F58B-4738-9428-E884505F1A0B}" destId="{6223937F-5A85-42F8-89F1-A31EAABD77FB}" srcOrd="2" destOrd="0" presId="urn:microsoft.com/office/officeart/2005/8/layout/vList4"/>
-    <dgm:cxn modelId="{08B84FC7-BA20-4FB1-9C2B-4E876F216C5C}" type="presParOf" srcId="{6223937F-5A85-42F8-89F1-A31EAABD77FB}" destId="{0E4A279F-13FD-4DEA-B856-60483CE9001C}" srcOrd="0" destOrd="0" presId="urn:microsoft.com/office/officeart/2005/8/layout/vList4"/>
-    <dgm:cxn modelId="{04623A72-100D-44CB-BEAD-5D8809D06170}" type="presParOf" srcId="{6223937F-5A85-42F8-89F1-A31EAABD77FB}" destId="{A1973E30-7BF9-46DB-80DD-3126B6415776}" srcOrd="1" destOrd="0" presId="urn:microsoft.com/office/officeart/2005/8/layout/vList4"/>
-    <dgm:cxn modelId="{BC446E9A-9274-40AE-9037-ECEC41DE92D4}" type="presParOf" srcId="{6223937F-5A85-42F8-89F1-A31EAABD77FB}" destId="{B3EC1D43-DC87-4EF5-AA46-116C98B82BF8}" srcOrd="2" destOrd="0" presId="urn:microsoft.com/office/officeart/2005/8/layout/vList4"/>
-    <dgm:cxn modelId="{0344E29B-15A3-4BF2-AEC8-9CC98176F4E9}" type="presParOf" srcId="{F446C351-F58B-4738-9428-E884505F1A0B}" destId="{581D0F87-422B-4456-A25F-F42D90AD08B1}" srcOrd="3" destOrd="0" presId="urn:microsoft.com/office/officeart/2005/8/layout/vList4"/>
-    <dgm:cxn modelId="{419BC69A-750C-46B7-8E22-873A5678CCAF}" type="presParOf" srcId="{F446C351-F58B-4738-9428-E884505F1A0B}" destId="{D1231C8A-4CA1-46F3-A786-B8CECC9F40E3}" srcOrd="4" destOrd="0" presId="urn:microsoft.com/office/officeart/2005/8/layout/vList4"/>
-    <dgm:cxn modelId="{B011D334-8A0A-4A2F-A9E7-49978D14F73A}" type="presParOf" srcId="{D1231C8A-4CA1-46F3-A786-B8CECC9F40E3}" destId="{73C7E5FF-CFDC-4108-A7FA-62EC1733F221}" srcOrd="0" destOrd="0" presId="urn:microsoft.com/office/officeart/2005/8/layout/vList4"/>
-    <dgm:cxn modelId="{1235F144-8431-4021-B285-6C9425AF996E}" type="presParOf" srcId="{D1231C8A-4CA1-46F3-A786-B8CECC9F40E3}" destId="{37789156-0F31-4798-86F2-2815929A8BF2}" srcOrd="1" destOrd="0" presId="urn:microsoft.com/office/officeart/2005/8/layout/vList4"/>
-    <dgm:cxn modelId="{D3FAFBB5-4B94-47A9-9A80-6EE76742C487}" type="presParOf" srcId="{D1231C8A-4CA1-46F3-A786-B8CECC9F40E3}" destId="{7A92DA65-B0D7-4054-A1D7-876157F55F30}" srcOrd="2" destOrd="0" presId="urn:microsoft.com/office/officeart/2005/8/layout/vList4"/>
+    <dgm:cxn modelId="{500AEA8B-C70E-4F69-81D8-76E07B67B6CB}" type="presOf" srcId="{AFD36104-1D44-4289-9932-D47F79CFC7EF}" destId="{982B79BF-FC76-4A30-9196-2F905D07E9DB}" srcOrd="1" destOrd="1" presId="urn:microsoft.com/office/officeart/2005/8/layout/vList4#1"/>
+    <dgm:cxn modelId="{79BFD155-3836-4A3A-9938-3A962613F92C}" type="presOf" srcId="{B271351A-9057-4106-A219-F345F75608E9}" destId="{E111763A-36DB-44D3-89AB-AABCFF6EC761}" srcOrd="0" destOrd="4" presId="urn:microsoft.com/office/officeart/2005/8/layout/vList4#1"/>
+    <dgm:cxn modelId="{52787BF1-B5F7-449D-A1C0-FB783D5FAFFD}" type="presOf" srcId="{5C6785CB-18E4-4971-AEBB-48A5BB9AB520}" destId="{7A92DA65-B0D7-4054-A1D7-876157F55F30}" srcOrd="1" destOrd="3" presId="urn:microsoft.com/office/officeart/2005/8/layout/vList4#1"/>
+    <dgm:cxn modelId="{4D2A52A7-692A-4BEC-95AD-3F90E6D468D6}" type="presParOf" srcId="{F446C351-F58B-4738-9428-E884505F1A0B}" destId="{1FA9C2F7-BE0B-4AB3-AAF0-493785047944}" srcOrd="0" destOrd="0" presId="urn:microsoft.com/office/officeart/2005/8/layout/vList4#1"/>
+    <dgm:cxn modelId="{504B2594-031D-41EE-8B6C-D0BE4A7A5A6B}" type="presParOf" srcId="{1FA9C2F7-BE0B-4AB3-AAF0-493785047944}" destId="{E111763A-36DB-44D3-89AB-AABCFF6EC761}" srcOrd="0" destOrd="0" presId="urn:microsoft.com/office/officeart/2005/8/layout/vList4#1"/>
+    <dgm:cxn modelId="{F4366A00-F32A-43D9-9E60-4AB579332983}" type="presParOf" srcId="{1FA9C2F7-BE0B-4AB3-AAF0-493785047944}" destId="{8DF6E289-6357-4247-B7FA-6D641D528C75}" srcOrd="1" destOrd="0" presId="urn:microsoft.com/office/officeart/2005/8/layout/vList4#1"/>
+    <dgm:cxn modelId="{24B7E99D-3E09-4715-A0B7-63C009C47AB3}" type="presParOf" srcId="{1FA9C2F7-BE0B-4AB3-AAF0-493785047944}" destId="{982B79BF-FC76-4A30-9196-2F905D07E9DB}" srcOrd="2" destOrd="0" presId="urn:microsoft.com/office/officeart/2005/8/layout/vList4#1"/>
+    <dgm:cxn modelId="{13120C9F-9DE2-4D34-8B74-21E20F2D8FA8}" type="presParOf" srcId="{F446C351-F58B-4738-9428-E884505F1A0B}" destId="{77832C77-14B2-4FA9-BF21-E5B8CE10A854}" srcOrd="1" destOrd="0" presId="urn:microsoft.com/office/officeart/2005/8/layout/vList4#1"/>
+    <dgm:cxn modelId="{EEA49E93-66B6-4B65-A4BD-C446BDD4A73E}" type="presParOf" srcId="{F446C351-F58B-4738-9428-E884505F1A0B}" destId="{6223937F-5A85-42F8-89F1-A31EAABD77FB}" srcOrd="2" destOrd="0" presId="urn:microsoft.com/office/officeart/2005/8/layout/vList4#1"/>
+    <dgm:cxn modelId="{08B84FC7-BA20-4FB1-9C2B-4E876F216C5C}" type="presParOf" srcId="{6223937F-5A85-42F8-89F1-A31EAABD77FB}" destId="{0E4A279F-13FD-4DEA-B856-60483CE9001C}" srcOrd="0" destOrd="0" presId="urn:microsoft.com/office/officeart/2005/8/layout/vList4#1"/>
+    <dgm:cxn modelId="{04623A72-100D-44CB-BEAD-5D8809D06170}" type="presParOf" srcId="{6223937F-5A85-42F8-89F1-A31EAABD77FB}" destId="{A1973E30-7BF9-46DB-80DD-3126B6415776}" srcOrd="1" destOrd="0" presId="urn:microsoft.com/office/officeart/2005/8/layout/vList4#1"/>
+    <dgm:cxn modelId="{BC446E9A-9274-40AE-9037-ECEC41DE92D4}" type="presParOf" srcId="{6223937F-5A85-42F8-89F1-A31EAABD77FB}" destId="{B3EC1D43-DC87-4EF5-AA46-116C98B82BF8}" srcOrd="2" destOrd="0" presId="urn:microsoft.com/office/officeart/2005/8/layout/vList4#1"/>
+    <dgm:cxn modelId="{0344E29B-15A3-4BF2-AEC8-9CC98176F4E9}" type="presParOf" srcId="{F446C351-F58B-4738-9428-E884505F1A0B}" destId="{581D0F87-422B-4456-A25F-F42D90AD08B1}" srcOrd="3" destOrd="0" presId="urn:microsoft.com/office/officeart/2005/8/layout/vList4#1"/>
+    <dgm:cxn modelId="{419BC69A-750C-46B7-8E22-873A5678CCAF}" type="presParOf" srcId="{F446C351-F58B-4738-9428-E884505F1A0B}" destId="{D1231C8A-4CA1-46F3-A786-B8CECC9F40E3}" srcOrd="4" destOrd="0" presId="urn:microsoft.com/office/officeart/2005/8/layout/vList4#1"/>
+    <dgm:cxn modelId="{B011D334-8A0A-4A2F-A9E7-49978D14F73A}" type="presParOf" srcId="{D1231C8A-4CA1-46F3-A786-B8CECC9F40E3}" destId="{73C7E5FF-CFDC-4108-A7FA-62EC1733F221}" srcOrd="0" destOrd="0" presId="urn:microsoft.com/office/officeart/2005/8/layout/vList4#1"/>
+    <dgm:cxn modelId="{1235F144-8431-4021-B285-6C9425AF996E}" type="presParOf" srcId="{D1231C8A-4CA1-46F3-A786-B8CECC9F40E3}" destId="{37789156-0F31-4798-86F2-2815929A8BF2}" srcOrd="1" destOrd="0" presId="urn:microsoft.com/office/officeart/2005/8/layout/vList4#1"/>
+    <dgm:cxn modelId="{D3FAFBB5-4B94-47A9-9A80-6EE76742C487}" type="presParOf" srcId="{D1231C8A-4CA1-46F3-A786-B8CECC9F40E3}" destId="{7A92DA65-B0D7-4054-A1D7-876157F55F30}" srcOrd="2" destOrd="0" presId="urn:microsoft.com/office/officeart/2005/8/layout/vList4#1"/>
   </dgm:cxnLst>
   <dgm:bg/>
   <dgm:whole/>
+  <dgm:extLst>
+    <a:ext uri="http://schemas.microsoft.com/office/drawing/2008/diagram">
+      <dsp:dataModelExt xmlns:dsp="http://schemas.microsoft.com/office/drawing/2008/diagram" xmlns="" relId="rId6" minVer="http://schemas.openxmlformats.org/drawingml/2006/diagram"/>
+    </a:ext>
+  </dgm:extLst>
 </dgm:dataModel>
 </file>
 
@@ -3748,6 +3754,11 @@
   </dgm:cxnLst>
   <dgm:bg/>
   <dgm:whole/>
+  <dgm:extLst>
+    <a:ext uri="http://schemas.microsoft.com/office/drawing/2008/diagram">
+      <dsp:dataModelExt xmlns:dsp="http://schemas.microsoft.com/office/drawing/2008/diagram" xmlns="" relId="rId6" minVer="http://schemas.openxmlformats.org/drawingml/2006/diagram"/>
+    </a:ext>
+  </dgm:extLst>
 </dgm:dataModel>
 </file>
 
@@ -3755,7 +3766,7 @@
 <dgm:dataModel xmlns:dgm="http://schemas.openxmlformats.org/drawingml/2006/diagram" xmlns:a="http://schemas.openxmlformats.org/drawingml/2006/main">
   <dgm:ptLst>
     <dgm:pt modelId="{F8216B0F-4A89-4B36-89BA-D5A7631C85CE}" type="doc">
-      <dgm:prSet loTypeId="urn:microsoft.com/office/officeart/2005/8/layout/vList4" loCatId="list" qsTypeId="urn:microsoft.com/office/officeart/2005/8/quickstyle/simple3" qsCatId="simple" csTypeId="urn:microsoft.com/office/officeart/2005/8/colors/accent2_4" csCatId="accent2" phldr="1"/>
+      <dgm:prSet loTypeId="urn:microsoft.com/office/officeart/2005/8/layout/vList4#2" loCatId="list" qsTypeId="urn:microsoft.com/office/officeart/2005/8/quickstyle/simple3" qsCatId="simple" csTypeId="urn:microsoft.com/office/officeart/2005/8/colors/accent2_4" csCatId="accent2" phldr="1"/>
       <dgm:spPr/>
       <dgm:t>
         <a:bodyPr/>
@@ -4336,56 +4347,1892 @@
     </dgm:pt>
   </dgm:ptLst>
   <dgm:cxnLst>
-    <dgm:cxn modelId="{6C5532DD-6678-452E-8724-9B04A783E435}" type="presOf" srcId="{FB4CD556-EA90-42B5-B143-65CDEC6CC30D}" destId="{749820AC-A718-4886-956D-F75AD4CDE328}" srcOrd="1" destOrd="1" presId="urn:microsoft.com/office/officeart/2005/8/layout/vList4"/>
-    <dgm:cxn modelId="{98A907EF-C71A-424F-A340-03C1A6447210}" type="presOf" srcId="{F4605180-2196-4C74-8BAA-D3F8F9065647}" destId="{3694E16A-84C2-401B-BD68-249BE721FE7B}" srcOrd="1" destOrd="2" presId="urn:microsoft.com/office/officeart/2005/8/layout/vList4"/>
+    <dgm:cxn modelId="{6C5532DD-6678-452E-8724-9B04A783E435}" type="presOf" srcId="{FB4CD556-EA90-42B5-B143-65CDEC6CC30D}" destId="{749820AC-A718-4886-956D-F75AD4CDE328}" srcOrd="1" destOrd="1" presId="urn:microsoft.com/office/officeart/2005/8/layout/vList4#2"/>
+    <dgm:cxn modelId="{98A907EF-C71A-424F-A340-03C1A6447210}" type="presOf" srcId="{F4605180-2196-4C74-8BAA-D3F8F9065647}" destId="{3694E16A-84C2-401B-BD68-249BE721FE7B}" srcOrd="1" destOrd="2" presId="urn:microsoft.com/office/officeart/2005/8/layout/vList4#2"/>
     <dgm:cxn modelId="{537955C6-27F5-4675-9D05-FB61E3C1FCC8}" srcId="{F8216B0F-4A89-4B36-89BA-D5A7631C85CE}" destId="{E6A3EA01-BFA5-4ACE-812D-AFF191E8B582}" srcOrd="0" destOrd="0" parTransId="{CF9392AF-9B7B-4AAA-A133-B7F291F53F65}" sibTransId="{DFEB35EF-F9DA-4DEF-BEEC-4C219CFAFBFB}"/>
     <dgm:cxn modelId="{658B5150-8F43-4B1C-8B9A-DE8FEEB6A96B}" srcId="{5F9E3BED-AF93-4BBD-B837-D8D0B61A4D57}" destId="{FFE8E515-CA1D-4ED5-9A1C-A5CD197BE0DE}" srcOrd="1" destOrd="0" parTransId="{4D84FC99-8169-407F-924D-42D0F4EB4CE5}" sibTransId="{D4B653F3-7E12-4AE1-82D3-8FB8F5F70154}"/>
-    <dgm:cxn modelId="{88804A25-334A-478E-BE6B-5C49805106A6}" type="presOf" srcId="{D3CD783F-7167-4674-8942-8DAD53DF6330}" destId="{9780D458-18A5-4033-BF08-30A31C92458B}" srcOrd="0" destOrd="1" presId="urn:microsoft.com/office/officeart/2005/8/layout/vList4"/>
+    <dgm:cxn modelId="{88804A25-334A-478E-BE6B-5C49805106A6}" type="presOf" srcId="{D3CD783F-7167-4674-8942-8DAD53DF6330}" destId="{9780D458-18A5-4033-BF08-30A31C92458B}" srcOrd="0" destOrd="1" presId="urn:microsoft.com/office/officeart/2005/8/layout/vList4#2"/>
     <dgm:cxn modelId="{7EE153F8-B2C7-4D44-83EF-F789927DACDA}" srcId="{82682BF8-92E6-4301-B415-05BF82B7C445}" destId="{D3CD783F-7167-4674-8942-8DAD53DF6330}" srcOrd="0" destOrd="0" parTransId="{A6827A41-4B0B-4128-9EF5-D3D69921A748}" sibTransId="{1B8A69C3-6A06-4F50-8F92-AE8E87BB8A55}"/>
-    <dgm:cxn modelId="{67AE5A1E-6658-48B6-850F-E6E93FD0E3B2}" type="presOf" srcId="{E6A3EA01-BFA5-4ACE-812D-AFF191E8B582}" destId="{A257B779-2738-43AC-A2BA-FFEA657AD724}" srcOrd="0" destOrd="0" presId="urn:microsoft.com/office/officeart/2005/8/layout/vList4"/>
-    <dgm:cxn modelId="{B0D355D6-620E-4BAF-840D-09292A201EB2}" type="presOf" srcId="{E6A3EA01-BFA5-4ACE-812D-AFF191E8B582}" destId="{850EE135-28B0-4D02-8070-C231E27C20D3}" srcOrd="1" destOrd="0" presId="urn:microsoft.com/office/officeart/2005/8/layout/vList4"/>
-    <dgm:cxn modelId="{B9265BFF-12D7-4240-9725-565E428B3C8F}" type="presOf" srcId="{15D3C4FD-1038-408D-8C49-3A7EA88C6177}" destId="{A257B779-2738-43AC-A2BA-FFEA657AD724}" srcOrd="0" destOrd="2" presId="urn:microsoft.com/office/officeart/2005/8/layout/vList4"/>
+    <dgm:cxn modelId="{67AE5A1E-6658-48B6-850F-E6E93FD0E3B2}" type="presOf" srcId="{E6A3EA01-BFA5-4ACE-812D-AFF191E8B582}" destId="{A257B779-2738-43AC-A2BA-FFEA657AD724}" srcOrd="0" destOrd="0" presId="urn:microsoft.com/office/officeart/2005/8/layout/vList4#2"/>
+    <dgm:cxn modelId="{B0D355D6-620E-4BAF-840D-09292A201EB2}" type="presOf" srcId="{E6A3EA01-BFA5-4ACE-812D-AFF191E8B582}" destId="{850EE135-28B0-4D02-8070-C231E27C20D3}" srcOrd="1" destOrd="0" presId="urn:microsoft.com/office/officeart/2005/8/layout/vList4#2"/>
+    <dgm:cxn modelId="{B9265BFF-12D7-4240-9725-565E428B3C8F}" type="presOf" srcId="{15D3C4FD-1038-408D-8C49-3A7EA88C6177}" destId="{A257B779-2738-43AC-A2BA-FFEA657AD724}" srcOrd="0" destOrd="2" presId="urn:microsoft.com/office/officeart/2005/8/layout/vList4#2"/>
     <dgm:cxn modelId="{959AD37E-B920-452B-82CE-A451E654A95C}" srcId="{F8216B0F-4A89-4B36-89BA-D5A7631C85CE}" destId="{5F9E3BED-AF93-4BBD-B837-D8D0B61A4D57}" srcOrd="1" destOrd="0" parTransId="{749EE126-C00A-484E-9789-50A511CF6D29}" sibTransId="{64D83D65-F88D-4ACA-9842-26B6FCC63F0B}"/>
     <dgm:cxn modelId="{B6474D60-2AC4-4D4D-B99E-D081C9E779D5}" srcId="{82682BF8-92E6-4301-B415-05BF82B7C445}" destId="{F4605180-2196-4C74-8BAA-D3F8F9065647}" srcOrd="1" destOrd="0" parTransId="{DB3EB885-D96E-422A-B50C-EFE8BDDB3D00}" sibTransId="{AB169F39-F949-41F0-BB8A-D12777B24A9B}"/>
-    <dgm:cxn modelId="{3AB32341-4D2F-40BB-9223-AB4CA2110564}" type="presOf" srcId="{85C5CF48-DE46-496B-9FC2-9004A3DB5243}" destId="{850EE135-28B0-4D02-8070-C231E27C20D3}" srcOrd="1" destOrd="1" presId="urn:microsoft.com/office/officeart/2005/8/layout/vList4"/>
-    <dgm:cxn modelId="{480E4E2E-F307-450C-99D5-F3D3D029468F}" type="presOf" srcId="{15D3C4FD-1038-408D-8C49-3A7EA88C6177}" destId="{850EE135-28B0-4D02-8070-C231E27C20D3}" srcOrd="1" destOrd="2" presId="urn:microsoft.com/office/officeart/2005/8/layout/vList4"/>
-    <dgm:cxn modelId="{9AF5C427-725D-4ADC-822E-7D2672776773}" type="presOf" srcId="{82682BF8-92E6-4301-B415-05BF82B7C445}" destId="{3694E16A-84C2-401B-BD68-249BE721FE7B}" srcOrd="1" destOrd="0" presId="urn:microsoft.com/office/officeart/2005/8/layout/vList4"/>
-    <dgm:cxn modelId="{E02323FC-3E1A-46CE-A052-ED0BCDE83F91}" type="presOf" srcId="{FFE8E515-CA1D-4ED5-9A1C-A5CD197BE0DE}" destId="{749820AC-A718-4886-956D-F75AD4CDE328}" srcOrd="1" destOrd="2" presId="urn:microsoft.com/office/officeart/2005/8/layout/vList4"/>
-    <dgm:cxn modelId="{0D062120-599B-4644-8EC8-BABB16B0BE2D}" type="presOf" srcId="{85C5CF48-DE46-496B-9FC2-9004A3DB5243}" destId="{A257B779-2738-43AC-A2BA-FFEA657AD724}" srcOrd="0" destOrd="1" presId="urn:microsoft.com/office/officeart/2005/8/layout/vList4"/>
-    <dgm:cxn modelId="{F1B38F2A-635E-40D3-8B4F-A3198D0832B8}" type="presOf" srcId="{5F9E3BED-AF93-4BBD-B837-D8D0B61A4D57}" destId="{749820AC-A718-4886-956D-F75AD4CDE328}" srcOrd="1" destOrd="0" presId="urn:microsoft.com/office/officeart/2005/8/layout/vList4"/>
-    <dgm:cxn modelId="{C3A7A978-16E1-412D-8FE6-E3DD30285199}" type="presOf" srcId="{FFE8E515-CA1D-4ED5-9A1C-A5CD197BE0DE}" destId="{DCB50812-0279-4377-BD1B-D6435D5CB27F}" srcOrd="0" destOrd="2" presId="urn:microsoft.com/office/officeart/2005/8/layout/vList4"/>
-    <dgm:cxn modelId="{BE516ED2-2665-47B9-BEA2-6946F8F06E9B}" type="presOf" srcId="{F8216B0F-4A89-4B36-89BA-D5A7631C85CE}" destId="{F80E5CEF-C85F-4535-A869-61A413F2180C}" srcOrd="0" destOrd="0" presId="urn:microsoft.com/office/officeart/2005/8/layout/vList4"/>
+    <dgm:cxn modelId="{3AB32341-4D2F-40BB-9223-AB4CA2110564}" type="presOf" srcId="{85C5CF48-DE46-496B-9FC2-9004A3DB5243}" destId="{850EE135-28B0-4D02-8070-C231E27C20D3}" srcOrd="1" destOrd="1" presId="urn:microsoft.com/office/officeart/2005/8/layout/vList4#2"/>
+    <dgm:cxn modelId="{480E4E2E-F307-450C-99D5-F3D3D029468F}" type="presOf" srcId="{15D3C4FD-1038-408D-8C49-3A7EA88C6177}" destId="{850EE135-28B0-4D02-8070-C231E27C20D3}" srcOrd="1" destOrd="2" presId="urn:microsoft.com/office/officeart/2005/8/layout/vList4#2"/>
+    <dgm:cxn modelId="{9AF5C427-725D-4ADC-822E-7D2672776773}" type="presOf" srcId="{82682BF8-92E6-4301-B415-05BF82B7C445}" destId="{3694E16A-84C2-401B-BD68-249BE721FE7B}" srcOrd="1" destOrd="0" presId="urn:microsoft.com/office/officeart/2005/8/layout/vList4#2"/>
+    <dgm:cxn modelId="{E02323FC-3E1A-46CE-A052-ED0BCDE83F91}" type="presOf" srcId="{FFE8E515-CA1D-4ED5-9A1C-A5CD197BE0DE}" destId="{749820AC-A718-4886-956D-F75AD4CDE328}" srcOrd="1" destOrd="2" presId="urn:microsoft.com/office/officeart/2005/8/layout/vList4#2"/>
+    <dgm:cxn modelId="{0D062120-599B-4644-8EC8-BABB16B0BE2D}" type="presOf" srcId="{85C5CF48-DE46-496B-9FC2-9004A3DB5243}" destId="{A257B779-2738-43AC-A2BA-FFEA657AD724}" srcOrd="0" destOrd="1" presId="urn:microsoft.com/office/officeart/2005/8/layout/vList4#2"/>
+    <dgm:cxn modelId="{F1B38F2A-635E-40D3-8B4F-A3198D0832B8}" type="presOf" srcId="{5F9E3BED-AF93-4BBD-B837-D8D0B61A4D57}" destId="{749820AC-A718-4886-956D-F75AD4CDE328}" srcOrd="1" destOrd="0" presId="urn:microsoft.com/office/officeart/2005/8/layout/vList4#2"/>
+    <dgm:cxn modelId="{C3A7A978-16E1-412D-8FE6-E3DD30285199}" type="presOf" srcId="{FFE8E515-CA1D-4ED5-9A1C-A5CD197BE0DE}" destId="{DCB50812-0279-4377-BD1B-D6435D5CB27F}" srcOrd="0" destOrd="2" presId="urn:microsoft.com/office/officeart/2005/8/layout/vList4#2"/>
+    <dgm:cxn modelId="{BE516ED2-2665-47B9-BEA2-6946F8F06E9B}" type="presOf" srcId="{F8216B0F-4A89-4B36-89BA-D5A7631C85CE}" destId="{F80E5CEF-C85F-4535-A869-61A413F2180C}" srcOrd="0" destOrd="0" presId="urn:microsoft.com/office/officeart/2005/8/layout/vList4#2"/>
     <dgm:cxn modelId="{F41B962A-81A9-4339-B56E-BCC48B7DB93D}" srcId="{5F9E3BED-AF93-4BBD-B837-D8D0B61A4D57}" destId="{FB4CD556-EA90-42B5-B143-65CDEC6CC30D}" srcOrd="0" destOrd="0" parTransId="{118F39E0-FFFF-4E4E-A4C2-7E8229DAE869}" sibTransId="{443E1055-7B8E-4261-B52E-D82034922EA3}"/>
     <dgm:cxn modelId="{6B4C94E1-2F66-4CA9-A09F-3CFDE55FBFA5}" srcId="{E6A3EA01-BFA5-4ACE-812D-AFF191E8B582}" destId="{15D3C4FD-1038-408D-8C49-3A7EA88C6177}" srcOrd="1" destOrd="0" parTransId="{46D8A733-29B3-4CC7-A269-E9726ACFA3AB}" sibTransId="{6FFDBA44-B031-45FF-9B71-A4D612747F83}"/>
     <dgm:cxn modelId="{A314CA7E-33CF-4B52-A968-21F7F0623AC2}" srcId="{F8216B0F-4A89-4B36-89BA-D5A7631C85CE}" destId="{82682BF8-92E6-4301-B415-05BF82B7C445}" srcOrd="2" destOrd="0" parTransId="{4F0CCBB8-F3C3-4409-8B01-28DC350A9EFC}" sibTransId="{89ED9986-6AA2-49AF-86EE-F1A3A1C42F26}"/>
-    <dgm:cxn modelId="{41B1FCD5-25C0-49E3-93C1-3C53DEA04F5F}" type="presOf" srcId="{FB4CD556-EA90-42B5-B143-65CDEC6CC30D}" destId="{DCB50812-0279-4377-BD1B-D6435D5CB27F}" srcOrd="0" destOrd="1" presId="urn:microsoft.com/office/officeart/2005/8/layout/vList4"/>
-    <dgm:cxn modelId="{24C63975-3B0A-401B-817C-7C25436B8FEE}" type="presOf" srcId="{82682BF8-92E6-4301-B415-05BF82B7C445}" destId="{9780D458-18A5-4033-BF08-30A31C92458B}" srcOrd="0" destOrd="0" presId="urn:microsoft.com/office/officeart/2005/8/layout/vList4"/>
-    <dgm:cxn modelId="{30DCD0EA-F64E-4730-8162-2D4842642F80}" type="presOf" srcId="{F4605180-2196-4C74-8BAA-D3F8F9065647}" destId="{9780D458-18A5-4033-BF08-30A31C92458B}" srcOrd="0" destOrd="2" presId="urn:microsoft.com/office/officeart/2005/8/layout/vList4"/>
-    <dgm:cxn modelId="{A4D8BDCA-E3C9-4DA9-8C7F-14FD5898A7CA}" type="presOf" srcId="{5F9E3BED-AF93-4BBD-B837-D8D0B61A4D57}" destId="{DCB50812-0279-4377-BD1B-D6435D5CB27F}" srcOrd="0" destOrd="0" presId="urn:microsoft.com/office/officeart/2005/8/layout/vList4"/>
-    <dgm:cxn modelId="{8AA67C24-1206-4DEC-AA82-BCD209678225}" type="presOf" srcId="{D3CD783F-7167-4674-8942-8DAD53DF6330}" destId="{3694E16A-84C2-401B-BD68-249BE721FE7B}" srcOrd="1" destOrd="1" presId="urn:microsoft.com/office/officeart/2005/8/layout/vList4"/>
+    <dgm:cxn modelId="{41B1FCD5-25C0-49E3-93C1-3C53DEA04F5F}" type="presOf" srcId="{FB4CD556-EA90-42B5-B143-65CDEC6CC30D}" destId="{DCB50812-0279-4377-BD1B-D6435D5CB27F}" srcOrd="0" destOrd="1" presId="urn:microsoft.com/office/officeart/2005/8/layout/vList4#2"/>
+    <dgm:cxn modelId="{24C63975-3B0A-401B-817C-7C25436B8FEE}" type="presOf" srcId="{82682BF8-92E6-4301-B415-05BF82B7C445}" destId="{9780D458-18A5-4033-BF08-30A31C92458B}" srcOrd="0" destOrd="0" presId="urn:microsoft.com/office/officeart/2005/8/layout/vList4#2"/>
+    <dgm:cxn modelId="{30DCD0EA-F64E-4730-8162-2D4842642F80}" type="presOf" srcId="{F4605180-2196-4C74-8BAA-D3F8F9065647}" destId="{9780D458-18A5-4033-BF08-30A31C92458B}" srcOrd="0" destOrd="2" presId="urn:microsoft.com/office/officeart/2005/8/layout/vList4#2"/>
+    <dgm:cxn modelId="{A4D8BDCA-E3C9-4DA9-8C7F-14FD5898A7CA}" type="presOf" srcId="{5F9E3BED-AF93-4BBD-B837-D8D0B61A4D57}" destId="{DCB50812-0279-4377-BD1B-D6435D5CB27F}" srcOrd="0" destOrd="0" presId="urn:microsoft.com/office/officeart/2005/8/layout/vList4#2"/>
+    <dgm:cxn modelId="{8AA67C24-1206-4DEC-AA82-BCD209678225}" type="presOf" srcId="{D3CD783F-7167-4674-8942-8DAD53DF6330}" destId="{3694E16A-84C2-401B-BD68-249BE721FE7B}" srcOrd="1" destOrd="1" presId="urn:microsoft.com/office/officeart/2005/8/layout/vList4#2"/>
     <dgm:cxn modelId="{8B1CFE11-1959-4658-BAD2-6A23A484F8FC}" srcId="{E6A3EA01-BFA5-4ACE-812D-AFF191E8B582}" destId="{85C5CF48-DE46-496B-9FC2-9004A3DB5243}" srcOrd="0" destOrd="0" parTransId="{BBEB42AC-67D6-430F-92C0-65CEDBFC9F0D}" sibTransId="{D4CE80D2-5A5F-4B61-BDE9-994DBC235BDA}"/>
-    <dgm:cxn modelId="{320F82EE-860F-401F-92E6-0A2C7993D7AA}" type="presParOf" srcId="{F80E5CEF-C85F-4535-A869-61A413F2180C}" destId="{A96F5841-91A1-42F1-91C6-07A14BBA3FE7}" srcOrd="0" destOrd="0" presId="urn:microsoft.com/office/officeart/2005/8/layout/vList4"/>
-    <dgm:cxn modelId="{902B5BDD-A98C-4638-84E3-F14D203C6E9F}" type="presParOf" srcId="{A96F5841-91A1-42F1-91C6-07A14BBA3FE7}" destId="{A257B779-2738-43AC-A2BA-FFEA657AD724}" srcOrd="0" destOrd="0" presId="urn:microsoft.com/office/officeart/2005/8/layout/vList4"/>
-    <dgm:cxn modelId="{C7879335-30BB-4B5A-94E1-767E53D59468}" type="presParOf" srcId="{A96F5841-91A1-42F1-91C6-07A14BBA3FE7}" destId="{03CF10A0-089F-481B-8CE8-91442EC08EBA}" srcOrd="1" destOrd="0" presId="urn:microsoft.com/office/officeart/2005/8/layout/vList4"/>
-    <dgm:cxn modelId="{75405C31-1952-49A1-9A38-6259161CACC7}" type="presParOf" srcId="{A96F5841-91A1-42F1-91C6-07A14BBA3FE7}" destId="{850EE135-28B0-4D02-8070-C231E27C20D3}" srcOrd="2" destOrd="0" presId="urn:microsoft.com/office/officeart/2005/8/layout/vList4"/>
-    <dgm:cxn modelId="{EE6E4E3C-72D6-4EF9-8981-23B958AECC97}" type="presParOf" srcId="{F80E5CEF-C85F-4535-A869-61A413F2180C}" destId="{209B392A-6799-421D-BBBF-E9DC6B553CE9}" srcOrd="1" destOrd="0" presId="urn:microsoft.com/office/officeart/2005/8/layout/vList4"/>
-    <dgm:cxn modelId="{3E038FE6-8732-4FA6-80FC-CF93ECF87946}" type="presParOf" srcId="{F80E5CEF-C85F-4535-A869-61A413F2180C}" destId="{2EFE236A-9A11-4C2E-85A4-CE01B9E8DDCE}" srcOrd="2" destOrd="0" presId="urn:microsoft.com/office/officeart/2005/8/layout/vList4"/>
-    <dgm:cxn modelId="{4203BF34-A44B-4B77-A9E6-9A09A39489FF}" type="presParOf" srcId="{2EFE236A-9A11-4C2E-85A4-CE01B9E8DDCE}" destId="{DCB50812-0279-4377-BD1B-D6435D5CB27F}" srcOrd="0" destOrd="0" presId="urn:microsoft.com/office/officeart/2005/8/layout/vList4"/>
-    <dgm:cxn modelId="{8F23E879-CEC3-4883-9C6B-5D0E01B7C690}" type="presParOf" srcId="{2EFE236A-9A11-4C2E-85A4-CE01B9E8DDCE}" destId="{410781DD-5C49-46AF-8D5A-EAF1A97A46E3}" srcOrd="1" destOrd="0" presId="urn:microsoft.com/office/officeart/2005/8/layout/vList4"/>
-    <dgm:cxn modelId="{5EADA70F-1031-4859-BA8F-75D4E62BE96B}" type="presParOf" srcId="{2EFE236A-9A11-4C2E-85A4-CE01B9E8DDCE}" destId="{749820AC-A718-4886-956D-F75AD4CDE328}" srcOrd="2" destOrd="0" presId="urn:microsoft.com/office/officeart/2005/8/layout/vList4"/>
-    <dgm:cxn modelId="{AA2CDBDA-8A64-427C-ABA0-7A2862186DCA}" type="presParOf" srcId="{F80E5CEF-C85F-4535-A869-61A413F2180C}" destId="{3A6BA62B-6AB8-4A77-BE63-0630AD15D322}" srcOrd="3" destOrd="0" presId="urn:microsoft.com/office/officeart/2005/8/layout/vList4"/>
-    <dgm:cxn modelId="{9E52195F-CFBB-4AF2-A81C-846C7E5743A8}" type="presParOf" srcId="{F80E5CEF-C85F-4535-A869-61A413F2180C}" destId="{A60F6D8A-0B3A-40E2-BD6B-DF9FC8EFE827}" srcOrd="4" destOrd="0" presId="urn:microsoft.com/office/officeart/2005/8/layout/vList4"/>
-    <dgm:cxn modelId="{BEB21395-B277-4B11-96AE-635E066A6BDF}" type="presParOf" srcId="{A60F6D8A-0B3A-40E2-BD6B-DF9FC8EFE827}" destId="{9780D458-18A5-4033-BF08-30A31C92458B}" srcOrd="0" destOrd="0" presId="urn:microsoft.com/office/officeart/2005/8/layout/vList4"/>
-    <dgm:cxn modelId="{A6D929C9-03DF-442A-AEFC-1FAB041C2BB4}" type="presParOf" srcId="{A60F6D8A-0B3A-40E2-BD6B-DF9FC8EFE827}" destId="{5DAC66B0-F3A7-4BD7-9779-615FA18CCB64}" srcOrd="1" destOrd="0" presId="urn:microsoft.com/office/officeart/2005/8/layout/vList4"/>
-    <dgm:cxn modelId="{42DAA1AA-9C7A-45FE-8934-9742A7C48D07}" type="presParOf" srcId="{A60F6D8A-0B3A-40E2-BD6B-DF9FC8EFE827}" destId="{3694E16A-84C2-401B-BD68-249BE721FE7B}" srcOrd="2" destOrd="0" presId="urn:microsoft.com/office/officeart/2005/8/layout/vList4"/>
+    <dgm:cxn modelId="{320F82EE-860F-401F-92E6-0A2C7993D7AA}" type="presParOf" srcId="{F80E5CEF-C85F-4535-A869-61A413F2180C}" destId="{A96F5841-91A1-42F1-91C6-07A14BBA3FE7}" srcOrd="0" destOrd="0" presId="urn:microsoft.com/office/officeart/2005/8/layout/vList4#2"/>
+    <dgm:cxn modelId="{902B5BDD-A98C-4638-84E3-F14D203C6E9F}" type="presParOf" srcId="{A96F5841-91A1-42F1-91C6-07A14BBA3FE7}" destId="{A257B779-2738-43AC-A2BA-FFEA657AD724}" srcOrd="0" destOrd="0" presId="urn:microsoft.com/office/officeart/2005/8/layout/vList4#2"/>
+    <dgm:cxn modelId="{C7879335-30BB-4B5A-94E1-767E53D59468}" type="presParOf" srcId="{A96F5841-91A1-42F1-91C6-07A14BBA3FE7}" destId="{03CF10A0-089F-481B-8CE8-91442EC08EBA}" srcOrd="1" destOrd="0" presId="urn:microsoft.com/office/officeart/2005/8/layout/vList4#2"/>
+    <dgm:cxn modelId="{75405C31-1952-49A1-9A38-6259161CACC7}" type="presParOf" srcId="{A96F5841-91A1-42F1-91C6-07A14BBA3FE7}" destId="{850EE135-28B0-4D02-8070-C231E27C20D3}" srcOrd="2" destOrd="0" presId="urn:microsoft.com/office/officeart/2005/8/layout/vList4#2"/>
+    <dgm:cxn modelId="{EE6E4E3C-72D6-4EF9-8981-23B958AECC97}" type="presParOf" srcId="{F80E5CEF-C85F-4535-A869-61A413F2180C}" destId="{209B392A-6799-421D-BBBF-E9DC6B553CE9}" srcOrd="1" destOrd="0" presId="urn:microsoft.com/office/officeart/2005/8/layout/vList4#2"/>
+    <dgm:cxn modelId="{3E038FE6-8732-4FA6-80FC-CF93ECF87946}" type="presParOf" srcId="{F80E5CEF-C85F-4535-A869-61A413F2180C}" destId="{2EFE236A-9A11-4C2E-85A4-CE01B9E8DDCE}" srcOrd="2" destOrd="0" presId="urn:microsoft.com/office/officeart/2005/8/layout/vList4#2"/>
+    <dgm:cxn modelId="{4203BF34-A44B-4B77-A9E6-9A09A39489FF}" type="presParOf" srcId="{2EFE236A-9A11-4C2E-85A4-CE01B9E8DDCE}" destId="{DCB50812-0279-4377-BD1B-D6435D5CB27F}" srcOrd="0" destOrd="0" presId="urn:microsoft.com/office/officeart/2005/8/layout/vList4#2"/>
+    <dgm:cxn modelId="{8F23E879-CEC3-4883-9C6B-5D0E01B7C690}" type="presParOf" srcId="{2EFE236A-9A11-4C2E-85A4-CE01B9E8DDCE}" destId="{410781DD-5C49-46AF-8D5A-EAF1A97A46E3}" srcOrd="1" destOrd="0" presId="urn:microsoft.com/office/officeart/2005/8/layout/vList4#2"/>
+    <dgm:cxn modelId="{5EADA70F-1031-4859-BA8F-75D4E62BE96B}" type="presParOf" srcId="{2EFE236A-9A11-4C2E-85A4-CE01B9E8DDCE}" destId="{749820AC-A718-4886-956D-F75AD4CDE328}" srcOrd="2" destOrd="0" presId="urn:microsoft.com/office/officeart/2005/8/layout/vList4#2"/>
+    <dgm:cxn modelId="{AA2CDBDA-8A64-427C-ABA0-7A2862186DCA}" type="presParOf" srcId="{F80E5CEF-C85F-4535-A869-61A413F2180C}" destId="{3A6BA62B-6AB8-4A77-BE63-0630AD15D322}" srcOrd="3" destOrd="0" presId="urn:microsoft.com/office/officeart/2005/8/layout/vList4#2"/>
+    <dgm:cxn modelId="{9E52195F-CFBB-4AF2-A81C-846C7E5743A8}" type="presParOf" srcId="{F80E5CEF-C85F-4535-A869-61A413F2180C}" destId="{A60F6D8A-0B3A-40E2-BD6B-DF9FC8EFE827}" srcOrd="4" destOrd="0" presId="urn:microsoft.com/office/officeart/2005/8/layout/vList4#2"/>
+    <dgm:cxn modelId="{BEB21395-B277-4B11-96AE-635E066A6BDF}" type="presParOf" srcId="{A60F6D8A-0B3A-40E2-BD6B-DF9FC8EFE827}" destId="{9780D458-18A5-4033-BF08-30A31C92458B}" srcOrd="0" destOrd="0" presId="urn:microsoft.com/office/officeart/2005/8/layout/vList4#2"/>
+    <dgm:cxn modelId="{A6D929C9-03DF-442A-AEFC-1FAB041C2BB4}" type="presParOf" srcId="{A60F6D8A-0B3A-40E2-BD6B-DF9FC8EFE827}" destId="{5DAC66B0-F3A7-4BD7-9779-615FA18CCB64}" srcOrd="1" destOrd="0" presId="urn:microsoft.com/office/officeart/2005/8/layout/vList4#2"/>
+    <dgm:cxn modelId="{42DAA1AA-9C7A-45FE-8934-9742A7C48D07}" type="presParOf" srcId="{A60F6D8A-0B3A-40E2-BD6B-DF9FC8EFE827}" destId="{3694E16A-84C2-401B-BD68-249BE721FE7B}" srcOrd="2" destOrd="0" presId="urn:microsoft.com/office/officeart/2005/8/layout/vList4#2"/>
   </dgm:cxnLst>
   <dgm:bg/>
   <dgm:whole/>
+  <dgm:extLst>
+    <a:ext uri="http://schemas.microsoft.com/office/drawing/2008/diagram">
+      <dsp:dataModelExt xmlns:dsp="http://schemas.microsoft.com/office/drawing/2008/diagram" xmlns="" relId="rId6" minVer="http://schemas.openxmlformats.org/drawingml/2006/diagram"/>
+    </a:ext>
+  </dgm:extLst>
 </dgm:dataModel>
 </file>
 
+<file path=ppt/diagrams/drawing1.xml><?xml version="1.0" encoding="utf-8"?>
+<dsp:drawing xmlns:dgm="http://schemas.openxmlformats.org/drawingml/2006/diagram" xmlns:dsp="http://schemas.microsoft.com/office/drawing/2008/diagram" xmlns:a="http://schemas.openxmlformats.org/drawingml/2006/main">
+  <dsp:spTree>
+    <dsp:nvGrpSpPr>
+      <dsp:cNvPr id="0" name=""/>
+      <dsp:cNvGrpSpPr/>
+    </dsp:nvGrpSpPr>
+    <dsp:grpSpPr/>
+    <dsp:sp modelId="{E111763A-36DB-44D3-89AB-AABCFF6EC761}">
+      <dsp:nvSpPr>
+        <dsp:cNvPr id="0" name=""/>
+        <dsp:cNvSpPr/>
+      </dsp:nvSpPr>
+      <dsp:spPr>
+        <a:xfrm>
+          <a:off x="0" y="0"/>
+          <a:ext cx="8501122" cy="1451084"/>
+        </a:xfrm>
+        <a:prstGeom prst="roundRect">
+          <a:avLst>
+            <a:gd name="adj" fmla="val 10000"/>
+          </a:avLst>
+        </a:prstGeom>
+        <a:gradFill rotWithShape="0">
+          <a:gsLst>
+            <a:gs pos="0">
+              <a:schemeClr val="accent3">
+                <a:shade val="50000"/>
+                <a:hueOff val="0"/>
+                <a:satOff val="0"/>
+                <a:lumOff val="0"/>
+                <a:alphaOff val="0"/>
+                <a:tint val="1000"/>
+                <a:satMod val="255000"/>
+              </a:schemeClr>
+            </a:gs>
+            <a:gs pos="55000">
+              <a:schemeClr val="accent3">
+                <a:shade val="50000"/>
+                <a:hueOff val="0"/>
+                <a:satOff val="0"/>
+                <a:lumOff val="0"/>
+                <a:alphaOff val="0"/>
+                <a:tint val="12000"/>
+                <a:satMod val="255000"/>
+              </a:schemeClr>
+            </a:gs>
+            <a:gs pos="100000">
+              <a:schemeClr val="accent3">
+                <a:shade val="50000"/>
+                <a:hueOff val="0"/>
+                <a:satOff val="0"/>
+                <a:lumOff val="0"/>
+                <a:alphaOff val="0"/>
+                <a:tint val="45000"/>
+                <a:satMod val="250000"/>
+              </a:schemeClr>
+            </a:gs>
+          </a:gsLst>
+          <a:path path="circle">
+            <a:fillToRect l="-40000" t="-90000" r="140000" b="190000"/>
+          </a:path>
+        </a:gradFill>
+        <a:ln>
+          <a:noFill/>
+        </a:ln>
+        <a:effectLst>
+          <a:outerShdw blurRad="51500" dist="25400" dir="5400000" rotWithShape="0">
+            <a:srgbClr val="000000">
+              <a:alpha val="40000"/>
+            </a:srgbClr>
+          </a:outerShdw>
+        </a:effectLst>
+        <a:scene3d>
+          <a:camera prst="orthographicFront"/>
+          <a:lightRig rig="flat" dir="t"/>
+        </a:scene3d>
+        <a:sp3d prstMaterial="dkEdge">
+          <a:bevelT w="8200" h="38100"/>
+        </a:sp3d>
+      </dsp:spPr>
+      <dsp:style>
+        <a:lnRef idx="0">
+          <a:scrgbClr r="0" g="0" b="0"/>
+        </a:lnRef>
+        <a:fillRef idx="2">
+          <a:scrgbClr r="0" g="0" b="0"/>
+        </a:fillRef>
+        <a:effectRef idx="1">
+          <a:scrgbClr r="0" g="0" b="0"/>
+        </a:effectRef>
+        <a:fontRef idx="minor">
+          <a:schemeClr val="dk1"/>
+        </a:fontRef>
+      </dsp:style>
+      <dsp:txBody>
+        <a:bodyPr spcFirstLastPara="0" vert="horz" wrap="square" lIns="76200" tIns="76200" rIns="76200" bIns="76200" numCol="1" spcCol="1270" anchor="t" anchorCtr="0">
+          <a:noAutofit/>
+        </a:bodyPr>
+        <a:lstStyle/>
+        <a:p>
+          <a:pPr lvl="0" algn="l" defTabSz="889000">
+            <a:lnSpc>
+              <a:spcPct val="90000"/>
+            </a:lnSpc>
+            <a:spcBef>
+              <a:spcPct val="0"/>
+            </a:spcBef>
+            <a:spcAft>
+              <a:spcPct val="35000"/>
+            </a:spcAft>
+          </a:pPr>
+          <a:r>
+            <a:rPr lang="es-ES" sz="2000" b="1" kern="1200" dirty="0" smtClean="0">
+              <a:solidFill>
+                <a:schemeClr val="accent2">
+                  <a:lumMod val="75000"/>
+                </a:schemeClr>
+              </a:solidFill>
+            </a:rPr>
+            <a:t>Buscamos cumplir expectativas y…</a:t>
+          </a:r>
+          <a:endParaRPr lang="es-ES" sz="2000" b="1" kern="1200" dirty="0">
+            <a:solidFill>
+              <a:schemeClr val="accent2">
+                <a:lumMod val="75000"/>
+              </a:schemeClr>
+            </a:solidFill>
+          </a:endParaRPr>
+        </a:p>
+        <a:p>
+          <a:pPr marL="171450" lvl="1" indent="-171450" algn="l" defTabSz="711200">
+            <a:lnSpc>
+              <a:spcPct val="90000"/>
+            </a:lnSpc>
+            <a:spcBef>
+              <a:spcPct val="0"/>
+            </a:spcBef>
+            <a:spcAft>
+              <a:spcPct val="15000"/>
+            </a:spcAft>
+            <a:buChar char="••"/>
+          </a:pPr>
+          <a:r>
+            <a:rPr lang="es-ES" sz="1600" kern="1200" dirty="0" smtClean="0">
+              <a:solidFill>
+                <a:schemeClr val="accent2">
+                  <a:lumMod val="75000"/>
+                </a:schemeClr>
+              </a:solidFill>
+            </a:rPr>
+            <a:t>No encontramos una herramienta amigable</a:t>
+          </a:r>
+          <a:endParaRPr lang="es-ES" sz="1600" kern="1200" dirty="0">
+            <a:solidFill>
+              <a:schemeClr val="accent2">
+                <a:lumMod val="75000"/>
+              </a:schemeClr>
+            </a:solidFill>
+          </a:endParaRPr>
+        </a:p>
+        <a:p>
+          <a:pPr marL="171450" lvl="1" indent="-171450" algn="l" defTabSz="711200">
+            <a:lnSpc>
+              <a:spcPct val="90000"/>
+            </a:lnSpc>
+            <a:spcBef>
+              <a:spcPct val="0"/>
+            </a:spcBef>
+            <a:spcAft>
+              <a:spcPct val="15000"/>
+            </a:spcAft>
+            <a:buChar char="••"/>
+          </a:pPr>
+          <a:r>
+            <a:rPr lang="es-ES" sz="1600" kern="1200" dirty="0" smtClean="0">
+              <a:solidFill>
+                <a:schemeClr val="accent2">
+                  <a:lumMod val="75000"/>
+                </a:schemeClr>
+              </a:solidFill>
+            </a:rPr>
+            <a:t>Encontramos que son difíciles de usar</a:t>
+          </a:r>
+          <a:endParaRPr lang="es-ES" sz="1600" kern="1200" dirty="0">
+            <a:solidFill>
+              <a:schemeClr val="accent2">
+                <a:lumMod val="75000"/>
+              </a:schemeClr>
+            </a:solidFill>
+          </a:endParaRPr>
+        </a:p>
+        <a:p>
+          <a:pPr marL="171450" lvl="1" indent="-171450" algn="l" defTabSz="711200">
+            <a:lnSpc>
+              <a:spcPct val="90000"/>
+            </a:lnSpc>
+            <a:spcBef>
+              <a:spcPct val="0"/>
+            </a:spcBef>
+            <a:spcAft>
+              <a:spcPct val="15000"/>
+            </a:spcAft>
+            <a:buChar char="••"/>
+          </a:pPr>
+          <a:r>
+            <a:rPr lang="es-ES" sz="1600" kern="1200" dirty="0" smtClean="0">
+              <a:solidFill>
+                <a:schemeClr val="accent2">
+                  <a:lumMod val="75000"/>
+                </a:schemeClr>
+              </a:solidFill>
+            </a:rPr>
+            <a:t>La mayoría de las herramientas desarrolladas con tecnología obsoleta</a:t>
+          </a:r>
+          <a:endParaRPr lang="es-ES" sz="1600" kern="1200" dirty="0">
+            <a:solidFill>
+              <a:schemeClr val="accent2">
+                <a:lumMod val="75000"/>
+              </a:schemeClr>
+            </a:solidFill>
+          </a:endParaRPr>
+        </a:p>
+        <a:p>
+          <a:pPr marL="171450" lvl="1" indent="-171450" algn="l" defTabSz="711200">
+            <a:lnSpc>
+              <a:spcPct val="90000"/>
+            </a:lnSpc>
+            <a:spcBef>
+              <a:spcPct val="0"/>
+            </a:spcBef>
+            <a:spcAft>
+              <a:spcPct val="15000"/>
+            </a:spcAft>
+            <a:buChar char="••"/>
+          </a:pPr>
+          <a:endParaRPr lang="es-ES" sz="1600" kern="1200" dirty="0"/>
+        </a:p>
+      </dsp:txBody>
+      <dsp:txXfrm>
+        <a:off x="1845332" y="0"/>
+        <a:ext cx="6655789" cy="1451084"/>
+      </dsp:txXfrm>
+    </dsp:sp>
+    <dsp:sp modelId="{8DF6E289-6357-4247-B7FA-6D641D528C75}">
+      <dsp:nvSpPr>
+        <dsp:cNvPr id="0" name=""/>
+        <dsp:cNvSpPr/>
+      </dsp:nvSpPr>
+      <dsp:spPr>
+        <a:xfrm>
+          <a:off x="347367" y="247653"/>
+          <a:ext cx="1295707" cy="955777"/>
+        </a:xfrm>
+        <a:prstGeom prst="roundRect">
+          <a:avLst>
+            <a:gd name="adj" fmla="val 10000"/>
+          </a:avLst>
+        </a:prstGeom>
+        <a:blipFill rotWithShape="0">
+          <a:blip xmlns:r="http://schemas.openxmlformats.org/officeDocument/2006/relationships" r:embed="rId1"/>
+          <a:stretch>
+            <a:fillRect/>
+          </a:stretch>
+        </a:blipFill>
+        <a:ln w="9525" cap="flat" cmpd="sng" algn="ctr">
+          <a:noFill/>
+          <a:prstDash val="solid"/>
+        </a:ln>
+        <a:effectLst>
+          <a:outerShdw blurRad="51500" dist="25400" dir="5400000" rotWithShape="0">
+            <a:srgbClr val="000000">
+              <a:alpha val="40000"/>
+            </a:srgbClr>
+          </a:outerShdw>
+        </a:effectLst>
+      </dsp:spPr>
+      <dsp:style>
+        <a:lnRef idx="1">
+          <a:scrgbClr r="0" g="0" b="0"/>
+        </a:lnRef>
+        <a:fillRef idx="1">
+          <a:scrgbClr r="0" g="0" b="0"/>
+        </a:fillRef>
+        <a:effectRef idx="1">
+          <a:scrgbClr r="0" g="0" b="0"/>
+        </a:effectRef>
+        <a:fontRef idx="minor"/>
+      </dsp:style>
+    </dsp:sp>
+    <dsp:sp modelId="{0E4A279F-13FD-4DEA-B856-60483CE9001C}">
+      <dsp:nvSpPr>
+        <dsp:cNvPr id="0" name=""/>
+        <dsp:cNvSpPr/>
+      </dsp:nvSpPr>
+      <dsp:spPr>
+        <a:xfrm>
+          <a:off x="0" y="1596192"/>
+          <a:ext cx="8501122" cy="1451084"/>
+        </a:xfrm>
+        <a:prstGeom prst="roundRect">
+          <a:avLst>
+            <a:gd name="adj" fmla="val 10000"/>
+          </a:avLst>
+        </a:prstGeom>
+        <a:gradFill rotWithShape="0">
+          <a:gsLst>
+            <a:gs pos="0">
+              <a:schemeClr val="accent3">
+                <a:shade val="50000"/>
+                <a:hueOff val="-63427"/>
+                <a:satOff val="2402"/>
+                <a:lumOff val="25175"/>
+                <a:alphaOff val="0"/>
+                <a:tint val="1000"/>
+                <a:satMod val="255000"/>
+              </a:schemeClr>
+            </a:gs>
+            <a:gs pos="55000">
+              <a:schemeClr val="accent3">
+                <a:shade val="50000"/>
+                <a:hueOff val="-63427"/>
+                <a:satOff val="2402"/>
+                <a:lumOff val="25175"/>
+                <a:alphaOff val="0"/>
+                <a:tint val="12000"/>
+                <a:satMod val="255000"/>
+              </a:schemeClr>
+            </a:gs>
+            <a:gs pos="100000">
+              <a:schemeClr val="accent3">
+                <a:shade val="50000"/>
+                <a:hueOff val="-63427"/>
+                <a:satOff val="2402"/>
+                <a:lumOff val="25175"/>
+                <a:alphaOff val="0"/>
+                <a:tint val="45000"/>
+                <a:satMod val="250000"/>
+              </a:schemeClr>
+            </a:gs>
+          </a:gsLst>
+          <a:path path="circle">
+            <a:fillToRect l="-40000" t="-90000" r="140000" b="190000"/>
+          </a:path>
+        </a:gradFill>
+        <a:ln>
+          <a:noFill/>
+        </a:ln>
+        <a:effectLst>
+          <a:outerShdw blurRad="51500" dist="25400" dir="5400000" rotWithShape="0">
+            <a:srgbClr val="000000">
+              <a:alpha val="40000"/>
+            </a:srgbClr>
+          </a:outerShdw>
+        </a:effectLst>
+        <a:scene3d>
+          <a:camera prst="orthographicFront"/>
+          <a:lightRig rig="flat" dir="t"/>
+        </a:scene3d>
+        <a:sp3d prstMaterial="dkEdge">
+          <a:bevelT w="8200" h="38100"/>
+        </a:sp3d>
+      </dsp:spPr>
+      <dsp:style>
+        <a:lnRef idx="0">
+          <a:scrgbClr r="0" g="0" b="0"/>
+        </a:lnRef>
+        <a:fillRef idx="2">
+          <a:scrgbClr r="0" g="0" b="0"/>
+        </a:fillRef>
+        <a:effectRef idx="1">
+          <a:scrgbClr r="0" g="0" b="0"/>
+        </a:effectRef>
+        <a:fontRef idx="minor">
+          <a:schemeClr val="dk1"/>
+        </a:fontRef>
+      </dsp:style>
+      <dsp:txBody>
+        <a:bodyPr spcFirstLastPara="0" vert="horz" wrap="square" lIns="76200" tIns="76200" rIns="76200" bIns="76200" numCol="1" spcCol="1270" anchor="t" anchorCtr="0">
+          <a:noAutofit/>
+        </a:bodyPr>
+        <a:lstStyle/>
+        <a:p>
+          <a:pPr lvl="0" algn="l" defTabSz="889000">
+            <a:lnSpc>
+              <a:spcPct val="90000"/>
+            </a:lnSpc>
+            <a:spcBef>
+              <a:spcPct val="0"/>
+            </a:spcBef>
+            <a:spcAft>
+              <a:spcPct val="35000"/>
+            </a:spcAft>
+          </a:pPr>
+          <a:r>
+            <a:rPr lang="es-ES" sz="2000" b="1" kern="1200" dirty="0" smtClean="0">
+              <a:solidFill>
+                <a:schemeClr val="accent2">
+                  <a:lumMod val="75000"/>
+                </a:schemeClr>
+              </a:solidFill>
+            </a:rPr>
+            <a:t>Nuestra motivación fue…</a:t>
+          </a:r>
+          <a:endParaRPr lang="es-ES" sz="2000" b="1" kern="1200" dirty="0">
+            <a:solidFill>
+              <a:schemeClr val="accent2">
+                <a:lumMod val="75000"/>
+              </a:schemeClr>
+            </a:solidFill>
+          </a:endParaRPr>
+        </a:p>
+        <a:p>
+          <a:pPr marL="171450" lvl="1" indent="-171450" algn="l" defTabSz="711200">
+            <a:lnSpc>
+              <a:spcPct val="90000"/>
+            </a:lnSpc>
+            <a:spcBef>
+              <a:spcPct val="0"/>
+            </a:spcBef>
+            <a:spcAft>
+              <a:spcPct val="15000"/>
+            </a:spcAft>
+            <a:buChar char="••"/>
+          </a:pPr>
+          <a:r>
+            <a:rPr lang="es-ES" sz="1600" kern="1200" dirty="0" smtClean="0">
+              <a:solidFill>
+                <a:schemeClr val="accent2">
+                  <a:lumMod val="75000"/>
+                </a:schemeClr>
+              </a:solidFill>
+            </a:rPr>
+            <a:t>Cubrir necesidades en cualquier ámbito</a:t>
+          </a:r>
+          <a:endParaRPr lang="es-ES" sz="1600" kern="1200" dirty="0">
+            <a:solidFill>
+              <a:schemeClr val="accent2">
+                <a:lumMod val="75000"/>
+              </a:schemeClr>
+            </a:solidFill>
+          </a:endParaRPr>
+        </a:p>
+        <a:p>
+          <a:pPr marL="171450" lvl="1" indent="-171450" algn="l" defTabSz="711200">
+            <a:lnSpc>
+              <a:spcPct val="90000"/>
+            </a:lnSpc>
+            <a:spcBef>
+              <a:spcPct val="0"/>
+            </a:spcBef>
+            <a:spcAft>
+              <a:spcPct val="15000"/>
+            </a:spcAft>
+            <a:buChar char="••"/>
+          </a:pPr>
+          <a:r>
+            <a:rPr lang="es-ES" sz="1600" kern="1200" dirty="0" smtClean="0">
+              <a:solidFill>
+                <a:schemeClr val="accent2">
+                  <a:lumMod val="75000"/>
+                </a:schemeClr>
+              </a:solidFill>
+            </a:rPr>
+            <a:t>Utilizar la última tecnología</a:t>
+          </a:r>
+          <a:endParaRPr lang="es-ES" sz="1600" kern="1200" dirty="0">
+            <a:solidFill>
+              <a:schemeClr val="accent2">
+                <a:lumMod val="75000"/>
+              </a:schemeClr>
+            </a:solidFill>
+          </a:endParaRPr>
+        </a:p>
+      </dsp:txBody>
+      <dsp:txXfrm>
+        <a:off x="1845332" y="1596192"/>
+        <a:ext cx="6655789" cy="1451084"/>
+      </dsp:txXfrm>
+    </dsp:sp>
+    <dsp:sp modelId="{A1973E30-7BF9-46DB-80DD-3126B6415776}">
+      <dsp:nvSpPr>
+        <dsp:cNvPr id="0" name=""/>
+        <dsp:cNvSpPr/>
+      </dsp:nvSpPr>
+      <dsp:spPr>
+        <a:xfrm>
+          <a:off x="490245" y="1741301"/>
+          <a:ext cx="1009950" cy="1160867"/>
+        </a:xfrm>
+        <a:prstGeom prst="roundRect">
+          <a:avLst>
+            <a:gd name="adj" fmla="val 10000"/>
+          </a:avLst>
+        </a:prstGeom>
+        <a:blipFill rotWithShape="0">
+          <a:blip xmlns:r="http://schemas.openxmlformats.org/officeDocument/2006/relationships" r:embed="rId2"/>
+          <a:stretch>
+            <a:fillRect/>
+          </a:stretch>
+        </a:blipFill>
+        <a:ln w="9525" cap="flat" cmpd="sng" algn="ctr">
+          <a:noFill/>
+          <a:prstDash val="solid"/>
+        </a:ln>
+        <a:effectLst>
+          <a:outerShdw blurRad="51500" dist="25400" dir="5400000" rotWithShape="0">
+            <a:srgbClr val="000000">
+              <a:alpha val="40000"/>
+            </a:srgbClr>
+          </a:outerShdw>
+        </a:effectLst>
+      </dsp:spPr>
+      <dsp:style>
+        <a:lnRef idx="1">
+          <a:scrgbClr r="0" g="0" b="0"/>
+        </a:lnRef>
+        <a:fillRef idx="1">
+          <a:scrgbClr r="0" g="0" b="0"/>
+        </a:fillRef>
+        <a:effectRef idx="1">
+          <a:scrgbClr r="0" g="0" b="0"/>
+        </a:effectRef>
+        <a:fontRef idx="minor"/>
+      </dsp:style>
+    </dsp:sp>
+    <dsp:sp modelId="{73C7E5FF-CFDC-4108-A7FA-62EC1733F221}">
+      <dsp:nvSpPr>
+        <dsp:cNvPr id="0" name=""/>
+        <dsp:cNvSpPr/>
+      </dsp:nvSpPr>
+      <dsp:spPr>
+        <a:xfrm>
+          <a:off x="0" y="3192385"/>
+          <a:ext cx="8501122" cy="1451084"/>
+        </a:xfrm>
+        <a:prstGeom prst="roundRect">
+          <a:avLst>
+            <a:gd name="adj" fmla="val 10000"/>
+          </a:avLst>
+        </a:prstGeom>
+        <a:gradFill rotWithShape="0">
+          <a:gsLst>
+            <a:gs pos="0">
+              <a:schemeClr val="accent3">
+                <a:shade val="50000"/>
+                <a:hueOff val="-63427"/>
+                <a:satOff val="2402"/>
+                <a:lumOff val="25175"/>
+                <a:alphaOff val="0"/>
+                <a:tint val="1000"/>
+                <a:satMod val="255000"/>
+              </a:schemeClr>
+            </a:gs>
+            <a:gs pos="55000">
+              <a:schemeClr val="accent3">
+                <a:shade val="50000"/>
+                <a:hueOff val="-63427"/>
+                <a:satOff val="2402"/>
+                <a:lumOff val="25175"/>
+                <a:alphaOff val="0"/>
+                <a:tint val="12000"/>
+                <a:satMod val="255000"/>
+              </a:schemeClr>
+            </a:gs>
+            <a:gs pos="100000">
+              <a:schemeClr val="accent3">
+                <a:shade val="50000"/>
+                <a:hueOff val="-63427"/>
+                <a:satOff val="2402"/>
+                <a:lumOff val="25175"/>
+                <a:alphaOff val="0"/>
+                <a:tint val="45000"/>
+                <a:satMod val="250000"/>
+              </a:schemeClr>
+            </a:gs>
+          </a:gsLst>
+          <a:path path="circle">
+            <a:fillToRect l="-40000" t="-90000" r="140000" b="190000"/>
+          </a:path>
+        </a:gradFill>
+        <a:ln>
+          <a:noFill/>
+        </a:ln>
+        <a:effectLst>
+          <a:outerShdw blurRad="51500" dist="25400" dir="5400000" rotWithShape="0">
+            <a:srgbClr val="000000">
+              <a:alpha val="40000"/>
+            </a:srgbClr>
+          </a:outerShdw>
+        </a:effectLst>
+        <a:scene3d>
+          <a:camera prst="orthographicFront"/>
+          <a:lightRig rig="flat" dir="t"/>
+        </a:scene3d>
+        <a:sp3d prstMaterial="dkEdge">
+          <a:bevelT w="8200" h="38100"/>
+        </a:sp3d>
+      </dsp:spPr>
+      <dsp:style>
+        <a:lnRef idx="0">
+          <a:scrgbClr r="0" g="0" b="0"/>
+        </a:lnRef>
+        <a:fillRef idx="2">
+          <a:scrgbClr r="0" g="0" b="0"/>
+        </a:fillRef>
+        <a:effectRef idx="1">
+          <a:scrgbClr r="0" g="0" b="0"/>
+        </a:effectRef>
+        <a:fontRef idx="minor">
+          <a:schemeClr val="dk1"/>
+        </a:fontRef>
+      </dsp:style>
+      <dsp:txBody>
+        <a:bodyPr spcFirstLastPara="0" vert="horz" wrap="square" lIns="76200" tIns="76200" rIns="76200" bIns="76200" numCol="1" spcCol="1270" anchor="t" anchorCtr="0">
+          <a:noAutofit/>
+        </a:bodyPr>
+        <a:lstStyle/>
+        <a:p>
+          <a:pPr lvl="0" algn="l" defTabSz="889000">
+            <a:lnSpc>
+              <a:spcPct val="90000"/>
+            </a:lnSpc>
+            <a:spcBef>
+              <a:spcPct val="0"/>
+            </a:spcBef>
+            <a:spcAft>
+              <a:spcPct val="35000"/>
+            </a:spcAft>
+          </a:pPr>
+          <a:r>
+            <a:rPr lang="es-ES" sz="2000" b="1" kern="1200" dirty="0" smtClean="0">
+              <a:solidFill>
+                <a:schemeClr val="accent2">
+                  <a:lumMod val="75000"/>
+                </a:schemeClr>
+              </a:solidFill>
+            </a:rPr>
+            <a:t>Logramos…</a:t>
+          </a:r>
+          <a:endParaRPr lang="es-ES" sz="2000" b="1" kern="1200" dirty="0">
+            <a:solidFill>
+              <a:schemeClr val="accent2">
+                <a:lumMod val="75000"/>
+              </a:schemeClr>
+            </a:solidFill>
+          </a:endParaRPr>
+        </a:p>
+        <a:p>
+          <a:pPr marL="171450" lvl="1" indent="-171450" algn="l" defTabSz="711200">
+            <a:lnSpc>
+              <a:spcPct val="90000"/>
+            </a:lnSpc>
+            <a:spcBef>
+              <a:spcPct val="0"/>
+            </a:spcBef>
+            <a:spcAft>
+              <a:spcPct val="15000"/>
+            </a:spcAft>
+            <a:buChar char="••"/>
+          </a:pPr>
+          <a:r>
+            <a:rPr lang="es-ES" sz="1600" kern="1200" dirty="0" smtClean="0">
+              <a:solidFill>
+                <a:schemeClr val="accent2">
+                  <a:lumMod val="75000"/>
+                </a:schemeClr>
+              </a:solidFill>
+            </a:rPr>
+            <a:t>Unir lo mejor de todas las herramientas</a:t>
+          </a:r>
+          <a:endParaRPr lang="es-ES" sz="1600" kern="1200" dirty="0">
+            <a:solidFill>
+              <a:schemeClr val="accent2">
+                <a:lumMod val="75000"/>
+              </a:schemeClr>
+            </a:solidFill>
+          </a:endParaRPr>
+        </a:p>
+        <a:p>
+          <a:pPr marL="171450" lvl="1" indent="-171450" algn="l" defTabSz="711200">
+            <a:lnSpc>
+              <a:spcPct val="90000"/>
+            </a:lnSpc>
+            <a:spcBef>
+              <a:spcPct val="0"/>
+            </a:spcBef>
+            <a:spcAft>
+              <a:spcPct val="15000"/>
+            </a:spcAft>
+            <a:buChar char="••"/>
+          </a:pPr>
+          <a:r>
+            <a:rPr lang="es-ES" sz="1600" kern="1200" dirty="0" smtClean="0">
+              <a:solidFill>
+                <a:schemeClr val="accent2">
+                  <a:lumMod val="75000"/>
+                </a:schemeClr>
+              </a:solidFill>
+            </a:rPr>
+            <a:t>Incorporamos lo que ninguna brinda</a:t>
+          </a:r>
+          <a:endParaRPr lang="es-ES" sz="1600" kern="1200" dirty="0">
+            <a:solidFill>
+              <a:schemeClr val="accent2">
+                <a:lumMod val="75000"/>
+              </a:schemeClr>
+            </a:solidFill>
+          </a:endParaRPr>
+        </a:p>
+        <a:p>
+          <a:pPr marL="171450" lvl="1" indent="-171450" algn="l" defTabSz="711200">
+            <a:lnSpc>
+              <a:spcPct val="90000"/>
+            </a:lnSpc>
+            <a:spcBef>
+              <a:spcPct val="0"/>
+            </a:spcBef>
+            <a:spcAft>
+              <a:spcPct val="15000"/>
+            </a:spcAft>
+            <a:buChar char="••"/>
+          </a:pPr>
+          <a:r>
+            <a:rPr lang="es-ES" sz="1600" kern="1200" dirty="0" smtClean="0">
+              <a:solidFill>
+                <a:schemeClr val="accent2">
+                  <a:lumMod val="75000"/>
+                </a:schemeClr>
+              </a:solidFill>
+            </a:rPr>
+            <a:t>Una herramienta amigable para el usuario</a:t>
+          </a:r>
+          <a:endParaRPr lang="es-ES" sz="1600" kern="1200" dirty="0">
+            <a:solidFill>
+              <a:schemeClr val="accent2">
+                <a:lumMod val="75000"/>
+              </a:schemeClr>
+            </a:solidFill>
+          </a:endParaRPr>
+        </a:p>
+      </dsp:txBody>
+      <dsp:txXfrm>
+        <a:off x="1845332" y="3192385"/>
+        <a:ext cx="6655789" cy="1451084"/>
+      </dsp:txXfrm>
+    </dsp:sp>
+    <dsp:sp modelId="{37789156-0F31-4798-86F2-2815929A8BF2}">
+      <dsp:nvSpPr>
+        <dsp:cNvPr id="0" name=""/>
+        <dsp:cNvSpPr/>
+      </dsp:nvSpPr>
+      <dsp:spPr>
+        <a:xfrm>
+          <a:off x="418802" y="3337494"/>
+          <a:ext cx="1152837" cy="1160867"/>
+        </a:xfrm>
+        <a:prstGeom prst="roundRect">
+          <a:avLst>
+            <a:gd name="adj" fmla="val 10000"/>
+          </a:avLst>
+        </a:prstGeom>
+        <a:blipFill rotWithShape="0">
+          <a:blip xmlns:r="http://schemas.openxmlformats.org/officeDocument/2006/relationships" r:embed="rId3"/>
+          <a:stretch>
+            <a:fillRect/>
+          </a:stretch>
+        </a:blipFill>
+        <a:ln w="9525" cap="flat" cmpd="sng" algn="ctr">
+          <a:noFill/>
+          <a:prstDash val="solid"/>
+        </a:ln>
+        <a:effectLst>
+          <a:outerShdw blurRad="51500" dist="25400" dir="5400000" rotWithShape="0">
+            <a:srgbClr val="000000">
+              <a:alpha val="40000"/>
+            </a:srgbClr>
+          </a:outerShdw>
+        </a:effectLst>
+      </dsp:spPr>
+      <dsp:style>
+        <a:lnRef idx="1">
+          <a:scrgbClr r="0" g="0" b="0"/>
+        </a:lnRef>
+        <a:fillRef idx="1">
+          <a:scrgbClr r="0" g="0" b="0"/>
+        </a:fillRef>
+        <a:effectRef idx="1">
+          <a:scrgbClr r="0" g="0" b="0"/>
+        </a:effectRef>
+        <a:fontRef idx="minor"/>
+      </dsp:style>
+    </dsp:sp>
+  </dsp:spTree>
+</dsp:drawing>
+</file>
+
+<file path=ppt/diagrams/drawing2.xml><?xml version="1.0" encoding="utf-8"?>
+<dsp:drawing xmlns:dgm="http://schemas.openxmlformats.org/drawingml/2006/diagram" xmlns:dsp="http://schemas.microsoft.com/office/drawing/2008/diagram" xmlns:a="http://schemas.openxmlformats.org/drawingml/2006/main">
+  <dsp:spTree>
+    <dsp:nvGrpSpPr>
+      <dsp:cNvPr id="0" name=""/>
+      <dsp:cNvGrpSpPr/>
+    </dsp:nvGrpSpPr>
+    <dsp:grpSpPr/>
+    <dsp:sp modelId="{788E8E5A-8ED0-4163-AC60-A677D1A85CCB}">
+      <dsp:nvSpPr>
+        <dsp:cNvPr id="0" name=""/>
+        <dsp:cNvSpPr/>
+      </dsp:nvSpPr>
+      <dsp:spPr>
+        <a:xfrm>
+          <a:off x="3700488" y="3021827"/>
+          <a:ext cx="3693344" cy="3693344"/>
+        </a:xfrm>
+        <a:prstGeom prst="gear9">
+          <a:avLst/>
+        </a:prstGeom>
+        <a:solidFill>
+          <a:srgbClr val="92D050"/>
+        </a:solidFill>
+        <a:ln>
+          <a:noFill/>
+        </a:ln>
+        <a:effectLst>
+          <a:outerShdw blurRad="50800" dist="25400" dir="5400000" rotWithShape="0">
+            <a:srgbClr val="000000">
+              <a:alpha val="45000"/>
+            </a:srgbClr>
+          </a:outerShdw>
+        </a:effectLst>
+        <a:sp3d extrusionH="152250" prstMaterial="matte">
+          <a:bevelT w="165100" prst="coolSlant"/>
+        </a:sp3d>
+      </dsp:spPr>
+      <dsp:style>
+        <a:lnRef idx="0">
+          <a:scrgbClr r="0" g="0" b="0"/>
+        </a:lnRef>
+        <a:fillRef idx="1">
+          <a:scrgbClr r="0" g="0" b="0"/>
+        </a:fillRef>
+        <a:effectRef idx="2">
+          <a:scrgbClr r="0" g="0" b="0"/>
+        </a:effectRef>
+        <a:fontRef idx="minor">
+          <a:schemeClr val="lt1"/>
+        </a:fontRef>
+      </dsp:style>
+      <dsp:txBody>
+        <a:bodyPr spcFirstLastPara="0" vert="horz" wrap="square" lIns="33020" tIns="33020" rIns="33020" bIns="33020" numCol="1" spcCol="1270" anchor="ctr" anchorCtr="0">
+          <a:noAutofit/>
+          <a:sp3d extrusionH="28000" prstMaterial="matte"/>
+        </a:bodyPr>
+        <a:lstStyle/>
+        <a:p>
+          <a:pPr lvl="0" algn="ctr" defTabSz="1155700">
+            <a:lnSpc>
+              <a:spcPct val="90000"/>
+            </a:lnSpc>
+            <a:spcBef>
+              <a:spcPct val="0"/>
+            </a:spcBef>
+            <a:spcAft>
+              <a:spcPct val="35000"/>
+            </a:spcAft>
+          </a:pPr>
+          <a:r>
+            <a:rPr lang="es-ES" sz="2600" kern="1200" dirty="0" smtClean="0"/>
+            <a:t>Organización</a:t>
+          </a:r>
+          <a:endParaRPr lang="es-ES" sz="2600" kern="1200" dirty="0"/>
+        </a:p>
+      </dsp:txBody>
+      <dsp:txXfrm>
+        <a:off x="4443014" y="3886975"/>
+        <a:ext cx="2208292" cy="1898455"/>
+      </dsp:txXfrm>
+    </dsp:sp>
+    <dsp:sp modelId="{882B0782-6779-45C1-832E-A9645C38F780}">
+      <dsp:nvSpPr>
+        <dsp:cNvPr id="0" name=""/>
+        <dsp:cNvSpPr/>
+      </dsp:nvSpPr>
+      <dsp:spPr>
+        <a:xfrm>
+          <a:off x="1551633" y="2148855"/>
+          <a:ext cx="2686068" cy="2686068"/>
+        </a:xfrm>
+        <a:prstGeom prst="gear6">
+          <a:avLst/>
+        </a:prstGeom>
+        <a:solidFill>
+          <a:srgbClr val="4F2270"/>
+        </a:solidFill>
+        <a:ln>
+          <a:noFill/>
+        </a:ln>
+        <a:effectLst>
+          <a:outerShdw blurRad="50800" dist="25400" dir="5400000" rotWithShape="0">
+            <a:srgbClr val="000000">
+              <a:alpha val="45000"/>
+            </a:srgbClr>
+          </a:outerShdw>
+        </a:effectLst>
+        <a:sp3d extrusionH="152250" prstMaterial="matte">
+          <a:bevelT w="165100" prst="coolSlant"/>
+        </a:sp3d>
+      </dsp:spPr>
+      <dsp:style>
+        <a:lnRef idx="0">
+          <a:scrgbClr r="0" g="0" b="0"/>
+        </a:lnRef>
+        <a:fillRef idx="1">
+          <a:scrgbClr r="0" g="0" b="0"/>
+        </a:fillRef>
+        <a:effectRef idx="2">
+          <a:scrgbClr r="0" g="0" b="0"/>
+        </a:effectRef>
+        <a:fontRef idx="minor">
+          <a:schemeClr val="lt1"/>
+        </a:fontRef>
+      </dsp:style>
+      <dsp:txBody>
+        <a:bodyPr spcFirstLastPara="0" vert="horz" wrap="square" lIns="22860" tIns="22860" rIns="22860" bIns="22860" numCol="1" spcCol="1270" anchor="ctr" anchorCtr="0">
+          <a:noAutofit/>
+          <a:sp3d extrusionH="28000" prstMaterial="matte"/>
+        </a:bodyPr>
+        <a:lstStyle/>
+        <a:p>
+          <a:pPr lvl="0" algn="ctr" defTabSz="800100">
+            <a:lnSpc>
+              <a:spcPct val="90000"/>
+            </a:lnSpc>
+            <a:spcBef>
+              <a:spcPct val="0"/>
+            </a:spcBef>
+            <a:spcAft>
+              <a:spcPct val="35000"/>
+            </a:spcAft>
+          </a:pPr>
+          <a:r>
+            <a:rPr lang="es-ES" sz="1800" kern="1200" dirty="0" smtClean="0"/>
+            <a:t>Tecnología</a:t>
+          </a:r>
+          <a:endParaRPr lang="es-ES" sz="1800" kern="1200" dirty="0"/>
+        </a:p>
+      </dsp:txBody>
+      <dsp:txXfrm>
+        <a:off x="2227859" y="2829168"/>
+        <a:ext cx="1333616" cy="1325442"/>
+      </dsp:txXfrm>
+    </dsp:sp>
+    <dsp:sp modelId="{4E5C6B77-7F83-425D-B70E-8A191A2DA944}">
+      <dsp:nvSpPr>
+        <dsp:cNvPr id="0" name=""/>
+        <dsp:cNvSpPr/>
+      </dsp:nvSpPr>
+      <dsp:spPr>
+        <a:xfrm rot="20700000">
+          <a:off x="3056106" y="295741"/>
+          <a:ext cx="2631799" cy="2631799"/>
+        </a:xfrm>
+        <a:prstGeom prst="gear6">
+          <a:avLst/>
+        </a:prstGeom>
+        <a:solidFill>
+          <a:srgbClr val="698DB5"/>
+        </a:solidFill>
+        <a:ln>
+          <a:noFill/>
+        </a:ln>
+        <a:effectLst>
+          <a:outerShdw blurRad="50800" dist="25400" dir="5400000" rotWithShape="0">
+            <a:srgbClr val="000000">
+              <a:alpha val="45000"/>
+            </a:srgbClr>
+          </a:outerShdw>
+        </a:effectLst>
+        <a:sp3d extrusionH="152250" prstMaterial="matte">
+          <a:bevelT w="165100" prst="coolSlant"/>
+        </a:sp3d>
+      </dsp:spPr>
+      <dsp:style>
+        <a:lnRef idx="0">
+          <a:scrgbClr r="0" g="0" b="0"/>
+        </a:lnRef>
+        <a:fillRef idx="1">
+          <a:scrgbClr r="0" g="0" b="0"/>
+        </a:fillRef>
+        <a:effectRef idx="2">
+          <a:scrgbClr r="0" g="0" b="0"/>
+        </a:effectRef>
+        <a:fontRef idx="minor">
+          <a:schemeClr val="lt1"/>
+        </a:fontRef>
+      </dsp:style>
+      <dsp:txBody>
+        <a:bodyPr spcFirstLastPara="0" vert="horz" wrap="square" lIns="22860" tIns="22860" rIns="22860" bIns="22860" numCol="1" spcCol="1270" anchor="ctr" anchorCtr="0">
+          <a:noAutofit/>
+          <a:sp3d extrusionH="28000" prstMaterial="matte"/>
+        </a:bodyPr>
+        <a:lstStyle/>
+        <a:p>
+          <a:pPr lvl="0" algn="ctr" defTabSz="800100">
+            <a:lnSpc>
+              <a:spcPct val="90000"/>
+            </a:lnSpc>
+            <a:spcBef>
+              <a:spcPct val="0"/>
+            </a:spcBef>
+            <a:spcAft>
+              <a:spcPct val="35000"/>
+            </a:spcAft>
+          </a:pPr>
+          <a:r>
+            <a:rPr lang="es-ES" sz="1800" b="1" kern="1200" dirty="0" smtClean="0"/>
+            <a:t>Dedicación</a:t>
+          </a:r>
+          <a:endParaRPr lang="es-ES" sz="1800" b="1" kern="1200" dirty="0"/>
+        </a:p>
+      </dsp:txBody>
+      <dsp:txXfrm rot="-20700000">
+        <a:off x="3633336" y="872972"/>
+        <a:ext cx="1477337" cy="1477337"/>
+      </dsp:txXfrm>
+    </dsp:sp>
+    <dsp:sp modelId="{EC80206F-6ED5-470E-9352-DF2C3E13D09E}">
+      <dsp:nvSpPr>
+        <dsp:cNvPr id="0" name=""/>
+        <dsp:cNvSpPr/>
+      </dsp:nvSpPr>
+      <dsp:spPr>
+        <a:xfrm>
+          <a:off x="3445035" y="2448125"/>
+          <a:ext cx="4727481" cy="4727481"/>
+        </a:xfrm>
+        <a:prstGeom prst="circularArrow">
+          <a:avLst>
+            <a:gd name="adj1" fmla="val 4687"/>
+            <a:gd name="adj2" fmla="val 299029"/>
+            <a:gd name="adj3" fmla="val 2555315"/>
+            <a:gd name="adj4" fmla="val 15779379"/>
+            <a:gd name="adj5" fmla="val 5469"/>
+          </a:avLst>
+        </a:prstGeom>
+        <a:solidFill>
+          <a:srgbClr val="92D050"/>
+        </a:solidFill>
+        <a:ln>
+          <a:noFill/>
+        </a:ln>
+        <a:effectLst/>
+        <a:sp3d z="-227350" prstMaterial="matte"/>
+      </dsp:spPr>
+      <dsp:style>
+        <a:lnRef idx="0">
+          <a:scrgbClr r="0" g="0" b="0"/>
+        </a:lnRef>
+        <a:fillRef idx="1">
+          <a:scrgbClr r="0" g="0" b="0"/>
+        </a:fillRef>
+        <a:effectRef idx="0">
+          <a:scrgbClr r="0" g="0" b="0"/>
+        </a:effectRef>
+        <a:fontRef idx="minor">
+          <a:schemeClr val="lt1"/>
+        </a:fontRef>
+      </dsp:style>
+    </dsp:sp>
+    <dsp:sp modelId="{74C0AE3B-2784-4C62-A4A0-2435B2D48726}">
+      <dsp:nvSpPr>
+        <dsp:cNvPr id="0" name=""/>
+        <dsp:cNvSpPr/>
+      </dsp:nvSpPr>
+      <dsp:spPr>
+        <a:xfrm>
+          <a:off x="1075935" y="1543711"/>
+          <a:ext cx="3434810" cy="3434810"/>
+        </a:xfrm>
+        <a:prstGeom prst="leftCircularArrow">
+          <a:avLst>
+            <a:gd name="adj1" fmla="val 6452"/>
+            <a:gd name="adj2" fmla="val 429999"/>
+            <a:gd name="adj3" fmla="val 10489124"/>
+            <a:gd name="adj4" fmla="val 14837806"/>
+            <a:gd name="adj5" fmla="val 7527"/>
+          </a:avLst>
+        </a:prstGeom>
+        <a:solidFill>
+          <a:srgbClr val="4F2270"/>
+        </a:solidFill>
+        <a:ln>
+          <a:noFill/>
+        </a:ln>
+        <a:effectLst/>
+        <a:sp3d z="-227350" prstMaterial="matte"/>
+      </dsp:spPr>
+      <dsp:style>
+        <a:lnRef idx="0">
+          <a:scrgbClr r="0" g="0" b="0"/>
+        </a:lnRef>
+        <a:fillRef idx="1">
+          <a:scrgbClr r="0" g="0" b="0"/>
+        </a:fillRef>
+        <a:effectRef idx="0">
+          <a:scrgbClr r="0" g="0" b="0"/>
+        </a:effectRef>
+        <a:fontRef idx="minor">
+          <a:schemeClr val="lt1"/>
+        </a:fontRef>
+      </dsp:style>
+    </dsp:sp>
+    <dsp:sp modelId="{36B1BD25-2EAE-4D35-899F-4008C62A2C66}">
+      <dsp:nvSpPr>
+        <dsp:cNvPr id="0" name=""/>
+        <dsp:cNvSpPr/>
+      </dsp:nvSpPr>
+      <dsp:spPr>
+        <a:xfrm>
+          <a:off x="2510079" y="-306464"/>
+          <a:ext cx="3703417" cy="3703417"/>
+        </a:xfrm>
+        <a:prstGeom prst="circularArrow">
+          <a:avLst>
+            <a:gd name="adj1" fmla="val 5984"/>
+            <a:gd name="adj2" fmla="val 394124"/>
+            <a:gd name="adj3" fmla="val 13313824"/>
+            <a:gd name="adj4" fmla="val 10508221"/>
+            <a:gd name="adj5" fmla="val 6981"/>
+          </a:avLst>
+        </a:prstGeom>
+        <a:solidFill>
+          <a:srgbClr val="698DB5"/>
+        </a:solidFill>
+        <a:ln>
+          <a:noFill/>
+        </a:ln>
+        <a:effectLst/>
+        <a:sp3d z="-227350" prstMaterial="matte"/>
+      </dsp:spPr>
+      <dsp:style>
+        <a:lnRef idx="0">
+          <a:scrgbClr r="0" g="0" b="0"/>
+        </a:lnRef>
+        <a:fillRef idx="1">
+          <a:scrgbClr r="0" g="0" b="0"/>
+        </a:fillRef>
+        <a:effectRef idx="0">
+          <a:scrgbClr r="0" g="0" b="0"/>
+        </a:effectRef>
+        <a:fontRef idx="minor">
+          <a:schemeClr val="lt1"/>
+        </a:fontRef>
+      </dsp:style>
+    </dsp:sp>
+  </dsp:spTree>
+</dsp:drawing>
+</file>
+
+<file path=ppt/diagrams/drawing3.xml><?xml version="1.0" encoding="utf-8"?>
+<dsp:drawing xmlns:dgm="http://schemas.openxmlformats.org/drawingml/2006/diagram" xmlns:dsp="http://schemas.microsoft.com/office/drawing/2008/diagram" xmlns:a="http://schemas.openxmlformats.org/drawingml/2006/main">
+  <dsp:spTree>
+    <dsp:nvGrpSpPr>
+      <dsp:cNvPr id="0" name=""/>
+      <dsp:cNvGrpSpPr/>
+    </dsp:nvGrpSpPr>
+    <dsp:grpSpPr/>
+    <dsp:sp modelId="{A257B779-2738-43AC-A2BA-FFEA657AD724}">
+      <dsp:nvSpPr>
+        <dsp:cNvPr id="0" name=""/>
+        <dsp:cNvSpPr/>
+      </dsp:nvSpPr>
+      <dsp:spPr>
+        <a:xfrm>
+          <a:off x="0" y="0"/>
+          <a:ext cx="6500858" cy="1361786"/>
+        </a:xfrm>
+        <a:prstGeom prst="roundRect">
+          <a:avLst>
+            <a:gd name="adj" fmla="val 10000"/>
+          </a:avLst>
+        </a:prstGeom>
+        <a:gradFill rotWithShape="0">
+          <a:gsLst>
+            <a:gs pos="0">
+              <a:schemeClr val="accent2">
+                <a:shade val="50000"/>
+                <a:hueOff val="0"/>
+                <a:satOff val="0"/>
+                <a:lumOff val="0"/>
+                <a:alphaOff val="0"/>
+                <a:tint val="1000"/>
+                <a:satMod val="255000"/>
+              </a:schemeClr>
+            </a:gs>
+            <a:gs pos="55000">
+              <a:schemeClr val="accent2">
+                <a:shade val="50000"/>
+                <a:hueOff val="0"/>
+                <a:satOff val="0"/>
+                <a:lumOff val="0"/>
+                <a:alphaOff val="0"/>
+                <a:tint val="12000"/>
+                <a:satMod val="255000"/>
+              </a:schemeClr>
+            </a:gs>
+            <a:gs pos="100000">
+              <a:schemeClr val="accent2">
+                <a:shade val="50000"/>
+                <a:hueOff val="0"/>
+                <a:satOff val="0"/>
+                <a:lumOff val="0"/>
+                <a:alphaOff val="0"/>
+                <a:tint val="45000"/>
+                <a:satMod val="250000"/>
+              </a:schemeClr>
+            </a:gs>
+          </a:gsLst>
+          <a:path path="circle">
+            <a:fillToRect l="-40000" t="-90000" r="140000" b="190000"/>
+          </a:path>
+        </a:gradFill>
+        <a:ln>
+          <a:noFill/>
+        </a:ln>
+        <a:effectLst>
+          <a:outerShdw blurRad="51500" dist="25400" dir="5400000" rotWithShape="0">
+            <a:srgbClr val="000000">
+              <a:alpha val="40000"/>
+            </a:srgbClr>
+          </a:outerShdw>
+        </a:effectLst>
+        <a:scene3d>
+          <a:camera prst="orthographicFront"/>
+          <a:lightRig rig="flat" dir="t"/>
+        </a:scene3d>
+        <a:sp3d prstMaterial="dkEdge">
+          <a:bevelT w="8200" h="38100"/>
+        </a:sp3d>
+      </dsp:spPr>
+      <dsp:style>
+        <a:lnRef idx="0">
+          <a:scrgbClr r="0" g="0" b="0"/>
+        </a:lnRef>
+        <a:fillRef idx="2">
+          <a:scrgbClr r="0" g="0" b="0"/>
+        </a:fillRef>
+        <a:effectRef idx="1">
+          <a:scrgbClr r="0" g="0" b="0"/>
+        </a:effectRef>
+        <a:fontRef idx="minor">
+          <a:schemeClr val="dk1"/>
+        </a:fontRef>
+      </dsp:style>
+      <dsp:txBody>
+        <a:bodyPr spcFirstLastPara="0" vert="horz" wrap="square" lIns="91440" tIns="91440" rIns="91440" bIns="91440" numCol="1" spcCol="1270" anchor="t" anchorCtr="0">
+          <a:noAutofit/>
+        </a:bodyPr>
+        <a:lstStyle/>
+        <a:p>
+          <a:pPr lvl="0" algn="l" defTabSz="1066800">
+            <a:lnSpc>
+              <a:spcPct val="90000"/>
+            </a:lnSpc>
+            <a:spcBef>
+              <a:spcPct val="0"/>
+            </a:spcBef>
+            <a:spcAft>
+              <a:spcPct val="35000"/>
+            </a:spcAft>
+          </a:pPr>
+          <a:r>
+            <a:rPr lang="es-ES" sz="2400" b="1" kern="1200" dirty="0" smtClean="0">
+              <a:solidFill>
+                <a:schemeClr val="accent2">
+                  <a:lumMod val="75000"/>
+                </a:schemeClr>
+              </a:solidFill>
+            </a:rPr>
+            <a:t>Dedicación </a:t>
+          </a:r>
+          <a:endParaRPr lang="es-ES" sz="2400" kern="1200" dirty="0"/>
+        </a:p>
+        <a:p>
+          <a:pPr marL="171450" lvl="1" indent="-171450" algn="l" defTabSz="844550">
+            <a:lnSpc>
+              <a:spcPct val="90000"/>
+            </a:lnSpc>
+            <a:spcBef>
+              <a:spcPct val="0"/>
+            </a:spcBef>
+            <a:spcAft>
+              <a:spcPct val="15000"/>
+            </a:spcAft>
+            <a:buChar char="••"/>
+          </a:pPr>
+          <a:r>
+            <a:rPr lang="es-ES" sz="1900" kern="1200" dirty="0" smtClean="0">
+              <a:solidFill>
+                <a:schemeClr val="accent2">
+                  <a:lumMod val="75000"/>
+                </a:schemeClr>
+              </a:solidFill>
+            </a:rPr>
+            <a:t>Falta de tiempo por compromisos laborales</a:t>
+          </a:r>
+        </a:p>
+        <a:p>
+          <a:pPr marL="171450" lvl="1" indent="-171450" algn="l" defTabSz="844550">
+            <a:lnSpc>
+              <a:spcPct val="90000"/>
+            </a:lnSpc>
+            <a:spcBef>
+              <a:spcPct val="0"/>
+            </a:spcBef>
+            <a:spcAft>
+              <a:spcPct val="15000"/>
+            </a:spcAft>
+            <a:buChar char="••"/>
+          </a:pPr>
+          <a:r>
+            <a:rPr lang="es-ES" sz="1900" kern="1200" dirty="0" smtClean="0"/>
+            <a:t>No se me ocurre</a:t>
+          </a:r>
+          <a:endParaRPr lang="es-ES" sz="1900" kern="1200" dirty="0"/>
+        </a:p>
+      </dsp:txBody>
+      <dsp:txXfrm>
+        <a:off x="1436350" y="0"/>
+        <a:ext cx="5064507" cy="1361786"/>
+      </dsp:txXfrm>
+    </dsp:sp>
+    <dsp:sp modelId="{03CF10A0-089F-481B-8CE8-91442EC08EBA}">
+      <dsp:nvSpPr>
+        <dsp:cNvPr id="0" name=""/>
+        <dsp:cNvSpPr/>
+      </dsp:nvSpPr>
+      <dsp:spPr>
+        <a:xfrm>
+          <a:off x="310265" y="218779"/>
+          <a:ext cx="839923" cy="924228"/>
+        </a:xfrm>
+        <a:prstGeom prst="roundRect">
+          <a:avLst>
+            <a:gd name="adj" fmla="val 10000"/>
+          </a:avLst>
+        </a:prstGeom>
+        <a:blipFill rotWithShape="0">
+          <a:blip xmlns:r="http://schemas.openxmlformats.org/officeDocument/2006/relationships" r:embed="rId1"/>
+          <a:stretch>
+            <a:fillRect/>
+          </a:stretch>
+        </a:blipFill>
+        <a:ln w="9525" cap="flat" cmpd="sng" algn="ctr">
+          <a:noFill/>
+          <a:prstDash val="solid"/>
+        </a:ln>
+        <a:effectLst>
+          <a:outerShdw blurRad="51500" dist="25400" dir="5400000" rotWithShape="0">
+            <a:srgbClr val="000000">
+              <a:alpha val="40000"/>
+            </a:srgbClr>
+          </a:outerShdw>
+        </a:effectLst>
+      </dsp:spPr>
+      <dsp:style>
+        <a:lnRef idx="1">
+          <a:scrgbClr r="0" g="0" b="0"/>
+        </a:lnRef>
+        <a:fillRef idx="1">
+          <a:scrgbClr r="0" g="0" b="0"/>
+        </a:fillRef>
+        <a:effectRef idx="1">
+          <a:scrgbClr r="0" g="0" b="0"/>
+        </a:effectRef>
+        <a:fontRef idx="minor"/>
+      </dsp:style>
+    </dsp:sp>
+    <dsp:sp modelId="{DCB50812-0279-4377-BD1B-D6435D5CB27F}">
+      <dsp:nvSpPr>
+        <dsp:cNvPr id="0" name=""/>
+        <dsp:cNvSpPr/>
+      </dsp:nvSpPr>
+      <dsp:spPr>
+        <a:xfrm>
+          <a:off x="0" y="1497965"/>
+          <a:ext cx="6500858" cy="1361786"/>
+        </a:xfrm>
+        <a:prstGeom prst="roundRect">
+          <a:avLst>
+            <a:gd name="adj" fmla="val 10000"/>
+          </a:avLst>
+        </a:prstGeom>
+        <a:gradFill rotWithShape="0">
+          <a:gsLst>
+            <a:gs pos="0">
+              <a:schemeClr val="accent2">
+                <a:shade val="50000"/>
+                <a:hueOff val="-175553"/>
+                <a:satOff val="-10161"/>
+                <a:lumOff val="32224"/>
+                <a:alphaOff val="0"/>
+                <a:tint val="1000"/>
+                <a:satMod val="255000"/>
+              </a:schemeClr>
+            </a:gs>
+            <a:gs pos="55000">
+              <a:schemeClr val="accent2">
+                <a:shade val="50000"/>
+                <a:hueOff val="-175553"/>
+                <a:satOff val="-10161"/>
+                <a:lumOff val="32224"/>
+                <a:alphaOff val="0"/>
+                <a:tint val="12000"/>
+                <a:satMod val="255000"/>
+              </a:schemeClr>
+            </a:gs>
+            <a:gs pos="100000">
+              <a:schemeClr val="accent2">
+                <a:shade val="50000"/>
+                <a:hueOff val="-175553"/>
+                <a:satOff val="-10161"/>
+                <a:lumOff val="32224"/>
+                <a:alphaOff val="0"/>
+                <a:tint val="45000"/>
+                <a:satMod val="250000"/>
+              </a:schemeClr>
+            </a:gs>
+          </a:gsLst>
+          <a:path path="circle">
+            <a:fillToRect l="-40000" t="-90000" r="140000" b="190000"/>
+          </a:path>
+        </a:gradFill>
+        <a:ln>
+          <a:noFill/>
+        </a:ln>
+        <a:effectLst>
+          <a:outerShdw blurRad="51500" dist="25400" dir="5400000" rotWithShape="0">
+            <a:srgbClr val="000000">
+              <a:alpha val="40000"/>
+            </a:srgbClr>
+          </a:outerShdw>
+        </a:effectLst>
+        <a:scene3d>
+          <a:camera prst="orthographicFront"/>
+          <a:lightRig rig="flat" dir="t"/>
+        </a:scene3d>
+        <a:sp3d prstMaterial="dkEdge">
+          <a:bevelT w="8200" h="38100"/>
+        </a:sp3d>
+      </dsp:spPr>
+      <dsp:style>
+        <a:lnRef idx="0">
+          <a:scrgbClr r="0" g="0" b="0"/>
+        </a:lnRef>
+        <a:fillRef idx="2">
+          <a:scrgbClr r="0" g="0" b="0"/>
+        </a:fillRef>
+        <a:effectRef idx="1">
+          <a:scrgbClr r="0" g="0" b="0"/>
+        </a:effectRef>
+        <a:fontRef idx="minor">
+          <a:schemeClr val="dk1"/>
+        </a:fontRef>
+      </dsp:style>
+      <dsp:txBody>
+        <a:bodyPr spcFirstLastPara="0" vert="horz" wrap="square" lIns="91440" tIns="91440" rIns="91440" bIns="91440" numCol="1" spcCol="1270" anchor="t" anchorCtr="0">
+          <a:noAutofit/>
+        </a:bodyPr>
+        <a:lstStyle/>
+        <a:p>
+          <a:pPr lvl="0" algn="l" defTabSz="1066800">
+            <a:lnSpc>
+              <a:spcPct val="90000"/>
+            </a:lnSpc>
+            <a:spcBef>
+              <a:spcPct val="0"/>
+            </a:spcBef>
+            <a:spcAft>
+              <a:spcPct val="35000"/>
+            </a:spcAft>
+          </a:pPr>
+          <a:r>
+            <a:rPr lang="es-ES" sz="2400" b="1" kern="1200" dirty="0" smtClean="0">
+              <a:solidFill>
+                <a:schemeClr val="accent2">
+                  <a:lumMod val="75000"/>
+                </a:schemeClr>
+              </a:solidFill>
+            </a:rPr>
+            <a:t>Organización</a:t>
+          </a:r>
+          <a:endParaRPr lang="es-ES" sz="2400" kern="1200" dirty="0"/>
+        </a:p>
+        <a:p>
+          <a:pPr marL="171450" lvl="1" indent="-171450" algn="l" defTabSz="844550">
+            <a:lnSpc>
+              <a:spcPct val="90000"/>
+            </a:lnSpc>
+            <a:spcBef>
+              <a:spcPct val="0"/>
+            </a:spcBef>
+            <a:spcAft>
+              <a:spcPct val="15000"/>
+            </a:spcAft>
+            <a:buChar char="••"/>
+          </a:pPr>
+          <a:r>
+            <a:rPr lang="es-ES" sz="1900" kern="1200" dirty="0" smtClean="0">
+              <a:solidFill>
+                <a:schemeClr val="accent2">
+                  <a:lumMod val="75000"/>
+                </a:schemeClr>
+              </a:solidFill>
+            </a:rPr>
+            <a:t>Poca disponibilidad para reuniones de trabajo</a:t>
+          </a:r>
+          <a:endParaRPr lang="es-ES" sz="1900" kern="1200" dirty="0">
+            <a:solidFill>
+              <a:schemeClr val="accent2">
+                <a:lumMod val="75000"/>
+              </a:schemeClr>
+            </a:solidFill>
+          </a:endParaRPr>
+        </a:p>
+        <a:p>
+          <a:pPr marL="171450" lvl="1" indent="-171450" algn="l" defTabSz="844550">
+            <a:lnSpc>
+              <a:spcPct val="90000"/>
+            </a:lnSpc>
+            <a:spcBef>
+              <a:spcPct val="0"/>
+            </a:spcBef>
+            <a:spcAft>
+              <a:spcPct val="15000"/>
+            </a:spcAft>
+            <a:buChar char="••"/>
+          </a:pPr>
+          <a:r>
+            <a:rPr lang="es-ES" sz="1900" kern="1200" dirty="0" smtClean="0">
+              <a:solidFill>
+                <a:schemeClr val="accent2">
+                  <a:lumMod val="75000"/>
+                </a:schemeClr>
+              </a:solidFill>
+            </a:rPr>
+            <a:t>Distintas preferencias de cada integrante</a:t>
+          </a:r>
+          <a:endParaRPr lang="es-ES" sz="1900" kern="1200" dirty="0">
+            <a:solidFill>
+              <a:schemeClr val="accent2">
+                <a:lumMod val="75000"/>
+              </a:schemeClr>
+            </a:solidFill>
+          </a:endParaRPr>
+        </a:p>
+      </dsp:txBody>
+      <dsp:txXfrm>
+        <a:off x="1436350" y="1497965"/>
+        <a:ext cx="5064507" cy="1361786"/>
+      </dsp:txXfrm>
+    </dsp:sp>
+    <dsp:sp modelId="{410781DD-5C49-46AF-8D5A-EAF1A97A46E3}">
+      <dsp:nvSpPr>
+        <dsp:cNvPr id="0" name=""/>
+        <dsp:cNvSpPr/>
+      </dsp:nvSpPr>
+      <dsp:spPr>
+        <a:xfrm>
+          <a:off x="309556" y="1643072"/>
+          <a:ext cx="953415" cy="1071573"/>
+        </a:xfrm>
+        <a:prstGeom prst="roundRect">
+          <a:avLst>
+            <a:gd name="adj" fmla="val 10000"/>
+          </a:avLst>
+        </a:prstGeom>
+        <a:blipFill rotWithShape="0">
+          <a:blip xmlns:r="http://schemas.openxmlformats.org/officeDocument/2006/relationships" r:embed="rId2"/>
+          <a:stretch>
+            <a:fillRect/>
+          </a:stretch>
+        </a:blipFill>
+        <a:ln w="9525" cap="flat" cmpd="sng" algn="ctr">
+          <a:noFill/>
+          <a:prstDash val="solid"/>
+        </a:ln>
+        <a:effectLst>
+          <a:outerShdw blurRad="51500" dist="25400" dir="5400000" rotWithShape="0">
+            <a:srgbClr val="000000">
+              <a:alpha val="40000"/>
+            </a:srgbClr>
+          </a:outerShdw>
+        </a:effectLst>
+      </dsp:spPr>
+      <dsp:style>
+        <a:lnRef idx="1">
+          <a:scrgbClr r="0" g="0" b="0"/>
+        </a:lnRef>
+        <a:fillRef idx="1">
+          <a:scrgbClr r="0" g="0" b="0"/>
+        </a:fillRef>
+        <a:effectRef idx="1">
+          <a:scrgbClr r="0" g="0" b="0"/>
+        </a:effectRef>
+        <a:fontRef idx="minor"/>
+      </dsp:style>
+    </dsp:sp>
+    <dsp:sp modelId="{9780D458-18A5-4033-BF08-30A31C92458B}">
+      <dsp:nvSpPr>
+        <dsp:cNvPr id="0" name=""/>
+        <dsp:cNvSpPr/>
+      </dsp:nvSpPr>
+      <dsp:spPr>
+        <a:xfrm>
+          <a:off x="0" y="2995931"/>
+          <a:ext cx="6500858" cy="1361786"/>
+        </a:xfrm>
+        <a:prstGeom prst="roundRect">
+          <a:avLst>
+            <a:gd name="adj" fmla="val 10000"/>
+          </a:avLst>
+        </a:prstGeom>
+        <a:gradFill rotWithShape="0">
+          <a:gsLst>
+            <a:gs pos="0">
+              <a:schemeClr val="accent2">
+                <a:shade val="50000"/>
+                <a:hueOff val="-175553"/>
+                <a:satOff val="-10161"/>
+                <a:lumOff val="32224"/>
+                <a:alphaOff val="0"/>
+                <a:tint val="1000"/>
+                <a:satMod val="255000"/>
+              </a:schemeClr>
+            </a:gs>
+            <a:gs pos="55000">
+              <a:schemeClr val="accent2">
+                <a:shade val="50000"/>
+                <a:hueOff val="-175553"/>
+                <a:satOff val="-10161"/>
+                <a:lumOff val="32224"/>
+                <a:alphaOff val="0"/>
+                <a:tint val="12000"/>
+                <a:satMod val="255000"/>
+              </a:schemeClr>
+            </a:gs>
+            <a:gs pos="100000">
+              <a:schemeClr val="accent2">
+                <a:shade val="50000"/>
+                <a:hueOff val="-175553"/>
+                <a:satOff val="-10161"/>
+                <a:lumOff val="32224"/>
+                <a:alphaOff val="0"/>
+                <a:tint val="45000"/>
+                <a:satMod val="250000"/>
+              </a:schemeClr>
+            </a:gs>
+          </a:gsLst>
+          <a:path path="circle">
+            <a:fillToRect l="-40000" t="-90000" r="140000" b="190000"/>
+          </a:path>
+        </a:gradFill>
+        <a:ln>
+          <a:noFill/>
+        </a:ln>
+        <a:effectLst>
+          <a:outerShdw blurRad="51500" dist="25400" dir="5400000" rotWithShape="0">
+            <a:srgbClr val="000000">
+              <a:alpha val="40000"/>
+            </a:srgbClr>
+          </a:outerShdw>
+        </a:effectLst>
+        <a:scene3d>
+          <a:camera prst="orthographicFront"/>
+          <a:lightRig rig="flat" dir="t"/>
+        </a:scene3d>
+        <a:sp3d prstMaterial="dkEdge">
+          <a:bevelT w="8200" h="38100"/>
+        </a:sp3d>
+      </dsp:spPr>
+      <dsp:style>
+        <a:lnRef idx="0">
+          <a:scrgbClr r="0" g="0" b="0"/>
+        </a:lnRef>
+        <a:fillRef idx="2">
+          <a:scrgbClr r="0" g="0" b="0"/>
+        </a:fillRef>
+        <a:effectRef idx="1">
+          <a:scrgbClr r="0" g="0" b="0"/>
+        </a:effectRef>
+        <a:fontRef idx="minor">
+          <a:schemeClr val="dk1"/>
+        </a:fontRef>
+      </dsp:style>
+      <dsp:txBody>
+        <a:bodyPr spcFirstLastPara="0" vert="horz" wrap="square" lIns="91440" tIns="91440" rIns="91440" bIns="91440" numCol="1" spcCol="1270" anchor="t" anchorCtr="0">
+          <a:noAutofit/>
+        </a:bodyPr>
+        <a:lstStyle/>
+        <a:p>
+          <a:pPr lvl="0" algn="l" defTabSz="1066800">
+            <a:lnSpc>
+              <a:spcPct val="90000"/>
+            </a:lnSpc>
+            <a:spcBef>
+              <a:spcPct val="0"/>
+            </a:spcBef>
+            <a:spcAft>
+              <a:spcPct val="35000"/>
+            </a:spcAft>
+          </a:pPr>
+          <a:r>
+            <a:rPr lang="es-ES" sz="2400" b="1" kern="1200" dirty="0" smtClean="0">
+              <a:solidFill>
+                <a:schemeClr val="accent2">
+                  <a:lumMod val="75000"/>
+                </a:schemeClr>
+              </a:solidFill>
+            </a:rPr>
+            <a:t>Tecnología</a:t>
+          </a:r>
+          <a:endParaRPr lang="es-ES" sz="2400" kern="1200" dirty="0"/>
+        </a:p>
+        <a:p>
+          <a:pPr marL="171450" lvl="1" indent="-171450" algn="l" defTabSz="844550">
+            <a:lnSpc>
+              <a:spcPct val="90000"/>
+            </a:lnSpc>
+            <a:spcBef>
+              <a:spcPct val="0"/>
+            </a:spcBef>
+            <a:spcAft>
+              <a:spcPct val="15000"/>
+            </a:spcAft>
+            <a:buChar char="••"/>
+          </a:pPr>
+          <a:r>
+            <a:rPr lang="es-ES" sz="1900" kern="1200" dirty="0" smtClean="0">
+              <a:solidFill>
+                <a:schemeClr val="accent2">
+                  <a:lumMod val="75000"/>
+                </a:schemeClr>
+              </a:solidFill>
+            </a:rPr>
+            <a:t>Falta de conocimiento de la tecnología elegida </a:t>
+          </a:r>
+          <a:endParaRPr lang="es-ES" sz="1900" kern="1200" dirty="0"/>
+        </a:p>
+        <a:p>
+          <a:pPr marL="171450" lvl="1" indent="-171450" algn="l" defTabSz="844550">
+            <a:lnSpc>
+              <a:spcPct val="90000"/>
+            </a:lnSpc>
+            <a:spcBef>
+              <a:spcPct val="0"/>
+            </a:spcBef>
+            <a:spcAft>
+              <a:spcPct val="15000"/>
+            </a:spcAft>
+            <a:buChar char="••"/>
+          </a:pPr>
+          <a:r>
+            <a:rPr lang="es-ES" sz="1900" kern="1200" dirty="0" smtClean="0">
+              <a:solidFill>
+                <a:schemeClr val="accent2">
+                  <a:lumMod val="75000"/>
+                </a:schemeClr>
+              </a:solidFill>
+            </a:rPr>
+            <a:t>Curva de aprendizaje pronunciada </a:t>
+          </a:r>
+          <a:endParaRPr lang="es-ES" sz="1900" kern="1200" dirty="0"/>
+        </a:p>
+      </dsp:txBody>
+      <dsp:txXfrm>
+        <a:off x="1436350" y="2995931"/>
+        <a:ext cx="5064507" cy="1361786"/>
+      </dsp:txXfrm>
+    </dsp:sp>
+    <dsp:sp modelId="{5DAC66B0-F3A7-4BD7-9779-615FA18CCB64}">
+      <dsp:nvSpPr>
+        <dsp:cNvPr id="0" name=""/>
+        <dsp:cNvSpPr/>
+      </dsp:nvSpPr>
+      <dsp:spPr>
+        <a:xfrm>
+          <a:off x="253519" y="3210243"/>
+          <a:ext cx="952011" cy="933161"/>
+        </a:xfrm>
+        <a:prstGeom prst="roundRect">
+          <a:avLst>
+            <a:gd name="adj" fmla="val 10000"/>
+          </a:avLst>
+        </a:prstGeom>
+        <a:blipFill rotWithShape="0">
+          <a:blip xmlns:r="http://schemas.openxmlformats.org/officeDocument/2006/relationships" r:embed="rId3"/>
+          <a:stretch>
+            <a:fillRect/>
+          </a:stretch>
+        </a:blipFill>
+        <a:ln w="9525" cap="flat" cmpd="sng" algn="ctr">
+          <a:noFill/>
+          <a:prstDash val="solid"/>
+        </a:ln>
+        <a:effectLst>
+          <a:outerShdw blurRad="51500" dist="25400" dir="5400000" rotWithShape="0">
+            <a:srgbClr val="000000">
+              <a:alpha val="40000"/>
+            </a:srgbClr>
+          </a:outerShdw>
+        </a:effectLst>
+      </dsp:spPr>
+      <dsp:style>
+        <a:lnRef idx="1">
+          <a:scrgbClr r="0" g="0" b="0"/>
+        </a:lnRef>
+        <a:fillRef idx="1">
+          <a:scrgbClr r="0" g="0" b="0"/>
+        </a:fillRef>
+        <a:effectRef idx="1">
+          <a:scrgbClr r="0" g="0" b="0"/>
+        </a:effectRef>
+        <a:fontRef idx="minor"/>
+      </dsp:style>
+    </dsp:sp>
+  </dsp:spTree>
+</dsp:drawing>
+</file>
+
 <file path=ppt/diagrams/layout1.xml><?xml version="1.0" encoding="utf-8"?>
-<dgm:layoutDef xmlns:dgm="http://schemas.openxmlformats.org/drawingml/2006/diagram" xmlns:a="http://schemas.openxmlformats.org/drawingml/2006/main" uniqueId="urn:microsoft.com/office/officeart/2005/8/layout/vList4">
+<dgm:layoutDef xmlns:dgm="http://schemas.openxmlformats.org/drawingml/2006/diagram" xmlns:a="http://schemas.openxmlformats.org/drawingml/2006/main" uniqueId="urn:microsoft.com/office/officeart/2005/8/layout/vList4#1">
   <dgm:title val=""/>
   <dgm:desc val=""/>
   <dgm:catLst>
@@ -5063,7 +6910,7 @@
 </file>
 
 <file path=ppt/diagrams/layout3.xml><?xml version="1.0" encoding="utf-8"?>
-<dgm:layoutDef xmlns:dgm="http://schemas.openxmlformats.org/drawingml/2006/diagram" xmlns:a="http://schemas.openxmlformats.org/drawingml/2006/main" uniqueId="urn:microsoft.com/office/officeart/2005/8/layout/vList4">
+<dgm:layoutDef xmlns:dgm="http://schemas.openxmlformats.org/drawingml/2006/diagram" xmlns:a="http://schemas.openxmlformats.org/drawingml/2006/main" uniqueId="urn:microsoft.com/office/officeart/2005/8/layout/vList4#2">
   <dgm:title val=""/>
   <dgm:desc val=""/>
   <dgm:catLst>
@@ -8553,7 +10400,7 @@
             <a:fld id="{2FBAE1C2-D3E0-4A06-AE46-BC7829D6E43E}" type="datetimeFigureOut">
               <a:rPr lang="es-ES" smtClean="0"/>
               <a:pPr/>
-              <a:t>05/02/2012</a:t>
+              <a:t>06/02/2012</a:t>
             </a:fld>
             <a:endParaRPr lang="es-ES"/>
           </a:p>
@@ -8722,6 +10569,11 @@
         </p:txBody>
       </p:sp>
     </p:spTree>
+    <p:extLst>
+      <p:ext uri="{BB962C8B-B14F-4D97-AF65-F5344CB8AC3E}">
+        <p14:creationId xmlns:p14="http://schemas.microsoft.com/office/powerpoint/2010/main" xmlns="" val="4276956086"/>
+      </p:ext>
+    </p:extLst>
   </p:cSld>
   <p:clrMap bg1="lt1" tx1="dk1" bg2="lt2" tx2="dk2" accent1="accent1" accent2="accent2" accent3="accent3" accent4="accent4" accent5="accent5" accent6="accent6" hlink="hlink" folHlink="folHlink"/>
   <p:notesStyle>
@@ -8888,6 +10740,88 @@
               <a:rPr lang="es-ES" smtClean="0"/>
               <a:pPr/>
               <a:t>8</a:t>
+            </a:fld>
+            <a:endParaRPr lang="es-ES"/>
+          </a:p>
+        </p:txBody>
+      </p:sp>
+    </p:spTree>
+  </p:cSld>
+  <p:clrMapOvr>
+    <a:masterClrMapping/>
+  </p:clrMapOvr>
+</p:notes>
+</file>
+
+<file path=ppt/notesSlides/notesSlide2.xml><?xml version="1.0" encoding="utf-8"?>
+<p:notes xmlns:a="http://schemas.openxmlformats.org/drawingml/2006/main" xmlns:r="http://schemas.openxmlformats.org/officeDocument/2006/relationships" xmlns:p="http://schemas.openxmlformats.org/presentationml/2006/main">
+  <p:cSld>
+    <p:spTree>
+      <p:nvGrpSpPr>
+        <p:cNvPr id="1" name=""/>
+        <p:cNvGrpSpPr/>
+        <p:nvPr/>
+      </p:nvGrpSpPr>
+      <p:grpSpPr>
+        <a:xfrm>
+          <a:off x="0" y="0"/>
+          <a:ext cx="0" cy="0"/>
+          <a:chOff x="0" y="0"/>
+          <a:chExt cx="0" cy="0"/>
+        </a:xfrm>
+      </p:grpSpPr>
+      <p:sp>
+        <p:nvSpPr>
+          <p:cNvPr id="2" name="1 Marcador de imagen de diapositiva"/>
+          <p:cNvSpPr>
+            <a:spLocks noGrp="1" noRot="1" noChangeAspect="1"/>
+          </p:cNvSpPr>
+          <p:nvPr>
+            <p:ph type="sldImg"/>
+          </p:nvPr>
+        </p:nvSpPr>
+        <p:spPr/>
+      </p:sp>
+      <p:sp>
+        <p:nvSpPr>
+          <p:cNvPr id="3" name="2 Marcador de notas"/>
+          <p:cNvSpPr>
+            <a:spLocks noGrp="1"/>
+          </p:cNvSpPr>
+          <p:nvPr>
+            <p:ph type="body" idx="1"/>
+          </p:nvPr>
+        </p:nvSpPr>
+        <p:spPr/>
+        <p:txBody>
+          <a:bodyPr>
+            <a:normAutofit/>
+          </a:bodyPr>
+          <a:lstStyle/>
+          <a:p>
+            <a:endParaRPr lang="es-ES"/>
+          </a:p>
+        </p:txBody>
+      </p:sp>
+      <p:sp>
+        <p:nvSpPr>
+          <p:cNvPr id="4" name="3 Marcador de número de diapositiva"/>
+          <p:cNvSpPr>
+            <a:spLocks noGrp="1"/>
+          </p:cNvSpPr>
+          <p:nvPr>
+            <p:ph type="sldNum" sz="quarter" idx="10"/>
+          </p:nvPr>
+        </p:nvSpPr>
+        <p:spPr/>
+        <p:txBody>
+          <a:bodyPr/>
+          <a:lstStyle/>
+          <a:p>
+            <a:fld id="{83C16CBF-621B-4BBE-AF83-8429CDCC699C}" type="slidenum">
+              <a:rPr lang="es-ES" smtClean="0"/>
+              <a:pPr/>
+              <a:t>9</a:t>
             </a:fld>
             <a:endParaRPr lang="es-ES"/>
           </a:p>
@@ -9077,7 +11011,7 @@
             <a:fld id="{B12BA059-C9C5-49C0-B95E-15A1FD6656E7}" type="datetime1">
               <a:rPr lang="es-ES" smtClean="0"/>
               <a:pPr/>
-              <a:t>05/02/2012</a:t>
+              <a:t>06/02/2012</a:t>
             </a:fld>
             <a:endParaRPr lang="es-ES"/>
           </a:p>
@@ -9253,7 +11187,7 @@
             <a:fld id="{F66B3F2E-F273-48DA-A853-C827A446222C}" type="datetime1">
               <a:rPr lang="es-ES" smtClean="0"/>
               <a:pPr/>
-              <a:t>05/02/2012</a:t>
+              <a:t>06/02/2012</a:t>
             </a:fld>
             <a:endParaRPr lang="es-ES"/>
           </a:p>
@@ -9434,7 +11368,7 @@
             <a:fld id="{F9132306-7FA0-487D-A67C-4AC15A56F446}" type="datetime1">
               <a:rPr lang="es-ES" smtClean="0"/>
               <a:pPr/>
-              <a:t>05/02/2012</a:t>
+              <a:t>06/02/2012</a:t>
             </a:fld>
             <a:endParaRPr lang="es-ES"/>
           </a:p>
@@ -9605,7 +11539,7 @@
             <a:fld id="{7298B21C-393E-4C47-9113-EFEE1C4A91D4}" type="datetime1">
               <a:rPr lang="es-ES" smtClean="0"/>
               <a:pPr/>
-              <a:t>05/02/2012</a:t>
+              <a:t>06/02/2012</a:t>
             </a:fld>
             <a:endParaRPr lang="es-ES"/>
           </a:p>
@@ -9840,7 +11774,7 @@
             <a:fld id="{F16F3A02-17DE-460B-9528-DEDB53C5C492}" type="datetime1">
               <a:rPr lang="es-ES" smtClean="0"/>
               <a:pPr/>
-              <a:t>05/02/2012</a:t>
+              <a:t>06/02/2012</a:t>
             </a:fld>
             <a:endParaRPr lang="es-ES"/>
           </a:p>
@@ -10142,7 +12076,7 @@
             <a:fld id="{CF7F621F-3BF0-4C98-99D3-66083E527164}" type="datetime1">
               <a:rPr lang="es-ES" smtClean="0"/>
               <a:pPr/>
-              <a:t>05/02/2012</a:t>
+              <a:t>06/02/2012</a:t>
             </a:fld>
             <a:endParaRPr lang="es-ES"/>
           </a:p>
@@ -10532,7 +12466,7 @@
             <a:fld id="{B2F76907-A98E-4A03-89F9-DB9D3D403201}" type="datetime1">
               <a:rPr lang="es-ES" smtClean="0"/>
               <a:pPr/>
-              <a:t>05/02/2012</a:t>
+              <a:t>06/02/2012</a:t>
             </a:fld>
             <a:endParaRPr lang="es-ES"/>
           </a:p>
@@ -10711,7 +12645,7 @@
             <a:fld id="{6B920CCD-0694-42BF-B37B-C04ED4AF7F03}" type="datetime1">
               <a:rPr lang="es-ES" smtClean="0"/>
               <a:pPr/>
-              <a:t>05/02/2012</a:t>
+              <a:t>06/02/2012</a:t>
             </a:fld>
             <a:endParaRPr lang="es-ES"/>
           </a:p>
@@ -10807,7 +12741,7 @@
             <a:fld id="{16DDDB6B-EADA-4FDD-AF1B-8E0F759D72C3}" type="datetime1">
               <a:rPr lang="es-ES" smtClean="0"/>
               <a:pPr/>
-              <a:t>05/02/2012</a:t>
+              <a:t>06/02/2012</a:t>
             </a:fld>
             <a:endParaRPr lang="es-ES"/>
           </a:p>
@@ -11108,7 +13042,7 @@
             <a:fld id="{3A08DC6B-BFB8-4212-AF2A-BEF860AFEC4E}" type="datetime1">
               <a:rPr lang="es-ES" smtClean="0"/>
               <a:pPr/>
-              <a:t>05/02/2012</a:t>
+              <a:t>06/02/2012</a:t>
             </a:fld>
             <a:endParaRPr lang="es-ES"/>
           </a:p>
@@ -11248,7 +13182,7 @@
             <a:fld id="{C6C53101-DE07-4BF3-BF74-15B04C45CF34}" type="datetime1">
               <a:rPr lang="es-ES" smtClean="0"/>
               <a:pPr/>
-              <a:t>05/02/2012</a:t>
+              <a:t>06/02/2012</a:t>
             </a:fld>
             <a:endParaRPr lang="es-ES"/>
           </a:p>
@@ -11557,7 +13491,7 @@
             <a:fld id="{E6D529E8-7BCA-46B2-85F7-C338DD86C724}" type="datetime1">
               <a:rPr lang="es-ES" smtClean="0"/>
               <a:pPr/>
-              <a:t>05/02/2012</a:t>
+              <a:t>06/02/2012</a:t>
             </a:fld>
             <a:endParaRPr lang="es-ES"/>
           </a:p>
@@ -15302,19 +17236,6 @@
               </a:rPr>
               <a:t>Arquitectura General</a:t>
             </a:r>
-            <a:endParaRPr lang="es-ES" sz="2800" dirty="0" smtClean="0">
-              <a:solidFill>
-                <a:schemeClr val="accent2">
-                  <a:lumMod val="75000"/>
-                </a:schemeClr>
-              </a:solidFill>
-              <a:effectLst>
-                <a:reflection blurRad="12700" stA="48000" endA="300" endPos="55000" dir="5400000" sy="-90000" algn="bl" rotWithShape="0"/>
-              </a:effectLst>
-              <a:latin typeface="+mj-lt"/>
-              <a:ea typeface="+mj-ea"/>
-              <a:cs typeface="+mj-cs"/>
-            </a:endParaRPr>
           </a:p>
         </p:txBody>
       </p:sp>
@@ -15326,8 +17247,8 @@
         </p:nvSpPr>
         <p:spPr>
           <a:xfrm>
-            <a:off x="857224" y="2000240"/>
-            <a:ext cx="2857520" cy="1428760"/>
+            <a:off x="1142976" y="1857364"/>
+            <a:ext cx="2286016" cy="1785950"/>
           </a:xfrm>
           <a:prstGeom prst="roundRect">
             <a:avLst>
@@ -15335,24 +17256,28 @@
             </a:avLst>
           </a:prstGeom>
           <a:solidFill>
-            <a:srgbClr val="92D050"/>
+            <a:srgbClr val="005EA4"/>
           </a:solidFill>
           <a:ln>
-            <a:solidFill>
-              <a:srgbClr val="137718"/>
-            </a:solidFill>
+            <a:noFill/>
           </a:ln>
-          <a:effectLst/>
+          <a:effectLst>
+            <a:outerShdw blurRad="44450" dist="27940" dir="5400000" algn="ctr">
+              <a:srgbClr val="000000">
+                <a:alpha val="32000"/>
+              </a:srgbClr>
+            </a:outerShdw>
+          </a:effectLst>
           <a:scene3d>
             <a:camera prst="orthographicFront">
               <a:rot lat="0" lon="0" rev="0"/>
             </a:camera>
-            <a:lightRig rig="contrasting" dir="t">
-              <a:rot lat="0" lon="0" rev="7800000"/>
+            <a:lightRig rig="balanced" dir="t">
+              <a:rot lat="0" lon="0" rev="8700000"/>
             </a:lightRig>
           </a:scene3d>
           <a:sp3d>
-            <a:bevelT w="139700" h="139700"/>
+            <a:bevelT w="190500" h="38100"/>
           </a:sp3d>
         </p:spPr>
         <p:style>
@@ -15386,26 +17311,35 @@
         </p:nvSpPr>
         <p:spPr>
           <a:xfrm>
-            <a:off x="1357290" y="2285992"/>
-            <a:ext cx="1796847" cy="285752"/>
+            <a:off x="1428728" y="2428868"/>
+            <a:ext cx="1714512" cy="500066"/>
           </a:xfrm>
           <a:prstGeom prst="roundRect">
             <a:avLst/>
           </a:prstGeom>
+          <a:solidFill>
+            <a:srgbClr val="698DB5"/>
+          </a:solidFill>
           <a:ln>
             <a:noFill/>
           </a:ln>
-          <a:effectLst/>
+          <a:effectLst>
+            <a:outerShdw blurRad="44450" dist="27940" dir="5400000" algn="ctr">
+              <a:srgbClr val="000000">
+                <a:alpha val="32000"/>
+              </a:srgbClr>
+            </a:outerShdw>
+          </a:effectLst>
           <a:scene3d>
             <a:camera prst="orthographicFront">
               <a:rot lat="0" lon="0" rev="0"/>
             </a:camera>
-            <a:lightRig rig="contrasting" dir="t">
-              <a:rot lat="0" lon="0" rev="7800000"/>
+            <a:lightRig rig="balanced" dir="t">
+              <a:rot lat="0" lon="0" rev="8700000"/>
             </a:lightRig>
           </a:scene3d>
           <a:sp3d>
-            <a:bevelT w="139700" h="139700"/>
+            <a:bevelT w="190500" h="38100"/>
           </a:sp3d>
         </p:spPr>
         <p:style>
@@ -15441,12 +17375,36 @@
         </p:nvSpPr>
         <p:spPr>
           <a:xfrm>
-            <a:off x="1357290" y="2786058"/>
-            <a:ext cx="1796847" cy="285752"/>
+            <a:off x="1428728" y="3070100"/>
+            <a:ext cx="1714512" cy="501776"/>
           </a:xfrm>
           <a:prstGeom prst="roundRect">
             <a:avLst/>
           </a:prstGeom>
+          <a:solidFill>
+            <a:srgbClr val="698DB5"/>
+          </a:solidFill>
+          <a:ln>
+            <a:noFill/>
+          </a:ln>
+          <a:effectLst>
+            <a:outerShdw blurRad="44450" dist="27940" dir="5400000" algn="ctr">
+              <a:srgbClr val="000000">
+                <a:alpha val="32000"/>
+              </a:srgbClr>
+            </a:outerShdw>
+          </a:effectLst>
+          <a:scene3d>
+            <a:camera prst="orthographicFront">
+              <a:rot lat="0" lon="0" rev="0"/>
+            </a:camera>
+            <a:lightRig rig="balanced" dir="t">
+              <a:rot lat="0" lon="0" rev="8700000"/>
+            </a:lightRig>
+          </a:scene3d>
+          <a:sp3d>
+            <a:bevelT w="190500" h="38100"/>
+          </a:sp3d>
         </p:spPr>
         <p:style>
           <a:lnRef idx="2">
@@ -15475,106 +17433,42 @@
       </p:sp>
       <p:sp>
         <p:nvSpPr>
-          <p:cNvPr id="18" name="17 Disco magnético"/>
-          <p:cNvSpPr/>
-          <p:nvPr/>
-        </p:nvSpPr>
-        <p:spPr>
-          <a:xfrm>
-            <a:off x="1428728" y="5214950"/>
-            <a:ext cx="2500330" cy="1357322"/>
-          </a:xfrm>
-          <a:prstGeom prst="flowChartMagneticDisk">
-            <a:avLst/>
-          </a:prstGeom>
-          <a:solidFill>
-            <a:srgbClr val="20B027"/>
-          </a:solidFill>
-          <a:ln>
-            <a:solidFill>
-              <a:schemeClr val="tx1"/>
-            </a:solidFill>
-          </a:ln>
-        </p:spPr>
-        <p:style>
-          <a:lnRef idx="2">
-            <a:schemeClr val="accent2">
-              <a:shade val="50000"/>
-            </a:schemeClr>
-          </a:lnRef>
-          <a:fillRef idx="1">
-            <a:schemeClr val="accent2"/>
-          </a:fillRef>
-          <a:effectRef idx="0">
-            <a:schemeClr val="accent2"/>
-          </a:effectRef>
-          <a:fontRef idx="minor">
-            <a:schemeClr val="lt1"/>
-          </a:fontRef>
-        </p:style>
-        <p:txBody>
-          <a:bodyPr rtlCol="0" anchor="ctr"/>
-          <a:lstStyle/>
-          <a:p>
-            <a:pPr algn="ctr"/>
-            <a:endParaRPr lang="es-ES"/>
-          </a:p>
-        </p:txBody>
-      </p:sp>
-      <p:sp>
-        <p:nvSpPr>
           <p:cNvPr id="19" name="18 Rectángulo redondeado"/>
           <p:cNvSpPr/>
           <p:nvPr/>
         </p:nvSpPr>
         <p:spPr>
           <a:xfrm>
-            <a:off x="857224" y="4071942"/>
-            <a:ext cx="2857520" cy="500066"/>
+            <a:off x="1142976" y="4929198"/>
+            <a:ext cx="2286016" cy="785818"/>
           </a:xfrm>
           <a:prstGeom prst="roundRect">
             <a:avLst/>
           </a:prstGeom>
-        </p:spPr>
-        <p:style>
-          <a:lnRef idx="2">
-            <a:schemeClr val="accent1">
-              <a:shade val="50000"/>
-            </a:schemeClr>
-          </a:lnRef>
-          <a:fillRef idx="1">
-            <a:schemeClr val="accent1"/>
-          </a:fillRef>
-          <a:effectRef idx="0">
-            <a:schemeClr val="accent1"/>
-          </a:effectRef>
-          <a:fontRef idx="minor">
-            <a:schemeClr val="lt1"/>
-          </a:fontRef>
-        </p:style>
-        <p:txBody>
-          <a:bodyPr rtlCol="0" anchor="ctr"/>
-          <a:lstStyle/>
-          <a:p>
-            <a:pPr algn="ctr"/>
-            <a:endParaRPr lang="es-ES"/>
-          </a:p>
-        </p:txBody>
-      </p:sp>
-      <p:sp>
-        <p:nvSpPr>
-          <p:cNvPr id="20" name="19 Rectángulo redondeado"/>
-          <p:cNvSpPr/>
-          <p:nvPr/>
-        </p:nvSpPr>
-        <p:spPr>
-          <a:xfrm>
-            <a:off x="857224" y="5072074"/>
-            <a:ext cx="2857520" cy="500066"/>
-          </a:xfrm>
-          <a:prstGeom prst="roundRect">
-            <a:avLst/>
-          </a:prstGeom>
+          <a:solidFill>
+            <a:srgbClr val="6A0C5D"/>
+          </a:solidFill>
+          <a:ln>
+            <a:noFill/>
+          </a:ln>
+          <a:effectLst>
+            <a:outerShdw blurRad="44450" dist="27940" dir="5400000" algn="ctr">
+              <a:srgbClr val="000000">
+                <a:alpha val="32000"/>
+              </a:srgbClr>
+            </a:outerShdw>
+          </a:effectLst>
+          <a:scene3d>
+            <a:camera prst="orthographicFront">
+              <a:rot lat="0" lon="0" rev="0"/>
+            </a:camera>
+            <a:lightRig rig="balanced" dir="t">
+              <a:rot lat="0" lon="0" rev="8700000"/>
+            </a:lightRig>
+          </a:scene3d>
+          <a:sp3d>
+            <a:bevelT w="190500" h="38100"/>
+          </a:sp3d>
         </p:spPr>
         <p:style>
           <a:lnRef idx="2">
@@ -15609,12 +17503,39 @@
         </p:nvSpPr>
         <p:spPr>
           <a:xfrm>
-            <a:off x="928662" y="3571876"/>
-            <a:ext cx="2857520" cy="500066"/>
+            <a:off x="1142976" y="3857628"/>
+            <a:ext cx="2286016" cy="785818"/>
           </a:xfrm>
           <a:prstGeom prst="roundRect">
             <a:avLst/>
           </a:prstGeom>
+          <a:solidFill>
+            <a:schemeClr val="accent4">
+              <a:lumMod val="40000"/>
+              <a:lumOff val="60000"/>
+            </a:schemeClr>
+          </a:solidFill>
+          <a:ln>
+            <a:noFill/>
+          </a:ln>
+          <a:effectLst>
+            <a:outerShdw blurRad="44450" dist="27940" dir="5400000" algn="ctr">
+              <a:srgbClr val="000000">
+                <a:alpha val="32000"/>
+              </a:srgbClr>
+            </a:outerShdw>
+          </a:effectLst>
+          <a:scene3d>
+            <a:camera prst="orthographicFront">
+              <a:rot lat="0" lon="0" rev="0"/>
+            </a:camera>
+            <a:lightRig rig="balanced" dir="t">
+              <a:rot lat="0" lon="0" rev="8700000"/>
+            </a:lightRig>
+          </a:scene3d>
+          <a:sp3d>
+            <a:bevelT w="190500" h="38100"/>
+          </a:sp3d>
         </p:spPr>
         <p:style>
           <a:lnRef idx="2">
@@ -15637,7 +17558,14 @@
           <a:lstStyle/>
           <a:p>
             <a:pPr algn="ctr"/>
-            <a:endParaRPr lang="es-ES"/>
+            <a:endParaRPr lang="es-ES" dirty="0">
+              <a:solidFill>
+                <a:schemeClr val="tx1">
+                  <a:lumMod val="95000"/>
+                  <a:lumOff val="5000"/>
+                </a:schemeClr>
+              </a:solidFill>
+            </a:endParaRPr>
           </a:p>
         </p:txBody>
       </p:sp>
@@ -15649,12 +17577,38 @@
         </p:nvSpPr>
         <p:spPr>
           <a:xfrm>
-            <a:off x="4929190" y="1857364"/>
+            <a:off x="3714744" y="1857364"/>
             <a:ext cx="1785950" cy="3286148"/>
           </a:xfrm>
           <a:prstGeom prst="roundRect">
-            <a:avLst/>
+            <a:avLst>
+              <a:gd name="adj" fmla="val 9586"/>
+            </a:avLst>
           </a:prstGeom>
+          <a:solidFill>
+            <a:srgbClr val="7B7B7B"/>
+          </a:solidFill>
+          <a:ln>
+            <a:noFill/>
+          </a:ln>
+          <a:effectLst>
+            <a:outerShdw blurRad="44450" dist="27940" dir="5400000" algn="ctr">
+              <a:srgbClr val="000000">
+                <a:alpha val="32000"/>
+              </a:srgbClr>
+            </a:outerShdw>
+          </a:effectLst>
+          <a:scene3d>
+            <a:camera prst="orthographicFront">
+              <a:rot lat="0" lon="0" rev="0"/>
+            </a:camera>
+            <a:lightRig rig="balanced" dir="t">
+              <a:rot lat="0" lon="0" rev="8700000"/>
+            </a:lightRig>
+          </a:scene3d>
+          <a:sp3d>
+            <a:bevelT w="190500" h="38100"/>
+          </a:sp3d>
         </p:spPr>
         <p:style>
           <a:lnRef idx="2">
@@ -15689,7 +17643,7 @@
         </p:nvSpPr>
         <p:spPr>
           <a:xfrm>
-            <a:off x="4929190" y="5214950"/>
+            <a:off x="3714744" y="5214950"/>
             <a:ext cx="1785950" cy="1847864"/>
           </a:xfrm>
           <a:prstGeom prst="roundRect">
@@ -15721,7 +17675,754 @@
           </a:p>
         </p:txBody>
       </p:sp>
+      <p:pic>
+        <p:nvPicPr>
+          <p:cNvPr id="3" name="Picture 2"/>
+          <p:cNvPicPr>
+            <a:picLocks noChangeAspect="1"/>
+          </p:cNvPicPr>
+          <p:nvPr/>
+        </p:nvPicPr>
+        <p:blipFill>
+          <a:blip r:embed="rId3">
+            <a:extLst>
+              <a:ext uri="{28A0092B-C50C-407E-A947-70E740481C1C}">
+                <a14:useLocalDpi xmlns:a14="http://schemas.microsoft.com/office/drawing/2010/main" xmlns="" val="0"/>
+              </a:ext>
+            </a:extLst>
+          </a:blip>
+          <a:stretch>
+            <a:fillRect/>
+          </a:stretch>
+        </p:blipFill>
+        <p:spPr>
+          <a:xfrm>
+            <a:off x="1881873" y="5739533"/>
+            <a:ext cx="975615" cy="975615"/>
+          </a:xfrm>
+          <a:prstGeom prst="rect">
+            <a:avLst/>
+          </a:prstGeom>
+        </p:spPr>
+      </p:pic>
+      <p:pic>
+        <p:nvPicPr>
+          <p:cNvPr id="7" name="Picture 6"/>
+          <p:cNvPicPr>
+            <a:picLocks noChangeAspect="1"/>
+          </p:cNvPicPr>
+          <p:nvPr/>
+        </p:nvPicPr>
+        <p:blipFill>
+          <a:blip r:embed="rId4">
+            <a:extLst>
+              <a:ext uri="{28A0092B-C50C-407E-A947-70E740481C1C}">
+                <a14:useLocalDpi xmlns:a14="http://schemas.microsoft.com/office/drawing/2010/main" xmlns="" val="0"/>
+              </a:ext>
+            </a:extLst>
+          </a:blip>
+          <a:stretch>
+            <a:fillRect/>
+          </a:stretch>
+        </p:blipFill>
+        <p:spPr>
+          <a:xfrm>
+            <a:off x="2008879" y="1933166"/>
+            <a:ext cx="526606" cy="352826"/>
+          </a:xfrm>
+          <a:prstGeom prst="rect">
+            <a:avLst/>
+          </a:prstGeom>
+        </p:spPr>
+      </p:pic>
+      <p:pic>
+        <p:nvPicPr>
+          <p:cNvPr id="11" name="Picture 10"/>
+          <p:cNvPicPr>
+            <a:picLocks noChangeAspect="1"/>
+          </p:cNvPicPr>
+          <p:nvPr/>
+        </p:nvPicPr>
+        <p:blipFill>
+          <a:blip r:embed="rId5" cstate="print">
+            <a:extLst>
+              <a:ext uri="{28A0092B-C50C-407E-A947-70E740481C1C}">
+                <a14:useLocalDpi xmlns:a14="http://schemas.microsoft.com/office/drawing/2010/main" xmlns="" val="0"/>
+              </a:ext>
+            </a:extLst>
+          </a:blip>
+          <a:stretch>
+            <a:fillRect/>
+          </a:stretch>
+        </p:blipFill>
+        <p:spPr>
+          <a:xfrm>
+            <a:off x="1214414" y="4000504"/>
+            <a:ext cx="357631" cy="544616"/>
+          </a:xfrm>
+          <a:prstGeom prst="rect">
+            <a:avLst/>
+          </a:prstGeom>
+        </p:spPr>
+      </p:pic>
+      <p:sp>
+        <p:nvSpPr>
+          <p:cNvPr id="16" name="15 CuadroTexto"/>
+          <p:cNvSpPr txBox="1"/>
+          <p:nvPr/>
+        </p:nvSpPr>
+        <p:spPr>
+          <a:xfrm>
+            <a:off x="1571604" y="2500306"/>
+            <a:ext cx="1428760" cy="184666"/>
+          </a:xfrm>
+          <a:prstGeom prst="rect">
+            <a:avLst/>
+          </a:prstGeom>
+          <a:noFill/>
+        </p:spPr>
+        <p:txBody>
+          <a:bodyPr wrap="square" rtlCol="0">
+            <a:spAutoFit/>
+          </a:bodyPr>
+          <a:lstStyle/>
+          <a:p>
+            <a:r>
+              <a:rPr lang="es-ES" sz="600" dirty="0" err="1" smtClean="0">
+                <a:solidFill>
+                  <a:schemeClr val="bg1"/>
+                </a:solidFill>
+              </a:rPr>
+              <a:t>Widgets</a:t>
+            </a:r>
+            <a:r>
+              <a:rPr lang="es-ES" sz="600" dirty="0" smtClean="0">
+                <a:solidFill>
+                  <a:schemeClr val="bg1"/>
+                </a:solidFill>
+              </a:rPr>
+              <a:t> – CSS – </a:t>
+            </a:r>
+            <a:r>
+              <a:rPr lang="es-ES" sz="600" dirty="0" err="1" smtClean="0">
+                <a:solidFill>
+                  <a:schemeClr val="bg1"/>
+                </a:solidFill>
+              </a:rPr>
+              <a:t>Image</a:t>
+            </a:r>
+            <a:r>
+              <a:rPr lang="es-ES" sz="600" dirty="0" smtClean="0">
+                <a:solidFill>
+                  <a:schemeClr val="bg1"/>
+                </a:solidFill>
+              </a:rPr>
+              <a:t> - </a:t>
+            </a:r>
+            <a:r>
+              <a:rPr lang="es-ES" sz="600" dirty="0" err="1" smtClean="0">
+                <a:solidFill>
+                  <a:schemeClr val="bg1"/>
+                </a:solidFill>
+              </a:rPr>
+              <a:t>Javascript</a:t>
+            </a:r>
+            <a:endParaRPr lang="es-ES" sz="600" dirty="0">
+              <a:solidFill>
+                <a:schemeClr val="bg1"/>
+              </a:solidFill>
+            </a:endParaRPr>
+          </a:p>
+        </p:txBody>
+      </p:sp>
+      <p:sp>
+        <p:nvSpPr>
+          <p:cNvPr id="17" name="16 CuadroTexto"/>
+          <p:cNvSpPr txBox="1"/>
+          <p:nvPr/>
+        </p:nvSpPr>
+        <p:spPr>
+          <a:xfrm>
+            <a:off x="1857356" y="3284994"/>
+            <a:ext cx="785818" cy="215444"/>
+          </a:xfrm>
+          <a:prstGeom prst="rect">
+            <a:avLst/>
+          </a:prstGeom>
+          <a:noFill/>
+        </p:spPr>
+        <p:txBody>
+          <a:bodyPr wrap="square" rtlCol="0">
+            <a:spAutoFit/>
+          </a:bodyPr>
+          <a:lstStyle/>
+          <a:p>
+            <a:pPr algn="ctr"/>
+            <a:r>
+              <a:rPr lang="es-ES" sz="800" b="1" dirty="0" smtClean="0">
+                <a:solidFill>
+                  <a:schemeClr val="bg1"/>
+                </a:solidFill>
+              </a:rPr>
+              <a:t>GWT Server</a:t>
+            </a:r>
+            <a:endParaRPr lang="es-ES" sz="800" b="1" dirty="0">
+              <a:solidFill>
+                <a:schemeClr val="bg1"/>
+              </a:solidFill>
+            </a:endParaRPr>
+          </a:p>
+        </p:txBody>
+      </p:sp>
+      <p:sp>
+        <p:nvSpPr>
+          <p:cNvPr id="18" name="17 Flecha arriba y abajo"/>
+          <p:cNvSpPr/>
+          <p:nvPr/>
+        </p:nvSpPr>
+        <p:spPr>
+          <a:xfrm>
+            <a:off x="2143108" y="2857496"/>
+            <a:ext cx="214314" cy="285752"/>
+          </a:xfrm>
+          <a:prstGeom prst="upDownArrow">
+            <a:avLst/>
+          </a:prstGeom>
+          <a:solidFill>
+            <a:srgbClr val="F5FEA0"/>
+          </a:solidFill>
+          <a:ln>
+            <a:noFill/>
+          </a:ln>
+        </p:spPr>
+        <p:style>
+          <a:lnRef idx="2">
+            <a:schemeClr val="accent1">
+              <a:shade val="50000"/>
+            </a:schemeClr>
+          </a:lnRef>
+          <a:fillRef idx="1">
+            <a:schemeClr val="accent1"/>
+          </a:fillRef>
+          <a:effectRef idx="0">
+            <a:schemeClr val="accent1"/>
+          </a:effectRef>
+          <a:fontRef idx="minor">
+            <a:schemeClr val="lt1"/>
+          </a:fontRef>
+        </p:style>
+        <p:txBody>
+          <a:bodyPr rtlCol="0" anchor="ctr"/>
+          <a:lstStyle/>
+          <a:p>
+            <a:pPr algn="ctr"/>
+            <a:endParaRPr lang="es-ES"/>
+          </a:p>
+        </p:txBody>
+      </p:sp>
+      <p:sp>
+        <p:nvSpPr>
+          <p:cNvPr id="24" name="23 CuadroTexto"/>
+          <p:cNvSpPr txBox="1"/>
+          <p:nvPr/>
+        </p:nvSpPr>
+        <p:spPr>
+          <a:xfrm>
+            <a:off x="1857356" y="2652706"/>
+            <a:ext cx="776294" cy="215444"/>
+          </a:xfrm>
+          <a:prstGeom prst="rect">
+            <a:avLst/>
+          </a:prstGeom>
+          <a:noFill/>
+        </p:spPr>
+        <p:txBody>
+          <a:bodyPr wrap="square" rtlCol="0">
+            <a:spAutoFit/>
+          </a:bodyPr>
+          <a:lstStyle/>
+          <a:p>
+            <a:pPr algn="ctr"/>
+            <a:r>
+              <a:rPr lang="es-ES" sz="800" b="1" dirty="0" smtClean="0">
+                <a:solidFill>
+                  <a:schemeClr val="bg1"/>
+                </a:solidFill>
+              </a:rPr>
+              <a:t>GWT </a:t>
+            </a:r>
+            <a:r>
+              <a:rPr lang="es-ES" sz="800" b="1" dirty="0" err="1" smtClean="0">
+                <a:solidFill>
+                  <a:schemeClr val="bg1"/>
+                </a:solidFill>
+              </a:rPr>
+              <a:t>Client</a:t>
+            </a:r>
+            <a:endParaRPr lang="es-ES" sz="800" b="1" dirty="0">
+              <a:solidFill>
+                <a:schemeClr val="bg1"/>
+              </a:solidFill>
+            </a:endParaRPr>
+          </a:p>
+        </p:txBody>
+      </p:sp>
+      <p:sp>
+        <p:nvSpPr>
+          <p:cNvPr id="25" name="24 CuadroTexto"/>
+          <p:cNvSpPr txBox="1"/>
+          <p:nvPr/>
+        </p:nvSpPr>
+        <p:spPr>
+          <a:xfrm>
+            <a:off x="2000232" y="3143248"/>
+            <a:ext cx="428628" cy="184666"/>
+          </a:xfrm>
+          <a:prstGeom prst="rect">
+            <a:avLst/>
+          </a:prstGeom>
+          <a:noFill/>
+        </p:spPr>
+        <p:txBody>
+          <a:bodyPr wrap="square" rtlCol="0">
+            <a:spAutoFit/>
+          </a:bodyPr>
+          <a:lstStyle/>
+          <a:p>
+            <a:r>
+              <a:rPr lang="es-ES" sz="600" dirty="0" err="1" smtClean="0">
+                <a:solidFill>
+                  <a:schemeClr val="bg1"/>
+                </a:solidFill>
+              </a:rPr>
+              <a:t>Servlet</a:t>
+            </a:r>
+            <a:endParaRPr lang="es-ES" sz="600" dirty="0">
+              <a:solidFill>
+                <a:schemeClr val="bg1"/>
+              </a:solidFill>
+            </a:endParaRPr>
+          </a:p>
+        </p:txBody>
+      </p:sp>
+      <p:sp>
+        <p:nvSpPr>
+          <p:cNvPr id="26" name="25 CuadroTexto"/>
+          <p:cNvSpPr txBox="1"/>
+          <p:nvPr/>
+        </p:nvSpPr>
+        <p:spPr>
+          <a:xfrm>
+            <a:off x="1571604" y="4051764"/>
+            <a:ext cx="1357322" cy="215444"/>
+          </a:xfrm>
+          <a:prstGeom prst="rect">
+            <a:avLst/>
+          </a:prstGeom>
+          <a:noFill/>
+        </p:spPr>
+        <p:txBody>
+          <a:bodyPr wrap="square" rtlCol="0">
+            <a:spAutoFit/>
+          </a:bodyPr>
+          <a:lstStyle/>
+          <a:p>
+            <a:pPr algn="ctr"/>
+            <a:r>
+              <a:rPr lang="es-ES" sz="800" dirty="0" err="1" smtClean="0">
+                <a:solidFill>
+                  <a:schemeClr val="tx1">
+                    <a:lumMod val="95000"/>
+                    <a:lumOff val="5000"/>
+                  </a:schemeClr>
+                </a:solidFill>
+              </a:rPr>
+              <a:t>Transactional</a:t>
+            </a:r>
+            <a:r>
+              <a:rPr lang="es-ES" sz="800" dirty="0" smtClean="0">
+                <a:solidFill>
+                  <a:schemeClr val="tx1">
+                    <a:lumMod val="95000"/>
+                    <a:lumOff val="5000"/>
+                  </a:schemeClr>
+                </a:solidFill>
+              </a:rPr>
+              <a:t> Java </a:t>
+            </a:r>
+            <a:r>
+              <a:rPr lang="es-ES" sz="800" dirty="0" err="1" smtClean="0">
+                <a:solidFill>
+                  <a:schemeClr val="tx1">
+                    <a:lumMod val="95000"/>
+                    <a:lumOff val="5000"/>
+                  </a:schemeClr>
+                </a:solidFill>
+              </a:rPr>
+              <a:t>Class</a:t>
+            </a:r>
+            <a:endParaRPr lang="es-ES" sz="800" dirty="0">
+              <a:solidFill>
+                <a:schemeClr val="tx1">
+                  <a:lumMod val="95000"/>
+                  <a:lumOff val="5000"/>
+                </a:schemeClr>
+              </a:solidFill>
+            </a:endParaRPr>
+          </a:p>
+        </p:txBody>
+      </p:sp>
+      <p:sp>
+        <p:nvSpPr>
+          <p:cNvPr id="27" name="26 CuadroTexto"/>
+          <p:cNvSpPr txBox="1"/>
+          <p:nvPr/>
+        </p:nvSpPr>
+        <p:spPr>
+          <a:xfrm>
+            <a:off x="1857356" y="4242263"/>
+            <a:ext cx="776294" cy="253916"/>
+          </a:xfrm>
+          <a:prstGeom prst="rect">
+            <a:avLst/>
+          </a:prstGeom>
+          <a:noFill/>
+        </p:spPr>
+        <p:txBody>
+          <a:bodyPr wrap="square" rtlCol="0">
+            <a:spAutoFit/>
+          </a:bodyPr>
+          <a:lstStyle/>
+          <a:p>
+            <a:pPr algn="ctr"/>
+            <a:r>
+              <a:rPr lang="es-ES" sz="1050" b="1" dirty="0" err="1" smtClean="0">
+                <a:solidFill>
+                  <a:schemeClr val="tx1">
+                    <a:lumMod val="95000"/>
+                    <a:lumOff val="5000"/>
+                  </a:schemeClr>
+                </a:solidFill>
+              </a:rPr>
+              <a:t>Services</a:t>
+            </a:r>
+            <a:endParaRPr lang="es-ES" sz="800" b="1" dirty="0">
+              <a:solidFill>
+                <a:schemeClr val="tx1">
+                  <a:lumMod val="95000"/>
+                  <a:lumOff val="5000"/>
+                </a:schemeClr>
+              </a:solidFill>
+            </a:endParaRPr>
+          </a:p>
+        </p:txBody>
+      </p:sp>
+      <p:sp>
+        <p:nvSpPr>
+          <p:cNvPr id="28" name="27 CuadroTexto"/>
+          <p:cNvSpPr txBox="1"/>
+          <p:nvPr/>
+        </p:nvSpPr>
+        <p:spPr>
+          <a:xfrm>
+            <a:off x="1500166" y="5072074"/>
+            <a:ext cx="1643074" cy="215444"/>
+          </a:xfrm>
+          <a:prstGeom prst="rect">
+            <a:avLst/>
+          </a:prstGeom>
+          <a:noFill/>
+        </p:spPr>
+        <p:txBody>
+          <a:bodyPr wrap="square" rtlCol="0">
+            <a:spAutoFit/>
+          </a:bodyPr>
+          <a:lstStyle/>
+          <a:p>
+            <a:pPr algn="ctr"/>
+            <a:r>
+              <a:rPr lang="es-ES" sz="800" dirty="0" smtClean="0">
+                <a:solidFill>
+                  <a:schemeClr val="bg1"/>
+                </a:solidFill>
+              </a:rPr>
+              <a:t>ORM - </a:t>
+            </a:r>
+            <a:r>
+              <a:rPr lang="es-ES" sz="800" dirty="0" err="1" smtClean="0">
+                <a:solidFill>
+                  <a:schemeClr val="bg1"/>
+                </a:solidFill>
+              </a:rPr>
+              <a:t>Hibernate</a:t>
+            </a:r>
+            <a:endParaRPr lang="es-ES" sz="800" dirty="0">
+              <a:solidFill>
+                <a:schemeClr val="bg1"/>
+              </a:solidFill>
+            </a:endParaRPr>
+          </a:p>
+        </p:txBody>
+      </p:sp>
+      <p:sp>
+        <p:nvSpPr>
+          <p:cNvPr id="29" name="28 CuadroTexto"/>
+          <p:cNvSpPr txBox="1"/>
+          <p:nvPr/>
+        </p:nvSpPr>
+        <p:spPr>
+          <a:xfrm>
+            <a:off x="1928794" y="5286388"/>
+            <a:ext cx="776294" cy="253916"/>
+          </a:xfrm>
+          <a:prstGeom prst="rect">
+            <a:avLst/>
+          </a:prstGeom>
+          <a:noFill/>
+        </p:spPr>
+        <p:txBody>
+          <a:bodyPr wrap="square" rtlCol="0">
+            <a:spAutoFit/>
+          </a:bodyPr>
+          <a:lstStyle/>
+          <a:p>
+            <a:pPr algn="ctr"/>
+            <a:r>
+              <a:rPr lang="es-ES" sz="1050" b="1" dirty="0" err="1" smtClean="0">
+                <a:solidFill>
+                  <a:schemeClr val="bg1"/>
+                </a:solidFill>
+              </a:rPr>
+              <a:t>DAOs</a:t>
+            </a:r>
+            <a:endParaRPr lang="es-ES" sz="1050" b="1" dirty="0">
+              <a:solidFill>
+                <a:schemeClr val="bg1"/>
+              </a:solidFill>
+            </a:endParaRPr>
+          </a:p>
+        </p:txBody>
+      </p:sp>
+      <p:pic>
+        <p:nvPicPr>
+          <p:cNvPr id="30" name="29 Imagen" descr="hibernate.png"/>
+          <p:cNvPicPr>
+            <a:picLocks noChangeAspect="1"/>
+          </p:cNvPicPr>
+          <p:nvPr/>
+        </p:nvPicPr>
+        <p:blipFill>
+          <a:blip r:embed="rId6"/>
+          <a:stretch>
+            <a:fillRect/>
+          </a:stretch>
+        </p:blipFill>
+        <p:spPr>
+          <a:xfrm>
+            <a:off x="1186058" y="5114269"/>
+            <a:ext cx="456984" cy="447560"/>
+          </a:xfrm>
+          <a:prstGeom prst="rect">
+            <a:avLst/>
+          </a:prstGeom>
+        </p:spPr>
+      </p:pic>
+      <p:pic>
+        <p:nvPicPr>
+          <p:cNvPr id="31" name="30 Imagen" descr="interface.png"/>
+          <p:cNvPicPr>
+            <a:picLocks noChangeAspect="1"/>
+          </p:cNvPicPr>
+          <p:nvPr/>
+        </p:nvPicPr>
+        <p:blipFill>
+          <a:blip r:embed="rId7"/>
+          <a:stretch>
+            <a:fillRect/>
+          </a:stretch>
+        </p:blipFill>
+        <p:spPr>
+          <a:xfrm>
+            <a:off x="6336208" y="1785926"/>
+            <a:ext cx="2236320" cy="1714512"/>
+          </a:xfrm>
+          <a:prstGeom prst="rect">
+            <a:avLst/>
+          </a:prstGeom>
+        </p:spPr>
+      </p:pic>
     </p:spTree>
+  </p:cSld>
+  <p:clrMapOvr>
+    <a:masterClrMapping/>
+  </p:clrMapOvr>
+  <p:timing>
+    <p:tnLst>
+      <p:par>
+        <p:cTn id="1" dur="indefinite" restart="never" nodeType="tmRoot"/>
+      </p:par>
+    </p:tnLst>
+  </p:timing>
+</p:sld>
+</file>
+
+<file path=ppt/slides/slide9.xml><?xml version="1.0" encoding="utf-8"?>
+<p:sld xmlns:a="http://schemas.openxmlformats.org/drawingml/2006/main" xmlns:r="http://schemas.openxmlformats.org/officeDocument/2006/relationships" xmlns:p="http://schemas.openxmlformats.org/presentationml/2006/main">
+  <p:cSld>
+    <p:spTree>
+      <p:nvGrpSpPr>
+        <p:cNvPr id="1" name=""/>
+        <p:cNvGrpSpPr/>
+        <p:nvPr/>
+      </p:nvGrpSpPr>
+      <p:grpSpPr>
+        <a:xfrm>
+          <a:off x="0" y="0"/>
+          <a:ext cx="0" cy="0"/>
+          <a:chOff x="0" y="0"/>
+          <a:chExt cx="0" cy="0"/>
+        </a:xfrm>
+      </p:grpSpPr>
+      <p:sp>
+        <p:nvSpPr>
+          <p:cNvPr id="2" name="1 Título"/>
+          <p:cNvSpPr>
+            <a:spLocks noGrp="1"/>
+          </p:cNvSpPr>
+          <p:nvPr>
+            <p:ph type="title"/>
+          </p:nvPr>
+        </p:nvSpPr>
+        <p:spPr>
+          <a:xfrm>
+            <a:off x="304800" y="447660"/>
+            <a:ext cx="8686800" cy="838200"/>
+          </a:xfrm>
+        </p:spPr>
+        <p:txBody>
+          <a:bodyPr/>
+          <a:lstStyle/>
+          <a:p>
+            <a:r>
+              <a:rPr lang="es-ES" dirty="0" smtClean="0"/>
+              <a:t>Tempore</a:t>
+            </a:r>
+            <a:endParaRPr lang="es-ES" dirty="0"/>
+          </a:p>
+        </p:txBody>
+      </p:sp>
+      <p:sp>
+        <p:nvSpPr>
+          <p:cNvPr id="4" name="3 Marcador de pie de página"/>
+          <p:cNvSpPr>
+            <a:spLocks noGrp="1"/>
+          </p:cNvSpPr>
+          <p:nvPr>
+            <p:ph type="ftr" sz="quarter" idx="11"/>
+          </p:nvPr>
+        </p:nvSpPr>
+        <p:spPr>
+          <a:xfrm>
+            <a:off x="3867120" y="862018"/>
+            <a:ext cx="5276880" cy="352404"/>
+          </a:xfrm>
+        </p:spPr>
+        <p:txBody>
+          <a:bodyPr/>
+          <a:lstStyle/>
+          <a:p>
+            <a:r>
+              <a:rPr lang="es-ES" sz="1000" dirty="0" smtClean="0">
+                <a:solidFill>
+                  <a:schemeClr val="accent1">
+                    <a:lumMod val="50000"/>
+                  </a:schemeClr>
+                </a:solidFill>
+                <a:latin typeface="Verdana" pitchFamily="34" charset="0"/>
+                <a:ea typeface="Verdana" pitchFamily="34" charset="0"/>
+                <a:cs typeface="Verdana" pitchFamily="34" charset="0"/>
+              </a:rPr>
+              <a:t>Facultad de Ingeniería de la Universidad de Buenos Aires – Marzo 2012</a:t>
+            </a:r>
+            <a:endParaRPr lang="es-ES" sz="1000" dirty="0">
+              <a:solidFill>
+                <a:schemeClr val="accent1">
+                  <a:lumMod val="50000"/>
+                </a:schemeClr>
+              </a:solidFill>
+              <a:latin typeface="Verdana" pitchFamily="34" charset="0"/>
+              <a:ea typeface="Verdana" pitchFamily="34" charset="0"/>
+              <a:cs typeface="Verdana" pitchFamily="34" charset="0"/>
+            </a:endParaRPr>
+          </a:p>
+        </p:txBody>
+      </p:sp>
+      <p:pic>
+        <p:nvPicPr>
+          <p:cNvPr id="7" name="Picture 6"/>
+          <p:cNvPicPr>
+            <a:picLocks noChangeAspect="1"/>
+          </p:cNvPicPr>
+          <p:nvPr/>
+        </p:nvPicPr>
+        <p:blipFill>
+          <a:blip r:embed="rId3">
+            <a:extLst>
+              <a:ext uri="{28A0092B-C50C-407E-A947-70E740481C1C}">
+                <a14:useLocalDpi xmlns:a14="http://schemas.microsoft.com/office/drawing/2010/main" xmlns="" val="0"/>
+              </a:ext>
+            </a:extLst>
+          </a:blip>
+          <a:stretch>
+            <a:fillRect/>
+          </a:stretch>
+        </p:blipFill>
+        <p:spPr>
+          <a:xfrm>
+            <a:off x="2555776" y="2564904"/>
+            <a:ext cx="4248472" cy="2992202"/>
+          </a:xfrm>
+          <a:prstGeom prst="rect">
+            <a:avLst/>
+          </a:prstGeom>
+        </p:spPr>
+      </p:pic>
+      <p:pic>
+        <p:nvPicPr>
+          <p:cNvPr id="9" name="Picture 8"/>
+          <p:cNvPicPr>
+            <a:picLocks noChangeAspect="1"/>
+          </p:cNvPicPr>
+          <p:nvPr/>
+        </p:nvPicPr>
+        <p:blipFill>
+          <a:blip r:embed="rId4">
+            <a:extLst>
+              <a:ext uri="{28A0092B-C50C-407E-A947-70E740481C1C}">
+                <a14:useLocalDpi xmlns:a14="http://schemas.microsoft.com/office/drawing/2010/main" xmlns="" val="0"/>
+              </a:ext>
+            </a:extLst>
+          </a:blip>
+          <a:stretch>
+            <a:fillRect/>
+          </a:stretch>
+        </p:blipFill>
+        <p:spPr>
+          <a:xfrm>
+            <a:off x="971600" y="2164590"/>
+            <a:ext cx="1543348" cy="1475827"/>
+          </a:xfrm>
+          <a:prstGeom prst="rect">
+            <a:avLst/>
+          </a:prstGeom>
+        </p:spPr>
+      </p:pic>
+    </p:spTree>
+    <p:extLst>
+      <p:ext uri="{BB962C8B-B14F-4D97-AF65-F5344CB8AC3E}">
+        <p14:creationId xmlns:p14="http://schemas.microsoft.com/office/powerpoint/2010/main" xmlns="" val="1263880285"/>
+      </p:ext>
+    </p:extLst>
   </p:cSld>
   <p:clrMapOvr>
     <a:masterClrMapping/>
